--- a/発表資料_218K6078_檜山祐太.pptx
+++ b/発表資料_218K6078_檜山祐太.pptx
@@ -10,7 +10,7 @@
     <p:sldId id="258" r:id="rId4"/>
     <p:sldId id="277" r:id="rId5"/>
     <p:sldId id="278" r:id="rId6"/>
-    <p:sldId id="282" r:id="rId7"/>
+    <p:sldId id="285" r:id="rId7"/>
     <p:sldId id="272" r:id="rId8"/>
     <p:sldId id="259" r:id="rId9"/>
     <p:sldId id="284" r:id="rId10"/>
@@ -3933,10 +3933,10 @@
       </p:sp>
       <p:pic>
         <p:nvPicPr>
-          <p:cNvPr id="5" name="図 4">
-            <a:extLst>
-              <a:ext uri="{FF2B5EF4-FFF2-40B4-BE49-F238E27FC236}">
-                <a16:creationId xmlns:a16="http://schemas.microsoft.com/office/drawing/2014/main" id="{F8FABDE9-9A92-4380-ABDC-5DD00B1660CE}"/>
+          <p:cNvPr id="6" name="図 5" descr="グラフィカル ユーザー インターフェイス, アプリケーション&#10;&#10;自動的に生成された説明">
+            <a:extLst>
+              <a:ext uri="{FF2B5EF4-FFF2-40B4-BE49-F238E27FC236}">
+                <a16:creationId xmlns:a16="http://schemas.microsoft.com/office/drawing/2014/main" id="{B763D2DF-5D56-405A-A748-E8BA5A480997}"/>
               </a:ext>
             </a:extLst>
           </p:cNvPr>
@@ -3947,19 +3947,176 @@
         </p:nvPicPr>
         <p:blipFill rotWithShape="1">
           <a:blip r:embed="rId2"/>
-          <a:srcRect l="4748" t="54303" r="2083" b="5325"/>
+          <a:srcRect l="68279" t="63675" r="12312" b="7566"/>
           <a:stretch/>
         </p:blipFill>
-        <p:spPr>
+        <p:spPr bwMode="auto">
           <a:xfrm>
-            <a:off x="1" y="2734886"/>
-            <a:ext cx="12192000" cy="3577013"/>
+            <a:off x="7975600" y="2310129"/>
+            <a:ext cx="4074899" cy="3773022"/>
           </a:xfrm>
           <a:prstGeom prst="rect">
             <a:avLst/>
           </a:prstGeom>
+          <a:ln>
+            <a:noFill/>
+          </a:ln>
+          <a:extLst>
+            <a:ext uri="{53640926-AAD7-44D8-BBD7-CCE9431645EC}">
+              <a14:shadowObscured xmlns:a14="http://schemas.microsoft.com/office/drawing/2010/main"/>
+            </a:ext>
+          </a:extLst>
         </p:spPr>
       </p:pic>
+      <p:pic>
+        <p:nvPicPr>
+          <p:cNvPr id="7" name="図 6" descr="グラフィカル ユーザー インターフェイス, アプリケーション&#10;&#10;自動的に生成された説明">
+            <a:extLst>
+              <a:ext uri="{FF2B5EF4-FFF2-40B4-BE49-F238E27FC236}">
+                <a16:creationId xmlns:a16="http://schemas.microsoft.com/office/drawing/2014/main" id="{2DC52417-ED7B-4A9C-8A99-5A5D548C2013}"/>
+              </a:ext>
+            </a:extLst>
+          </p:cNvPr>
+          <p:cNvPicPr>
+            <a:picLocks noChangeAspect="1"/>
+          </p:cNvPicPr>
+          <p:nvPr/>
+        </p:nvPicPr>
+        <p:blipFill rotWithShape="1">
+          <a:blip r:embed="rId3"/>
+          <a:srcRect l="13952" t="56856" r="48363" b="14282"/>
+          <a:stretch/>
+        </p:blipFill>
+        <p:spPr bwMode="auto">
+          <a:xfrm>
+            <a:off x="-1" y="2310129"/>
+            <a:ext cx="7975601" cy="3817732"/>
+          </a:xfrm>
+          <a:prstGeom prst="rect">
+            <a:avLst/>
+          </a:prstGeom>
+          <a:ln>
+            <a:noFill/>
+          </a:ln>
+          <a:extLst>
+            <a:ext uri="{53640926-AAD7-44D8-BBD7-CCE9431645EC}">
+              <a14:shadowObscured xmlns:a14="http://schemas.microsoft.com/office/drawing/2010/main"/>
+            </a:ext>
+          </a:extLst>
+        </p:spPr>
+      </p:pic>
+      <p:sp>
+        <p:nvSpPr>
+          <p:cNvPr id="9" name="正方形/長方形 8">
+            <a:extLst>
+              <a:ext uri="{FF2B5EF4-FFF2-40B4-BE49-F238E27FC236}">
+                <a16:creationId xmlns:a16="http://schemas.microsoft.com/office/drawing/2014/main" id="{B873F649-1494-4A61-8B26-B4AED800C630}"/>
+              </a:ext>
+            </a:extLst>
+          </p:cNvPr>
+          <p:cNvSpPr/>
+          <p:nvPr/>
+        </p:nvSpPr>
+        <p:spPr>
+          <a:xfrm>
+            <a:off x="8041217" y="5498041"/>
+            <a:ext cx="4009282" cy="585109"/>
+          </a:xfrm>
+          <a:prstGeom prst="rect">
+            <a:avLst/>
+          </a:prstGeom>
+          <a:noFill/>
+          <a:ln>
+            <a:solidFill>
+              <a:srgbClr val="FF0000"/>
+            </a:solidFill>
+          </a:ln>
+        </p:spPr>
+        <p:style>
+          <a:lnRef idx="2">
+            <a:schemeClr val="accent1">
+              <a:shade val="50000"/>
+            </a:schemeClr>
+          </a:lnRef>
+          <a:fillRef idx="1">
+            <a:schemeClr val="accent1"/>
+          </a:fillRef>
+          <a:effectRef idx="0">
+            <a:schemeClr val="accent1"/>
+          </a:effectRef>
+          <a:fontRef idx="minor">
+            <a:schemeClr val="lt1"/>
+          </a:fontRef>
+        </p:style>
+        <p:txBody>
+          <a:bodyPr rot="0" spcFirstLastPara="0" vert="horz" wrap="square" lIns="91440" tIns="45720" rIns="91440" bIns="45720" numCol="1" spcCol="0" rtlCol="0" fromWordArt="0" anchor="ctr" anchorCtr="0" forceAA="0" compatLnSpc="1">
+            <a:prstTxWarp prst="textNoShape">
+              <a:avLst/>
+            </a:prstTxWarp>
+            <a:noAutofit/>
+          </a:bodyPr>
+          <a:lstStyle/>
+          <a:p>
+            <a:endParaRPr lang="ja-JP" altLang="en-US"/>
+          </a:p>
+        </p:txBody>
+      </p:sp>
+      <p:sp>
+        <p:nvSpPr>
+          <p:cNvPr id="10" name="正方形/長方形 9">
+            <a:extLst>
+              <a:ext uri="{FF2B5EF4-FFF2-40B4-BE49-F238E27FC236}">
+                <a16:creationId xmlns:a16="http://schemas.microsoft.com/office/drawing/2014/main" id="{D2698E1A-AF4C-4EF2-8F94-4A7C5DBBDCE4}"/>
+              </a:ext>
+            </a:extLst>
+          </p:cNvPr>
+          <p:cNvSpPr/>
+          <p:nvPr/>
+        </p:nvSpPr>
+        <p:spPr>
+          <a:xfrm>
+            <a:off x="4075642" y="4863041"/>
+            <a:ext cx="1292225" cy="635000"/>
+          </a:xfrm>
+          <a:prstGeom prst="rect">
+            <a:avLst/>
+          </a:prstGeom>
+          <a:noFill/>
+          <a:ln>
+            <a:solidFill>
+              <a:srgbClr val="FF0000"/>
+            </a:solidFill>
+          </a:ln>
+        </p:spPr>
+        <p:style>
+          <a:lnRef idx="2">
+            <a:schemeClr val="accent1">
+              <a:shade val="50000"/>
+            </a:schemeClr>
+          </a:lnRef>
+          <a:fillRef idx="1">
+            <a:schemeClr val="accent1"/>
+          </a:fillRef>
+          <a:effectRef idx="0">
+            <a:schemeClr val="accent1"/>
+          </a:effectRef>
+          <a:fontRef idx="minor">
+            <a:schemeClr val="lt1"/>
+          </a:fontRef>
+        </p:style>
+        <p:txBody>
+          <a:bodyPr rot="0" spcFirstLastPara="0" vert="horz" wrap="square" lIns="91440" tIns="45720" rIns="91440" bIns="45720" numCol="1" spcCol="0" rtlCol="0" fromWordArt="0" anchor="ctr" anchorCtr="0" forceAA="0" compatLnSpc="1">
+            <a:prstTxWarp prst="textNoShape">
+              <a:avLst/>
+            </a:prstTxWarp>
+            <a:noAutofit/>
+          </a:bodyPr>
+          <a:lstStyle/>
+          <a:p>
+            <a:endParaRPr lang="ja-JP" altLang="en-US"/>
+          </a:p>
+        </p:txBody>
+      </p:sp>
     </p:spTree>
     <p:extLst>
       <p:ext uri="{BB962C8B-B14F-4D97-AF65-F5344CB8AC3E}">
@@ -3970,6 +4127,130 @@
   <p:clrMapOvr>
     <a:masterClrMapping/>
   </p:clrMapOvr>
+  <p:timing>
+    <p:tnLst>
+      <p:par>
+        <p:cTn id="1" dur="indefinite" restart="never" nodeType="tmRoot">
+          <p:childTnLst>
+            <p:seq concurrent="1" nextAc="seek">
+              <p:cTn id="2" dur="indefinite" nodeType="mainSeq">
+                <p:childTnLst>
+                  <p:par>
+                    <p:cTn id="3" fill="hold">
+                      <p:stCondLst>
+                        <p:cond delay="indefinite"/>
+                      </p:stCondLst>
+                      <p:childTnLst>
+                        <p:par>
+                          <p:cTn id="4" fill="hold">
+                            <p:stCondLst>
+                              <p:cond delay="0"/>
+                            </p:stCondLst>
+                            <p:childTnLst>
+                              <p:par>
+                                <p:cTn id="5" presetID="1" presetClass="entr" presetSubtype="0" fill="hold" grpId="0" nodeType="clickEffect">
+                                  <p:stCondLst>
+                                    <p:cond delay="0"/>
+                                  </p:stCondLst>
+                                  <p:childTnLst>
+                                    <p:set>
+                                      <p:cBhvr>
+                                        <p:cTn id="6" dur="1" fill="hold">
+                                          <p:stCondLst>
+                                            <p:cond delay="0"/>
+                                          </p:stCondLst>
+                                        </p:cTn>
+                                        <p:tgtEl>
+                                          <p:spTgt spid="9"/>
+                                        </p:tgtEl>
+                                        <p:attrNameLst>
+                                          <p:attrName>style.visibility</p:attrName>
+                                        </p:attrNameLst>
+                                      </p:cBhvr>
+                                      <p:to>
+                                        <p:strVal val="visible"/>
+                                      </p:to>
+                                    </p:set>
+                                  </p:childTnLst>
+                                </p:cTn>
+                              </p:par>
+                            </p:childTnLst>
+                          </p:cTn>
+                        </p:par>
+                      </p:childTnLst>
+                    </p:cTn>
+                  </p:par>
+                  <p:par>
+                    <p:cTn id="7" fill="hold">
+                      <p:stCondLst>
+                        <p:cond delay="indefinite"/>
+                      </p:stCondLst>
+                      <p:childTnLst>
+                        <p:par>
+                          <p:cTn id="8" fill="hold">
+                            <p:stCondLst>
+                              <p:cond delay="0"/>
+                            </p:stCondLst>
+                            <p:childTnLst>
+                              <p:par>
+                                <p:cTn id="9" presetID="1" presetClass="entr" presetSubtype="0" fill="hold" grpId="0" nodeType="clickEffect">
+                                  <p:stCondLst>
+                                    <p:cond delay="0"/>
+                                  </p:stCondLst>
+                                  <p:childTnLst>
+                                    <p:set>
+                                      <p:cBhvr>
+                                        <p:cTn id="10" dur="1" fill="hold">
+                                          <p:stCondLst>
+                                            <p:cond delay="0"/>
+                                          </p:stCondLst>
+                                        </p:cTn>
+                                        <p:tgtEl>
+                                          <p:spTgt spid="10"/>
+                                        </p:tgtEl>
+                                        <p:attrNameLst>
+                                          <p:attrName>style.visibility</p:attrName>
+                                        </p:attrNameLst>
+                                      </p:cBhvr>
+                                      <p:to>
+                                        <p:strVal val="visible"/>
+                                      </p:to>
+                                    </p:set>
+                                  </p:childTnLst>
+                                </p:cTn>
+                              </p:par>
+                            </p:childTnLst>
+                          </p:cTn>
+                        </p:par>
+                      </p:childTnLst>
+                    </p:cTn>
+                  </p:par>
+                </p:childTnLst>
+              </p:cTn>
+              <p:prevCondLst>
+                <p:cond evt="onPrev" delay="0">
+                  <p:tgtEl>
+                    <p:sldTgt/>
+                  </p:tgtEl>
+                </p:cond>
+              </p:prevCondLst>
+              <p:nextCondLst>
+                <p:cond evt="onNext" delay="0">
+                  <p:tgtEl>
+                    <p:sldTgt/>
+                  </p:tgtEl>
+                </p:cond>
+              </p:nextCondLst>
+            </p:seq>
+          </p:childTnLst>
+        </p:cTn>
+      </p:par>
+    </p:tnLst>
+    <p:bldLst>
+      <p:bldP spid="9" grpId="0" animBg="1"/>
+      <p:bldP spid="10" grpId="0" animBg="1"/>
+    </p:bldLst>
+  </p:timing>
 </p:sld>
 </file>
 
@@ -4052,10 +4333,10 @@
       </p:sp>
       <p:pic>
         <p:nvPicPr>
-          <p:cNvPr id="5" name="図 4">
-            <a:extLst>
-              <a:ext uri="{FF2B5EF4-FFF2-40B4-BE49-F238E27FC236}">
-                <a16:creationId xmlns:a16="http://schemas.microsoft.com/office/drawing/2014/main" id="{03A73EC2-1A22-42FD-83F8-3DA2C349D8B2}"/>
+          <p:cNvPr id="6" name="図 5" descr="グラフィカル ユーザー インターフェイス, テキスト, アプリケーション&#10;&#10;自動的に生成された説明">
+            <a:extLst>
+              <a:ext uri="{FF2B5EF4-FFF2-40B4-BE49-F238E27FC236}">
+                <a16:creationId xmlns:a16="http://schemas.microsoft.com/office/drawing/2014/main" id="{B770AF8F-0AD6-4E69-B859-2B009B6B8B03}"/>
               </a:ext>
             </a:extLst>
           </p:cNvPr>
@@ -4066,19 +4347,176 @@
         </p:nvPicPr>
         <p:blipFill rotWithShape="1">
           <a:blip r:embed="rId2"/>
-          <a:srcRect l="5051" t="55879" r="1086" b="5324"/>
+          <a:srcRect l="67901" t="64056" r="12893" b="7396"/>
           <a:stretch/>
         </p:blipFill>
-        <p:spPr>
+        <p:spPr bwMode="auto">
           <a:xfrm>
-            <a:off x="0" y="2601882"/>
-            <a:ext cx="12192000" cy="3575081"/>
+            <a:off x="7951257" y="2361564"/>
+            <a:ext cx="3952875" cy="3671629"/>
           </a:xfrm>
           <a:prstGeom prst="rect">
             <a:avLst/>
           </a:prstGeom>
+          <a:ln>
+            <a:noFill/>
+          </a:ln>
+          <a:extLst>
+            <a:ext uri="{53640926-AAD7-44D8-BBD7-CCE9431645EC}">
+              <a14:shadowObscured xmlns:a14="http://schemas.microsoft.com/office/drawing/2010/main"/>
+            </a:ext>
+          </a:extLst>
         </p:spPr>
       </p:pic>
+      <p:pic>
+        <p:nvPicPr>
+          <p:cNvPr id="7" name="図 6" descr="グラフィカル ユーザー インターフェイス, アプリケーション&#10;&#10;自動的に生成された説明">
+            <a:extLst>
+              <a:ext uri="{FF2B5EF4-FFF2-40B4-BE49-F238E27FC236}">
+                <a16:creationId xmlns:a16="http://schemas.microsoft.com/office/drawing/2014/main" id="{BA45C754-8414-49D9-9578-09F3AC4E3722}"/>
+              </a:ext>
+            </a:extLst>
+          </p:cNvPr>
+          <p:cNvPicPr>
+            <a:picLocks noChangeAspect="1"/>
+          </p:cNvPicPr>
+          <p:nvPr/>
+        </p:nvPicPr>
+        <p:blipFill rotWithShape="1">
+          <a:blip r:embed="rId3"/>
+          <a:srcRect l="13968" t="58515" r="49735" b="14581"/>
+          <a:stretch/>
+        </p:blipFill>
+        <p:spPr bwMode="auto">
+          <a:xfrm>
+            <a:off x="0" y="2361565"/>
+            <a:ext cx="7805126" cy="3615902"/>
+          </a:xfrm>
+          <a:prstGeom prst="rect">
+            <a:avLst/>
+          </a:prstGeom>
+          <a:ln>
+            <a:noFill/>
+          </a:ln>
+          <a:extLst>
+            <a:ext uri="{53640926-AAD7-44D8-BBD7-CCE9431645EC}">
+              <a14:shadowObscured xmlns:a14="http://schemas.microsoft.com/office/drawing/2010/main"/>
+            </a:ext>
+          </a:extLst>
+        </p:spPr>
+      </p:pic>
+      <p:sp>
+        <p:nvSpPr>
+          <p:cNvPr id="8" name="正方形/長方形 7">
+            <a:extLst>
+              <a:ext uri="{FF2B5EF4-FFF2-40B4-BE49-F238E27FC236}">
+                <a16:creationId xmlns:a16="http://schemas.microsoft.com/office/drawing/2014/main" id="{664B5A26-1030-4040-827D-A32F4E2ACAD5}"/>
+              </a:ext>
+            </a:extLst>
+          </p:cNvPr>
+          <p:cNvSpPr/>
+          <p:nvPr/>
+        </p:nvSpPr>
+        <p:spPr>
+          <a:xfrm>
+            <a:off x="7951256" y="3936417"/>
+            <a:ext cx="3952875" cy="521922"/>
+          </a:xfrm>
+          <a:prstGeom prst="rect">
+            <a:avLst/>
+          </a:prstGeom>
+          <a:noFill/>
+          <a:ln>
+            <a:solidFill>
+              <a:srgbClr val="FF0000"/>
+            </a:solidFill>
+          </a:ln>
+        </p:spPr>
+        <p:style>
+          <a:lnRef idx="2">
+            <a:schemeClr val="accent1">
+              <a:shade val="50000"/>
+            </a:schemeClr>
+          </a:lnRef>
+          <a:fillRef idx="1">
+            <a:schemeClr val="accent1"/>
+          </a:fillRef>
+          <a:effectRef idx="0">
+            <a:schemeClr val="accent1"/>
+          </a:effectRef>
+          <a:fontRef idx="minor">
+            <a:schemeClr val="lt1"/>
+          </a:fontRef>
+        </p:style>
+        <p:txBody>
+          <a:bodyPr rot="0" spcFirstLastPara="0" vert="horz" wrap="square" lIns="91440" tIns="45720" rIns="91440" bIns="45720" numCol="1" spcCol="0" rtlCol="0" fromWordArt="0" anchor="ctr" anchorCtr="0" forceAA="0" compatLnSpc="1">
+            <a:prstTxWarp prst="textNoShape">
+              <a:avLst/>
+            </a:prstTxWarp>
+            <a:noAutofit/>
+          </a:bodyPr>
+          <a:lstStyle/>
+          <a:p>
+            <a:endParaRPr lang="ja-JP" altLang="en-US"/>
+          </a:p>
+        </p:txBody>
+      </p:sp>
+      <p:sp>
+        <p:nvSpPr>
+          <p:cNvPr id="9" name="正方形/長方形 8">
+            <a:extLst>
+              <a:ext uri="{FF2B5EF4-FFF2-40B4-BE49-F238E27FC236}">
+                <a16:creationId xmlns:a16="http://schemas.microsoft.com/office/drawing/2014/main" id="{8D60B450-494C-428B-A175-B162D7F4669E}"/>
+              </a:ext>
+            </a:extLst>
+          </p:cNvPr>
+          <p:cNvSpPr/>
+          <p:nvPr/>
+        </p:nvSpPr>
+        <p:spPr>
+          <a:xfrm>
+            <a:off x="4112684" y="4702175"/>
+            <a:ext cx="1255184" cy="648758"/>
+          </a:xfrm>
+          <a:prstGeom prst="rect">
+            <a:avLst/>
+          </a:prstGeom>
+          <a:noFill/>
+          <a:ln>
+            <a:solidFill>
+              <a:srgbClr val="FF0000"/>
+            </a:solidFill>
+          </a:ln>
+        </p:spPr>
+        <p:style>
+          <a:lnRef idx="2">
+            <a:schemeClr val="accent1">
+              <a:shade val="50000"/>
+            </a:schemeClr>
+          </a:lnRef>
+          <a:fillRef idx="1">
+            <a:schemeClr val="accent1"/>
+          </a:fillRef>
+          <a:effectRef idx="0">
+            <a:schemeClr val="accent1"/>
+          </a:effectRef>
+          <a:fontRef idx="minor">
+            <a:schemeClr val="lt1"/>
+          </a:fontRef>
+        </p:style>
+        <p:txBody>
+          <a:bodyPr rot="0" spcFirstLastPara="0" vert="horz" wrap="square" lIns="91440" tIns="45720" rIns="91440" bIns="45720" numCol="1" spcCol="0" rtlCol="0" fromWordArt="0" anchor="ctr" anchorCtr="0" forceAA="0" compatLnSpc="1">
+            <a:prstTxWarp prst="textNoShape">
+              <a:avLst/>
+            </a:prstTxWarp>
+            <a:noAutofit/>
+          </a:bodyPr>
+          <a:lstStyle/>
+          <a:p>
+            <a:endParaRPr lang="ja-JP" altLang="en-US"/>
+          </a:p>
+        </p:txBody>
+      </p:sp>
     </p:spTree>
     <p:extLst>
       <p:ext uri="{BB962C8B-B14F-4D97-AF65-F5344CB8AC3E}">
@@ -4089,6 +4527,130 @@
   <p:clrMapOvr>
     <a:masterClrMapping/>
   </p:clrMapOvr>
+  <p:timing>
+    <p:tnLst>
+      <p:par>
+        <p:cTn id="1" dur="indefinite" restart="never" nodeType="tmRoot">
+          <p:childTnLst>
+            <p:seq concurrent="1" nextAc="seek">
+              <p:cTn id="2" dur="indefinite" nodeType="mainSeq">
+                <p:childTnLst>
+                  <p:par>
+                    <p:cTn id="3" fill="hold">
+                      <p:stCondLst>
+                        <p:cond delay="indefinite"/>
+                      </p:stCondLst>
+                      <p:childTnLst>
+                        <p:par>
+                          <p:cTn id="4" fill="hold">
+                            <p:stCondLst>
+                              <p:cond delay="0"/>
+                            </p:stCondLst>
+                            <p:childTnLst>
+                              <p:par>
+                                <p:cTn id="5" presetID="1" presetClass="entr" presetSubtype="0" fill="hold" grpId="0" nodeType="clickEffect">
+                                  <p:stCondLst>
+                                    <p:cond delay="0"/>
+                                  </p:stCondLst>
+                                  <p:childTnLst>
+                                    <p:set>
+                                      <p:cBhvr>
+                                        <p:cTn id="6" dur="1" fill="hold">
+                                          <p:stCondLst>
+                                            <p:cond delay="0"/>
+                                          </p:stCondLst>
+                                        </p:cTn>
+                                        <p:tgtEl>
+                                          <p:spTgt spid="8"/>
+                                        </p:tgtEl>
+                                        <p:attrNameLst>
+                                          <p:attrName>style.visibility</p:attrName>
+                                        </p:attrNameLst>
+                                      </p:cBhvr>
+                                      <p:to>
+                                        <p:strVal val="visible"/>
+                                      </p:to>
+                                    </p:set>
+                                  </p:childTnLst>
+                                </p:cTn>
+                              </p:par>
+                            </p:childTnLst>
+                          </p:cTn>
+                        </p:par>
+                      </p:childTnLst>
+                    </p:cTn>
+                  </p:par>
+                  <p:par>
+                    <p:cTn id="7" fill="hold">
+                      <p:stCondLst>
+                        <p:cond delay="indefinite"/>
+                      </p:stCondLst>
+                      <p:childTnLst>
+                        <p:par>
+                          <p:cTn id="8" fill="hold">
+                            <p:stCondLst>
+                              <p:cond delay="0"/>
+                            </p:stCondLst>
+                            <p:childTnLst>
+                              <p:par>
+                                <p:cTn id="9" presetID="1" presetClass="entr" presetSubtype="0" fill="hold" grpId="0" nodeType="clickEffect">
+                                  <p:stCondLst>
+                                    <p:cond delay="0"/>
+                                  </p:stCondLst>
+                                  <p:childTnLst>
+                                    <p:set>
+                                      <p:cBhvr>
+                                        <p:cTn id="10" dur="1" fill="hold">
+                                          <p:stCondLst>
+                                            <p:cond delay="0"/>
+                                          </p:stCondLst>
+                                        </p:cTn>
+                                        <p:tgtEl>
+                                          <p:spTgt spid="9"/>
+                                        </p:tgtEl>
+                                        <p:attrNameLst>
+                                          <p:attrName>style.visibility</p:attrName>
+                                        </p:attrNameLst>
+                                      </p:cBhvr>
+                                      <p:to>
+                                        <p:strVal val="visible"/>
+                                      </p:to>
+                                    </p:set>
+                                  </p:childTnLst>
+                                </p:cTn>
+                              </p:par>
+                            </p:childTnLst>
+                          </p:cTn>
+                        </p:par>
+                      </p:childTnLst>
+                    </p:cTn>
+                  </p:par>
+                </p:childTnLst>
+              </p:cTn>
+              <p:prevCondLst>
+                <p:cond evt="onPrev" delay="0">
+                  <p:tgtEl>
+                    <p:sldTgt/>
+                  </p:tgtEl>
+                </p:cond>
+              </p:prevCondLst>
+              <p:nextCondLst>
+                <p:cond evt="onNext" delay="0">
+                  <p:tgtEl>
+                    <p:sldTgt/>
+                  </p:tgtEl>
+                </p:cond>
+              </p:nextCondLst>
+            </p:seq>
+          </p:childTnLst>
+        </p:cTn>
+      </p:par>
+    </p:tnLst>
+    <p:bldLst>
+      <p:bldP spid="8" grpId="0" animBg="1"/>
+      <p:bldP spid="9" grpId="0" animBg="1"/>
+    </p:bldLst>
+  </p:timing>
 </p:sld>
 </file>
 
@@ -4171,10 +4733,10 @@
       </p:sp>
       <p:pic>
         <p:nvPicPr>
-          <p:cNvPr id="5" name="図 4">
-            <a:extLst>
-              <a:ext uri="{FF2B5EF4-FFF2-40B4-BE49-F238E27FC236}">
-                <a16:creationId xmlns:a16="http://schemas.microsoft.com/office/drawing/2014/main" id="{D82F9E9E-B1D3-4CB6-BD33-BEDA4FB8DBC4}"/>
+          <p:cNvPr id="6" name="図 5" descr="グラフィカル ユーザー インターフェイス, アプリケーション&#10;&#10;自動的に生成された説明">
+            <a:extLst>
+              <a:ext uri="{FF2B5EF4-FFF2-40B4-BE49-F238E27FC236}">
+                <a16:creationId xmlns:a16="http://schemas.microsoft.com/office/drawing/2014/main" id="{C47A81C3-02BD-4F9B-AB87-8B8AF66E69CE}"/>
               </a:ext>
             </a:extLst>
           </p:cNvPr>
@@ -4185,19 +4747,176 @@
         </p:nvPicPr>
         <p:blipFill rotWithShape="1">
           <a:blip r:embed="rId2"/>
-          <a:srcRect l="4899" t="55758" r="2084" b="5324"/>
+          <a:srcRect l="53756" t="60505" r="27010" b="8155"/>
           <a:stretch/>
         </p:blipFill>
-        <p:spPr>
+        <p:spPr bwMode="auto">
           <a:xfrm>
-            <a:off x="-1" y="2518756"/>
-            <a:ext cx="12192001" cy="3793144"/>
+            <a:off x="7951258" y="2336165"/>
+            <a:ext cx="3631142" cy="3697962"/>
           </a:xfrm>
           <a:prstGeom prst="rect">
             <a:avLst/>
           </a:prstGeom>
+          <a:ln>
+            <a:noFill/>
+          </a:ln>
+          <a:extLst>
+            <a:ext uri="{53640926-AAD7-44D8-BBD7-CCE9431645EC}">
+              <a14:shadowObscured xmlns:a14="http://schemas.microsoft.com/office/drawing/2010/main"/>
+            </a:ext>
+          </a:extLst>
         </p:spPr>
       </p:pic>
+      <p:pic>
+        <p:nvPicPr>
+          <p:cNvPr id="7" name="図 6" descr="グラフィカル ユーザー インターフェイス, アプリケーション&#10;&#10;自動的に生成された説明">
+            <a:extLst>
+              <a:ext uri="{FF2B5EF4-FFF2-40B4-BE49-F238E27FC236}">
+                <a16:creationId xmlns:a16="http://schemas.microsoft.com/office/drawing/2014/main" id="{EBF32F63-1665-4EC3-8FA0-710F07EEFE84}"/>
+              </a:ext>
+            </a:extLst>
+          </p:cNvPr>
+          <p:cNvPicPr>
+            <a:picLocks noChangeAspect="1"/>
+          </p:cNvPicPr>
+          <p:nvPr/>
+        </p:nvPicPr>
+        <p:blipFill rotWithShape="1">
+          <a:blip r:embed="rId2"/>
+          <a:srcRect l="14027" t="56815" r="49447" b="16346"/>
+          <a:stretch/>
+        </p:blipFill>
+        <p:spPr bwMode="auto">
+          <a:xfrm>
+            <a:off x="0" y="2336165"/>
+            <a:ext cx="7873484" cy="3615902"/>
+          </a:xfrm>
+          <a:prstGeom prst="rect">
+            <a:avLst/>
+          </a:prstGeom>
+          <a:ln>
+            <a:noFill/>
+          </a:ln>
+          <a:extLst>
+            <a:ext uri="{53640926-AAD7-44D8-BBD7-CCE9431645EC}">
+              <a14:shadowObscured xmlns:a14="http://schemas.microsoft.com/office/drawing/2010/main"/>
+            </a:ext>
+          </a:extLst>
+        </p:spPr>
+      </p:pic>
+      <p:sp>
+        <p:nvSpPr>
+          <p:cNvPr id="8" name="正方形/長方形 7">
+            <a:extLst>
+              <a:ext uri="{FF2B5EF4-FFF2-40B4-BE49-F238E27FC236}">
+                <a16:creationId xmlns:a16="http://schemas.microsoft.com/office/drawing/2014/main" id="{4C96C214-5F8E-469D-A171-536A45BC7292}"/>
+              </a:ext>
+            </a:extLst>
+          </p:cNvPr>
+          <p:cNvSpPr/>
+          <p:nvPr/>
+        </p:nvSpPr>
+        <p:spPr>
+          <a:xfrm>
+            <a:off x="7951257" y="3355974"/>
+            <a:ext cx="3631141" cy="581026"/>
+          </a:xfrm>
+          <a:prstGeom prst="rect">
+            <a:avLst/>
+          </a:prstGeom>
+          <a:noFill/>
+          <a:ln>
+            <a:solidFill>
+              <a:srgbClr val="FF0000"/>
+            </a:solidFill>
+          </a:ln>
+        </p:spPr>
+        <p:style>
+          <a:lnRef idx="2">
+            <a:schemeClr val="accent1">
+              <a:shade val="50000"/>
+            </a:schemeClr>
+          </a:lnRef>
+          <a:fillRef idx="1">
+            <a:schemeClr val="accent1"/>
+          </a:fillRef>
+          <a:effectRef idx="0">
+            <a:schemeClr val="accent1"/>
+          </a:effectRef>
+          <a:fontRef idx="minor">
+            <a:schemeClr val="lt1"/>
+          </a:fontRef>
+        </p:style>
+        <p:txBody>
+          <a:bodyPr rot="0" spcFirstLastPara="0" vert="horz" wrap="square" lIns="91440" tIns="45720" rIns="91440" bIns="45720" numCol="1" spcCol="0" rtlCol="0" fromWordArt="0" anchor="ctr" anchorCtr="0" forceAA="0" compatLnSpc="1">
+            <a:prstTxWarp prst="textNoShape">
+              <a:avLst/>
+            </a:prstTxWarp>
+            <a:noAutofit/>
+          </a:bodyPr>
+          <a:lstStyle/>
+          <a:p>
+            <a:endParaRPr lang="ja-JP" altLang="en-US"/>
+          </a:p>
+        </p:txBody>
+      </p:sp>
+      <p:sp>
+        <p:nvSpPr>
+          <p:cNvPr id="9" name="正方形/長方形 8">
+            <a:extLst>
+              <a:ext uri="{FF2B5EF4-FFF2-40B4-BE49-F238E27FC236}">
+                <a16:creationId xmlns:a16="http://schemas.microsoft.com/office/drawing/2014/main" id="{6EB02333-6B82-46C9-B6FB-BCED3AFB354E}"/>
+              </a:ext>
+            </a:extLst>
+          </p:cNvPr>
+          <p:cNvSpPr/>
+          <p:nvPr/>
+        </p:nvSpPr>
+        <p:spPr>
+          <a:xfrm>
+            <a:off x="4053418" y="4702175"/>
+            <a:ext cx="1416050" cy="665692"/>
+          </a:xfrm>
+          <a:prstGeom prst="rect">
+            <a:avLst/>
+          </a:prstGeom>
+          <a:noFill/>
+          <a:ln>
+            <a:solidFill>
+              <a:srgbClr val="FF0000"/>
+            </a:solidFill>
+          </a:ln>
+        </p:spPr>
+        <p:style>
+          <a:lnRef idx="2">
+            <a:schemeClr val="accent1">
+              <a:shade val="50000"/>
+            </a:schemeClr>
+          </a:lnRef>
+          <a:fillRef idx="1">
+            <a:schemeClr val="accent1"/>
+          </a:fillRef>
+          <a:effectRef idx="0">
+            <a:schemeClr val="accent1"/>
+          </a:effectRef>
+          <a:fontRef idx="minor">
+            <a:schemeClr val="lt1"/>
+          </a:fontRef>
+        </p:style>
+        <p:txBody>
+          <a:bodyPr rot="0" spcFirstLastPara="0" vert="horz" wrap="square" lIns="91440" tIns="45720" rIns="91440" bIns="45720" numCol="1" spcCol="0" rtlCol="0" fromWordArt="0" anchor="ctr" anchorCtr="0" forceAA="0" compatLnSpc="1">
+            <a:prstTxWarp prst="textNoShape">
+              <a:avLst/>
+            </a:prstTxWarp>
+            <a:noAutofit/>
+          </a:bodyPr>
+          <a:lstStyle/>
+          <a:p>
+            <a:endParaRPr lang="ja-JP" altLang="en-US"/>
+          </a:p>
+        </p:txBody>
+      </p:sp>
     </p:spTree>
     <p:extLst>
       <p:ext uri="{BB962C8B-B14F-4D97-AF65-F5344CB8AC3E}">
@@ -4208,6 +4927,130 @@
   <p:clrMapOvr>
     <a:masterClrMapping/>
   </p:clrMapOvr>
+  <p:timing>
+    <p:tnLst>
+      <p:par>
+        <p:cTn id="1" dur="indefinite" restart="never" nodeType="tmRoot">
+          <p:childTnLst>
+            <p:seq concurrent="1" nextAc="seek">
+              <p:cTn id="2" dur="indefinite" nodeType="mainSeq">
+                <p:childTnLst>
+                  <p:par>
+                    <p:cTn id="3" fill="hold">
+                      <p:stCondLst>
+                        <p:cond delay="indefinite"/>
+                      </p:stCondLst>
+                      <p:childTnLst>
+                        <p:par>
+                          <p:cTn id="4" fill="hold">
+                            <p:stCondLst>
+                              <p:cond delay="0"/>
+                            </p:stCondLst>
+                            <p:childTnLst>
+                              <p:par>
+                                <p:cTn id="5" presetID="1" presetClass="entr" presetSubtype="0" fill="hold" grpId="0" nodeType="clickEffect">
+                                  <p:stCondLst>
+                                    <p:cond delay="0"/>
+                                  </p:stCondLst>
+                                  <p:childTnLst>
+                                    <p:set>
+                                      <p:cBhvr>
+                                        <p:cTn id="6" dur="1" fill="hold">
+                                          <p:stCondLst>
+                                            <p:cond delay="0"/>
+                                          </p:stCondLst>
+                                        </p:cTn>
+                                        <p:tgtEl>
+                                          <p:spTgt spid="8"/>
+                                        </p:tgtEl>
+                                        <p:attrNameLst>
+                                          <p:attrName>style.visibility</p:attrName>
+                                        </p:attrNameLst>
+                                      </p:cBhvr>
+                                      <p:to>
+                                        <p:strVal val="visible"/>
+                                      </p:to>
+                                    </p:set>
+                                  </p:childTnLst>
+                                </p:cTn>
+                              </p:par>
+                            </p:childTnLst>
+                          </p:cTn>
+                        </p:par>
+                      </p:childTnLst>
+                    </p:cTn>
+                  </p:par>
+                  <p:par>
+                    <p:cTn id="7" fill="hold">
+                      <p:stCondLst>
+                        <p:cond delay="indefinite"/>
+                      </p:stCondLst>
+                      <p:childTnLst>
+                        <p:par>
+                          <p:cTn id="8" fill="hold">
+                            <p:stCondLst>
+                              <p:cond delay="0"/>
+                            </p:stCondLst>
+                            <p:childTnLst>
+                              <p:par>
+                                <p:cTn id="9" presetID="1" presetClass="entr" presetSubtype="0" fill="hold" grpId="0" nodeType="clickEffect">
+                                  <p:stCondLst>
+                                    <p:cond delay="0"/>
+                                  </p:stCondLst>
+                                  <p:childTnLst>
+                                    <p:set>
+                                      <p:cBhvr>
+                                        <p:cTn id="10" dur="1" fill="hold">
+                                          <p:stCondLst>
+                                            <p:cond delay="0"/>
+                                          </p:stCondLst>
+                                        </p:cTn>
+                                        <p:tgtEl>
+                                          <p:spTgt spid="9"/>
+                                        </p:tgtEl>
+                                        <p:attrNameLst>
+                                          <p:attrName>style.visibility</p:attrName>
+                                        </p:attrNameLst>
+                                      </p:cBhvr>
+                                      <p:to>
+                                        <p:strVal val="visible"/>
+                                      </p:to>
+                                    </p:set>
+                                  </p:childTnLst>
+                                </p:cTn>
+                              </p:par>
+                            </p:childTnLst>
+                          </p:cTn>
+                        </p:par>
+                      </p:childTnLst>
+                    </p:cTn>
+                  </p:par>
+                </p:childTnLst>
+              </p:cTn>
+              <p:prevCondLst>
+                <p:cond evt="onPrev" delay="0">
+                  <p:tgtEl>
+                    <p:sldTgt/>
+                  </p:tgtEl>
+                </p:cond>
+              </p:prevCondLst>
+              <p:nextCondLst>
+                <p:cond evt="onNext" delay="0">
+                  <p:tgtEl>
+                    <p:sldTgt/>
+                  </p:tgtEl>
+                </p:cond>
+              </p:nextCondLst>
+            </p:seq>
+          </p:childTnLst>
+        </p:cTn>
+      </p:par>
+    </p:tnLst>
+    <p:bldLst>
+      <p:bldP spid="8" grpId="0" animBg="1"/>
+      <p:bldP spid="9" grpId="0" animBg="1"/>
+    </p:bldLst>
+  </p:timing>
 </p:sld>
 </file>
 
@@ -4290,10 +5133,10 @@
       </p:sp>
       <p:pic>
         <p:nvPicPr>
-          <p:cNvPr id="5" name="図 4">
-            <a:extLst>
-              <a:ext uri="{FF2B5EF4-FFF2-40B4-BE49-F238E27FC236}">
-                <a16:creationId xmlns:a16="http://schemas.microsoft.com/office/drawing/2014/main" id="{A897A50A-6058-4436-B2DB-0D4FC95CD66D}"/>
+          <p:cNvPr id="6" name="図 5" descr="グラフィカル ユーザー インターフェイス, テキスト, アプリケーション&#10;&#10;自動的に生成された説明">
+            <a:extLst>
+              <a:ext uri="{FF2B5EF4-FFF2-40B4-BE49-F238E27FC236}">
+                <a16:creationId xmlns:a16="http://schemas.microsoft.com/office/drawing/2014/main" id="{9062FEF0-1510-4772-8FEE-AACDC50A1551}"/>
               </a:ext>
             </a:extLst>
           </p:cNvPr>
@@ -4304,25 +5147,33 @@
         </p:nvPicPr>
         <p:blipFill rotWithShape="1">
           <a:blip r:embed="rId2"/>
-          <a:srcRect l="5354" t="59879" r="4167" b="6909"/>
+          <a:srcRect l="68086" t="63782" r="11806" b="7432"/>
           <a:stretch/>
         </p:blipFill>
-        <p:spPr>
+        <p:spPr bwMode="auto">
           <a:xfrm>
-            <a:off x="838200" y="2304830"/>
-            <a:ext cx="9928167" cy="2277689"/>
+            <a:off x="7689052" y="2209535"/>
+            <a:ext cx="4434795" cy="3967428"/>
           </a:xfrm>
           <a:prstGeom prst="rect">
             <a:avLst/>
           </a:prstGeom>
+          <a:ln>
+            <a:noFill/>
+          </a:ln>
+          <a:extLst>
+            <a:ext uri="{53640926-AAD7-44D8-BBD7-CCE9431645EC}">
+              <a14:shadowObscured xmlns:a14="http://schemas.microsoft.com/office/drawing/2010/main"/>
+            </a:ext>
+          </a:extLst>
         </p:spPr>
       </p:pic>
       <p:pic>
         <p:nvPicPr>
-          <p:cNvPr id="7" name="図 6">
-            <a:extLst>
-              <a:ext uri="{FF2B5EF4-FFF2-40B4-BE49-F238E27FC236}">
-                <a16:creationId xmlns:a16="http://schemas.microsoft.com/office/drawing/2014/main" id="{4EB7A7BD-E109-4B79-B9F6-4B4A047E5C53}"/>
+          <p:cNvPr id="8" name="図 7" descr="グラフィカル ユーザー インターフェイス, テキスト, アプリケーション&#10;&#10;自動的に生成された説明">
+            <a:extLst>
+              <a:ext uri="{FF2B5EF4-FFF2-40B4-BE49-F238E27FC236}">
+                <a16:creationId xmlns:a16="http://schemas.microsoft.com/office/drawing/2014/main" id="{3C87CA66-84F2-4E81-B183-488DA07D6B39}"/>
               </a:ext>
             </a:extLst>
           </p:cNvPr>
@@ -4332,20 +5183,84 @@
           <p:nvPr/>
         </p:nvPicPr>
         <p:blipFill rotWithShape="1">
-          <a:blip r:embed="rId3"/>
-          <a:srcRect l="5354" t="60121" r="4167" b="7963"/>
+          <a:blip r:embed="rId2"/>
+          <a:srcRect l="13994" t="73376" r="58725" b="15712"/>
           <a:stretch/>
         </p:blipFill>
-        <p:spPr>
+        <p:spPr bwMode="auto">
           <a:xfrm>
-            <a:off x="838200" y="4669212"/>
-            <a:ext cx="9928168" cy="2188788"/>
+            <a:off x="159807" y="2681710"/>
+            <a:ext cx="7529245" cy="1881823"/>
           </a:xfrm>
           <a:prstGeom prst="rect">
             <a:avLst/>
           </a:prstGeom>
+          <a:ln>
+            <a:noFill/>
+          </a:ln>
+          <a:extLst>
+            <a:ext uri="{53640926-AAD7-44D8-BBD7-CCE9431645EC}">
+              <a14:shadowObscured xmlns:a14="http://schemas.microsoft.com/office/drawing/2010/main"/>
+            </a:ext>
+          </a:extLst>
         </p:spPr>
       </p:pic>
+      <p:sp>
+        <p:nvSpPr>
+          <p:cNvPr id="9" name="正方形/長方形 8">
+            <a:extLst>
+              <a:ext uri="{FF2B5EF4-FFF2-40B4-BE49-F238E27FC236}">
+                <a16:creationId xmlns:a16="http://schemas.microsoft.com/office/drawing/2014/main" id="{8CE09BA1-4EBB-47F8-9275-BC471712A0F0}"/>
+              </a:ext>
+            </a:extLst>
+          </p:cNvPr>
+          <p:cNvSpPr/>
+          <p:nvPr/>
+        </p:nvSpPr>
+        <p:spPr>
+          <a:xfrm>
+            <a:off x="7793305" y="5023908"/>
+            <a:ext cx="4238888" cy="564092"/>
+          </a:xfrm>
+          <a:prstGeom prst="rect">
+            <a:avLst/>
+          </a:prstGeom>
+          <a:noFill/>
+          <a:ln>
+            <a:solidFill>
+              <a:srgbClr val="FF0000"/>
+            </a:solidFill>
+          </a:ln>
+        </p:spPr>
+        <p:style>
+          <a:lnRef idx="2">
+            <a:schemeClr val="accent1">
+              <a:shade val="50000"/>
+            </a:schemeClr>
+          </a:lnRef>
+          <a:fillRef idx="1">
+            <a:schemeClr val="accent1"/>
+          </a:fillRef>
+          <a:effectRef idx="0">
+            <a:schemeClr val="accent1"/>
+          </a:effectRef>
+          <a:fontRef idx="minor">
+            <a:schemeClr val="lt1"/>
+          </a:fontRef>
+        </p:style>
+        <p:txBody>
+          <a:bodyPr rot="0" spcFirstLastPara="0" vert="horz" wrap="square" lIns="91440" tIns="45720" rIns="91440" bIns="45720" numCol="1" spcCol="0" rtlCol="0" fromWordArt="0" anchor="ctr" anchorCtr="0" forceAA="0" compatLnSpc="1">
+            <a:prstTxWarp prst="textNoShape">
+              <a:avLst/>
+            </a:prstTxWarp>
+            <a:noAutofit/>
+          </a:bodyPr>
+          <a:lstStyle/>
+          <a:p>
+            <a:endParaRPr lang="ja-JP" altLang="en-US"/>
+          </a:p>
+        </p:txBody>
+      </p:sp>
     </p:spTree>
     <p:extLst>
       <p:ext uri="{BB962C8B-B14F-4D97-AF65-F5344CB8AC3E}">
@@ -4356,6 +5271,84 @@
   <p:clrMapOvr>
     <a:masterClrMapping/>
   </p:clrMapOvr>
+  <p:timing>
+    <p:tnLst>
+      <p:par>
+        <p:cTn id="1" dur="indefinite" restart="never" nodeType="tmRoot">
+          <p:childTnLst>
+            <p:seq concurrent="1" nextAc="seek">
+              <p:cTn id="2" dur="indefinite" nodeType="mainSeq">
+                <p:childTnLst>
+                  <p:par>
+                    <p:cTn id="3" fill="hold">
+                      <p:stCondLst>
+                        <p:cond delay="indefinite"/>
+                      </p:stCondLst>
+                      <p:childTnLst>
+                        <p:par>
+                          <p:cTn id="4" fill="hold">
+                            <p:stCondLst>
+                              <p:cond delay="0"/>
+                            </p:stCondLst>
+                            <p:childTnLst>
+                              <p:par>
+                                <p:cTn id="5" presetID="1" presetClass="entr" presetSubtype="0" fill="hold" grpId="0" nodeType="clickEffect">
+                                  <p:stCondLst>
+                                    <p:cond delay="0"/>
+                                  </p:stCondLst>
+                                  <p:childTnLst>
+                                    <p:set>
+                                      <p:cBhvr>
+                                        <p:cTn id="6" dur="1" fill="hold">
+                                          <p:stCondLst>
+                                            <p:cond delay="0"/>
+                                          </p:stCondLst>
+                                        </p:cTn>
+                                        <p:tgtEl>
+                                          <p:spTgt spid="9"/>
+                                        </p:tgtEl>
+                                        <p:attrNameLst>
+                                          <p:attrName>style.visibility</p:attrName>
+                                        </p:attrNameLst>
+                                      </p:cBhvr>
+                                      <p:to>
+                                        <p:strVal val="visible"/>
+                                      </p:to>
+                                    </p:set>
+                                  </p:childTnLst>
+                                </p:cTn>
+                              </p:par>
+                            </p:childTnLst>
+                          </p:cTn>
+                        </p:par>
+                      </p:childTnLst>
+                    </p:cTn>
+                  </p:par>
+                </p:childTnLst>
+              </p:cTn>
+              <p:prevCondLst>
+                <p:cond evt="onPrev" delay="0">
+                  <p:tgtEl>
+                    <p:sldTgt/>
+                  </p:tgtEl>
+                </p:cond>
+              </p:prevCondLst>
+              <p:nextCondLst>
+                <p:cond evt="onNext" delay="0">
+                  <p:tgtEl>
+                    <p:sldTgt/>
+                  </p:tgtEl>
+                </p:cond>
+              </p:nextCondLst>
+            </p:seq>
+          </p:childTnLst>
+        </p:cTn>
+      </p:par>
+    </p:tnLst>
+    <p:bldLst>
+      <p:bldP spid="9" grpId="0" animBg="1"/>
+    </p:bldLst>
+  </p:timing>
 </p:sld>
 </file>
 
@@ -4438,10 +5431,10 @@
       </p:sp>
       <p:pic>
         <p:nvPicPr>
-          <p:cNvPr id="5" name="図 4">
-            <a:extLst>
-              <a:ext uri="{FF2B5EF4-FFF2-40B4-BE49-F238E27FC236}">
-                <a16:creationId xmlns:a16="http://schemas.microsoft.com/office/drawing/2014/main" id="{58578301-0D0D-4F52-8FD5-142D18776774}"/>
+          <p:cNvPr id="6" name="図 5" descr="グラフィカル ユーザー インターフェイス, アプリケーション&#10;&#10;自動的に生成された説明">
+            <a:extLst>
+              <a:ext uri="{FF2B5EF4-FFF2-40B4-BE49-F238E27FC236}">
+                <a16:creationId xmlns:a16="http://schemas.microsoft.com/office/drawing/2014/main" id="{E224951B-3DC1-4F9E-9FD7-B16A975B998C}"/>
               </a:ext>
             </a:extLst>
           </p:cNvPr>
@@ -4452,25 +5445,33 @@
         </p:nvPicPr>
         <p:blipFill rotWithShape="1">
           <a:blip r:embed="rId2"/>
-          <a:srcRect l="5505" t="58424" r="4166" b="7962"/>
+          <a:srcRect l="68556" t="64535" r="12041" b="7620"/>
           <a:stretch/>
         </p:blipFill>
-        <p:spPr>
+        <p:spPr bwMode="auto">
           <a:xfrm>
-            <a:off x="838200" y="2226555"/>
-            <a:ext cx="9911542" cy="2320045"/>
+            <a:off x="7781223" y="2372917"/>
+            <a:ext cx="4241445" cy="3804046"/>
           </a:xfrm>
           <a:prstGeom prst="rect">
             <a:avLst/>
           </a:prstGeom>
+          <a:ln>
+            <a:noFill/>
+          </a:ln>
+          <a:extLst>
+            <a:ext uri="{53640926-AAD7-44D8-BBD7-CCE9431645EC}">
+              <a14:shadowObscured xmlns:a14="http://schemas.microsoft.com/office/drawing/2010/main"/>
+            </a:ext>
+          </a:extLst>
         </p:spPr>
       </p:pic>
       <p:pic>
         <p:nvPicPr>
-          <p:cNvPr id="7" name="図 6">
-            <a:extLst>
-              <a:ext uri="{FF2B5EF4-FFF2-40B4-BE49-F238E27FC236}">
-                <a16:creationId xmlns:a16="http://schemas.microsoft.com/office/drawing/2014/main" id="{100F9E3C-DEC0-4906-A570-9D2229881DD1}"/>
+          <p:cNvPr id="8" name="図 7" descr="グラフィカル ユーザー インターフェイス, アプリケーション&#10;&#10;自動的に生成された説明">
+            <a:extLst>
+              <a:ext uri="{FF2B5EF4-FFF2-40B4-BE49-F238E27FC236}">
+                <a16:creationId xmlns:a16="http://schemas.microsoft.com/office/drawing/2014/main" id="{504E3BD1-6E92-493D-8160-B48876CCA5A8}"/>
               </a:ext>
             </a:extLst>
           </p:cNvPr>
@@ -4480,20 +5481,84 @@
           <p:nvPr/>
         </p:nvPicPr>
         <p:blipFill rotWithShape="1">
-          <a:blip r:embed="rId3"/>
-          <a:srcRect l="5127" t="59758" r="3283" b="6629"/>
+          <a:blip r:embed="rId2"/>
+          <a:srcRect l="14020" t="68617" r="57173" b="20051"/>
           <a:stretch/>
         </p:blipFill>
-        <p:spPr>
+        <p:spPr bwMode="auto">
           <a:xfrm>
-            <a:off x="838200" y="4614154"/>
-            <a:ext cx="10050088" cy="2243846"/>
+            <a:off x="169332" y="2721768"/>
+            <a:ext cx="7456719" cy="1833298"/>
           </a:xfrm>
           <a:prstGeom prst="rect">
             <a:avLst/>
           </a:prstGeom>
+          <a:ln>
+            <a:noFill/>
+          </a:ln>
+          <a:extLst>
+            <a:ext uri="{53640926-AAD7-44D8-BBD7-CCE9431645EC}">
+              <a14:shadowObscured xmlns:a14="http://schemas.microsoft.com/office/drawing/2010/main"/>
+            </a:ext>
+          </a:extLst>
         </p:spPr>
       </p:pic>
+      <p:sp>
+        <p:nvSpPr>
+          <p:cNvPr id="9" name="正方形/長方形 8">
+            <a:extLst>
+              <a:ext uri="{FF2B5EF4-FFF2-40B4-BE49-F238E27FC236}">
+                <a16:creationId xmlns:a16="http://schemas.microsoft.com/office/drawing/2014/main" id="{AE20FC53-56B6-4091-8534-A90336FFF91A}"/>
+              </a:ext>
+            </a:extLst>
+          </p:cNvPr>
+          <p:cNvSpPr/>
+          <p:nvPr/>
+        </p:nvSpPr>
+        <p:spPr>
+          <a:xfrm>
+            <a:off x="7781222" y="4490509"/>
+            <a:ext cx="4182177" cy="589491"/>
+          </a:xfrm>
+          <a:prstGeom prst="rect">
+            <a:avLst/>
+          </a:prstGeom>
+          <a:noFill/>
+          <a:ln>
+            <a:solidFill>
+              <a:srgbClr val="FF0000"/>
+            </a:solidFill>
+          </a:ln>
+        </p:spPr>
+        <p:style>
+          <a:lnRef idx="2">
+            <a:schemeClr val="accent1">
+              <a:shade val="50000"/>
+            </a:schemeClr>
+          </a:lnRef>
+          <a:fillRef idx="1">
+            <a:schemeClr val="accent1"/>
+          </a:fillRef>
+          <a:effectRef idx="0">
+            <a:schemeClr val="accent1"/>
+          </a:effectRef>
+          <a:fontRef idx="minor">
+            <a:schemeClr val="lt1"/>
+          </a:fontRef>
+        </p:style>
+        <p:txBody>
+          <a:bodyPr rot="0" spcFirstLastPara="0" vert="horz" wrap="square" lIns="91440" tIns="45720" rIns="91440" bIns="45720" numCol="1" spcCol="0" rtlCol="0" fromWordArt="0" anchor="ctr" anchorCtr="0" forceAA="0" compatLnSpc="1">
+            <a:prstTxWarp prst="textNoShape">
+              <a:avLst/>
+            </a:prstTxWarp>
+            <a:noAutofit/>
+          </a:bodyPr>
+          <a:lstStyle/>
+          <a:p>
+            <a:endParaRPr lang="ja-JP" altLang="en-US"/>
+          </a:p>
+        </p:txBody>
+      </p:sp>
     </p:spTree>
     <p:extLst>
       <p:ext uri="{BB962C8B-B14F-4D97-AF65-F5344CB8AC3E}">
@@ -4504,6 +5569,84 @@
   <p:clrMapOvr>
     <a:masterClrMapping/>
   </p:clrMapOvr>
+  <p:timing>
+    <p:tnLst>
+      <p:par>
+        <p:cTn id="1" dur="indefinite" restart="never" nodeType="tmRoot">
+          <p:childTnLst>
+            <p:seq concurrent="1" nextAc="seek">
+              <p:cTn id="2" dur="indefinite" nodeType="mainSeq">
+                <p:childTnLst>
+                  <p:par>
+                    <p:cTn id="3" fill="hold">
+                      <p:stCondLst>
+                        <p:cond delay="indefinite"/>
+                      </p:stCondLst>
+                      <p:childTnLst>
+                        <p:par>
+                          <p:cTn id="4" fill="hold">
+                            <p:stCondLst>
+                              <p:cond delay="0"/>
+                            </p:stCondLst>
+                            <p:childTnLst>
+                              <p:par>
+                                <p:cTn id="5" presetID="1" presetClass="entr" presetSubtype="0" fill="hold" grpId="0" nodeType="clickEffect">
+                                  <p:stCondLst>
+                                    <p:cond delay="0"/>
+                                  </p:stCondLst>
+                                  <p:childTnLst>
+                                    <p:set>
+                                      <p:cBhvr>
+                                        <p:cTn id="6" dur="1" fill="hold">
+                                          <p:stCondLst>
+                                            <p:cond delay="0"/>
+                                          </p:stCondLst>
+                                        </p:cTn>
+                                        <p:tgtEl>
+                                          <p:spTgt spid="9"/>
+                                        </p:tgtEl>
+                                        <p:attrNameLst>
+                                          <p:attrName>style.visibility</p:attrName>
+                                        </p:attrNameLst>
+                                      </p:cBhvr>
+                                      <p:to>
+                                        <p:strVal val="visible"/>
+                                      </p:to>
+                                    </p:set>
+                                  </p:childTnLst>
+                                </p:cTn>
+                              </p:par>
+                            </p:childTnLst>
+                          </p:cTn>
+                        </p:par>
+                      </p:childTnLst>
+                    </p:cTn>
+                  </p:par>
+                </p:childTnLst>
+              </p:cTn>
+              <p:prevCondLst>
+                <p:cond evt="onPrev" delay="0">
+                  <p:tgtEl>
+                    <p:sldTgt/>
+                  </p:tgtEl>
+                </p:cond>
+              </p:prevCondLst>
+              <p:nextCondLst>
+                <p:cond evt="onNext" delay="0">
+                  <p:tgtEl>
+                    <p:sldTgt/>
+                  </p:tgtEl>
+                </p:cond>
+              </p:nextCondLst>
+            </p:seq>
+          </p:childTnLst>
+        </p:cTn>
+      </p:par>
+    </p:tnLst>
+    <p:bldLst>
+      <p:bldP spid="9" grpId="0" animBg="1"/>
+    </p:bldLst>
+  </p:timing>
 </p:sld>
 </file>
 
@@ -4689,6 +5832,16 @@
             <a:endParaRPr kumimoji="1" lang="en-US" altLang="ja-JP" dirty="0"/>
           </a:p>
           <a:p>
+            <a:endParaRPr lang="en-US" altLang="ja-JP" dirty="0"/>
+          </a:p>
+          <a:p>
+            <a:r>
+              <a:rPr kumimoji="1" lang="ja-JP" altLang="en-US" dirty="0"/>
+              <a:t>スマートコントラクトの要素がない</a:t>
+            </a:r>
+            <a:endParaRPr kumimoji="1" lang="en-US" altLang="ja-JP" dirty="0"/>
+          </a:p>
+          <a:p>
             <a:endParaRPr kumimoji="1" lang="ja-JP" altLang="en-US" dirty="0"/>
           </a:p>
         </p:txBody>
@@ -5182,8 +6335,8 @@
         </p:nvGrpSpPr>
         <p:grpSpPr>
           <a:xfrm>
-            <a:off x="838200" y="2774316"/>
-            <a:ext cx="8454041" cy="3718559"/>
+            <a:off x="838200" y="2782783"/>
+            <a:ext cx="6155267" cy="3160817"/>
             <a:chOff x="964275" y="1911927"/>
             <a:chExt cx="8454041" cy="3718559"/>
           </a:xfrm>
@@ -7225,7 +8378,7 @@
           <p:cNvPr id="2" name="タイトル 1">
             <a:extLst>
               <a:ext uri="{FF2B5EF4-FFF2-40B4-BE49-F238E27FC236}">
-                <a16:creationId xmlns:a16="http://schemas.microsoft.com/office/drawing/2014/main" id="{073B54B9-4020-4821-A783-48A29576200F}"/>
+                <a16:creationId xmlns:a16="http://schemas.microsoft.com/office/drawing/2014/main" id="{29A57A08-FB0E-4AC2-9908-4D919866D635}"/>
               </a:ext>
             </a:extLst>
           </p:cNvPr>
@@ -7250,1052 +8403,1106 @@
       </p:sp>
       <p:sp>
         <p:nvSpPr>
-          <p:cNvPr id="9" name="正方形/長方形 8">
-            <a:extLst>
-              <a:ext uri="{FF2B5EF4-FFF2-40B4-BE49-F238E27FC236}">
-                <a16:creationId xmlns:a16="http://schemas.microsoft.com/office/drawing/2014/main" id="{24F3B2F3-28F8-4653-82FE-3BFC95E058DC}"/>
-              </a:ext>
-            </a:extLst>
-          </p:cNvPr>
-          <p:cNvSpPr/>
-          <p:nvPr/>
+          <p:cNvPr id="3" name="コンテンツ プレースホルダー 2">
+            <a:extLst>
+              <a:ext uri="{FF2B5EF4-FFF2-40B4-BE49-F238E27FC236}">
+                <a16:creationId xmlns:a16="http://schemas.microsoft.com/office/drawing/2014/main" id="{CE736E0D-A99E-456D-9080-CF635481E73C}"/>
+              </a:ext>
+            </a:extLst>
+          </p:cNvPr>
+          <p:cNvSpPr>
+            <a:spLocks noGrp="1"/>
+          </p:cNvSpPr>
+          <p:nvPr>
+            <p:ph idx="1"/>
+          </p:nvPr>
         </p:nvSpPr>
         <p:spPr>
           <a:xfrm>
-            <a:off x="1468582" y="1690688"/>
-            <a:ext cx="2593571" cy="2000163"/>
+            <a:off x="7560734" y="5749837"/>
+            <a:ext cx="4172635" cy="776992"/>
           </a:xfrm>
-          <a:prstGeom prst="rect">
-            <a:avLst/>
-          </a:prstGeom>
-          <a:solidFill>
-            <a:schemeClr val="accent4">
-              <a:lumMod val="40000"/>
-              <a:lumOff val="60000"/>
-            </a:schemeClr>
-          </a:solidFill>
         </p:spPr>
-        <p:style>
-          <a:lnRef idx="1">
-            <a:schemeClr val="accent6"/>
-          </a:lnRef>
-          <a:fillRef idx="2">
-            <a:schemeClr val="accent6"/>
-          </a:fillRef>
-          <a:effectRef idx="1">
-            <a:schemeClr val="accent6"/>
-          </a:effectRef>
-          <a:fontRef idx="minor">
-            <a:schemeClr val="dk1"/>
-          </a:fontRef>
-        </p:style>
-        <p:txBody>
-          <a:bodyPr rtlCol="0" anchor="b"/>
+        <p:txBody>
+          <a:bodyPr/>
           <a:lstStyle/>
           <a:p>
-            <a:pPr algn="ctr"/>
             <a:r>
               <a:rPr kumimoji="1" lang="ja-JP" altLang="en-US" dirty="0"/>
-              <a:t>ブロック</a:t>
-            </a:r>
-            <a:r>
-              <a:rPr kumimoji="1" lang="en-US" altLang="ja-JP" dirty="0"/>
-              <a:t>1</a:t>
-            </a:r>
-            <a:endParaRPr kumimoji="1" lang="ja-JP" altLang="en-US" dirty="0"/>
-          </a:p>
-        </p:txBody>
-      </p:sp>
-      <p:sp>
-        <p:nvSpPr>
-          <p:cNvPr id="5" name="正方形/長方形 4">
-            <a:extLst>
-              <a:ext uri="{FF2B5EF4-FFF2-40B4-BE49-F238E27FC236}">
-                <a16:creationId xmlns:a16="http://schemas.microsoft.com/office/drawing/2014/main" id="{FD156F0D-EE24-49B8-A629-D7E9006BE2DA}"/>
-              </a:ext>
-            </a:extLst>
-          </p:cNvPr>
-          <p:cNvSpPr/>
+              <a:t>改ざんは容易ではない</a:t>
+            </a:r>
+          </a:p>
+        </p:txBody>
+      </p:sp>
+      <p:grpSp>
+        <p:nvGrpSpPr>
+          <p:cNvPr id="4" name="グループ化 3">
+            <a:extLst>
+              <a:ext uri="{FF2B5EF4-FFF2-40B4-BE49-F238E27FC236}">
+                <a16:creationId xmlns:a16="http://schemas.microsoft.com/office/drawing/2014/main" id="{F5381D8A-4F81-4E86-8FEE-77EF02699C23}"/>
+              </a:ext>
+            </a:extLst>
+          </p:cNvPr>
+          <p:cNvGrpSpPr/>
           <p:nvPr/>
-        </p:nvSpPr>
-        <p:spPr>
+        </p:nvGrpSpPr>
+        <p:grpSpPr>
           <a:xfrm>
-            <a:off x="1826030" y="1802925"/>
-            <a:ext cx="441960" cy="1398126"/>
+            <a:off x="541867" y="1538288"/>
+            <a:ext cx="10083800" cy="4600045"/>
+            <a:chOff x="838200" y="1690688"/>
+            <a:chExt cx="10183091" cy="4344353"/>
           </a:xfrm>
-          <a:prstGeom prst="rect">
-            <a:avLst/>
-          </a:prstGeom>
-        </p:spPr>
-        <p:style>
-          <a:lnRef idx="2">
-            <a:schemeClr val="accent6"/>
-          </a:lnRef>
-          <a:fillRef idx="1">
-            <a:schemeClr val="lt1"/>
-          </a:fillRef>
-          <a:effectRef idx="0">
-            <a:schemeClr val="accent6"/>
-          </a:effectRef>
-          <a:fontRef idx="minor">
-            <a:schemeClr val="dk1"/>
-          </a:fontRef>
-        </p:style>
-        <p:txBody>
-          <a:bodyPr rtlCol="0" anchor="ctr"/>
-          <a:lstStyle/>
-          <a:p>
-            <a:pPr algn="ctr"/>
-            <a:r>
-              <a:rPr kumimoji="1" lang="ja-JP" altLang="en-US" dirty="0"/>
-              <a:t>取引情報</a:t>
-            </a:r>
-            <a:r>
-              <a:rPr kumimoji="1" lang="en-US" altLang="ja-JP" dirty="0"/>
-              <a:t>1</a:t>
-            </a:r>
-            <a:endParaRPr kumimoji="1" lang="ja-JP" altLang="en-US" dirty="0"/>
-          </a:p>
-        </p:txBody>
-      </p:sp>
-      <p:sp>
-        <p:nvSpPr>
-          <p:cNvPr id="6" name="正方形/長方形 5">
-            <a:extLst>
-              <a:ext uri="{FF2B5EF4-FFF2-40B4-BE49-F238E27FC236}">
-                <a16:creationId xmlns:a16="http://schemas.microsoft.com/office/drawing/2014/main" id="{648AF1F4-EFA2-475E-A815-3D3D49B4CCBA}"/>
-              </a:ext>
-            </a:extLst>
-          </p:cNvPr>
-          <p:cNvSpPr/>
-          <p:nvPr/>
-        </p:nvSpPr>
-        <p:spPr>
-          <a:xfrm>
-            <a:off x="2586644" y="1802925"/>
-            <a:ext cx="441960" cy="1398126"/>
-          </a:xfrm>
-          <a:prstGeom prst="rect">
-            <a:avLst/>
-          </a:prstGeom>
-        </p:spPr>
-        <p:style>
-          <a:lnRef idx="2">
-            <a:schemeClr val="accent6"/>
-          </a:lnRef>
-          <a:fillRef idx="1">
-            <a:schemeClr val="lt1"/>
-          </a:fillRef>
-          <a:effectRef idx="0">
-            <a:schemeClr val="accent6"/>
-          </a:effectRef>
-          <a:fontRef idx="minor">
-            <a:schemeClr val="dk1"/>
-          </a:fontRef>
-        </p:style>
-        <p:txBody>
-          <a:bodyPr rtlCol="0" anchor="ctr"/>
-          <a:lstStyle/>
-          <a:p>
-            <a:pPr algn="ctr"/>
-            <a:r>
-              <a:rPr kumimoji="1" lang="ja-JP" altLang="en-US" dirty="0"/>
-              <a:t>取引情報</a:t>
-            </a:r>
-            <a:r>
-              <a:rPr kumimoji="1" lang="en-US" altLang="ja-JP" dirty="0"/>
-              <a:t>2</a:t>
-            </a:r>
-          </a:p>
-        </p:txBody>
-      </p:sp>
-      <p:sp>
-        <p:nvSpPr>
-          <p:cNvPr id="7" name="正方形/長方形 6">
-            <a:extLst>
-              <a:ext uri="{FF2B5EF4-FFF2-40B4-BE49-F238E27FC236}">
-                <a16:creationId xmlns:a16="http://schemas.microsoft.com/office/drawing/2014/main" id="{327702B8-6E3C-48B0-8506-908889A30EF7}"/>
-              </a:ext>
-            </a:extLst>
-          </p:cNvPr>
-          <p:cNvSpPr/>
-          <p:nvPr/>
-        </p:nvSpPr>
-        <p:spPr>
-          <a:xfrm>
-            <a:off x="3327862" y="1802925"/>
-            <a:ext cx="441960" cy="1398126"/>
-          </a:xfrm>
-          <a:prstGeom prst="rect">
-            <a:avLst/>
-          </a:prstGeom>
-        </p:spPr>
-        <p:style>
-          <a:lnRef idx="2">
-            <a:schemeClr val="accent6"/>
-          </a:lnRef>
-          <a:fillRef idx="1">
-            <a:schemeClr val="lt1"/>
-          </a:fillRef>
-          <a:effectRef idx="0">
-            <a:schemeClr val="accent6"/>
-          </a:effectRef>
-          <a:fontRef idx="minor">
-            <a:schemeClr val="dk1"/>
-          </a:fontRef>
-        </p:style>
-        <p:txBody>
-          <a:bodyPr rtlCol="0" anchor="ctr"/>
-          <a:lstStyle/>
-          <a:p>
-            <a:pPr algn="ctr"/>
-            <a:r>
-              <a:rPr kumimoji="1" lang="ja-JP" altLang="en-US" dirty="0"/>
-              <a:t>取引情報</a:t>
-            </a:r>
-            <a:r>
-              <a:rPr kumimoji="1" lang="en-US" altLang="ja-JP" dirty="0"/>
-              <a:t>3</a:t>
-            </a:r>
-            <a:endParaRPr kumimoji="1" lang="ja-JP" altLang="en-US" dirty="0"/>
-          </a:p>
-        </p:txBody>
-      </p:sp>
-      <p:cxnSp>
-        <p:nvCxnSpPr>
-          <p:cNvPr id="12" name="直線コネクタ 11">
-            <a:extLst>
-              <a:ext uri="{FF2B5EF4-FFF2-40B4-BE49-F238E27FC236}">
-                <a16:creationId xmlns:a16="http://schemas.microsoft.com/office/drawing/2014/main" id="{580971F4-499E-4CE3-BC90-16E7B9BCCF02}"/>
-              </a:ext>
-            </a:extLst>
-          </p:cNvPr>
-          <p:cNvCxnSpPr>
-            <a:cxnSpLocks/>
-            <a:stCxn id="9" idx="3"/>
-            <a:endCxn id="15" idx="1"/>
-          </p:cNvCxnSpPr>
-          <p:nvPr/>
-        </p:nvCxnSpPr>
-        <p:spPr>
-          <a:xfrm>
-            <a:off x="4062153" y="2690770"/>
-            <a:ext cx="566651" cy="2"/>
-          </a:xfrm>
-          <a:prstGeom prst="line">
-            <a:avLst/>
-          </a:prstGeom>
-        </p:spPr>
-        <p:style>
-          <a:lnRef idx="1">
-            <a:schemeClr val="accent6"/>
-          </a:lnRef>
-          <a:fillRef idx="0">
-            <a:schemeClr val="accent6"/>
-          </a:fillRef>
-          <a:effectRef idx="0">
-            <a:schemeClr val="accent6"/>
-          </a:effectRef>
-          <a:fontRef idx="minor">
-            <a:schemeClr val="tx1"/>
-          </a:fontRef>
-        </p:style>
-      </p:cxnSp>
-      <p:sp>
-        <p:nvSpPr>
-          <p:cNvPr id="15" name="正方形/長方形 14">
-            <a:extLst>
-              <a:ext uri="{FF2B5EF4-FFF2-40B4-BE49-F238E27FC236}">
-                <a16:creationId xmlns:a16="http://schemas.microsoft.com/office/drawing/2014/main" id="{9E9C10CA-01E2-49D6-AAAD-99B4BC5738D6}"/>
-              </a:ext>
-            </a:extLst>
-          </p:cNvPr>
-          <p:cNvSpPr/>
-          <p:nvPr/>
-        </p:nvSpPr>
-        <p:spPr>
-          <a:xfrm>
-            <a:off x="4628804" y="1690691"/>
-            <a:ext cx="2593571" cy="2000162"/>
-          </a:xfrm>
-          <a:prstGeom prst="rect">
-            <a:avLst/>
-          </a:prstGeom>
-          <a:solidFill>
-            <a:schemeClr val="accent4">
-              <a:lumMod val="40000"/>
-              <a:lumOff val="60000"/>
-            </a:schemeClr>
-          </a:solidFill>
-        </p:spPr>
-        <p:style>
-          <a:lnRef idx="1">
-            <a:schemeClr val="accent6"/>
-          </a:lnRef>
-          <a:fillRef idx="2">
-            <a:schemeClr val="accent6"/>
-          </a:fillRef>
-          <a:effectRef idx="1">
-            <a:schemeClr val="accent6"/>
-          </a:effectRef>
-          <a:fontRef idx="minor">
-            <a:schemeClr val="dk1"/>
-          </a:fontRef>
-        </p:style>
-        <p:txBody>
-          <a:bodyPr rtlCol="0" anchor="b"/>
-          <a:lstStyle/>
-          <a:p>
-            <a:pPr algn="ctr"/>
-            <a:r>
-              <a:rPr lang="ja-JP" altLang="en-US" dirty="0"/>
-              <a:t>ブロック</a:t>
-            </a:r>
-            <a:r>
-              <a:rPr lang="en-US" altLang="ja-JP" dirty="0"/>
-              <a:t>2a</a:t>
-            </a:r>
-            <a:endParaRPr kumimoji="1" lang="ja-JP" altLang="en-US" dirty="0"/>
-          </a:p>
-        </p:txBody>
-      </p:sp>
-      <p:sp>
-        <p:nvSpPr>
-          <p:cNvPr id="16" name="正方形/長方形 15">
-            <a:extLst>
-              <a:ext uri="{FF2B5EF4-FFF2-40B4-BE49-F238E27FC236}">
-                <a16:creationId xmlns:a16="http://schemas.microsoft.com/office/drawing/2014/main" id="{0FA4D3A5-052D-4F5F-BEBE-8D62E96DDE2F}"/>
-              </a:ext>
-            </a:extLst>
-          </p:cNvPr>
-          <p:cNvSpPr/>
-          <p:nvPr/>
-        </p:nvSpPr>
-        <p:spPr>
-          <a:xfrm>
-            <a:off x="4924601" y="1802925"/>
-            <a:ext cx="441960" cy="1398126"/>
-          </a:xfrm>
-          <a:prstGeom prst="rect">
-            <a:avLst/>
-          </a:prstGeom>
-        </p:spPr>
-        <p:style>
-          <a:lnRef idx="2">
-            <a:schemeClr val="accent6"/>
-          </a:lnRef>
-          <a:fillRef idx="1">
-            <a:schemeClr val="lt1"/>
-          </a:fillRef>
-          <a:effectRef idx="0">
-            <a:schemeClr val="accent6"/>
-          </a:effectRef>
-          <a:fontRef idx="minor">
-            <a:schemeClr val="dk1"/>
-          </a:fontRef>
-        </p:style>
-        <p:txBody>
-          <a:bodyPr rtlCol="0" anchor="ctr"/>
-          <a:lstStyle/>
-          <a:p>
-            <a:pPr algn="ctr"/>
-            <a:r>
-              <a:rPr kumimoji="1" lang="ja-JP" altLang="en-US" dirty="0"/>
-              <a:t>取引情報</a:t>
-            </a:r>
-            <a:r>
-              <a:rPr kumimoji="1" lang="en-US" altLang="ja-JP" dirty="0"/>
-              <a:t>5</a:t>
-            </a:r>
-            <a:endParaRPr kumimoji="1" lang="ja-JP" altLang="en-US" dirty="0"/>
-          </a:p>
-        </p:txBody>
-      </p:sp>
-      <p:sp>
-        <p:nvSpPr>
-          <p:cNvPr id="17" name="正方形/長方形 16">
-            <a:extLst>
-              <a:ext uri="{FF2B5EF4-FFF2-40B4-BE49-F238E27FC236}">
-                <a16:creationId xmlns:a16="http://schemas.microsoft.com/office/drawing/2014/main" id="{EBF4BF73-0C83-491F-B05D-6DEE7854C9E1}"/>
-              </a:ext>
-            </a:extLst>
-          </p:cNvPr>
-          <p:cNvSpPr/>
-          <p:nvPr/>
-        </p:nvSpPr>
-        <p:spPr>
-          <a:xfrm>
-            <a:off x="5695605" y="1802925"/>
-            <a:ext cx="441960" cy="1398126"/>
-          </a:xfrm>
-          <a:prstGeom prst="rect">
-            <a:avLst/>
-          </a:prstGeom>
-        </p:spPr>
-        <p:style>
-          <a:lnRef idx="2">
-            <a:schemeClr val="accent6"/>
-          </a:lnRef>
-          <a:fillRef idx="1">
-            <a:schemeClr val="lt1"/>
-          </a:fillRef>
-          <a:effectRef idx="0">
-            <a:schemeClr val="accent6"/>
-          </a:effectRef>
-          <a:fontRef idx="minor">
-            <a:schemeClr val="dk1"/>
-          </a:fontRef>
-        </p:style>
-        <p:txBody>
-          <a:bodyPr rtlCol="0" anchor="ctr"/>
-          <a:lstStyle/>
-          <a:p>
-            <a:pPr algn="ctr"/>
-            <a:r>
-              <a:rPr kumimoji="1" lang="ja-JP" altLang="en-US" dirty="0"/>
-              <a:t>取引情報</a:t>
-            </a:r>
-            <a:r>
-              <a:rPr lang="en-US" altLang="ja-JP" dirty="0"/>
-              <a:t>6</a:t>
-            </a:r>
-            <a:endParaRPr kumimoji="1" lang="en-US" altLang="ja-JP" dirty="0"/>
-          </a:p>
-        </p:txBody>
-      </p:sp>
-      <p:sp>
-        <p:nvSpPr>
-          <p:cNvPr id="18" name="正方形/長方形 17">
-            <a:extLst>
-              <a:ext uri="{FF2B5EF4-FFF2-40B4-BE49-F238E27FC236}">
-                <a16:creationId xmlns:a16="http://schemas.microsoft.com/office/drawing/2014/main" id="{7B9365FB-3CB6-43A3-B9C4-1683889D755E}"/>
-              </a:ext>
-            </a:extLst>
-          </p:cNvPr>
-          <p:cNvSpPr/>
-          <p:nvPr/>
-        </p:nvSpPr>
-        <p:spPr>
-          <a:xfrm>
-            <a:off x="6461761" y="1802925"/>
-            <a:ext cx="441960" cy="1398126"/>
-          </a:xfrm>
-          <a:prstGeom prst="rect">
-            <a:avLst/>
-          </a:prstGeom>
-        </p:spPr>
-        <p:style>
-          <a:lnRef idx="2">
-            <a:schemeClr val="accent6"/>
-          </a:lnRef>
-          <a:fillRef idx="1">
-            <a:schemeClr val="lt1"/>
-          </a:fillRef>
-          <a:effectRef idx="0">
-            <a:schemeClr val="accent6"/>
-          </a:effectRef>
-          <a:fontRef idx="minor">
-            <a:schemeClr val="dk1"/>
-          </a:fontRef>
-        </p:style>
-        <p:txBody>
-          <a:bodyPr rtlCol="0" anchor="ctr"/>
-          <a:lstStyle/>
-          <a:p>
-            <a:pPr algn="ctr"/>
-            <a:r>
-              <a:rPr kumimoji="1" lang="ja-JP" altLang="en-US" dirty="0"/>
-              <a:t>取引情報</a:t>
-            </a:r>
-            <a:r>
-              <a:rPr lang="en-US" altLang="ja-JP" dirty="0"/>
-              <a:t>7</a:t>
-            </a:r>
-            <a:endParaRPr kumimoji="1" lang="ja-JP" altLang="en-US" dirty="0"/>
-          </a:p>
-        </p:txBody>
-      </p:sp>
-      <p:sp>
-        <p:nvSpPr>
-          <p:cNvPr id="22" name="正方形/長方形 21">
-            <a:extLst>
-              <a:ext uri="{FF2B5EF4-FFF2-40B4-BE49-F238E27FC236}">
-                <a16:creationId xmlns:a16="http://schemas.microsoft.com/office/drawing/2014/main" id="{BECD8BE8-6816-460A-865E-E3F5E5E62C65}"/>
-              </a:ext>
-            </a:extLst>
-          </p:cNvPr>
-          <p:cNvSpPr/>
-          <p:nvPr/>
-        </p:nvSpPr>
-        <p:spPr>
-          <a:xfrm>
-            <a:off x="4628804" y="4034880"/>
-            <a:ext cx="2593571" cy="2000161"/>
-          </a:xfrm>
-          <a:prstGeom prst="rect">
-            <a:avLst/>
-          </a:prstGeom>
-          <a:solidFill>
-            <a:schemeClr val="tx2">
-              <a:lumMod val="40000"/>
-              <a:lumOff val="60000"/>
-            </a:schemeClr>
-          </a:solidFill>
-        </p:spPr>
-        <p:style>
-          <a:lnRef idx="1">
-            <a:schemeClr val="accent5"/>
-          </a:lnRef>
-          <a:fillRef idx="2">
-            <a:schemeClr val="accent5"/>
-          </a:fillRef>
-          <a:effectRef idx="1">
-            <a:schemeClr val="accent5"/>
-          </a:effectRef>
-          <a:fontRef idx="minor">
-            <a:schemeClr val="dk1"/>
-          </a:fontRef>
-        </p:style>
-        <p:txBody>
-          <a:bodyPr rtlCol="0" anchor="b"/>
-          <a:lstStyle/>
-          <a:p>
-            <a:pPr algn="ctr"/>
-            <a:r>
-              <a:rPr kumimoji="1" lang="ja-JP" altLang="en-US" dirty="0"/>
-              <a:t>ブロック</a:t>
-            </a:r>
-            <a:r>
-              <a:rPr kumimoji="1" lang="en-US" altLang="ja-JP" dirty="0"/>
-              <a:t>2b</a:t>
-            </a:r>
-            <a:endParaRPr kumimoji="1" lang="ja-JP" altLang="en-US" dirty="0"/>
-          </a:p>
-        </p:txBody>
-      </p:sp>
-      <p:sp>
-        <p:nvSpPr>
-          <p:cNvPr id="23" name="正方形/長方形 22">
-            <a:extLst>
-              <a:ext uri="{FF2B5EF4-FFF2-40B4-BE49-F238E27FC236}">
-                <a16:creationId xmlns:a16="http://schemas.microsoft.com/office/drawing/2014/main" id="{25145D5B-FF80-4790-A3AC-8A96D0E8A6BD}"/>
-              </a:ext>
-            </a:extLst>
-          </p:cNvPr>
-          <p:cNvSpPr/>
-          <p:nvPr/>
-        </p:nvSpPr>
-        <p:spPr>
-          <a:xfrm>
-            <a:off x="4885807" y="4149672"/>
-            <a:ext cx="500148" cy="1398126"/>
-          </a:xfrm>
-          <a:prstGeom prst="rect">
-            <a:avLst/>
-          </a:prstGeom>
-        </p:spPr>
-        <p:style>
-          <a:lnRef idx="2">
-            <a:schemeClr val="accent6"/>
-          </a:lnRef>
-          <a:fillRef idx="1">
-            <a:schemeClr val="lt1"/>
-          </a:fillRef>
-          <a:effectRef idx="0">
-            <a:schemeClr val="accent6"/>
-          </a:effectRef>
-          <a:fontRef idx="minor">
-            <a:schemeClr val="dk1"/>
-          </a:fontRef>
-        </p:style>
-        <p:txBody>
-          <a:bodyPr rtlCol="0" anchor="ctr"/>
-          <a:lstStyle/>
-          <a:p>
-            <a:pPr algn="ctr"/>
-            <a:r>
-              <a:rPr kumimoji="1" lang="ja-JP" altLang="en-US" dirty="0"/>
-              <a:t>取引情報</a:t>
-            </a:r>
-            <a:r>
-              <a:rPr lang="ja-JP" altLang="en-US" dirty="0"/>
-              <a:t>４</a:t>
-            </a:r>
-            <a:endParaRPr kumimoji="1" lang="ja-JP" altLang="en-US" dirty="0"/>
-          </a:p>
-        </p:txBody>
-      </p:sp>
-      <p:sp>
-        <p:nvSpPr>
-          <p:cNvPr id="24" name="正方形/長方形 23">
-            <a:extLst>
-              <a:ext uri="{FF2B5EF4-FFF2-40B4-BE49-F238E27FC236}">
-                <a16:creationId xmlns:a16="http://schemas.microsoft.com/office/drawing/2014/main" id="{08093050-75DA-46FE-8FD2-8D2E14BF0AC5}"/>
-              </a:ext>
-            </a:extLst>
-          </p:cNvPr>
-          <p:cNvSpPr/>
-          <p:nvPr/>
-        </p:nvSpPr>
-        <p:spPr>
-          <a:xfrm>
-            <a:off x="5704609" y="4149672"/>
-            <a:ext cx="441960" cy="1398126"/>
-          </a:xfrm>
-          <a:prstGeom prst="rect">
-            <a:avLst/>
-          </a:prstGeom>
-        </p:spPr>
-        <p:style>
-          <a:lnRef idx="2">
-            <a:schemeClr val="accent6"/>
-          </a:lnRef>
-          <a:fillRef idx="1">
-            <a:schemeClr val="lt1"/>
-          </a:fillRef>
-          <a:effectRef idx="0">
-            <a:schemeClr val="accent6"/>
-          </a:effectRef>
-          <a:fontRef idx="minor">
-            <a:schemeClr val="dk1"/>
-          </a:fontRef>
-        </p:style>
-        <p:txBody>
-          <a:bodyPr rtlCol="0" anchor="ctr"/>
-          <a:lstStyle/>
-          <a:p>
-            <a:pPr algn="ctr"/>
-            <a:r>
-              <a:rPr kumimoji="1" lang="ja-JP" altLang="en-US" dirty="0"/>
-              <a:t>取引情報</a:t>
-            </a:r>
-            <a:r>
-              <a:rPr lang="ja-JP" altLang="en-US" dirty="0"/>
-              <a:t>５</a:t>
-            </a:r>
-            <a:endParaRPr kumimoji="1" lang="en-US" altLang="ja-JP" dirty="0"/>
-          </a:p>
-        </p:txBody>
-      </p:sp>
-      <p:sp>
-        <p:nvSpPr>
-          <p:cNvPr id="25" name="正方形/長方形 24">
-            <a:extLst>
-              <a:ext uri="{FF2B5EF4-FFF2-40B4-BE49-F238E27FC236}">
-                <a16:creationId xmlns:a16="http://schemas.microsoft.com/office/drawing/2014/main" id="{C5D0F1F1-CBC8-4336-AEB0-B46DCE86EC68}"/>
-              </a:ext>
-            </a:extLst>
-          </p:cNvPr>
-          <p:cNvSpPr/>
-          <p:nvPr/>
-        </p:nvSpPr>
-        <p:spPr>
-          <a:xfrm>
-            <a:off x="6461761" y="4149672"/>
-            <a:ext cx="441960" cy="1398126"/>
-          </a:xfrm>
-          <a:prstGeom prst="rect">
-            <a:avLst/>
-          </a:prstGeom>
-        </p:spPr>
-        <p:style>
-          <a:lnRef idx="2">
-            <a:schemeClr val="accent6"/>
-          </a:lnRef>
-          <a:fillRef idx="1">
-            <a:schemeClr val="lt1"/>
-          </a:fillRef>
-          <a:effectRef idx="0">
-            <a:schemeClr val="accent6"/>
-          </a:effectRef>
-          <a:fontRef idx="minor">
-            <a:schemeClr val="dk1"/>
-          </a:fontRef>
-        </p:style>
-        <p:txBody>
-          <a:bodyPr rtlCol="0" anchor="ctr"/>
-          <a:lstStyle/>
-          <a:p>
-            <a:pPr algn="ctr"/>
-            <a:r>
-              <a:rPr kumimoji="1" lang="ja-JP" altLang="en-US" dirty="0"/>
-              <a:t>取引情報</a:t>
-            </a:r>
-            <a:r>
-              <a:rPr lang="ja-JP" altLang="en-US" dirty="0"/>
-              <a:t>６</a:t>
-            </a:r>
-            <a:endParaRPr kumimoji="1" lang="ja-JP" altLang="en-US" dirty="0"/>
-          </a:p>
-        </p:txBody>
-      </p:sp>
-      <p:sp>
-        <p:nvSpPr>
-          <p:cNvPr id="34" name="正方形/長方形 33">
-            <a:extLst>
-              <a:ext uri="{FF2B5EF4-FFF2-40B4-BE49-F238E27FC236}">
-                <a16:creationId xmlns:a16="http://schemas.microsoft.com/office/drawing/2014/main" id="{3AF0031F-4C0F-49D4-89EC-054268D85C36}"/>
-              </a:ext>
-            </a:extLst>
-          </p:cNvPr>
-          <p:cNvSpPr/>
-          <p:nvPr/>
-        </p:nvSpPr>
-        <p:spPr>
-          <a:xfrm>
-            <a:off x="7847214" y="1690690"/>
-            <a:ext cx="2593571" cy="2000161"/>
-          </a:xfrm>
-          <a:prstGeom prst="rect">
-            <a:avLst/>
-          </a:prstGeom>
-          <a:solidFill>
-            <a:schemeClr val="accent4">
-              <a:lumMod val="40000"/>
-              <a:lumOff val="60000"/>
-            </a:schemeClr>
-          </a:solidFill>
-        </p:spPr>
-        <p:style>
-          <a:lnRef idx="1">
-            <a:schemeClr val="accent6"/>
-          </a:lnRef>
-          <a:fillRef idx="2">
-            <a:schemeClr val="accent6"/>
-          </a:fillRef>
-          <a:effectRef idx="1">
-            <a:schemeClr val="accent6"/>
-          </a:effectRef>
-          <a:fontRef idx="minor">
-            <a:schemeClr val="dk1"/>
-          </a:fontRef>
-        </p:style>
-        <p:txBody>
-          <a:bodyPr rtlCol="0" anchor="b"/>
-          <a:lstStyle/>
-          <a:p>
-            <a:pPr algn="ctr"/>
-            <a:r>
-              <a:rPr kumimoji="1" lang="ja-JP" altLang="en-US" dirty="0"/>
-              <a:t>ブロック</a:t>
-            </a:r>
-            <a:r>
-              <a:rPr kumimoji="1" lang="en-US" altLang="ja-JP" dirty="0"/>
-              <a:t>3</a:t>
-            </a:r>
-            <a:endParaRPr kumimoji="1" lang="ja-JP" altLang="en-US" dirty="0"/>
-          </a:p>
-        </p:txBody>
-      </p:sp>
-      <p:sp>
-        <p:nvSpPr>
-          <p:cNvPr id="35" name="正方形/長方形 34">
-            <a:extLst>
-              <a:ext uri="{FF2B5EF4-FFF2-40B4-BE49-F238E27FC236}">
-                <a16:creationId xmlns:a16="http://schemas.microsoft.com/office/drawing/2014/main" id="{C6F54B81-D10D-4BF8-B0D5-A4B2D681221A}"/>
-              </a:ext>
-            </a:extLst>
-          </p:cNvPr>
-          <p:cNvSpPr/>
-          <p:nvPr/>
-        </p:nvSpPr>
-        <p:spPr>
-          <a:xfrm>
-            <a:off x="8165868" y="1802925"/>
-            <a:ext cx="441960" cy="1398126"/>
-          </a:xfrm>
-          <a:prstGeom prst="rect">
-            <a:avLst/>
-          </a:prstGeom>
-        </p:spPr>
-        <p:style>
-          <a:lnRef idx="2">
-            <a:schemeClr val="accent6"/>
-          </a:lnRef>
-          <a:fillRef idx="1">
-            <a:schemeClr val="lt1"/>
-          </a:fillRef>
-          <a:effectRef idx="0">
-            <a:schemeClr val="accent6"/>
-          </a:effectRef>
-          <a:fontRef idx="minor">
-            <a:schemeClr val="dk1"/>
-          </a:fontRef>
-        </p:style>
-        <p:txBody>
-          <a:bodyPr rtlCol="0" anchor="ctr"/>
-          <a:lstStyle/>
-          <a:p>
-            <a:pPr algn="ctr"/>
-            <a:r>
-              <a:rPr kumimoji="1" lang="ja-JP" altLang="en-US" dirty="0"/>
-              <a:t>取引情報８</a:t>
-            </a:r>
-          </a:p>
-        </p:txBody>
-      </p:sp>
-      <p:sp>
-        <p:nvSpPr>
-          <p:cNvPr id="36" name="正方形/長方形 35">
-            <a:extLst>
-              <a:ext uri="{FF2B5EF4-FFF2-40B4-BE49-F238E27FC236}">
-                <a16:creationId xmlns:a16="http://schemas.microsoft.com/office/drawing/2014/main" id="{9D9CCF62-2866-4F52-BE51-50DC59C919CA}"/>
-              </a:ext>
-            </a:extLst>
-          </p:cNvPr>
-          <p:cNvSpPr/>
-          <p:nvPr/>
-        </p:nvSpPr>
-        <p:spPr>
-          <a:xfrm>
-            <a:off x="8930642" y="1802925"/>
-            <a:ext cx="441960" cy="1398126"/>
-          </a:xfrm>
-          <a:prstGeom prst="rect">
-            <a:avLst/>
-          </a:prstGeom>
-        </p:spPr>
-        <p:style>
-          <a:lnRef idx="2">
-            <a:schemeClr val="accent6"/>
-          </a:lnRef>
-          <a:fillRef idx="1">
-            <a:schemeClr val="lt1"/>
-          </a:fillRef>
-          <a:effectRef idx="0">
-            <a:schemeClr val="accent6"/>
-          </a:effectRef>
-          <a:fontRef idx="minor">
-            <a:schemeClr val="dk1"/>
-          </a:fontRef>
-        </p:style>
-        <p:txBody>
-          <a:bodyPr rtlCol="0" anchor="ctr"/>
-          <a:lstStyle/>
-          <a:p>
-            <a:pPr algn="ctr"/>
-            <a:r>
-              <a:rPr kumimoji="1" lang="ja-JP" altLang="en-US" dirty="0"/>
-              <a:t>取引情報９</a:t>
-            </a:r>
-            <a:endParaRPr kumimoji="1" lang="en-US" altLang="ja-JP" dirty="0"/>
-          </a:p>
-        </p:txBody>
-      </p:sp>
-      <p:sp>
-        <p:nvSpPr>
-          <p:cNvPr id="37" name="正方形/長方形 36">
-            <a:extLst>
-              <a:ext uri="{FF2B5EF4-FFF2-40B4-BE49-F238E27FC236}">
-                <a16:creationId xmlns:a16="http://schemas.microsoft.com/office/drawing/2014/main" id="{EDC4D8FC-B8AA-46AD-A655-4C02BE0BB695}"/>
-              </a:ext>
-            </a:extLst>
-          </p:cNvPr>
-          <p:cNvSpPr/>
-          <p:nvPr/>
-        </p:nvSpPr>
-        <p:spPr>
-          <a:xfrm>
-            <a:off x="9676011" y="1802925"/>
-            <a:ext cx="441960" cy="1398126"/>
-          </a:xfrm>
-          <a:prstGeom prst="rect">
-            <a:avLst/>
-          </a:prstGeom>
-        </p:spPr>
-        <p:style>
-          <a:lnRef idx="2">
-            <a:schemeClr val="accent6"/>
-          </a:lnRef>
-          <a:fillRef idx="1">
-            <a:schemeClr val="lt1"/>
-          </a:fillRef>
-          <a:effectRef idx="0">
-            <a:schemeClr val="accent6"/>
-          </a:effectRef>
-          <a:fontRef idx="minor">
-            <a:schemeClr val="dk1"/>
-          </a:fontRef>
-        </p:style>
-        <p:txBody>
-          <a:bodyPr rtlCol="0" anchor="ctr"/>
-          <a:lstStyle/>
-          <a:p>
-            <a:pPr algn="ctr"/>
-            <a:r>
-              <a:rPr kumimoji="1" lang="ja-JP" altLang="en-US" dirty="0"/>
-              <a:t>取引情報</a:t>
-            </a:r>
-            <a:r>
-              <a:rPr kumimoji="1" lang="en-US" altLang="ja-JP" dirty="0"/>
-              <a:t>10</a:t>
-            </a:r>
-            <a:endParaRPr kumimoji="1" lang="ja-JP" altLang="en-US" dirty="0"/>
-          </a:p>
-        </p:txBody>
-      </p:sp>
-      <p:cxnSp>
-        <p:nvCxnSpPr>
-          <p:cNvPr id="40" name="直線コネクタ 39">
-            <a:extLst>
-              <a:ext uri="{FF2B5EF4-FFF2-40B4-BE49-F238E27FC236}">
-                <a16:creationId xmlns:a16="http://schemas.microsoft.com/office/drawing/2014/main" id="{89F4F8C1-BEDB-4A38-B9CE-EE22C266EAB2}"/>
-              </a:ext>
-            </a:extLst>
-          </p:cNvPr>
-          <p:cNvCxnSpPr>
-            <a:cxnSpLocks/>
-            <a:stCxn id="15" idx="3"/>
-            <a:endCxn id="34" idx="1"/>
-          </p:cNvCxnSpPr>
-          <p:nvPr/>
-        </p:nvCxnSpPr>
-        <p:spPr>
-          <a:xfrm flipV="1">
-            <a:off x="7222375" y="2690771"/>
-            <a:ext cx="624839" cy="1"/>
-          </a:xfrm>
-          <a:prstGeom prst="line">
-            <a:avLst/>
-          </a:prstGeom>
-        </p:spPr>
-        <p:style>
-          <a:lnRef idx="1">
-            <a:schemeClr val="accent6"/>
-          </a:lnRef>
-          <a:fillRef idx="0">
-            <a:schemeClr val="accent6"/>
-          </a:fillRef>
-          <a:effectRef idx="0">
-            <a:schemeClr val="accent6"/>
-          </a:effectRef>
-          <a:fontRef idx="minor">
-            <a:schemeClr val="tx1"/>
-          </a:fontRef>
-        </p:style>
-      </p:cxnSp>
-      <p:cxnSp>
-        <p:nvCxnSpPr>
-          <p:cNvPr id="43" name="直線コネクタ 42">
-            <a:extLst>
-              <a:ext uri="{FF2B5EF4-FFF2-40B4-BE49-F238E27FC236}">
-                <a16:creationId xmlns:a16="http://schemas.microsoft.com/office/drawing/2014/main" id="{DCB25AD1-5254-40E2-956B-91995699F1CB}"/>
-              </a:ext>
-            </a:extLst>
-          </p:cNvPr>
-          <p:cNvCxnSpPr>
-            <a:cxnSpLocks/>
-            <a:stCxn id="9" idx="3"/>
-            <a:endCxn id="22" idx="1"/>
-          </p:cNvCxnSpPr>
-          <p:nvPr/>
-        </p:nvCxnSpPr>
-        <p:spPr>
-          <a:xfrm>
-            <a:off x="4062153" y="2690770"/>
-            <a:ext cx="566651" cy="2344191"/>
-          </a:xfrm>
-          <a:prstGeom prst="line">
-            <a:avLst/>
-          </a:prstGeom>
-        </p:spPr>
-        <p:style>
-          <a:lnRef idx="1">
-            <a:schemeClr val="accent1"/>
-          </a:lnRef>
-          <a:fillRef idx="0">
-            <a:schemeClr val="accent1"/>
-          </a:fillRef>
-          <a:effectRef idx="0">
-            <a:schemeClr val="accent1"/>
-          </a:effectRef>
-          <a:fontRef idx="minor">
-            <a:schemeClr val="tx1"/>
-          </a:fontRef>
-        </p:style>
-      </p:cxnSp>
-      <p:cxnSp>
-        <p:nvCxnSpPr>
-          <p:cNvPr id="65" name="直線コネクタ 64">
-            <a:extLst>
-              <a:ext uri="{FF2B5EF4-FFF2-40B4-BE49-F238E27FC236}">
-                <a16:creationId xmlns:a16="http://schemas.microsoft.com/office/drawing/2014/main" id="{6F31D12B-27A1-4359-9970-1CBCD09F2251}"/>
-              </a:ext>
-            </a:extLst>
-          </p:cNvPr>
-          <p:cNvCxnSpPr>
-            <a:cxnSpLocks/>
-            <a:stCxn id="9" idx="1"/>
-          </p:cNvCxnSpPr>
-          <p:nvPr/>
-        </p:nvCxnSpPr>
-        <p:spPr>
-          <a:xfrm flipH="1">
-            <a:off x="838200" y="2690770"/>
-            <a:ext cx="630382" cy="0"/>
-          </a:xfrm>
-          <a:prstGeom prst="line">
-            <a:avLst/>
-          </a:prstGeom>
-        </p:spPr>
-        <p:style>
-          <a:lnRef idx="1">
-            <a:schemeClr val="accent1"/>
-          </a:lnRef>
-          <a:fillRef idx="0">
-            <a:schemeClr val="accent1"/>
-          </a:fillRef>
-          <a:effectRef idx="0">
-            <a:schemeClr val="accent1"/>
-          </a:effectRef>
-          <a:fontRef idx="minor">
-            <a:schemeClr val="tx1"/>
-          </a:fontRef>
-        </p:style>
-      </p:cxnSp>
-      <p:cxnSp>
-        <p:nvCxnSpPr>
-          <p:cNvPr id="68" name="直線コネクタ 67">
-            <a:extLst>
-              <a:ext uri="{FF2B5EF4-FFF2-40B4-BE49-F238E27FC236}">
-                <a16:creationId xmlns:a16="http://schemas.microsoft.com/office/drawing/2014/main" id="{6BBEC3A7-E5CA-40A2-B0BD-21BD03B82C3D}"/>
-              </a:ext>
-            </a:extLst>
-          </p:cNvPr>
-          <p:cNvCxnSpPr>
-            <a:cxnSpLocks/>
-            <a:stCxn id="34" idx="3"/>
-          </p:cNvCxnSpPr>
-          <p:nvPr/>
-        </p:nvCxnSpPr>
-        <p:spPr>
-          <a:xfrm flipV="1">
-            <a:off x="10440785" y="2690770"/>
-            <a:ext cx="580506" cy="1"/>
-          </a:xfrm>
-          <a:prstGeom prst="line">
-            <a:avLst/>
-          </a:prstGeom>
-        </p:spPr>
-        <p:style>
-          <a:lnRef idx="1">
-            <a:schemeClr val="accent1"/>
-          </a:lnRef>
-          <a:fillRef idx="0">
-            <a:schemeClr val="accent1"/>
-          </a:fillRef>
-          <a:effectRef idx="0">
-            <a:schemeClr val="accent1"/>
-          </a:effectRef>
-          <a:fontRef idx="minor">
-            <a:schemeClr val="tx1"/>
-          </a:fontRef>
-        </p:style>
-      </p:cxnSp>
+        </p:grpSpPr>
+        <p:sp>
+          <p:nvSpPr>
+            <p:cNvPr id="5" name="正方形/長方形 4">
+              <a:extLst>
+                <a:ext uri="{FF2B5EF4-FFF2-40B4-BE49-F238E27FC236}">
+                  <a16:creationId xmlns:a16="http://schemas.microsoft.com/office/drawing/2014/main" id="{0CFE1158-5D0A-496D-B061-0AB55FCDB17B}"/>
+                </a:ext>
+              </a:extLst>
+            </p:cNvPr>
+            <p:cNvSpPr/>
+            <p:nvPr/>
+          </p:nvSpPr>
+          <p:spPr>
+            <a:xfrm>
+              <a:off x="1468582" y="1690688"/>
+              <a:ext cx="2593571" cy="2000163"/>
+            </a:xfrm>
+            <a:prstGeom prst="rect">
+              <a:avLst/>
+            </a:prstGeom>
+            <a:solidFill>
+              <a:schemeClr val="accent4">
+                <a:lumMod val="40000"/>
+                <a:lumOff val="60000"/>
+              </a:schemeClr>
+            </a:solidFill>
+          </p:spPr>
+          <p:style>
+            <a:lnRef idx="1">
+              <a:schemeClr val="accent6"/>
+            </a:lnRef>
+            <a:fillRef idx="2">
+              <a:schemeClr val="accent6"/>
+            </a:fillRef>
+            <a:effectRef idx="1">
+              <a:schemeClr val="accent6"/>
+            </a:effectRef>
+            <a:fontRef idx="minor">
+              <a:schemeClr val="dk1"/>
+            </a:fontRef>
+          </p:style>
+          <p:txBody>
+            <a:bodyPr rtlCol="0" anchor="b"/>
+            <a:lstStyle/>
+            <a:p>
+              <a:pPr algn="ctr"/>
+              <a:r>
+                <a:rPr kumimoji="1" lang="ja-JP" altLang="en-US" dirty="0"/>
+                <a:t>ブロック</a:t>
+              </a:r>
+              <a:r>
+                <a:rPr kumimoji="1" lang="en-US" altLang="ja-JP" dirty="0"/>
+                <a:t>1</a:t>
+              </a:r>
+              <a:endParaRPr kumimoji="1" lang="ja-JP" altLang="en-US" dirty="0"/>
+            </a:p>
+          </p:txBody>
+        </p:sp>
+        <p:sp>
+          <p:nvSpPr>
+            <p:cNvPr id="6" name="正方形/長方形 5">
+              <a:extLst>
+                <a:ext uri="{FF2B5EF4-FFF2-40B4-BE49-F238E27FC236}">
+                  <a16:creationId xmlns:a16="http://schemas.microsoft.com/office/drawing/2014/main" id="{6C9CB3D1-2462-4F60-992F-5F89D8B06897}"/>
+                </a:ext>
+              </a:extLst>
+            </p:cNvPr>
+            <p:cNvSpPr/>
+            <p:nvPr/>
+          </p:nvSpPr>
+          <p:spPr>
+            <a:xfrm>
+              <a:off x="1826030" y="1802925"/>
+              <a:ext cx="441960" cy="1398126"/>
+            </a:xfrm>
+            <a:prstGeom prst="rect">
+              <a:avLst/>
+            </a:prstGeom>
+          </p:spPr>
+          <p:style>
+            <a:lnRef idx="2">
+              <a:schemeClr val="accent6"/>
+            </a:lnRef>
+            <a:fillRef idx="1">
+              <a:schemeClr val="lt1"/>
+            </a:fillRef>
+            <a:effectRef idx="0">
+              <a:schemeClr val="accent6"/>
+            </a:effectRef>
+            <a:fontRef idx="minor">
+              <a:schemeClr val="dk1"/>
+            </a:fontRef>
+          </p:style>
+          <p:txBody>
+            <a:bodyPr rtlCol="0" anchor="ctr"/>
+            <a:lstStyle/>
+            <a:p>
+              <a:pPr algn="ctr"/>
+              <a:r>
+                <a:rPr kumimoji="1" lang="ja-JP" altLang="en-US" dirty="0"/>
+                <a:t>取引情報</a:t>
+              </a:r>
+              <a:r>
+                <a:rPr kumimoji="1" lang="en-US" altLang="ja-JP" dirty="0"/>
+                <a:t>1</a:t>
+              </a:r>
+              <a:endParaRPr kumimoji="1" lang="ja-JP" altLang="en-US" dirty="0"/>
+            </a:p>
+          </p:txBody>
+        </p:sp>
+        <p:sp>
+          <p:nvSpPr>
+            <p:cNvPr id="7" name="正方形/長方形 6">
+              <a:extLst>
+                <a:ext uri="{FF2B5EF4-FFF2-40B4-BE49-F238E27FC236}">
+                  <a16:creationId xmlns:a16="http://schemas.microsoft.com/office/drawing/2014/main" id="{D81A1801-6859-46F7-8F33-F43F0282E8F0}"/>
+                </a:ext>
+              </a:extLst>
+            </p:cNvPr>
+            <p:cNvSpPr/>
+            <p:nvPr/>
+          </p:nvSpPr>
+          <p:spPr>
+            <a:xfrm>
+              <a:off x="2586644" y="1802925"/>
+              <a:ext cx="441960" cy="1398126"/>
+            </a:xfrm>
+            <a:prstGeom prst="rect">
+              <a:avLst/>
+            </a:prstGeom>
+          </p:spPr>
+          <p:style>
+            <a:lnRef idx="2">
+              <a:schemeClr val="accent6"/>
+            </a:lnRef>
+            <a:fillRef idx="1">
+              <a:schemeClr val="lt1"/>
+            </a:fillRef>
+            <a:effectRef idx="0">
+              <a:schemeClr val="accent6"/>
+            </a:effectRef>
+            <a:fontRef idx="minor">
+              <a:schemeClr val="dk1"/>
+            </a:fontRef>
+          </p:style>
+          <p:txBody>
+            <a:bodyPr rtlCol="0" anchor="ctr"/>
+            <a:lstStyle/>
+            <a:p>
+              <a:pPr algn="ctr"/>
+              <a:r>
+                <a:rPr kumimoji="1" lang="ja-JP" altLang="en-US" dirty="0"/>
+                <a:t>取引情報</a:t>
+              </a:r>
+              <a:r>
+                <a:rPr kumimoji="1" lang="en-US" altLang="ja-JP" dirty="0"/>
+                <a:t>2</a:t>
+              </a:r>
+            </a:p>
+          </p:txBody>
+        </p:sp>
+        <p:sp>
+          <p:nvSpPr>
+            <p:cNvPr id="8" name="正方形/長方形 7">
+              <a:extLst>
+                <a:ext uri="{FF2B5EF4-FFF2-40B4-BE49-F238E27FC236}">
+                  <a16:creationId xmlns:a16="http://schemas.microsoft.com/office/drawing/2014/main" id="{401CDC17-E378-4CDA-B6FA-833EF91373A3}"/>
+                </a:ext>
+              </a:extLst>
+            </p:cNvPr>
+            <p:cNvSpPr/>
+            <p:nvPr/>
+          </p:nvSpPr>
+          <p:spPr>
+            <a:xfrm>
+              <a:off x="3327862" y="1802925"/>
+              <a:ext cx="441960" cy="1398126"/>
+            </a:xfrm>
+            <a:prstGeom prst="rect">
+              <a:avLst/>
+            </a:prstGeom>
+          </p:spPr>
+          <p:style>
+            <a:lnRef idx="2">
+              <a:schemeClr val="accent6"/>
+            </a:lnRef>
+            <a:fillRef idx="1">
+              <a:schemeClr val="lt1"/>
+            </a:fillRef>
+            <a:effectRef idx="0">
+              <a:schemeClr val="accent6"/>
+            </a:effectRef>
+            <a:fontRef idx="minor">
+              <a:schemeClr val="dk1"/>
+            </a:fontRef>
+          </p:style>
+          <p:txBody>
+            <a:bodyPr rtlCol="0" anchor="ctr"/>
+            <a:lstStyle/>
+            <a:p>
+              <a:pPr algn="ctr"/>
+              <a:r>
+                <a:rPr kumimoji="1" lang="ja-JP" altLang="en-US" dirty="0"/>
+                <a:t>取引情報</a:t>
+              </a:r>
+              <a:r>
+                <a:rPr kumimoji="1" lang="en-US" altLang="ja-JP" dirty="0"/>
+                <a:t>3</a:t>
+              </a:r>
+              <a:endParaRPr kumimoji="1" lang="ja-JP" altLang="en-US" dirty="0"/>
+            </a:p>
+          </p:txBody>
+        </p:sp>
+        <p:cxnSp>
+          <p:nvCxnSpPr>
+            <p:cNvPr id="9" name="直線コネクタ 8">
+              <a:extLst>
+                <a:ext uri="{FF2B5EF4-FFF2-40B4-BE49-F238E27FC236}">
+                  <a16:creationId xmlns:a16="http://schemas.microsoft.com/office/drawing/2014/main" id="{A72F0112-D675-4B44-BA46-9F48FB807186}"/>
+                </a:ext>
+              </a:extLst>
+            </p:cNvPr>
+            <p:cNvCxnSpPr>
+              <a:cxnSpLocks/>
+              <a:stCxn id="5" idx="3"/>
+              <a:endCxn id="10" idx="1"/>
+            </p:cNvCxnSpPr>
+            <p:nvPr/>
+          </p:nvCxnSpPr>
+          <p:spPr>
+            <a:xfrm>
+              <a:off x="4062153" y="2690770"/>
+              <a:ext cx="566651" cy="2"/>
+            </a:xfrm>
+            <a:prstGeom prst="line">
+              <a:avLst/>
+            </a:prstGeom>
+          </p:spPr>
+          <p:style>
+            <a:lnRef idx="1">
+              <a:schemeClr val="accent6"/>
+            </a:lnRef>
+            <a:fillRef idx="0">
+              <a:schemeClr val="accent6"/>
+            </a:fillRef>
+            <a:effectRef idx="0">
+              <a:schemeClr val="accent6"/>
+            </a:effectRef>
+            <a:fontRef idx="minor">
+              <a:schemeClr val="tx1"/>
+            </a:fontRef>
+          </p:style>
+        </p:cxnSp>
+        <p:sp>
+          <p:nvSpPr>
+            <p:cNvPr id="10" name="正方形/長方形 9">
+              <a:extLst>
+                <a:ext uri="{FF2B5EF4-FFF2-40B4-BE49-F238E27FC236}">
+                  <a16:creationId xmlns:a16="http://schemas.microsoft.com/office/drawing/2014/main" id="{591ABDCA-8EC4-4E10-A852-50BDE410F257}"/>
+                </a:ext>
+              </a:extLst>
+            </p:cNvPr>
+            <p:cNvSpPr/>
+            <p:nvPr/>
+          </p:nvSpPr>
+          <p:spPr>
+            <a:xfrm>
+              <a:off x="4628804" y="1690691"/>
+              <a:ext cx="2593571" cy="2000162"/>
+            </a:xfrm>
+            <a:prstGeom prst="rect">
+              <a:avLst/>
+            </a:prstGeom>
+            <a:solidFill>
+              <a:schemeClr val="accent4">
+                <a:lumMod val="40000"/>
+                <a:lumOff val="60000"/>
+              </a:schemeClr>
+            </a:solidFill>
+          </p:spPr>
+          <p:style>
+            <a:lnRef idx="1">
+              <a:schemeClr val="accent6"/>
+            </a:lnRef>
+            <a:fillRef idx="2">
+              <a:schemeClr val="accent6"/>
+            </a:fillRef>
+            <a:effectRef idx="1">
+              <a:schemeClr val="accent6"/>
+            </a:effectRef>
+            <a:fontRef idx="minor">
+              <a:schemeClr val="dk1"/>
+            </a:fontRef>
+          </p:style>
+          <p:txBody>
+            <a:bodyPr rtlCol="0" anchor="b"/>
+            <a:lstStyle/>
+            <a:p>
+              <a:pPr algn="ctr"/>
+              <a:r>
+                <a:rPr lang="ja-JP" altLang="en-US" dirty="0"/>
+                <a:t>ブロック</a:t>
+              </a:r>
+              <a:r>
+                <a:rPr lang="en-US" altLang="ja-JP" dirty="0"/>
+                <a:t>2a</a:t>
+              </a:r>
+              <a:endParaRPr kumimoji="1" lang="ja-JP" altLang="en-US" dirty="0"/>
+            </a:p>
+          </p:txBody>
+        </p:sp>
+        <p:sp>
+          <p:nvSpPr>
+            <p:cNvPr id="11" name="正方形/長方形 10">
+              <a:extLst>
+                <a:ext uri="{FF2B5EF4-FFF2-40B4-BE49-F238E27FC236}">
+                  <a16:creationId xmlns:a16="http://schemas.microsoft.com/office/drawing/2014/main" id="{47FCF062-3572-4599-8D59-4822A66224BD}"/>
+                </a:ext>
+              </a:extLst>
+            </p:cNvPr>
+            <p:cNvSpPr/>
+            <p:nvPr/>
+          </p:nvSpPr>
+          <p:spPr>
+            <a:xfrm>
+              <a:off x="4924601" y="1802925"/>
+              <a:ext cx="441960" cy="1398126"/>
+            </a:xfrm>
+            <a:prstGeom prst="rect">
+              <a:avLst/>
+            </a:prstGeom>
+          </p:spPr>
+          <p:style>
+            <a:lnRef idx="2">
+              <a:schemeClr val="accent6"/>
+            </a:lnRef>
+            <a:fillRef idx="1">
+              <a:schemeClr val="lt1"/>
+            </a:fillRef>
+            <a:effectRef idx="0">
+              <a:schemeClr val="accent6"/>
+            </a:effectRef>
+            <a:fontRef idx="minor">
+              <a:schemeClr val="dk1"/>
+            </a:fontRef>
+          </p:style>
+          <p:txBody>
+            <a:bodyPr rtlCol="0" anchor="ctr"/>
+            <a:lstStyle/>
+            <a:p>
+              <a:pPr algn="ctr"/>
+              <a:r>
+                <a:rPr kumimoji="1" lang="ja-JP" altLang="en-US" dirty="0"/>
+                <a:t>取引情報</a:t>
+              </a:r>
+              <a:r>
+                <a:rPr kumimoji="1" lang="en-US" altLang="ja-JP" dirty="0"/>
+                <a:t>5</a:t>
+              </a:r>
+              <a:endParaRPr kumimoji="1" lang="ja-JP" altLang="en-US" dirty="0"/>
+            </a:p>
+          </p:txBody>
+        </p:sp>
+        <p:sp>
+          <p:nvSpPr>
+            <p:cNvPr id="12" name="正方形/長方形 11">
+              <a:extLst>
+                <a:ext uri="{FF2B5EF4-FFF2-40B4-BE49-F238E27FC236}">
+                  <a16:creationId xmlns:a16="http://schemas.microsoft.com/office/drawing/2014/main" id="{D4FADC2C-9C8C-4D5D-AFA6-6319E662A005}"/>
+                </a:ext>
+              </a:extLst>
+            </p:cNvPr>
+            <p:cNvSpPr/>
+            <p:nvPr/>
+          </p:nvSpPr>
+          <p:spPr>
+            <a:xfrm>
+              <a:off x="5695605" y="1802925"/>
+              <a:ext cx="441960" cy="1398126"/>
+            </a:xfrm>
+            <a:prstGeom prst="rect">
+              <a:avLst/>
+            </a:prstGeom>
+          </p:spPr>
+          <p:style>
+            <a:lnRef idx="2">
+              <a:schemeClr val="accent6"/>
+            </a:lnRef>
+            <a:fillRef idx="1">
+              <a:schemeClr val="lt1"/>
+            </a:fillRef>
+            <a:effectRef idx="0">
+              <a:schemeClr val="accent6"/>
+            </a:effectRef>
+            <a:fontRef idx="minor">
+              <a:schemeClr val="dk1"/>
+            </a:fontRef>
+          </p:style>
+          <p:txBody>
+            <a:bodyPr rtlCol="0" anchor="ctr"/>
+            <a:lstStyle/>
+            <a:p>
+              <a:pPr algn="ctr"/>
+              <a:r>
+                <a:rPr kumimoji="1" lang="ja-JP" altLang="en-US" dirty="0"/>
+                <a:t>取引情報</a:t>
+              </a:r>
+              <a:r>
+                <a:rPr lang="en-US" altLang="ja-JP" dirty="0"/>
+                <a:t>6</a:t>
+              </a:r>
+              <a:endParaRPr kumimoji="1" lang="en-US" altLang="ja-JP" dirty="0"/>
+            </a:p>
+          </p:txBody>
+        </p:sp>
+        <p:sp>
+          <p:nvSpPr>
+            <p:cNvPr id="13" name="正方形/長方形 12">
+              <a:extLst>
+                <a:ext uri="{FF2B5EF4-FFF2-40B4-BE49-F238E27FC236}">
+                  <a16:creationId xmlns:a16="http://schemas.microsoft.com/office/drawing/2014/main" id="{8ACF8C66-6AF9-47A2-8F7B-B6E284904B7B}"/>
+                </a:ext>
+              </a:extLst>
+            </p:cNvPr>
+            <p:cNvSpPr/>
+            <p:nvPr/>
+          </p:nvSpPr>
+          <p:spPr>
+            <a:xfrm>
+              <a:off x="6461761" y="1802925"/>
+              <a:ext cx="441960" cy="1398126"/>
+            </a:xfrm>
+            <a:prstGeom prst="rect">
+              <a:avLst/>
+            </a:prstGeom>
+          </p:spPr>
+          <p:style>
+            <a:lnRef idx="2">
+              <a:schemeClr val="accent6"/>
+            </a:lnRef>
+            <a:fillRef idx="1">
+              <a:schemeClr val="lt1"/>
+            </a:fillRef>
+            <a:effectRef idx="0">
+              <a:schemeClr val="accent6"/>
+            </a:effectRef>
+            <a:fontRef idx="minor">
+              <a:schemeClr val="dk1"/>
+            </a:fontRef>
+          </p:style>
+          <p:txBody>
+            <a:bodyPr rtlCol="0" anchor="ctr"/>
+            <a:lstStyle/>
+            <a:p>
+              <a:pPr algn="ctr"/>
+              <a:r>
+                <a:rPr kumimoji="1" lang="ja-JP" altLang="en-US" dirty="0"/>
+                <a:t>取引情報</a:t>
+              </a:r>
+              <a:r>
+                <a:rPr lang="en-US" altLang="ja-JP" dirty="0"/>
+                <a:t>7</a:t>
+              </a:r>
+              <a:endParaRPr kumimoji="1" lang="ja-JP" altLang="en-US" dirty="0"/>
+            </a:p>
+          </p:txBody>
+        </p:sp>
+        <p:sp>
+          <p:nvSpPr>
+            <p:cNvPr id="14" name="正方形/長方形 13">
+              <a:extLst>
+                <a:ext uri="{FF2B5EF4-FFF2-40B4-BE49-F238E27FC236}">
+                  <a16:creationId xmlns:a16="http://schemas.microsoft.com/office/drawing/2014/main" id="{175D5892-3A6D-4003-97E9-1743C473488A}"/>
+                </a:ext>
+              </a:extLst>
+            </p:cNvPr>
+            <p:cNvSpPr/>
+            <p:nvPr/>
+          </p:nvSpPr>
+          <p:spPr>
+            <a:xfrm>
+              <a:off x="4628804" y="4034880"/>
+              <a:ext cx="2593571" cy="2000161"/>
+            </a:xfrm>
+            <a:prstGeom prst="rect">
+              <a:avLst/>
+            </a:prstGeom>
+            <a:solidFill>
+              <a:schemeClr val="tx2">
+                <a:lumMod val="40000"/>
+                <a:lumOff val="60000"/>
+              </a:schemeClr>
+            </a:solidFill>
+          </p:spPr>
+          <p:style>
+            <a:lnRef idx="1">
+              <a:schemeClr val="accent5"/>
+            </a:lnRef>
+            <a:fillRef idx="2">
+              <a:schemeClr val="accent5"/>
+            </a:fillRef>
+            <a:effectRef idx="1">
+              <a:schemeClr val="accent5"/>
+            </a:effectRef>
+            <a:fontRef idx="minor">
+              <a:schemeClr val="dk1"/>
+            </a:fontRef>
+          </p:style>
+          <p:txBody>
+            <a:bodyPr rtlCol="0" anchor="b"/>
+            <a:lstStyle/>
+            <a:p>
+              <a:pPr algn="ctr"/>
+              <a:r>
+                <a:rPr kumimoji="1" lang="ja-JP" altLang="en-US" dirty="0"/>
+                <a:t>ブロック</a:t>
+              </a:r>
+              <a:r>
+                <a:rPr kumimoji="1" lang="en-US" altLang="ja-JP" dirty="0"/>
+                <a:t>2b</a:t>
+              </a:r>
+              <a:endParaRPr kumimoji="1" lang="ja-JP" altLang="en-US" dirty="0"/>
+            </a:p>
+          </p:txBody>
+        </p:sp>
+        <p:sp>
+          <p:nvSpPr>
+            <p:cNvPr id="15" name="正方形/長方形 14">
+              <a:extLst>
+                <a:ext uri="{FF2B5EF4-FFF2-40B4-BE49-F238E27FC236}">
+                  <a16:creationId xmlns:a16="http://schemas.microsoft.com/office/drawing/2014/main" id="{B0882980-9AD1-4140-9C62-E5898C968A43}"/>
+                </a:ext>
+              </a:extLst>
+            </p:cNvPr>
+            <p:cNvSpPr/>
+            <p:nvPr/>
+          </p:nvSpPr>
+          <p:spPr>
+            <a:xfrm>
+              <a:off x="4885807" y="4149672"/>
+              <a:ext cx="500148" cy="1398126"/>
+            </a:xfrm>
+            <a:prstGeom prst="rect">
+              <a:avLst/>
+            </a:prstGeom>
+          </p:spPr>
+          <p:style>
+            <a:lnRef idx="2">
+              <a:schemeClr val="accent6"/>
+            </a:lnRef>
+            <a:fillRef idx="1">
+              <a:schemeClr val="lt1"/>
+            </a:fillRef>
+            <a:effectRef idx="0">
+              <a:schemeClr val="accent6"/>
+            </a:effectRef>
+            <a:fontRef idx="minor">
+              <a:schemeClr val="dk1"/>
+            </a:fontRef>
+          </p:style>
+          <p:txBody>
+            <a:bodyPr rtlCol="0" anchor="ctr"/>
+            <a:lstStyle/>
+            <a:p>
+              <a:pPr algn="ctr"/>
+              <a:r>
+                <a:rPr kumimoji="1" lang="ja-JP" altLang="en-US" dirty="0"/>
+                <a:t>取引情報</a:t>
+              </a:r>
+              <a:r>
+                <a:rPr lang="ja-JP" altLang="en-US" dirty="0"/>
+                <a:t>４</a:t>
+              </a:r>
+              <a:endParaRPr kumimoji="1" lang="ja-JP" altLang="en-US" dirty="0"/>
+            </a:p>
+          </p:txBody>
+        </p:sp>
+        <p:sp>
+          <p:nvSpPr>
+            <p:cNvPr id="16" name="正方形/長方形 15">
+              <a:extLst>
+                <a:ext uri="{FF2B5EF4-FFF2-40B4-BE49-F238E27FC236}">
+                  <a16:creationId xmlns:a16="http://schemas.microsoft.com/office/drawing/2014/main" id="{EEB1D500-32DA-4366-B14C-E8FB6D370F3E}"/>
+                </a:ext>
+              </a:extLst>
+            </p:cNvPr>
+            <p:cNvSpPr/>
+            <p:nvPr/>
+          </p:nvSpPr>
+          <p:spPr>
+            <a:xfrm>
+              <a:off x="5704609" y="4149672"/>
+              <a:ext cx="441960" cy="1398126"/>
+            </a:xfrm>
+            <a:prstGeom prst="rect">
+              <a:avLst/>
+            </a:prstGeom>
+          </p:spPr>
+          <p:style>
+            <a:lnRef idx="2">
+              <a:schemeClr val="accent6"/>
+            </a:lnRef>
+            <a:fillRef idx="1">
+              <a:schemeClr val="lt1"/>
+            </a:fillRef>
+            <a:effectRef idx="0">
+              <a:schemeClr val="accent6"/>
+            </a:effectRef>
+            <a:fontRef idx="minor">
+              <a:schemeClr val="dk1"/>
+            </a:fontRef>
+          </p:style>
+          <p:txBody>
+            <a:bodyPr rtlCol="0" anchor="ctr"/>
+            <a:lstStyle/>
+            <a:p>
+              <a:pPr algn="ctr"/>
+              <a:r>
+                <a:rPr kumimoji="1" lang="ja-JP" altLang="en-US" dirty="0"/>
+                <a:t>取引情報</a:t>
+              </a:r>
+              <a:r>
+                <a:rPr lang="ja-JP" altLang="en-US" dirty="0"/>
+                <a:t>５</a:t>
+              </a:r>
+              <a:endParaRPr kumimoji="1" lang="en-US" altLang="ja-JP" dirty="0"/>
+            </a:p>
+          </p:txBody>
+        </p:sp>
+        <p:sp>
+          <p:nvSpPr>
+            <p:cNvPr id="17" name="正方形/長方形 16">
+              <a:extLst>
+                <a:ext uri="{FF2B5EF4-FFF2-40B4-BE49-F238E27FC236}">
+                  <a16:creationId xmlns:a16="http://schemas.microsoft.com/office/drawing/2014/main" id="{AEE0EC82-CE56-4F5B-9F40-B8D32C3251D1}"/>
+                </a:ext>
+              </a:extLst>
+            </p:cNvPr>
+            <p:cNvSpPr/>
+            <p:nvPr/>
+          </p:nvSpPr>
+          <p:spPr>
+            <a:xfrm>
+              <a:off x="6461761" y="4149672"/>
+              <a:ext cx="441960" cy="1398126"/>
+            </a:xfrm>
+            <a:prstGeom prst="rect">
+              <a:avLst/>
+            </a:prstGeom>
+          </p:spPr>
+          <p:style>
+            <a:lnRef idx="2">
+              <a:schemeClr val="accent6"/>
+            </a:lnRef>
+            <a:fillRef idx="1">
+              <a:schemeClr val="lt1"/>
+            </a:fillRef>
+            <a:effectRef idx="0">
+              <a:schemeClr val="accent6"/>
+            </a:effectRef>
+            <a:fontRef idx="minor">
+              <a:schemeClr val="dk1"/>
+            </a:fontRef>
+          </p:style>
+          <p:txBody>
+            <a:bodyPr rtlCol="0" anchor="ctr"/>
+            <a:lstStyle/>
+            <a:p>
+              <a:pPr algn="ctr"/>
+              <a:r>
+                <a:rPr kumimoji="1" lang="ja-JP" altLang="en-US" dirty="0"/>
+                <a:t>取引情報</a:t>
+              </a:r>
+              <a:r>
+                <a:rPr lang="ja-JP" altLang="en-US" dirty="0"/>
+                <a:t>６</a:t>
+              </a:r>
+              <a:endParaRPr kumimoji="1" lang="ja-JP" altLang="en-US" dirty="0"/>
+            </a:p>
+          </p:txBody>
+        </p:sp>
+        <p:sp>
+          <p:nvSpPr>
+            <p:cNvPr id="18" name="正方形/長方形 17">
+              <a:extLst>
+                <a:ext uri="{FF2B5EF4-FFF2-40B4-BE49-F238E27FC236}">
+                  <a16:creationId xmlns:a16="http://schemas.microsoft.com/office/drawing/2014/main" id="{98085EB0-9C1C-4740-8D16-C4D2E242E119}"/>
+                </a:ext>
+              </a:extLst>
+            </p:cNvPr>
+            <p:cNvSpPr/>
+            <p:nvPr/>
+          </p:nvSpPr>
+          <p:spPr>
+            <a:xfrm>
+              <a:off x="7847214" y="1690690"/>
+              <a:ext cx="2593571" cy="2000161"/>
+            </a:xfrm>
+            <a:prstGeom prst="rect">
+              <a:avLst/>
+            </a:prstGeom>
+            <a:solidFill>
+              <a:schemeClr val="accent4">
+                <a:lumMod val="40000"/>
+                <a:lumOff val="60000"/>
+              </a:schemeClr>
+            </a:solidFill>
+          </p:spPr>
+          <p:style>
+            <a:lnRef idx="1">
+              <a:schemeClr val="accent6"/>
+            </a:lnRef>
+            <a:fillRef idx="2">
+              <a:schemeClr val="accent6"/>
+            </a:fillRef>
+            <a:effectRef idx="1">
+              <a:schemeClr val="accent6"/>
+            </a:effectRef>
+            <a:fontRef idx="minor">
+              <a:schemeClr val="dk1"/>
+            </a:fontRef>
+          </p:style>
+          <p:txBody>
+            <a:bodyPr rtlCol="0" anchor="b"/>
+            <a:lstStyle/>
+            <a:p>
+              <a:pPr algn="ctr"/>
+              <a:r>
+                <a:rPr kumimoji="1" lang="ja-JP" altLang="en-US" dirty="0"/>
+                <a:t>ブロック</a:t>
+              </a:r>
+              <a:r>
+                <a:rPr kumimoji="1" lang="en-US" altLang="ja-JP" dirty="0"/>
+                <a:t>3</a:t>
+              </a:r>
+              <a:endParaRPr kumimoji="1" lang="ja-JP" altLang="en-US" dirty="0"/>
+            </a:p>
+          </p:txBody>
+        </p:sp>
+        <p:sp>
+          <p:nvSpPr>
+            <p:cNvPr id="19" name="正方形/長方形 18">
+              <a:extLst>
+                <a:ext uri="{FF2B5EF4-FFF2-40B4-BE49-F238E27FC236}">
+                  <a16:creationId xmlns:a16="http://schemas.microsoft.com/office/drawing/2014/main" id="{34EE45E3-F2E9-4FD8-8EA5-32CB1B710AAC}"/>
+                </a:ext>
+              </a:extLst>
+            </p:cNvPr>
+            <p:cNvSpPr/>
+            <p:nvPr/>
+          </p:nvSpPr>
+          <p:spPr>
+            <a:xfrm>
+              <a:off x="8165868" y="1802925"/>
+              <a:ext cx="441960" cy="1398126"/>
+            </a:xfrm>
+            <a:prstGeom prst="rect">
+              <a:avLst/>
+            </a:prstGeom>
+          </p:spPr>
+          <p:style>
+            <a:lnRef idx="2">
+              <a:schemeClr val="accent6"/>
+            </a:lnRef>
+            <a:fillRef idx="1">
+              <a:schemeClr val="lt1"/>
+            </a:fillRef>
+            <a:effectRef idx="0">
+              <a:schemeClr val="accent6"/>
+            </a:effectRef>
+            <a:fontRef idx="minor">
+              <a:schemeClr val="dk1"/>
+            </a:fontRef>
+          </p:style>
+          <p:txBody>
+            <a:bodyPr rtlCol="0" anchor="ctr"/>
+            <a:lstStyle/>
+            <a:p>
+              <a:pPr algn="ctr"/>
+              <a:r>
+                <a:rPr kumimoji="1" lang="ja-JP" altLang="en-US" dirty="0"/>
+                <a:t>取引情報８</a:t>
+              </a:r>
+            </a:p>
+          </p:txBody>
+        </p:sp>
+        <p:sp>
+          <p:nvSpPr>
+            <p:cNvPr id="20" name="正方形/長方形 19">
+              <a:extLst>
+                <a:ext uri="{FF2B5EF4-FFF2-40B4-BE49-F238E27FC236}">
+                  <a16:creationId xmlns:a16="http://schemas.microsoft.com/office/drawing/2014/main" id="{4CD63CA5-1B66-4700-A65C-7E63AF12136A}"/>
+                </a:ext>
+              </a:extLst>
+            </p:cNvPr>
+            <p:cNvSpPr/>
+            <p:nvPr/>
+          </p:nvSpPr>
+          <p:spPr>
+            <a:xfrm>
+              <a:off x="8930642" y="1802925"/>
+              <a:ext cx="441960" cy="1398126"/>
+            </a:xfrm>
+            <a:prstGeom prst="rect">
+              <a:avLst/>
+            </a:prstGeom>
+          </p:spPr>
+          <p:style>
+            <a:lnRef idx="2">
+              <a:schemeClr val="accent6"/>
+            </a:lnRef>
+            <a:fillRef idx="1">
+              <a:schemeClr val="lt1"/>
+            </a:fillRef>
+            <a:effectRef idx="0">
+              <a:schemeClr val="accent6"/>
+            </a:effectRef>
+            <a:fontRef idx="minor">
+              <a:schemeClr val="dk1"/>
+            </a:fontRef>
+          </p:style>
+          <p:txBody>
+            <a:bodyPr rtlCol="0" anchor="ctr"/>
+            <a:lstStyle/>
+            <a:p>
+              <a:pPr algn="ctr"/>
+              <a:r>
+                <a:rPr kumimoji="1" lang="ja-JP" altLang="en-US" dirty="0"/>
+                <a:t>取引情報９</a:t>
+              </a:r>
+              <a:endParaRPr kumimoji="1" lang="en-US" altLang="ja-JP" dirty="0"/>
+            </a:p>
+          </p:txBody>
+        </p:sp>
+        <p:sp>
+          <p:nvSpPr>
+            <p:cNvPr id="21" name="正方形/長方形 20">
+              <a:extLst>
+                <a:ext uri="{FF2B5EF4-FFF2-40B4-BE49-F238E27FC236}">
+                  <a16:creationId xmlns:a16="http://schemas.microsoft.com/office/drawing/2014/main" id="{9BD2433F-7110-44C4-AB93-9E460886BD1D}"/>
+                </a:ext>
+              </a:extLst>
+            </p:cNvPr>
+            <p:cNvSpPr/>
+            <p:nvPr/>
+          </p:nvSpPr>
+          <p:spPr>
+            <a:xfrm>
+              <a:off x="9676011" y="1802925"/>
+              <a:ext cx="441960" cy="1398126"/>
+            </a:xfrm>
+            <a:prstGeom prst="rect">
+              <a:avLst/>
+            </a:prstGeom>
+          </p:spPr>
+          <p:style>
+            <a:lnRef idx="2">
+              <a:schemeClr val="accent6"/>
+            </a:lnRef>
+            <a:fillRef idx="1">
+              <a:schemeClr val="lt1"/>
+            </a:fillRef>
+            <a:effectRef idx="0">
+              <a:schemeClr val="accent6"/>
+            </a:effectRef>
+            <a:fontRef idx="minor">
+              <a:schemeClr val="dk1"/>
+            </a:fontRef>
+          </p:style>
+          <p:txBody>
+            <a:bodyPr rtlCol="0" anchor="ctr"/>
+            <a:lstStyle/>
+            <a:p>
+              <a:pPr algn="ctr"/>
+              <a:r>
+                <a:rPr kumimoji="1" lang="ja-JP" altLang="en-US" dirty="0"/>
+                <a:t>取引情報</a:t>
+              </a:r>
+              <a:r>
+                <a:rPr kumimoji="1" lang="en-US" altLang="ja-JP" dirty="0"/>
+                <a:t>10</a:t>
+              </a:r>
+              <a:endParaRPr kumimoji="1" lang="ja-JP" altLang="en-US" dirty="0"/>
+            </a:p>
+          </p:txBody>
+        </p:sp>
+        <p:cxnSp>
+          <p:nvCxnSpPr>
+            <p:cNvPr id="22" name="直線コネクタ 21">
+              <a:extLst>
+                <a:ext uri="{FF2B5EF4-FFF2-40B4-BE49-F238E27FC236}">
+                  <a16:creationId xmlns:a16="http://schemas.microsoft.com/office/drawing/2014/main" id="{2EE6EFAF-310B-4602-B4C3-3B375C0DECC2}"/>
+                </a:ext>
+              </a:extLst>
+            </p:cNvPr>
+            <p:cNvCxnSpPr>
+              <a:cxnSpLocks/>
+              <a:stCxn id="10" idx="3"/>
+              <a:endCxn id="18" idx="1"/>
+            </p:cNvCxnSpPr>
+            <p:nvPr/>
+          </p:nvCxnSpPr>
+          <p:spPr>
+            <a:xfrm flipV="1">
+              <a:off x="7222375" y="2690771"/>
+              <a:ext cx="624839" cy="1"/>
+            </a:xfrm>
+            <a:prstGeom prst="line">
+              <a:avLst/>
+            </a:prstGeom>
+          </p:spPr>
+          <p:style>
+            <a:lnRef idx="1">
+              <a:schemeClr val="accent6"/>
+            </a:lnRef>
+            <a:fillRef idx="0">
+              <a:schemeClr val="accent6"/>
+            </a:fillRef>
+            <a:effectRef idx="0">
+              <a:schemeClr val="accent6"/>
+            </a:effectRef>
+            <a:fontRef idx="minor">
+              <a:schemeClr val="tx1"/>
+            </a:fontRef>
+          </p:style>
+        </p:cxnSp>
+        <p:cxnSp>
+          <p:nvCxnSpPr>
+            <p:cNvPr id="23" name="直線コネクタ 22">
+              <a:extLst>
+                <a:ext uri="{FF2B5EF4-FFF2-40B4-BE49-F238E27FC236}">
+                  <a16:creationId xmlns:a16="http://schemas.microsoft.com/office/drawing/2014/main" id="{52428D53-06BF-415F-BECD-9BA6F7620C19}"/>
+                </a:ext>
+              </a:extLst>
+            </p:cNvPr>
+            <p:cNvCxnSpPr>
+              <a:cxnSpLocks/>
+              <a:stCxn id="5" idx="3"/>
+              <a:endCxn id="14" idx="1"/>
+            </p:cNvCxnSpPr>
+            <p:nvPr/>
+          </p:nvCxnSpPr>
+          <p:spPr>
+            <a:xfrm>
+              <a:off x="4062153" y="2690770"/>
+              <a:ext cx="566651" cy="2344191"/>
+            </a:xfrm>
+            <a:prstGeom prst="line">
+              <a:avLst/>
+            </a:prstGeom>
+          </p:spPr>
+          <p:style>
+            <a:lnRef idx="1">
+              <a:schemeClr val="accent1"/>
+            </a:lnRef>
+            <a:fillRef idx="0">
+              <a:schemeClr val="accent1"/>
+            </a:fillRef>
+            <a:effectRef idx="0">
+              <a:schemeClr val="accent1"/>
+            </a:effectRef>
+            <a:fontRef idx="minor">
+              <a:schemeClr val="tx1"/>
+            </a:fontRef>
+          </p:style>
+        </p:cxnSp>
+        <p:cxnSp>
+          <p:nvCxnSpPr>
+            <p:cNvPr id="24" name="直線コネクタ 23">
+              <a:extLst>
+                <a:ext uri="{FF2B5EF4-FFF2-40B4-BE49-F238E27FC236}">
+                  <a16:creationId xmlns:a16="http://schemas.microsoft.com/office/drawing/2014/main" id="{E3EF7915-E109-401B-B9BA-7578672607C5}"/>
+                </a:ext>
+              </a:extLst>
+            </p:cNvPr>
+            <p:cNvCxnSpPr>
+              <a:cxnSpLocks/>
+              <a:stCxn id="5" idx="1"/>
+            </p:cNvCxnSpPr>
+            <p:nvPr/>
+          </p:nvCxnSpPr>
+          <p:spPr>
+            <a:xfrm flipH="1">
+              <a:off x="838200" y="2690770"/>
+              <a:ext cx="630382" cy="0"/>
+            </a:xfrm>
+            <a:prstGeom prst="line">
+              <a:avLst/>
+            </a:prstGeom>
+          </p:spPr>
+          <p:style>
+            <a:lnRef idx="1">
+              <a:schemeClr val="accent1"/>
+            </a:lnRef>
+            <a:fillRef idx="0">
+              <a:schemeClr val="accent1"/>
+            </a:fillRef>
+            <a:effectRef idx="0">
+              <a:schemeClr val="accent1"/>
+            </a:effectRef>
+            <a:fontRef idx="minor">
+              <a:schemeClr val="tx1"/>
+            </a:fontRef>
+          </p:style>
+        </p:cxnSp>
+        <p:cxnSp>
+          <p:nvCxnSpPr>
+            <p:cNvPr id="25" name="直線コネクタ 24">
+              <a:extLst>
+                <a:ext uri="{FF2B5EF4-FFF2-40B4-BE49-F238E27FC236}">
+                  <a16:creationId xmlns:a16="http://schemas.microsoft.com/office/drawing/2014/main" id="{1C4D3450-9A98-4597-AD8C-0EDC1F8DE6D0}"/>
+                </a:ext>
+              </a:extLst>
+            </p:cNvPr>
+            <p:cNvCxnSpPr>
+              <a:cxnSpLocks/>
+              <a:stCxn id="18" idx="3"/>
+            </p:cNvCxnSpPr>
+            <p:nvPr/>
+          </p:nvCxnSpPr>
+          <p:spPr>
+            <a:xfrm flipV="1">
+              <a:off x="10440785" y="2690770"/>
+              <a:ext cx="580506" cy="1"/>
+            </a:xfrm>
+            <a:prstGeom prst="line">
+              <a:avLst/>
+            </a:prstGeom>
+          </p:spPr>
+          <p:style>
+            <a:lnRef idx="1">
+              <a:schemeClr val="accent1"/>
+            </a:lnRef>
+            <a:fillRef idx="0">
+              <a:schemeClr val="accent1"/>
+            </a:fillRef>
+            <a:effectRef idx="0">
+              <a:schemeClr val="accent1"/>
+            </a:effectRef>
+            <a:fontRef idx="minor">
+              <a:schemeClr val="tx1"/>
+            </a:fontRef>
+          </p:style>
+        </p:cxnSp>
+      </p:grpSp>
     </p:spTree>
     <p:extLst>
       <p:ext uri="{BB962C8B-B14F-4D97-AF65-F5344CB8AC3E}">
-        <p14:creationId xmlns:p14="http://schemas.microsoft.com/office/powerpoint/2010/main" val="1138539924"/>
+        <p14:creationId xmlns:p14="http://schemas.microsoft.com/office/powerpoint/2010/main" val="2248375349"/>
       </p:ext>
     </p:extLst>
   </p:cSld>
@@ -8459,66 +9666,588 @@
           </a:p>
         </p:txBody>
       </p:sp>
-      <p:pic>
-        <p:nvPicPr>
-          <p:cNvPr id="1026" name="図 1">
-            <a:extLst>
-              <a:ext uri="{FF2B5EF4-FFF2-40B4-BE49-F238E27FC236}">
-                <a16:creationId xmlns:a16="http://schemas.microsoft.com/office/drawing/2014/main" id="{DDC86387-4AF6-4F6C-86B9-661D465CF39F}"/>
-              </a:ext>
-            </a:extLst>
-          </p:cNvPr>
-          <p:cNvPicPr>
-            <a:picLocks noChangeAspect="1" noChangeArrowheads="1"/>
-          </p:cNvPicPr>
+      <p:sp>
+        <p:nvSpPr>
+          <p:cNvPr id="1027" name="フリーフォーム: 図形 1026">
+            <a:extLst>
+              <a:ext uri="{FF2B5EF4-FFF2-40B4-BE49-F238E27FC236}">
+                <a16:creationId xmlns:a16="http://schemas.microsoft.com/office/drawing/2014/main" id="{587BBE4E-EBAE-4BD4-8479-32164DEFAFE1}"/>
+              </a:ext>
+            </a:extLst>
+          </p:cNvPr>
+          <p:cNvSpPr/>
           <p:nvPr/>
-        </p:nvPicPr>
-        <p:blipFill>
-          <a:blip r:embed="rId2">
-            <a:extLst>
-              <a:ext uri="{28A0092B-C50C-407E-A947-70E740481C1C}">
-                <a14:useLocalDpi xmlns:a14="http://schemas.microsoft.com/office/drawing/2010/main" val="0"/>
-              </a:ext>
-            </a:extLst>
-          </a:blip>
-          <a:srcRect l="24434" t="41199" r="39502" b="19083"/>
-          <a:stretch>
-            <a:fillRect/>
-          </a:stretch>
-        </p:blipFill>
-        <p:spPr bwMode="auto">
+        </p:nvSpPr>
+        <p:spPr>
           <a:xfrm>
-            <a:off x="1114799" y="1690688"/>
-            <a:ext cx="6907258" cy="4721225"/>
+            <a:off x="931710" y="1690688"/>
+            <a:ext cx="6951133" cy="4529667"/>
+          </a:xfrm>
+          <a:custGeom>
+            <a:avLst/>
+            <a:gdLst>
+              <a:gd name="connsiteX0" fmla="*/ 4572000 w 6951133"/>
+              <a:gd name="connsiteY0" fmla="*/ 25400 h 4529667"/>
+              <a:gd name="connsiteX1" fmla="*/ 6925733 w 6951133"/>
+              <a:gd name="connsiteY1" fmla="*/ 0 h 4529667"/>
+              <a:gd name="connsiteX2" fmla="*/ 6951133 w 6951133"/>
+              <a:gd name="connsiteY2" fmla="*/ 4487334 h 4529667"/>
+              <a:gd name="connsiteX3" fmla="*/ 0 w 6951133"/>
+              <a:gd name="connsiteY3" fmla="*/ 4529667 h 4529667"/>
+              <a:gd name="connsiteX4" fmla="*/ 0 w 6951133"/>
+              <a:gd name="connsiteY4" fmla="*/ 2794000 h 4529667"/>
+              <a:gd name="connsiteX5" fmla="*/ 4555067 w 6951133"/>
+              <a:gd name="connsiteY5" fmla="*/ 2777067 h 4529667"/>
+              <a:gd name="connsiteX6" fmla="*/ 4572000 w 6951133"/>
+              <a:gd name="connsiteY6" fmla="*/ 25400 h 4529667"/>
+            </a:gdLst>
+            <a:ahLst/>
+            <a:cxnLst>
+              <a:cxn ang="0">
+                <a:pos x="connsiteX0" y="connsiteY0"/>
+              </a:cxn>
+              <a:cxn ang="0">
+                <a:pos x="connsiteX1" y="connsiteY1"/>
+              </a:cxn>
+              <a:cxn ang="0">
+                <a:pos x="connsiteX2" y="connsiteY2"/>
+              </a:cxn>
+              <a:cxn ang="0">
+                <a:pos x="connsiteX3" y="connsiteY3"/>
+              </a:cxn>
+              <a:cxn ang="0">
+                <a:pos x="connsiteX4" y="connsiteY4"/>
+              </a:cxn>
+              <a:cxn ang="0">
+                <a:pos x="connsiteX5" y="connsiteY5"/>
+              </a:cxn>
+              <a:cxn ang="0">
+                <a:pos x="connsiteX6" y="connsiteY6"/>
+              </a:cxn>
+            </a:cxnLst>
+            <a:rect l="l" t="t" r="r" b="b"/>
+            <a:pathLst>
+              <a:path w="6951133" h="4529667">
+                <a:moveTo>
+                  <a:pt x="4572000" y="25400"/>
+                </a:moveTo>
+                <a:lnTo>
+                  <a:pt x="6925733" y="0"/>
+                </a:lnTo>
+                <a:lnTo>
+                  <a:pt x="6951133" y="4487334"/>
+                </a:lnTo>
+                <a:lnTo>
+                  <a:pt x="0" y="4529667"/>
+                </a:lnTo>
+                <a:lnTo>
+                  <a:pt x="0" y="2794000"/>
+                </a:lnTo>
+                <a:lnTo>
+                  <a:pt x="4555067" y="2777067"/>
+                </a:lnTo>
+                <a:lnTo>
+                  <a:pt x="4572000" y="25400"/>
+                </a:lnTo>
+                <a:close/>
+              </a:path>
+            </a:pathLst>
+          </a:custGeom>
+          <a:ln>
+            <a:solidFill>
+              <a:srgbClr val="00B0F0"/>
+            </a:solidFill>
+          </a:ln>
+        </p:spPr>
+        <p:style>
+          <a:lnRef idx="2">
+            <a:schemeClr val="accent6"/>
+          </a:lnRef>
+          <a:fillRef idx="1">
+            <a:schemeClr val="lt1"/>
+          </a:fillRef>
+          <a:effectRef idx="0">
+            <a:schemeClr val="accent6"/>
+          </a:effectRef>
+          <a:fontRef idx="minor">
+            <a:schemeClr val="dk1"/>
+          </a:fontRef>
+        </p:style>
+        <p:txBody>
+          <a:bodyPr rtlCol="0" anchor="ctr"/>
+          <a:lstStyle/>
+          <a:p>
+            <a:pPr algn="ctr"/>
+            <a:endParaRPr kumimoji="1" lang="ja-JP" altLang="en-US"/>
+          </a:p>
+        </p:txBody>
+      </p:sp>
+      <p:sp>
+        <p:nvSpPr>
+          <p:cNvPr id="3" name="正方形/長方形 2">
+            <a:extLst>
+              <a:ext uri="{FF2B5EF4-FFF2-40B4-BE49-F238E27FC236}">
+                <a16:creationId xmlns:a16="http://schemas.microsoft.com/office/drawing/2014/main" id="{BE934D96-E9C4-4FDC-A57B-9AFC22AB0FE7}"/>
+              </a:ext>
+            </a:extLst>
+          </p:cNvPr>
+          <p:cNvSpPr/>
+          <p:nvPr/>
+        </p:nvSpPr>
+        <p:spPr>
+          <a:xfrm>
+            <a:off x="1418813" y="2003427"/>
+            <a:ext cx="2023533" cy="975784"/>
+          </a:xfrm>
+          <a:prstGeom prst="rect">
+            <a:avLst/>
+          </a:prstGeom>
+          <a:ln>
+            <a:solidFill>
+              <a:schemeClr val="tx1"/>
+            </a:solidFill>
+          </a:ln>
+        </p:spPr>
+        <p:style>
+          <a:lnRef idx="2">
+            <a:schemeClr val="accent6"/>
+          </a:lnRef>
+          <a:fillRef idx="1">
+            <a:schemeClr val="lt1"/>
+          </a:fillRef>
+          <a:effectRef idx="0">
+            <a:schemeClr val="accent6"/>
+          </a:effectRef>
+          <a:fontRef idx="minor">
+            <a:schemeClr val="dk1"/>
+          </a:fontRef>
+        </p:style>
+        <p:txBody>
+          <a:bodyPr rtlCol="0" anchor="ctr"/>
+          <a:lstStyle/>
+          <a:p>
+            <a:pPr algn="ctr"/>
+            <a:r>
+              <a:rPr kumimoji="1" lang="ja-JP" altLang="en-US" dirty="0"/>
+              <a:t>生徒</a:t>
+            </a:r>
+          </a:p>
+        </p:txBody>
+      </p:sp>
+      <p:sp>
+        <p:nvSpPr>
+          <p:cNvPr id="19" name="正方形/長方形 18">
+            <a:extLst>
+              <a:ext uri="{FF2B5EF4-FFF2-40B4-BE49-F238E27FC236}">
+                <a16:creationId xmlns:a16="http://schemas.microsoft.com/office/drawing/2014/main" id="{59C14DE2-3BA3-4448-BC4A-13ED9EBEA766}"/>
+              </a:ext>
+            </a:extLst>
+          </p:cNvPr>
+          <p:cNvSpPr/>
+          <p:nvPr/>
+        </p:nvSpPr>
+        <p:spPr>
+          <a:xfrm>
+            <a:off x="5614593" y="2038216"/>
+            <a:ext cx="2023533" cy="975784"/>
+          </a:xfrm>
+          <a:prstGeom prst="rect">
+            <a:avLst/>
+          </a:prstGeom>
+          <a:ln>
+            <a:solidFill>
+              <a:schemeClr val="tx1"/>
+            </a:solidFill>
+          </a:ln>
+        </p:spPr>
+        <p:style>
+          <a:lnRef idx="2">
+            <a:schemeClr val="accent6"/>
+          </a:lnRef>
+          <a:fillRef idx="1">
+            <a:schemeClr val="lt1"/>
+          </a:fillRef>
+          <a:effectRef idx="0">
+            <a:schemeClr val="accent6"/>
+          </a:effectRef>
+          <a:fontRef idx="minor">
+            <a:schemeClr val="dk1"/>
+          </a:fontRef>
+        </p:style>
+        <p:txBody>
+          <a:bodyPr rtlCol="0" anchor="ctr"/>
+          <a:lstStyle/>
+          <a:p>
+            <a:pPr algn="ctr"/>
+            <a:r>
+              <a:rPr lang="ja-JP" altLang="en-US" dirty="0"/>
+              <a:t>サーバ</a:t>
+            </a:r>
+            <a:endParaRPr kumimoji="1" lang="ja-JP" altLang="en-US" dirty="0"/>
+          </a:p>
+        </p:txBody>
+      </p:sp>
+      <p:sp>
+        <p:nvSpPr>
+          <p:cNvPr id="20" name="正方形/長方形 19">
+            <a:extLst>
+              <a:ext uri="{FF2B5EF4-FFF2-40B4-BE49-F238E27FC236}">
+                <a16:creationId xmlns:a16="http://schemas.microsoft.com/office/drawing/2014/main" id="{7083B8DA-F89A-4BAB-AA1C-23B4424CC734}"/>
+              </a:ext>
+            </a:extLst>
+          </p:cNvPr>
+          <p:cNvSpPr/>
+          <p:nvPr/>
+        </p:nvSpPr>
+        <p:spPr>
+          <a:xfrm>
+            <a:off x="1421410" y="4827657"/>
+            <a:ext cx="2023533" cy="975784"/>
+          </a:xfrm>
+          <a:prstGeom prst="rect">
+            <a:avLst/>
+          </a:prstGeom>
+          <a:ln>
+            <a:solidFill>
+              <a:schemeClr val="tx1"/>
+            </a:solidFill>
+          </a:ln>
+        </p:spPr>
+        <p:style>
+          <a:lnRef idx="2">
+            <a:schemeClr val="accent6"/>
+          </a:lnRef>
+          <a:fillRef idx="1">
+            <a:schemeClr val="lt1"/>
+          </a:fillRef>
+          <a:effectRef idx="0">
+            <a:schemeClr val="accent6"/>
+          </a:effectRef>
+          <a:fontRef idx="minor">
+            <a:schemeClr val="dk1"/>
+          </a:fontRef>
+        </p:style>
+        <p:txBody>
+          <a:bodyPr rtlCol="0" anchor="ctr"/>
+          <a:lstStyle/>
+          <a:p>
+            <a:pPr algn="ctr"/>
+            <a:r>
+              <a:rPr lang="ja-JP" altLang="en-US" dirty="0"/>
+              <a:t>学校</a:t>
+            </a:r>
+            <a:endParaRPr kumimoji="1" lang="ja-JP" altLang="en-US" dirty="0"/>
+          </a:p>
+        </p:txBody>
+      </p:sp>
+      <p:sp>
+        <p:nvSpPr>
+          <p:cNvPr id="23" name="正方形/長方形 22">
+            <a:extLst>
+              <a:ext uri="{FF2B5EF4-FFF2-40B4-BE49-F238E27FC236}">
+                <a16:creationId xmlns:a16="http://schemas.microsoft.com/office/drawing/2014/main" id="{EABDD444-ECA3-4127-AAC3-BF4C2272AA77}"/>
+              </a:ext>
+            </a:extLst>
+          </p:cNvPr>
+          <p:cNvSpPr/>
+          <p:nvPr/>
+        </p:nvSpPr>
+        <p:spPr>
+          <a:xfrm>
+            <a:off x="5595824" y="4806424"/>
+            <a:ext cx="2023533" cy="975784"/>
+          </a:xfrm>
+          <a:prstGeom prst="rect">
+            <a:avLst/>
+          </a:prstGeom>
+          <a:ln>
+            <a:solidFill>
+              <a:schemeClr val="tx1"/>
+            </a:solidFill>
+          </a:ln>
+        </p:spPr>
+        <p:style>
+          <a:lnRef idx="2">
+            <a:schemeClr val="accent6"/>
+          </a:lnRef>
+          <a:fillRef idx="1">
+            <a:schemeClr val="lt1"/>
+          </a:fillRef>
+          <a:effectRef idx="0">
+            <a:schemeClr val="accent6"/>
+          </a:effectRef>
+          <a:fontRef idx="minor">
+            <a:schemeClr val="dk1"/>
+          </a:fontRef>
+        </p:style>
+        <p:txBody>
+          <a:bodyPr rtlCol="0" anchor="ctr"/>
+          <a:lstStyle/>
+          <a:p>
+            <a:pPr algn="ctr"/>
+            <a:r>
+              <a:rPr lang="ja-JP" altLang="en-US" dirty="0"/>
+              <a:t>ブロックチェーン</a:t>
+            </a:r>
+            <a:endParaRPr kumimoji="1" lang="ja-JP" altLang="en-US" dirty="0"/>
+          </a:p>
+        </p:txBody>
+      </p:sp>
+      <p:sp>
+        <p:nvSpPr>
+          <p:cNvPr id="5" name="矢印: 下 4">
+            <a:extLst>
+              <a:ext uri="{FF2B5EF4-FFF2-40B4-BE49-F238E27FC236}">
+                <a16:creationId xmlns:a16="http://schemas.microsoft.com/office/drawing/2014/main" id="{BAEAC65F-B367-4E08-B3DD-589DDFA8D538}"/>
+              </a:ext>
+            </a:extLst>
+          </p:cNvPr>
+          <p:cNvSpPr/>
+          <p:nvPr/>
+        </p:nvSpPr>
+        <p:spPr>
+          <a:xfrm>
+            <a:off x="6152225" y="3063545"/>
+            <a:ext cx="948267" cy="1608666"/>
+          </a:xfrm>
+          <a:prstGeom prst="downArrow">
+            <a:avLst/>
+          </a:prstGeom>
+          <a:ln>
+            <a:solidFill>
+              <a:schemeClr val="tx1"/>
+            </a:solidFill>
+          </a:ln>
+        </p:spPr>
+        <p:style>
+          <a:lnRef idx="2">
+            <a:schemeClr val="accent6"/>
+          </a:lnRef>
+          <a:fillRef idx="1">
+            <a:schemeClr val="lt1"/>
+          </a:fillRef>
+          <a:effectRef idx="0">
+            <a:schemeClr val="accent6"/>
+          </a:effectRef>
+          <a:fontRef idx="minor">
+            <a:schemeClr val="dk1"/>
+          </a:fontRef>
+        </p:style>
+        <p:txBody>
+          <a:bodyPr rtlCol="0" anchor="ctr"/>
+          <a:lstStyle/>
+          <a:p>
+            <a:pPr algn="ctr"/>
+            <a:r>
+              <a:rPr kumimoji="1" lang="ja-JP" altLang="en-US" dirty="0"/>
+              <a:t>①</a:t>
+            </a:r>
+          </a:p>
+        </p:txBody>
+      </p:sp>
+      <p:sp>
+        <p:nvSpPr>
+          <p:cNvPr id="7" name="矢印: 右 6">
+            <a:extLst>
+              <a:ext uri="{FF2B5EF4-FFF2-40B4-BE49-F238E27FC236}">
+                <a16:creationId xmlns:a16="http://schemas.microsoft.com/office/drawing/2014/main" id="{B458126C-2C11-4CE4-A1D6-BC7724FD8FC9}"/>
+              </a:ext>
+            </a:extLst>
+          </p:cNvPr>
+          <p:cNvSpPr/>
+          <p:nvPr/>
+        </p:nvSpPr>
+        <p:spPr>
+          <a:xfrm>
+            <a:off x="3635236" y="2077655"/>
+            <a:ext cx="1786467" cy="797451"/>
+          </a:xfrm>
+          <a:prstGeom prst="rightArrow">
+            <a:avLst/>
+          </a:prstGeom>
+          <a:solidFill>
+            <a:schemeClr val="bg1"/>
+          </a:solidFill>
+        </p:spPr>
+        <p:style>
+          <a:lnRef idx="2">
+            <a:schemeClr val="dk1">
+              <a:shade val="50000"/>
+            </a:schemeClr>
+          </a:lnRef>
+          <a:fillRef idx="1">
+            <a:schemeClr val="dk1"/>
+          </a:fillRef>
+          <a:effectRef idx="0">
+            <a:schemeClr val="dk1"/>
+          </a:effectRef>
+          <a:fontRef idx="minor">
+            <a:schemeClr val="lt1"/>
+          </a:fontRef>
+        </p:style>
+        <p:txBody>
+          <a:bodyPr rtlCol="0" anchor="ctr"/>
+          <a:lstStyle/>
+          <a:p>
+            <a:pPr algn="ctr"/>
+            <a:r>
+              <a:rPr kumimoji="1" lang="ja-JP" altLang="en-US" dirty="0">
+                <a:solidFill>
+                  <a:schemeClr val="tx1"/>
+                </a:solidFill>
+              </a:rPr>
+              <a:t>出席情報</a:t>
+            </a:r>
+          </a:p>
+        </p:txBody>
+      </p:sp>
+      <p:sp>
+        <p:nvSpPr>
+          <p:cNvPr id="24" name="矢印: 右 23">
+            <a:extLst>
+              <a:ext uri="{FF2B5EF4-FFF2-40B4-BE49-F238E27FC236}">
+                <a16:creationId xmlns:a16="http://schemas.microsoft.com/office/drawing/2014/main" id="{6000E7EE-B1BD-4A23-AE10-E57FDD155215}"/>
+              </a:ext>
+            </a:extLst>
+          </p:cNvPr>
+          <p:cNvSpPr/>
+          <p:nvPr/>
+        </p:nvSpPr>
+        <p:spPr>
+          <a:xfrm flipH="1">
+            <a:off x="3619879" y="5247455"/>
+            <a:ext cx="1811866" cy="797451"/>
+          </a:xfrm>
+          <a:prstGeom prst="rightArrow">
+            <a:avLst/>
+          </a:prstGeom>
+          <a:solidFill>
+            <a:schemeClr val="bg1"/>
+          </a:solidFill>
+        </p:spPr>
+        <p:style>
+          <a:lnRef idx="2">
+            <a:schemeClr val="dk1">
+              <a:shade val="50000"/>
+            </a:schemeClr>
+          </a:lnRef>
+          <a:fillRef idx="1">
+            <a:schemeClr val="dk1"/>
+          </a:fillRef>
+          <a:effectRef idx="0">
+            <a:schemeClr val="dk1"/>
+          </a:effectRef>
+          <a:fontRef idx="minor">
+            <a:schemeClr val="lt1"/>
+          </a:fontRef>
+        </p:style>
+        <p:txBody>
+          <a:bodyPr rtlCol="0" anchor="ctr"/>
+          <a:lstStyle/>
+          <a:p>
+            <a:pPr algn="ctr"/>
+            <a:r>
+              <a:rPr kumimoji="1" lang="ja-JP" altLang="en-US" dirty="0">
+                <a:solidFill>
+                  <a:schemeClr val="tx1"/>
+                </a:solidFill>
+              </a:rPr>
+              <a:t>③</a:t>
+            </a:r>
+          </a:p>
+        </p:txBody>
+      </p:sp>
+      <p:sp>
+        <p:nvSpPr>
+          <p:cNvPr id="25" name="矢印: 右 24">
+            <a:extLst>
+              <a:ext uri="{FF2B5EF4-FFF2-40B4-BE49-F238E27FC236}">
+                <a16:creationId xmlns:a16="http://schemas.microsoft.com/office/drawing/2014/main" id="{C0DADF10-2713-4693-A63A-BAB02FD2E9CE}"/>
+              </a:ext>
+            </a:extLst>
+          </p:cNvPr>
+          <p:cNvSpPr/>
+          <p:nvPr/>
+        </p:nvSpPr>
+        <p:spPr>
+          <a:xfrm>
+            <a:off x="3703173" y="4514588"/>
+            <a:ext cx="1786467" cy="797451"/>
+          </a:xfrm>
+          <a:prstGeom prst="rightArrow">
+            <a:avLst/>
+          </a:prstGeom>
+          <a:solidFill>
+            <a:schemeClr val="bg1"/>
+          </a:solidFill>
+        </p:spPr>
+        <p:style>
+          <a:lnRef idx="2">
+            <a:schemeClr val="dk1">
+              <a:shade val="50000"/>
+            </a:schemeClr>
+          </a:lnRef>
+          <a:fillRef idx="1">
+            <a:schemeClr val="dk1"/>
+          </a:fillRef>
+          <a:effectRef idx="0">
+            <a:schemeClr val="dk1"/>
+          </a:effectRef>
+          <a:fontRef idx="minor">
+            <a:schemeClr val="lt1"/>
+          </a:fontRef>
+        </p:style>
+        <p:txBody>
+          <a:bodyPr rtlCol="0" anchor="ctr"/>
+          <a:lstStyle/>
+          <a:p>
+            <a:pPr algn="ctr"/>
+            <a:r>
+              <a:rPr kumimoji="1" lang="ja-JP" altLang="en-US" dirty="0">
+                <a:solidFill>
+                  <a:schemeClr val="tx1"/>
+                </a:solidFill>
+              </a:rPr>
+              <a:t>②</a:t>
+            </a:r>
+          </a:p>
+        </p:txBody>
+      </p:sp>
+      <p:sp>
+        <p:nvSpPr>
+          <p:cNvPr id="9" name="テキスト ボックス 8">
+            <a:extLst>
+              <a:ext uri="{FF2B5EF4-FFF2-40B4-BE49-F238E27FC236}">
+                <a16:creationId xmlns:a16="http://schemas.microsoft.com/office/drawing/2014/main" id="{3F9C8010-E71B-4E42-AC13-B01315DD82AD}"/>
+              </a:ext>
+            </a:extLst>
+          </p:cNvPr>
+          <p:cNvSpPr txBox="1"/>
+          <p:nvPr/>
+        </p:nvSpPr>
+        <p:spPr>
+          <a:xfrm>
+            <a:off x="3674910" y="4063037"/>
+            <a:ext cx="1701803" cy="369332"/>
           </a:xfrm>
           <a:prstGeom prst="rect">
             <a:avLst/>
           </a:prstGeom>
           <a:noFill/>
-          <a:ln>
-            <a:noFill/>
-          </a:ln>
-          <a:extLst>
-            <a:ext uri="{909E8E84-426E-40DD-AFC4-6F175D3DCCD1}">
-              <a14:hiddenFill xmlns:a14="http://schemas.microsoft.com/office/drawing/2010/main">
-                <a:solidFill>
-                  <a:srgbClr val="FFFFFF"/>
-                </a:solidFill>
-              </a14:hiddenFill>
-            </a:ext>
-            <a:ext uri="{91240B29-F687-4F45-9708-019B960494DF}">
-              <a14:hiddenLine xmlns:a14="http://schemas.microsoft.com/office/drawing/2010/main" w="9525">
-                <a:solidFill>
-                  <a:srgbClr val="000000"/>
-                </a:solidFill>
-                <a:miter lim="800000"/>
-                <a:headEnd/>
-                <a:tailEnd/>
-              </a14:hiddenLine>
-            </a:ext>
-          </a:extLst>
         </p:spPr>
-      </p:pic>
+        <p:txBody>
+          <a:bodyPr wrap="square" rtlCol="0">
+            <a:spAutoFit/>
+          </a:bodyPr>
+          <a:lstStyle/>
+          <a:p>
+            <a:r>
+              <a:rPr kumimoji="1" lang="ja-JP" altLang="en-US" dirty="0"/>
+              <a:t>プロトタイプ</a:t>
+            </a:r>
+          </a:p>
+        </p:txBody>
+      </p:sp>
     </p:spTree>
     <p:extLst>
       <p:ext uri="{BB962C8B-B14F-4D97-AF65-F5344CB8AC3E}">
@@ -8529,6 +10258,84 @@
   <p:clrMapOvr>
     <a:masterClrMapping/>
   </p:clrMapOvr>
+  <p:timing>
+    <p:tnLst>
+      <p:par>
+        <p:cTn id="1" dur="indefinite" restart="never" nodeType="tmRoot">
+          <p:childTnLst>
+            <p:seq concurrent="1" nextAc="seek">
+              <p:cTn id="2" dur="indefinite" nodeType="mainSeq">
+                <p:childTnLst>
+                  <p:par>
+                    <p:cTn id="3" fill="hold">
+                      <p:stCondLst>
+                        <p:cond delay="indefinite"/>
+                      </p:stCondLst>
+                      <p:childTnLst>
+                        <p:par>
+                          <p:cTn id="4" fill="hold">
+                            <p:stCondLst>
+                              <p:cond delay="0"/>
+                            </p:stCondLst>
+                            <p:childTnLst>
+                              <p:par>
+                                <p:cTn id="5" presetID="1" presetClass="entr" presetSubtype="0" fill="hold" grpId="0" nodeType="clickEffect">
+                                  <p:stCondLst>
+                                    <p:cond delay="0"/>
+                                  </p:stCondLst>
+                                  <p:childTnLst>
+                                    <p:set>
+                                      <p:cBhvr>
+                                        <p:cTn id="6" dur="1" fill="hold">
+                                          <p:stCondLst>
+                                            <p:cond delay="0"/>
+                                          </p:stCondLst>
+                                        </p:cTn>
+                                        <p:tgtEl>
+                                          <p:spTgt spid="1027"/>
+                                        </p:tgtEl>
+                                        <p:attrNameLst>
+                                          <p:attrName>style.visibility</p:attrName>
+                                        </p:attrNameLst>
+                                      </p:cBhvr>
+                                      <p:to>
+                                        <p:strVal val="visible"/>
+                                      </p:to>
+                                    </p:set>
+                                  </p:childTnLst>
+                                </p:cTn>
+                              </p:par>
+                            </p:childTnLst>
+                          </p:cTn>
+                        </p:par>
+                      </p:childTnLst>
+                    </p:cTn>
+                  </p:par>
+                </p:childTnLst>
+              </p:cTn>
+              <p:prevCondLst>
+                <p:cond evt="onPrev" delay="0">
+                  <p:tgtEl>
+                    <p:sldTgt/>
+                  </p:tgtEl>
+                </p:cond>
+              </p:prevCondLst>
+              <p:nextCondLst>
+                <p:cond evt="onNext" delay="0">
+                  <p:tgtEl>
+                    <p:sldTgt/>
+                  </p:tgtEl>
+                </p:cond>
+              </p:nextCondLst>
+            </p:seq>
+          </p:childTnLst>
+        </p:cTn>
+      </p:par>
+    </p:tnLst>
+    <p:bldLst>
+      <p:bldP spid="1027" grpId="0" animBg="1"/>
+    </p:bldLst>
+  </p:timing>
 </p:sld>
 </file>
 

--- a/発表資料_218K6078_檜山祐太.pptx
+++ b/発表資料_218K6078_檜山祐太.pptx
@@ -3808,6 +3808,25 @@
               <a:rPr kumimoji="1" lang="ja-JP" altLang="en-US" dirty="0"/>
               <a:t>必要になった場合に新たに追加で登録する。</a:t>
             </a:r>
+            <a:endParaRPr kumimoji="1" lang="en-US" altLang="ja-JP" dirty="0"/>
+          </a:p>
+          <a:p>
+            <a:endParaRPr lang="en-US" altLang="ja-JP" dirty="0"/>
+          </a:p>
+          <a:p>
+            <a:r>
+              <a:rPr lang="ja-JP" altLang="en-US" dirty="0"/>
+              <a:t>時刻の登録と出力には</a:t>
+            </a:r>
+            <a:r>
+              <a:rPr lang="en-US" altLang="ja-JP" dirty="0"/>
+              <a:t>UNIX</a:t>
+            </a:r>
+            <a:r>
+              <a:rPr lang="ja-JP" altLang="en-US" dirty="0"/>
+              <a:t>時間を用いる。</a:t>
+            </a:r>
+            <a:endParaRPr kumimoji="1" lang="ja-JP" altLang="en-US" dirty="0"/>
           </a:p>
         </p:txBody>
       </p:sp>

--- a/発表資料_218K6078_檜山祐太.pptx
+++ b/発表資料_218K6078_檜山祐太.pptx
@@ -5280,6 +5280,62 @@
           </a:p>
         </p:txBody>
       </p:sp>
+      <p:sp>
+        <p:nvSpPr>
+          <p:cNvPr id="10" name="正方形/長方形 9">
+            <a:extLst>
+              <a:ext uri="{FF2B5EF4-FFF2-40B4-BE49-F238E27FC236}">
+                <a16:creationId xmlns:a16="http://schemas.microsoft.com/office/drawing/2014/main" id="{76436187-FD6F-4B17-B05B-078E3E1257E0}"/>
+              </a:ext>
+            </a:extLst>
+          </p:cNvPr>
+          <p:cNvSpPr/>
+          <p:nvPr/>
+        </p:nvSpPr>
+        <p:spPr>
+          <a:xfrm>
+            <a:off x="5977468" y="3811588"/>
+            <a:ext cx="762000" cy="514880"/>
+          </a:xfrm>
+          <a:prstGeom prst="rect">
+            <a:avLst/>
+          </a:prstGeom>
+          <a:noFill/>
+          <a:ln>
+            <a:solidFill>
+              <a:srgbClr val="FF0000"/>
+            </a:solidFill>
+          </a:ln>
+        </p:spPr>
+        <p:style>
+          <a:lnRef idx="2">
+            <a:schemeClr val="accent1">
+              <a:shade val="50000"/>
+            </a:schemeClr>
+          </a:lnRef>
+          <a:fillRef idx="1">
+            <a:schemeClr val="accent1"/>
+          </a:fillRef>
+          <a:effectRef idx="0">
+            <a:schemeClr val="accent1"/>
+          </a:effectRef>
+          <a:fontRef idx="minor">
+            <a:schemeClr val="lt1"/>
+          </a:fontRef>
+        </p:style>
+        <p:txBody>
+          <a:bodyPr rot="0" spcFirstLastPara="0" vert="horz" wrap="square" lIns="91440" tIns="45720" rIns="91440" bIns="45720" numCol="1" spcCol="0" rtlCol="0" fromWordArt="0" anchor="ctr" anchorCtr="0" forceAA="0" compatLnSpc="1">
+            <a:prstTxWarp prst="textNoShape">
+              <a:avLst/>
+            </a:prstTxWarp>
+            <a:noAutofit/>
+          </a:bodyPr>
+          <a:lstStyle/>
+          <a:p>
+            <a:endParaRPr lang="ja-JP" altLang="en-US"/>
+          </a:p>
+        </p:txBody>
+      </p:sp>
     </p:spTree>
     <p:extLst>
       <p:ext uri="{BB962C8B-B14F-4D97-AF65-F5344CB8AC3E}">
@@ -5343,6 +5399,51 @@
                       </p:childTnLst>
                     </p:cTn>
                   </p:par>
+                  <p:par>
+                    <p:cTn id="7" fill="hold">
+                      <p:stCondLst>
+                        <p:cond delay="indefinite"/>
+                      </p:stCondLst>
+                      <p:childTnLst>
+                        <p:par>
+                          <p:cTn id="8" fill="hold">
+                            <p:stCondLst>
+                              <p:cond delay="0"/>
+                            </p:stCondLst>
+                            <p:childTnLst>
+                              <p:par>
+                                <p:cTn id="9" presetID="1" presetClass="entr" presetSubtype="0" fill="hold" grpId="0" nodeType="clickEffect">
+                                  <p:stCondLst>
+                                    <p:cond delay="0"/>
+                                  </p:stCondLst>
+                                  <p:childTnLst>
+                                    <p:set>
+                                      <p:cBhvr>
+                                        <p:cTn id="10" dur="1" fill="hold">
+                                          <p:stCondLst>
+                                            <p:cond delay="0"/>
+                                          </p:stCondLst>
+                                        </p:cTn>
+                                        <p:tgtEl>
+                                          <p:spTgt spid="10"/>
+                                        </p:tgtEl>
+                                        <p:attrNameLst>
+                                          <p:attrName>style.visibility</p:attrName>
+                                        </p:attrNameLst>
+                                      </p:cBhvr>
+                                      <p:to>
+                                        <p:strVal val="visible"/>
+                                      </p:to>
+                                    </p:set>
+                                  </p:childTnLst>
+                                </p:cTn>
+                              </p:par>
+                            </p:childTnLst>
+                          </p:cTn>
+                        </p:par>
+                      </p:childTnLst>
+                    </p:cTn>
+                  </p:par>
                 </p:childTnLst>
               </p:cTn>
               <p:prevCondLst>
@@ -5366,6 +5467,7 @@
     </p:tnLst>
     <p:bldLst>
       <p:bldP spid="9" grpId="0" animBg="1"/>
+      <p:bldP spid="10" grpId="0" animBg="1"/>
     </p:bldLst>
   </p:timing>
 </p:sld>
@@ -5538,6 +5640,62 @@
           <a:xfrm>
             <a:off x="7781222" y="4490509"/>
             <a:ext cx="4182177" cy="589491"/>
+          </a:xfrm>
+          <a:prstGeom prst="rect">
+            <a:avLst/>
+          </a:prstGeom>
+          <a:noFill/>
+          <a:ln>
+            <a:solidFill>
+              <a:srgbClr val="FF0000"/>
+            </a:solidFill>
+          </a:ln>
+        </p:spPr>
+        <p:style>
+          <a:lnRef idx="2">
+            <a:schemeClr val="accent1">
+              <a:shade val="50000"/>
+            </a:schemeClr>
+          </a:lnRef>
+          <a:fillRef idx="1">
+            <a:schemeClr val="accent1"/>
+          </a:fillRef>
+          <a:effectRef idx="0">
+            <a:schemeClr val="accent1"/>
+          </a:effectRef>
+          <a:fontRef idx="minor">
+            <a:schemeClr val="lt1"/>
+          </a:fontRef>
+        </p:style>
+        <p:txBody>
+          <a:bodyPr rot="0" spcFirstLastPara="0" vert="horz" wrap="square" lIns="91440" tIns="45720" rIns="91440" bIns="45720" numCol="1" spcCol="0" rtlCol="0" fromWordArt="0" anchor="ctr" anchorCtr="0" forceAA="0" compatLnSpc="1">
+            <a:prstTxWarp prst="textNoShape">
+              <a:avLst/>
+            </a:prstTxWarp>
+            <a:noAutofit/>
+          </a:bodyPr>
+          <a:lstStyle/>
+          <a:p>
+            <a:endParaRPr lang="ja-JP" altLang="en-US"/>
+          </a:p>
+        </p:txBody>
+      </p:sp>
+      <p:sp>
+        <p:nvSpPr>
+          <p:cNvPr id="10" name="正方形/長方形 9">
+            <a:extLst>
+              <a:ext uri="{FF2B5EF4-FFF2-40B4-BE49-F238E27FC236}">
+                <a16:creationId xmlns:a16="http://schemas.microsoft.com/office/drawing/2014/main" id="{E958CFBB-B849-4518-A0CB-E8830AC41F9B}"/>
+              </a:ext>
+            </a:extLst>
+          </p:cNvPr>
+          <p:cNvSpPr/>
+          <p:nvPr/>
+        </p:nvSpPr>
+        <p:spPr>
+          <a:xfrm>
+            <a:off x="5663057" y="3926417"/>
+            <a:ext cx="686943" cy="400050"/>
           </a:xfrm>
           <a:prstGeom prst="rect">
             <a:avLst/>
@@ -5641,6 +5799,51 @@
                       </p:childTnLst>
                     </p:cTn>
                   </p:par>
+                  <p:par>
+                    <p:cTn id="7" fill="hold">
+                      <p:stCondLst>
+                        <p:cond delay="indefinite"/>
+                      </p:stCondLst>
+                      <p:childTnLst>
+                        <p:par>
+                          <p:cTn id="8" fill="hold">
+                            <p:stCondLst>
+                              <p:cond delay="0"/>
+                            </p:stCondLst>
+                            <p:childTnLst>
+                              <p:par>
+                                <p:cTn id="9" presetID="1" presetClass="entr" presetSubtype="0" fill="hold" grpId="0" nodeType="clickEffect">
+                                  <p:stCondLst>
+                                    <p:cond delay="0"/>
+                                  </p:stCondLst>
+                                  <p:childTnLst>
+                                    <p:set>
+                                      <p:cBhvr>
+                                        <p:cTn id="10" dur="1" fill="hold">
+                                          <p:stCondLst>
+                                            <p:cond delay="0"/>
+                                          </p:stCondLst>
+                                        </p:cTn>
+                                        <p:tgtEl>
+                                          <p:spTgt spid="10"/>
+                                        </p:tgtEl>
+                                        <p:attrNameLst>
+                                          <p:attrName>style.visibility</p:attrName>
+                                        </p:attrNameLst>
+                                      </p:cBhvr>
+                                      <p:to>
+                                        <p:strVal val="visible"/>
+                                      </p:to>
+                                    </p:set>
+                                  </p:childTnLst>
+                                </p:cTn>
+                              </p:par>
+                            </p:childTnLst>
+                          </p:cTn>
+                        </p:par>
+                      </p:childTnLst>
+                    </p:cTn>
+                  </p:par>
                 </p:childTnLst>
               </p:cTn>
               <p:prevCondLst>
@@ -5664,6 +5867,7 @@
     </p:tnLst>
     <p:bldLst>
       <p:bldP spid="9" grpId="0" animBg="1"/>
+      <p:bldP spid="10" grpId="0" animBg="1"/>
     </p:bldLst>
   </p:timing>
 </p:sld>
@@ -5855,8 +6059,8 @@
           </a:p>
           <a:p>
             <a:r>
-              <a:rPr kumimoji="1" lang="ja-JP" altLang="en-US" dirty="0"/>
-              <a:t>スマートコントラクトの要素がない</a:t>
+              <a:rPr lang="ja-JP" altLang="en-US" dirty="0"/>
+              <a:t>一定時間に同じ人物による複数の出席情報が登録されないようにする関数を実装</a:t>
             </a:r>
             <a:endParaRPr kumimoji="1" lang="en-US" altLang="ja-JP" dirty="0"/>
           </a:p>
@@ -7139,12 +7343,55 @@
           </a:p>
         </p:txBody>
       </p:sp>
+      <p:sp>
+        <p:nvSpPr>
+          <p:cNvPr id="4" name="コンテンツ プレースホルダー 3">
+            <a:extLst>
+              <a:ext uri="{FF2B5EF4-FFF2-40B4-BE49-F238E27FC236}">
+                <a16:creationId xmlns:a16="http://schemas.microsoft.com/office/drawing/2014/main" id="{C73C2C73-B507-4FAF-83C1-B26D58F72084}"/>
+              </a:ext>
+            </a:extLst>
+          </p:cNvPr>
+          <p:cNvSpPr>
+            <a:spLocks noGrp="1"/>
+          </p:cNvSpPr>
+          <p:nvPr>
+            <p:ph idx="1"/>
+          </p:nvPr>
+        </p:nvSpPr>
+        <p:spPr>
+          <a:xfrm>
+            <a:off x="845373" y="1860305"/>
+            <a:ext cx="10803467" cy="1554979"/>
+          </a:xfrm>
+        </p:spPr>
+        <p:txBody>
+          <a:bodyPr/>
+          <a:lstStyle/>
+          <a:p>
+            <a:r>
+              <a:rPr lang="ja-JP" altLang="en-US" dirty="0"/>
+              <a:t>いくつかの取引情報をブロックとしてまとめている。</a:t>
+            </a:r>
+            <a:endParaRPr lang="en-US" altLang="ja-JP" dirty="0"/>
+          </a:p>
+          <a:p>
+            <a:endParaRPr lang="en-US" altLang="ja-JP" dirty="0"/>
+          </a:p>
+          <a:p>
+            <a:r>
+              <a:rPr lang="ja-JP" altLang="en-US" dirty="0"/>
+              <a:t>ブロックは生成される際、１つ前のブロックのハッシュ値を含む。</a:t>
+            </a:r>
+          </a:p>
+        </p:txBody>
+      </p:sp>
       <p:grpSp>
         <p:nvGrpSpPr>
-          <p:cNvPr id="48" name="グループ化 47">
-            <a:extLst>
-              <a:ext uri="{FF2B5EF4-FFF2-40B4-BE49-F238E27FC236}">
-                <a16:creationId xmlns:a16="http://schemas.microsoft.com/office/drawing/2014/main" id="{EBA12882-68C1-4FED-B803-714E73D983C8}"/>
+          <p:cNvPr id="3" name="グループ化 2">
+            <a:extLst>
+              <a:ext uri="{FF2B5EF4-FFF2-40B4-BE49-F238E27FC236}">
+                <a16:creationId xmlns:a16="http://schemas.microsoft.com/office/drawing/2014/main" id="{C07B88C3-8835-4ED5-AF9C-E63C0A591A9C}"/>
               </a:ext>
             </a:extLst>
           </p:cNvPr>
@@ -7153,1215 +7400,1236 @@
         </p:nvGrpSpPr>
         <p:grpSpPr>
           <a:xfrm>
-            <a:off x="1188720" y="2219497"/>
-            <a:ext cx="2992582" cy="2834635"/>
-            <a:chOff x="1188720" y="2219497"/>
-            <a:chExt cx="2992582" cy="2834635"/>
+            <a:off x="397625" y="3584901"/>
+            <a:ext cx="11396749" cy="2834636"/>
+            <a:chOff x="432262" y="2219496"/>
+            <a:chExt cx="11396749" cy="2834636"/>
           </a:xfrm>
         </p:grpSpPr>
-        <p:sp>
-          <p:nvSpPr>
-            <p:cNvPr id="5" name="正方形/長方形 4">
+        <p:grpSp>
+          <p:nvGrpSpPr>
+            <p:cNvPr id="48" name="グループ化 47">
               <a:extLst>
                 <a:ext uri="{FF2B5EF4-FFF2-40B4-BE49-F238E27FC236}">
-                  <a16:creationId xmlns:a16="http://schemas.microsoft.com/office/drawing/2014/main" id="{12B0FBAD-C70C-4267-8109-7386AEC74A33}"/>
+                  <a16:creationId xmlns:a16="http://schemas.microsoft.com/office/drawing/2014/main" id="{EBA12882-68C1-4FED-B803-714E73D983C8}"/>
                 </a:ext>
               </a:extLst>
             </p:cNvPr>
-            <p:cNvSpPr/>
+            <p:cNvGrpSpPr/>
             <p:nvPr/>
-          </p:nvSpPr>
-          <p:spPr>
+          </p:nvGrpSpPr>
+          <p:grpSpPr>
             <a:xfrm>
               <a:off x="1188720" y="2219497"/>
               <a:ext cx="2992582" cy="2834635"/>
+              <a:chOff x="1188720" y="2219497"/>
+              <a:chExt cx="2992582" cy="2834635"/>
             </a:xfrm>
-            <a:prstGeom prst="rect">
+          </p:grpSpPr>
+          <p:sp>
+            <p:nvSpPr>
+              <p:cNvPr id="5" name="正方形/長方形 4">
+                <a:extLst>
+                  <a:ext uri="{FF2B5EF4-FFF2-40B4-BE49-F238E27FC236}">
+                    <a16:creationId xmlns:a16="http://schemas.microsoft.com/office/drawing/2014/main" id="{12B0FBAD-C70C-4267-8109-7386AEC74A33}"/>
+                  </a:ext>
+                </a:extLst>
+              </p:cNvPr>
+              <p:cNvSpPr/>
+              <p:nvPr/>
+            </p:nvSpPr>
+            <p:spPr>
+              <a:xfrm>
+                <a:off x="1188720" y="2219497"/>
+                <a:ext cx="2992582" cy="2834635"/>
+              </a:xfrm>
+              <a:prstGeom prst="rect">
+                <a:avLst/>
+              </a:prstGeom>
+              <a:solidFill>
+                <a:schemeClr val="accent4">
+                  <a:lumMod val="40000"/>
+                  <a:lumOff val="60000"/>
+                </a:schemeClr>
+              </a:solidFill>
+              <a:ln/>
+            </p:spPr>
+            <p:style>
+              <a:lnRef idx="1">
+                <a:schemeClr val="accent6"/>
+              </a:lnRef>
+              <a:fillRef idx="2">
+                <a:schemeClr val="accent6"/>
+              </a:fillRef>
+              <a:effectRef idx="1">
+                <a:schemeClr val="accent6"/>
+              </a:effectRef>
+              <a:fontRef idx="minor">
+                <a:schemeClr val="dk1"/>
+              </a:fontRef>
+            </p:style>
+            <p:txBody>
+              <a:bodyPr rot="0" spcFirstLastPara="0" vertOverflow="overflow" horzOverflow="overflow" vert="horz" wrap="square" lIns="91440" tIns="45720" rIns="91440" bIns="45720" numCol="1" spcCol="0" rtlCol="0" fromWordArt="0" anchor="b" anchorCtr="0" forceAA="0" compatLnSpc="1">
+                <a:prstTxWarp prst="textNoShape">
+                  <a:avLst/>
+                </a:prstTxWarp>
+                <a:noAutofit/>
+              </a:bodyPr>
+              <a:lstStyle/>
+              <a:p>
+                <a:pPr algn="ctr"/>
+                <a:r>
+                  <a:rPr kumimoji="1" lang="ja-JP" altLang="en-US" dirty="0">
+                    <a:ln w="0"/>
+                    <a:solidFill>
+                      <a:schemeClr val="tx1"/>
+                    </a:solidFill>
+                    <a:effectLst>
+                      <a:outerShdw blurRad="38100" dist="19050" dir="2700000" algn="tl" rotWithShape="0">
+                        <a:schemeClr val="dk1">
+                          <a:alpha val="40000"/>
+                        </a:schemeClr>
+                      </a:outerShdw>
+                    </a:effectLst>
+                  </a:rPr>
+                  <a:t>ブロック</a:t>
+                </a:r>
+              </a:p>
+            </p:txBody>
+          </p:sp>
+          <p:sp>
+            <p:nvSpPr>
+              <p:cNvPr id="6" name="正方形/長方形 5">
+                <a:extLst>
+                  <a:ext uri="{FF2B5EF4-FFF2-40B4-BE49-F238E27FC236}">
+                    <a16:creationId xmlns:a16="http://schemas.microsoft.com/office/drawing/2014/main" id="{2A252EE0-EF6E-475E-A10D-E369747DF25C}"/>
+                  </a:ext>
+                </a:extLst>
+              </p:cNvPr>
+              <p:cNvSpPr/>
+              <p:nvPr/>
+            </p:nvSpPr>
+            <p:spPr>
+              <a:xfrm>
+                <a:off x="1542011" y="2415618"/>
+                <a:ext cx="2286000" cy="739832"/>
+              </a:xfrm>
+              <a:prstGeom prst="rect">
+                <a:avLst/>
+              </a:prstGeom>
+              <a:ln>
+                <a:solidFill>
+                  <a:schemeClr val="tx1"/>
+                </a:solidFill>
+              </a:ln>
+            </p:spPr>
+            <p:style>
+              <a:lnRef idx="2">
+                <a:schemeClr val="accent6"/>
+              </a:lnRef>
+              <a:fillRef idx="1">
+                <a:schemeClr val="lt1"/>
+              </a:fillRef>
+              <a:effectRef idx="0">
+                <a:schemeClr val="accent6"/>
+              </a:effectRef>
+              <a:fontRef idx="minor">
+                <a:schemeClr val="dk1"/>
+              </a:fontRef>
+            </p:style>
+            <p:txBody>
+              <a:bodyPr rtlCol="0" anchor="ctr"/>
+              <a:lstStyle/>
+              <a:p>
+                <a:pPr algn="ctr"/>
+                <a:r>
+                  <a:rPr kumimoji="1" lang="ja-JP" altLang="en-US" dirty="0"/>
+                  <a:t>一つ前のブロックのハッシュ値</a:t>
+                </a:r>
+              </a:p>
+            </p:txBody>
+          </p:sp>
+          <p:sp>
+            <p:nvSpPr>
+              <p:cNvPr id="7" name="正方形/長方形 6">
+                <a:extLst>
+                  <a:ext uri="{FF2B5EF4-FFF2-40B4-BE49-F238E27FC236}">
+                    <a16:creationId xmlns:a16="http://schemas.microsoft.com/office/drawing/2014/main" id="{561BFFB9-B633-48F5-A946-AB98F7A81A20}"/>
+                  </a:ext>
+                </a:extLst>
+              </p:cNvPr>
+              <p:cNvSpPr/>
+              <p:nvPr/>
+            </p:nvSpPr>
+            <p:spPr>
+              <a:xfrm>
+                <a:off x="1543396" y="3367869"/>
+                <a:ext cx="403167" cy="1191215"/>
+              </a:xfrm>
+              <a:prstGeom prst="rect">
+                <a:avLst/>
+              </a:prstGeom>
+              <a:ln>
+                <a:solidFill>
+                  <a:schemeClr val="tx1"/>
+                </a:solidFill>
+              </a:ln>
+            </p:spPr>
+            <p:style>
+              <a:lnRef idx="2">
+                <a:schemeClr val="accent6"/>
+              </a:lnRef>
+              <a:fillRef idx="1">
+                <a:schemeClr val="lt1"/>
+              </a:fillRef>
+              <a:effectRef idx="0">
+                <a:schemeClr val="accent6"/>
+              </a:effectRef>
+              <a:fontRef idx="minor">
+                <a:schemeClr val="dk1"/>
+              </a:fontRef>
+            </p:style>
+            <p:txBody>
+              <a:bodyPr rtlCol="0" anchor="ctr"/>
+              <a:lstStyle/>
+              <a:p>
+                <a:pPr algn="ctr"/>
+                <a:r>
+                  <a:rPr kumimoji="1" lang="ja-JP" altLang="en-US" dirty="0"/>
+                  <a:t>取引情報</a:t>
+                </a:r>
+              </a:p>
+            </p:txBody>
+          </p:sp>
+          <p:sp>
+            <p:nvSpPr>
+              <p:cNvPr id="8" name="正方形/長方形 7">
+                <a:extLst>
+                  <a:ext uri="{FF2B5EF4-FFF2-40B4-BE49-F238E27FC236}">
+                    <a16:creationId xmlns:a16="http://schemas.microsoft.com/office/drawing/2014/main" id="{BFE7845C-1BE6-439B-8E2A-3250E1FAF975}"/>
+                  </a:ext>
+                </a:extLst>
+              </p:cNvPr>
+              <p:cNvSpPr/>
+              <p:nvPr/>
+            </p:nvSpPr>
+            <p:spPr>
+              <a:xfrm>
+                <a:off x="2180272" y="3367869"/>
+                <a:ext cx="403167" cy="1191215"/>
+              </a:xfrm>
+              <a:prstGeom prst="rect">
+                <a:avLst/>
+              </a:prstGeom>
+              <a:ln>
+                <a:solidFill>
+                  <a:schemeClr val="tx1"/>
+                </a:solidFill>
+              </a:ln>
+            </p:spPr>
+            <p:style>
+              <a:lnRef idx="2">
+                <a:schemeClr val="accent6"/>
+              </a:lnRef>
+              <a:fillRef idx="1">
+                <a:schemeClr val="lt1"/>
+              </a:fillRef>
+              <a:effectRef idx="0">
+                <a:schemeClr val="accent6"/>
+              </a:effectRef>
+              <a:fontRef idx="minor">
+                <a:schemeClr val="dk1"/>
+              </a:fontRef>
+            </p:style>
+            <p:txBody>
+              <a:bodyPr rtlCol="0" anchor="ctr"/>
+              <a:lstStyle/>
+              <a:p>
+                <a:pPr algn="ctr"/>
+                <a:r>
+                  <a:rPr kumimoji="1" lang="ja-JP" altLang="en-US" dirty="0"/>
+                  <a:t>取引情報</a:t>
+                </a:r>
+              </a:p>
+            </p:txBody>
+          </p:sp>
+          <p:sp>
+            <p:nvSpPr>
+              <p:cNvPr id="9" name="正方形/長方形 8">
+                <a:extLst>
+                  <a:ext uri="{FF2B5EF4-FFF2-40B4-BE49-F238E27FC236}">
+                    <a16:creationId xmlns:a16="http://schemas.microsoft.com/office/drawing/2014/main" id="{0BC45796-6C79-44CA-8EC6-A4056189CFA2}"/>
+                  </a:ext>
+                </a:extLst>
+              </p:cNvPr>
+              <p:cNvSpPr/>
+              <p:nvPr/>
+            </p:nvSpPr>
+            <p:spPr>
+              <a:xfrm>
+                <a:off x="2787968" y="3367869"/>
+                <a:ext cx="403167" cy="1191215"/>
+              </a:xfrm>
+              <a:prstGeom prst="rect">
+                <a:avLst/>
+              </a:prstGeom>
+              <a:ln>
+                <a:solidFill>
+                  <a:schemeClr val="tx1"/>
+                </a:solidFill>
+              </a:ln>
+            </p:spPr>
+            <p:style>
+              <a:lnRef idx="2">
+                <a:schemeClr val="accent6"/>
+              </a:lnRef>
+              <a:fillRef idx="1">
+                <a:schemeClr val="lt1"/>
+              </a:fillRef>
+              <a:effectRef idx="0">
+                <a:schemeClr val="accent6"/>
+              </a:effectRef>
+              <a:fontRef idx="minor">
+                <a:schemeClr val="dk1"/>
+              </a:fontRef>
+            </p:style>
+            <p:txBody>
+              <a:bodyPr rtlCol="0" anchor="ctr"/>
+              <a:lstStyle/>
+              <a:p>
+                <a:pPr algn="ctr"/>
+                <a:r>
+                  <a:rPr kumimoji="1" lang="ja-JP" altLang="en-US" dirty="0"/>
+                  <a:t>取引情報</a:t>
+                </a:r>
+              </a:p>
+            </p:txBody>
+          </p:sp>
+          <p:sp>
+            <p:nvSpPr>
+              <p:cNvPr id="10" name="正方形/長方形 9">
+                <a:extLst>
+                  <a:ext uri="{FF2B5EF4-FFF2-40B4-BE49-F238E27FC236}">
+                    <a16:creationId xmlns:a16="http://schemas.microsoft.com/office/drawing/2014/main" id="{111491DB-9E99-4DF4-9F93-16C67A8285EB}"/>
+                  </a:ext>
+                </a:extLst>
+              </p:cNvPr>
+              <p:cNvSpPr/>
+              <p:nvPr/>
+            </p:nvSpPr>
+            <p:spPr>
+              <a:xfrm>
+                <a:off x="3424844" y="3367869"/>
+                <a:ext cx="403167" cy="1191215"/>
+              </a:xfrm>
+              <a:prstGeom prst="rect">
+                <a:avLst/>
+              </a:prstGeom>
+              <a:ln>
+                <a:solidFill>
+                  <a:schemeClr val="tx1"/>
+                </a:solidFill>
+              </a:ln>
+            </p:spPr>
+            <p:style>
+              <a:lnRef idx="2">
+                <a:schemeClr val="accent6"/>
+              </a:lnRef>
+              <a:fillRef idx="1">
+                <a:schemeClr val="lt1"/>
+              </a:fillRef>
+              <a:effectRef idx="0">
+                <a:schemeClr val="accent6"/>
+              </a:effectRef>
+              <a:fontRef idx="minor">
+                <a:schemeClr val="dk1"/>
+              </a:fontRef>
+            </p:style>
+            <p:txBody>
+              <a:bodyPr rtlCol="0" anchor="ctr"/>
+              <a:lstStyle/>
+              <a:p>
+                <a:pPr algn="ctr"/>
+                <a:r>
+                  <a:rPr kumimoji="1" lang="ja-JP" altLang="en-US" dirty="0"/>
+                  <a:t>取引情報</a:t>
+                </a:r>
+              </a:p>
+            </p:txBody>
+          </p:sp>
+        </p:grpSp>
+        <p:grpSp>
+          <p:nvGrpSpPr>
+            <p:cNvPr id="51" name="グループ化 50">
+              <a:extLst>
+                <a:ext uri="{FF2B5EF4-FFF2-40B4-BE49-F238E27FC236}">
+                  <a16:creationId xmlns:a16="http://schemas.microsoft.com/office/drawing/2014/main" id="{78CB9DB5-0081-401C-BC4E-13D674E090C1}"/>
+                </a:ext>
+              </a:extLst>
+            </p:cNvPr>
+            <p:cNvGrpSpPr/>
+            <p:nvPr/>
+          </p:nvGrpSpPr>
+          <p:grpSpPr>
+            <a:xfrm>
+              <a:off x="4674524" y="2219497"/>
+              <a:ext cx="2992582" cy="2834635"/>
+              <a:chOff x="4674524" y="2219497"/>
+              <a:chExt cx="2992582" cy="2834635"/>
+            </a:xfrm>
+          </p:grpSpPr>
+          <p:sp>
+            <p:nvSpPr>
+              <p:cNvPr id="14" name="正方形/長方形 13">
+                <a:extLst>
+                  <a:ext uri="{FF2B5EF4-FFF2-40B4-BE49-F238E27FC236}">
+                    <a16:creationId xmlns:a16="http://schemas.microsoft.com/office/drawing/2014/main" id="{2DA66A58-127B-4386-98D3-929994315B3B}"/>
+                  </a:ext>
+                </a:extLst>
+              </p:cNvPr>
+              <p:cNvSpPr/>
+              <p:nvPr/>
+            </p:nvSpPr>
+            <p:spPr>
+              <a:xfrm>
+                <a:off x="4674524" y="2219497"/>
+                <a:ext cx="2992582" cy="2834635"/>
+              </a:xfrm>
+              <a:prstGeom prst="rect">
+                <a:avLst/>
+              </a:prstGeom>
+              <a:solidFill>
+                <a:schemeClr val="accent4">
+                  <a:lumMod val="40000"/>
+                  <a:lumOff val="60000"/>
+                </a:schemeClr>
+              </a:solidFill>
+              <a:ln/>
+            </p:spPr>
+            <p:style>
+              <a:lnRef idx="1">
+                <a:schemeClr val="accent6"/>
+              </a:lnRef>
+              <a:fillRef idx="2">
+                <a:schemeClr val="accent6"/>
+              </a:fillRef>
+              <a:effectRef idx="1">
+                <a:schemeClr val="accent6"/>
+              </a:effectRef>
+              <a:fontRef idx="minor">
+                <a:schemeClr val="dk1"/>
+              </a:fontRef>
+            </p:style>
+            <p:txBody>
+              <a:bodyPr rot="0" spcFirstLastPara="0" vertOverflow="overflow" horzOverflow="overflow" vert="horz" wrap="square" lIns="91440" tIns="45720" rIns="91440" bIns="45720" numCol="1" spcCol="0" rtlCol="0" fromWordArt="0" anchor="b" anchorCtr="0" forceAA="0" compatLnSpc="1">
+                <a:prstTxWarp prst="textNoShape">
+                  <a:avLst/>
+                </a:prstTxWarp>
+                <a:noAutofit/>
+              </a:bodyPr>
+              <a:lstStyle/>
+              <a:p>
+                <a:pPr algn="ctr"/>
+                <a:r>
+                  <a:rPr kumimoji="1" lang="ja-JP" altLang="en-US" dirty="0">
+                    <a:ln w="0"/>
+                    <a:solidFill>
+                      <a:schemeClr val="tx1"/>
+                    </a:solidFill>
+                    <a:effectLst>
+                      <a:outerShdw blurRad="38100" dist="19050" dir="2700000" algn="tl" rotWithShape="0">
+                        <a:schemeClr val="dk1">
+                          <a:alpha val="40000"/>
+                        </a:schemeClr>
+                      </a:outerShdw>
+                    </a:effectLst>
+                  </a:rPr>
+                  <a:t>ブロック</a:t>
+                </a:r>
+              </a:p>
+            </p:txBody>
+          </p:sp>
+          <p:sp>
+            <p:nvSpPr>
+              <p:cNvPr id="15" name="正方形/長方形 14">
+                <a:extLst>
+                  <a:ext uri="{FF2B5EF4-FFF2-40B4-BE49-F238E27FC236}">
+                    <a16:creationId xmlns:a16="http://schemas.microsoft.com/office/drawing/2014/main" id="{6B03B05B-BBD8-407E-9754-FF0FB10D29B4}"/>
+                  </a:ext>
+                </a:extLst>
+              </p:cNvPr>
+              <p:cNvSpPr/>
+              <p:nvPr/>
+            </p:nvSpPr>
+            <p:spPr>
+              <a:xfrm>
+                <a:off x="5027815" y="2415617"/>
+                <a:ext cx="2286000" cy="739833"/>
+              </a:xfrm>
+              <a:prstGeom prst="rect">
+                <a:avLst/>
+              </a:prstGeom>
+              <a:ln>
+                <a:solidFill>
+                  <a:schemeClr val="tx1"/>
+                </a:solidFill>
+              </a:ln>
+            </p:spPr>
+            <p:style>
+              <a:lnRef idx="2">
+                <a:schemeClr val="accent6"/>
+              </a:lnRef>
+              <a:fillRef idx="1">
+                <a:schemeClr val="lt1"/>
+              </a:fillRef>
+              <a:effectRef idx="0">
+                <a:schemeClr val="accent6"/>
+              </a:effectRef>
+              <a:fontRef idx="minor">
+                <a:schemeClr val="dk1"/>
+              </a:fontRef>
+            </p:style>
+            <p:txBody>
+              <a:bodyPr rtlCol="0" anchor="ctr"/>
+              <a:lstStyle/>
+              <a:p>
+                <a:pPr algn="ctr"/>
+                <a:r>
+                  <a:rPr kumimoji="1" lang="ja-JP" altLang="en-US" dirty="0"/>
+                  <a:t>一つ前のブロックのハッシュ値</a:t>
+                </a:r>
+              </a:p>
+            </p:txBody>
+          </p:sp>
+          <p:sp>
+            <p:nvSpPr>
+              <p:cNvPr id="16" name="正方形/長方形 15">
+                <a:extLst>
+                  <a:ext uri="{FF2B5EF4-FFF2-40B4-BE49-F238E27FC236}">
+                    <a16:creationId xmlns:a16="http://schemas.microsoft.com/office/drawing/2014/main" id="{D8D16DF4-4764-4AF2-9163-9BDBACA5B48C}"/>
+                  </a:ext>
+                </a:extLst>
+              </p:cNvPr>
+              <p:cNvSpPr/>
+              <p:nvPr/>
+            </p:nvSpPr>
+            <p:spPr>
+              <a:xfrm>
+                <a:off x="5023917" y="3367868"/>
+                <a:ext cx="403167" cy="1191216"/>
+              </a:xfrm>
+              <a:prstGeom prst="rect">
+                <a:avLst/>
+              </a:prstGeom>
+              <a:ln>
+                <a:solidFill>
+                  <a:schemeClr val="tx1"/>
+                </a:solidFill>
+              </a:ln>
+            </p:spPr>
+            <p:style>
+              <a:lnRef idx="2">
+                <a:schemeClr val="accent6"/>
+              </a:lnRef>
+              <a:fillRef idx="1">
+                <a:schemeClr val="lt1"/>
+              </a:fillRef>
+              <a:effectRef idx="0">
+                <a:schemeClr val="accent6"/>
+              </a:effectRef>
+              <a:fontRef idx="minor">
+                <a:schemeClr val="dk1"/>
+              </a:fontRef>
+            </p:style>
+            <p:txBody>
+              <a:bodyPr rtlCol="0" anchor="ctr"/>
+              <a:lstStyle/>
+              <a:p>
+                <a:pPr algn="ctr"/>
+                <a:r>
+                  <a:rPr kumimoji="1" lang="ja-JP" altLang="en-US" dirty="0"/>
+                  <a:t>取引情報</a:t>
+                </a:r>
+              </a:p>
+            </p:txBody>
+          </p:sp>
+          <p:sp>
+            <p:nvSpPr>
+              <p:cNvPr id="17" name="正方形/長方形 16">
+                <a:extLst>
+                  <a:ext uri="{FF2B5EF4-FFF2-40B4-BE49-F238E27FC236}">
+                    <a16:creationId xmlns:a16="http://schemas.microsoft.com/office/drawing/2014/main" id="{00BF5095-871E-4E2A-AB80-3812D4E22C1F}"/>
+                  </a:ext>
+                </a:extLst>
+              </p:cNvPr>
+              <p:cNvSpPr/>
+              <p:nvPr/>
+            </p:nvSpPr>
+            <p:spPr>
+              <a:xfrm>
+                <a:off x="5658722" y="3367868"/>
+                <a:ext cx="403167" cy="1191216"/>
+              </a:xfrm>
+              <a:prstGeom prst="rect">
+                <a:avLst/>
+              </a:prstGeom>
+              <a:ln>
+                <a:solidFill>
+                  <a:schemeClr val="tx1"/>
+                </a:solidFill>
+              </a:ln>
+            </p:spPr>
+            <p:style>
+              <a:lnRef idx="2">
+                <a:schemeClr val="accent6"/>
+              </a:lnRef>
+              <a:fillRef idx="1">
+                <a:schemeClr val="lt1"/>
+              </a:fillRef>
+              <a:effectRef idx="0">
+                <a:schemeClr val="accent6"/>
+              </a:effectRef>
+              <a:fontRef idx="minor">
+                <a:schemeClr val="dk1"/>
+              </a:fontRef>
+            </p:style>
+            <p:txBody>
+              <a:bodyPr rtlCol="0" anchor="ctr"/>
+              <a:lstStyle/>
+              <a:p>
+                <a:pPr algn="ctr"/>
+                <a:r>
+                  <a:rPr kumimoji="1" lang="ja-JP" altLang="en-US" dirty="0"/>
+                  <a:t>取引情報</a:t>
+                </a:r>
+              </a:p>
+            </p:txBody>
+          </p:sp>
+          <p:sp>
+            <p:nvSpPr>
+              <p:cNvPr id="18" name="正方形/長方形 17">
+                <a:extLst>
+                  <a:ext uri="{FF2B5EF4-FFF2-40B4-BE49-F238E27FC236}">
+                    <a16:creationId xmlns:a16="http://schemas.microsoft.com/office/drawing/2014/main" id="{ADDD0A8B-3076-49DF-A053-62EFD695FCC7}"/>
+                  </a:ext>
+                </a:extLst>
+              </p:cNvPr>
+              <p:cNvSpPr/>
+              <p:nvPr/>
+            </p:nvSpPr>
+            <p:spPr>
+              <a:xfrm>
+                <a:off x="6281744" y="3367868"/>
+                <a:ext cx="403167" cy="1191216"/>
+              </a:xfrm>
+              <a:prstGeom prst="rect">
+                <a:avLst/>
+              </a:prstGeom>
+              <a:ln>
+                <a:solidFill>
+                  <a:schemeClr val="tx1"/>
+                </a:solidFill>
+              </a:ln>
+            </p:spPr>
+            <p:style>
+              <a:lnRef idx="2">
+                <a:schemeClr val="accent6"/>
+              </a:lnRef>
+              <a:fillRef idx="1">
+                <a:schemeClr val="lt1"/>
+              </a:fillRef>
+              <a:effectRef idx="0">
+                <a:schemeClr val="accent6"/>
+              </a:effectRef>
+              <a:fontRef idx="minor">
+                <a:schemeClr val="dk1"/>
+              </a:fontRef>
+            </p:style>
+            <p:txBody>
+              <a:bodyPr rtlCol="0" anchor="ctr"/>
+              <a:lstStyle/>
+              <a:p>
+                <a:pPr algn="ctr"/>
+                <a:r>
+                  <a:rPr kumimoji="1" lang="ja-JP" altLang="en-US" dirty="0"/>
+                  <a:t>取引情報</a:t>
+                </a:r>
+              </a:p>
+            </p:txBody>
+          </p:sp>
+          <p:sp>
+            <p:nvSpPr>
+              <p:cNvPr id="19" name="正方形/長方形 18">
+                <a:extLst>
+                  <a:ext uri="{FF2B5EF4-FFF2-40B4-BE49-F238E27FC236}">
+                    <a16:creationId xmlns:a16="http://schemas.microsoft.com/office/drawing/2014/main" id="{EF59992A-1324-4FDB-ACB8-2DCCE4B7BB12}"/>
+                  </a:ext>
+                </a:extLst>
+              </p:cNvPr>
+              <p:cNvSpPr/>
+              <p:nvPr/>
+            </p:nvSpPr>
+            <p:spPr>
+              <a:xfrm>
+                <a:off x="6910648" y="3367868"/>
+                <a:ext cx="403167" cy="1191216"/>
+              </a:xfrm>
+              <a:prstGeom prst="rect">
+                <a:avLst/>
+              </a:prstGeom>
+              <a:ln>
+                <a:solidFill>
+                  <a:schemeClr val="tx1"/>
+                </a:solidFill>
+              </a:ln>
+            </p:spPr>
+            <p:style>
+              <a:lnRef idx="2">
+                <a:schemeClr val="accent6"/>
+              </a:lnRef>
+              <a:fillRef idx="1">
+                <a:schemeClr val="lt1"/>
+              </a:fillRef>
+              <a:effectRef idx="0">
+                <a:schemeClr val="accent6"/>
+              </a:effectRef>
+              <a:fontRef idx="minor">
+                <a:schemeClr val="dk1"/>
+              </a:fontRef>
+            </p:style>
+            <p:txBody>
+              <a:bodyPr rtlCol="0" anchor="ctr"/>
+              <a:lstStyle/>
+              <a:p>
+                <a:pPr algn="ctr"/>
+                <a:r>
+                  <a:rPr kumimoji="1" lang="ja-JP" altLang="en-US" dirty="0"/>
+                  <a:t>取引情報</a:t>
+                </a:r>
+              </a:p>
+            </p:txBody>
+          </p:sp>
+        </p:grpSp>
+        <p:grpSp>
+          <p:nvGrpSpPr>
+            <p:cNvPr id="52" name="グループ化 51">
+              <a:extLst>
+                <a:ext uri="{FF2B5EF4-FFF2-40B4-BE49-F238E27FC236}">
+                  <a16:creationId xmlns:a16="http://schemas.microsoft.com/office/drawing/2014/main" id="{72BBA107-A863-4626-85AD-0C1FBAD1B7E4}"/>
+                </a:ext>
+              </a:extLst>
+            </p:cNvPr>
+            <p:cNvGrpSpPr/>
+            <p:nvPr/>
+          </p:nvGrpSpPr>
+          <p:grpSpPr>
+            <a:xfrm>
+              <a:off x="8143703" y="2219496"/>
+              <a:ext cx="2992582" cy="2834630"/>
+              <a:chOff x="8143703" y="2219496"/>
+              <a:chExt cx="2992582" cy="2834630"/>
+            </a:xfrm>
+          </p:grpSpPr>
+          <p:sp>
+            <p:nvSpPr>
+              <p:cNvPr id="22" name="正方形/長方形 21">
+                <a:extLst>
+                  <a:ext uri="{FF2B5EF4-FFF2-40B4-BE49-F238E27FC236}">
+                    <a16:creationId xmlns:a16="http://schemas.microsoft.com/office/drawing/2014/main" id="{EF34B07F-DEA7-48DE-A7FD-14AA3FF1E61A}"/>
+                  </a:ext>
+                </a:extLst>
+              </p:cNvPr>
+              <p:cNvSpPr/>
+              <p:nvPr/>
+            </p:nvSpPr>
+            <p:spPr>
+              <a:xfrm>
+                <a:off x="8143703" y="2219496"/>
+                <a:ext cx="2992582" cy="2834630"/>
+              </a:xfrm>
+              <a:prstGeom prst="rect">
+                <a:avLst/>
+              </a:prstGeom>
+              <a:solidFill>
+                <a:schemeClr val="accent4">
+                  <a:lumMod val="40000"/>
+                  <a:lumOff val="60000"/>
+                </a:schemeClr>
+              </a:solidFill>
+              <a:ln/>
+            </p:spPr>
+            <p:style>
+              <a:lnRef idx="1">
+                <a:schemeClr val="accent6"/>
+              </a:lnRef>
+              <a:fillRef idx="2">
+                <a:schemeClr val="accent6"/>
+              </a:fillRef>
+              <a:effectRef idx="1">
+                <a:schemeClr val="accent6"/>
+              </a:effectRef>
+              <a:fontRef idx="minor">
+                <a:schemeClr val="dk1"/>
+              </a:fontRef>
+            </p:style>
+            <p:txBody>
+              <a:bodyPr rot="0" spcFirstLastPara="0" vertOverflow="overflow" horzOverflow="overflow" vert="horz" wrap="square" lIns="91440" tIns="45720" rIns="91440" bIns="45720" numCol="1" spcCol="0" rtlCol="0" fromWordArt="0" anchor="b" anchorCtr="0" forceAA="0" compatLnSpc="1">
+                <a:prstTxWarp prst="textNoShape">
+                  <a:avLst/>
+                </a:prstTxWarp>
+                <a:noAutofit/>
+              </a:bodyPr>
+              <a:lstStyle/>
+              <a:p>
+                <a:pPr algn="ctr"/>
+                <a:r>
+                  <a:rPr kumimoji="1" lang="ja-JP" altLang="en-US" dirty="0">
+                    <a:ln w="0"/>
+                    <a:solidFill>
+                      <a:schemeClr val="tx1"/>
+                    </a:solidFill>
+                    <a:effectLst>
+                      <a:outerShdw blurRad="38100" dist="19050" dir="2700000" algn="tl" rotWithShape="0">
+                        <a:schemeClr val="dk1">
+                          <a:alpha val="40000"/>
+                        </a:schemeClr>
+                      </a:outerShdw>
+                    </a:effectLst>
+                  </a:rPr>
+                  <a:t>ブロック</a:t>
+                </a:r>
+              </a:p>
+            </p:txBody>
+          </p:sp>
+          <p:sp>
+            <p:nvSpPr>
+              <p:cNvPr id="23" name="正方形/長方形 22">
+                <a:extLst>
+                  <a:ext uri="{FF2B5EF4-FFF2-40B4-BE49-F238E27FC236}">
+                    <a16:creationId xmlns:a16="http://schemas.microsoft.com/office/drawing/2014/main" id="{2915EC99-41C2-4222-9F99-9E43F8233F56}"/>
+                  </a:ext>
+                </a:extLst>
+              </p:cNvPr>
+              <p:cNvSpPr/>
+              <p:nvPr/>
+            </p:nvSpPr>
+            <p:spPr>
+              <a:xfrm>
+                <a:off x="8496994" y="2415616"/>
+                <a:ext cx="2286000" cy="739833"/>
+              </a:xfrm>
+              <a:prstGeom prst="rect">
+                <a:avLst/>
+              </a:prstGeom>
+              <a:ln>
+                <a:solidFill>
+                  <a:schemeClr val="tx1"/>
+                </a:solidFill>
+              </a:ln>
+            </p:spPr>
+            <p:style>
+              <a:lnRef idx="2">
+                <a:schemeClr val="accent6"/>
+              </a:lnRef>
+              <a:fillRef idx="1">
+                <a:schemeClr val="lt1"/>
+              </a:fillRef>
+              <a:effectRef idx="0">
+                <a:schemeClr val="accent6"/>
+              </a:effectRef>
+              <a:fontRef idx="minor">
+                <a:schemeClr val="dk1"/>
+              </a:fontRef>
+            </p:style>
+            <p:txBody>
+              <a:bodyPr rtlCol="0" anchor="ctr"/>
+              <a:lstStyle/>
+              <a:p>
+                <a:pPr algn="ctr"/>
+                <a:r>
+                  <a:rPr kumimoji="1" lang="ja-JP" altLang="en-US" dirty="0"/>
+                  <a:t>一つ前のブロックのハッシュ値</a:t>
+                </a:r>
+              </a:p>
+            </p:txBody>
+          </p:sp>
+          <p:sp>
+            <p:nvSpPr>
+              <p:cNvPr id="24" name="正方形/長方形 23">
+                <a:extLst>
+                  <a:ext uri="{FF2B5EF4-FFF2-40B4-BE49-F238E27FC236}">
+                    <a16:creationId xmlns:a16="http://schemas.microsoft.com/office/drawing/2014/main" id="{0E000FB2-0589-4717-A2D5-373DA6F4DF6A}"/>
+                  </a:ext>
+                </a:extLst>
+              </p:cNvPr>
+              <p:cNvSpPr/>
+              <p:nvPr/>
+            </p:nvSpPr>
+            <p:spPr>
+              <a:xfrm>
+                <a:off x="8496994" y="3367868"/>
+                <a:ext cx="403167" cy="1191216"/>
+              </a:xfrm>
+              <a:prstGeom prst="rect">
+                <a:avLst/>
+              </a:prstGeom>
+              <a:ln>
+                <a:solidFill>
+                  <a:schemeClr val="tx1"/>
+                </a:solidFill>
+              </a:ln>
+            </p:spPr>
+            <p:style>
+              <a:lnRef idx="2">
+                <a:schemeClr val="accent6"/>
+              </a:lnRef>
+              <a:fillRef idx="1">
+                <a:schemeClr val="lt1"/>
+              </a:fillRef>
+              <a:effectRef idx="0">
+                <a:schemeClr val="accent6"/>
+              </a:effectRef>
+              <a:fontRef idx="minor">
+                <a:schemeClr val="dk1"/>
+              </a:fontRef>
+            </p:style>
+            <p:txBody>
+              <a:bodyPr rtlCol="0" anchor="ctr"/>
+              <a:lstStyle/>
+              <a:p>
+                <a:pPr algn="ctr"/>
+                <a:r>
+                  <a:rPr kumimoji="1" lang="ja-JP" altLang="en-US" dirty="0"/>
+                  <a:t>取引情報</a:t>
+                </a:r>
+              </a:p>
+            </p:txBody>
+          </p:sp>
+          <p:sp>
+            <p:nvSpPr>
+              <p:cNvPr id="25" name="正方形/長方形 24">
+                <a:extLst>
+                  <a:ext uri="{FF2B5EF4-FFF2-40B4-BE49-F238E27FC236}">
+                    <a16:creationId xmlns:a16="http://schemas.microsoft.com/office/drawing/2014/main" id="{145593C9-6E62-46F1-B233-1B6A9FF7345B}"/>
+                  </a:ext>
+                </a:extLst>
+              </p:cNvPr>
+              <p:cNvSpPr/>
+              <p:nvPr/>
+            </p:nvSpPr>
+            <p:spPr>
+              <a:xfrm>
+                <a:off x="9138460" y="3367868"/>
+                <a:ext cx="403167" cy="1191216"/>
+              </a:xfrm>
+              <a:prstGeom prst="rect">
+                <a:avLst/>
+              </a:prstGeom>
+              <a:ln>
+                <a:solidFill>
+                  <a:schemeClr val="tx1"/>
+                </a:solidFill>
+              </a:ln>
+            </p:spPr>
+            <p:style>
+              <a:lnRef idx="2">
+                <a:schemeClr val="accent6"/>
+              </a:lnRef>
+              <a:fillRef idx="1">
+                <a:schemeClr val="lt1"/>
+              </a:fillRef>
+              <a:effectRef idx="0">
+                <a:schemeClr val="accent6"/>
+              </a:effectRef>
+              <a:fontRef idx="minor">
+                <a:schemeClr val="dk1"/>
+              </a:fontRef>
+            </p:style>
+            <p:txBody>
+              <a:bodyPr rtlCol="0" anchor="ctr"/>
+              <a:lstStyle/>
+              <a:p>
+                <a:pPr algn="ctr"/>
+                <a:r>
+                  <a:rPr kumimoji="1" lang="ja-JP" altLang="en-US" dirty="0"/>
+                  <a:t>取引情報</a:t>
+                </a:r>
+              </a:p>
+            </p:txBody>
+          </p:sp>
+          <p:sp>
+            <p:nvSpPr>
+              <p:cNvPr id="26" name="正方形/長方形 25">
+                <a:extLst>
+                  <a:ext uri="{FF2B5EF4-FFF2-40B4-BE49-F238E27FC236}">
+                    <a16:creationId xmlns:a16="http://schemas.microsoft.com/office/drawing/2014/main" id="{5E0DC9F6-A091-4C77-8B39-935DB8E1E1D9}"/>
+                  </a:ext>
+                </a:extLst>
+              </p:cNvPr>
+              <p:cNvSpPr/>
+              <p:nvPr/>
+            </p:nvSpPr>
+            <p:spPr>
+              <a:xfrm>
+                <a:off x="9779926" y="3367868"/>
+                <a:ext cx="403167" cy="1191216"/>
+              </a:xfrm>
+              <a:prstGeom prst="rect">
+                <a:avLst/>
+              </a:prstGeom>
+              <a:ln>
+                <a:solidFill>
+                  <a:schemeClr val="tx1"/>
+                </a:solidFill>
+              </a:ln>
+            </p:spPr>
+            <p:style>
+              <a:lnRef idx="2">
+                <a:schemeClr val="accent6"/>
+              </a:lnRef>
+              <a:fillRef idx="1">
+                <a:schemeClr val="lt1"/>
+              </a:fillRef>
+              <a:effectRef idx="0">
+                <a:schemeClr val="accent6"/>
+              </a:effectRef>
+              <a:fontRef idx="minor">
+                <a:schemeClr val="dk1"/>
+              </a:fontRef>
+            </p:style>
+            <p:txBody>
+              <a:bodyPr rtlCol="0" anchor="ctr"/>
+              <a:lstStyle/>
+              <a:p>
+                <a:pPr algn="ctr"/>
+                <a:r>
+                  <a:rPr kumimoji="1" lang="ja-JP" altLang="en-US" dirty="0"/>
+                  <a:t>取引情報</a:t>
+                </a:r>
+              </a:p>
+            </p:txBody>
+          </p:sp>
+          <p:sp>
+            <p:nvSpPr>
+              <p:cNvPr id="27" name="正方形/長方形 26">
+                <a:extLst>
+                  <a:ext uri="{FF2B5EF4-FFF2-40B4-BE49-F238E27FC236}">
+                    <a16:creationId xmlns:a16="http://schemas.microsoft.com/office/drawing/2014/main" id="{61F6B8CF-5136-419E-BBD7-A34D46226851}"/>
+                  </a:ext>
+                </a:extLst>
+              </p:cNvPr>
+              <p:cNvSpPr/>
+              <p:nvPr/>
+            </p:nvSpPr>
+            <p:spPr>
+              <a:xfrm>
+                <a:off x="10379827" y="3367868"/>
+                <a:ext cx="403167" cy="1191216"/>
+              </a:xfrm>
+              <a:prstGeom prst="rect">
+                <a:avLst/>
+              </a:prstGeom>
+              <a:ln>
+                <a:solidFill>
+                  <a:schemeClr val="tx1"/>
+                </a:solidFill>
+              </a:ln>
+            </p:spPr>
+            <p:style>
+              <a:lnRef idx="2">
+                <a:schemeClr val="accent6"/>
+              </a:lnRef>
+              <a:fillRef idx="1">
+                <a:schemeClr val="lt1"/>
+              </a:fillRef>
+              <a:effectRef idx="0">
+                <a:schemeClr val="accent6"/>
+              </a:effectRef>
+              <a:fontRef idx="minor">
+                <a:schemeClr val="dk1"/>
+              </a:fontRef>
+            </p:style>
+            <p:txBody>
+              <a:bodyPr rtlCol="0" anchor="ctr"/>
+              <a:lstStyle/>
+              <a:p>
+                <a:pPr algn="ctr"/>
+                <a:r>
+                  <a:rPr kumimoji="1" lang="ja-JP" altLang="en-US" dirty="0"/>
+                  <a:t>取引情報</a:t>
+                </a:r>
+              </a:p>
+            </p:txBody>
+          </p:sp>
+        </p:grpSp>
+        <p:cxnSp>
+          <p:nvCxnSpPr>
+            <p:cNvPr id="30" name="直線矢印コネクタ 29">
+              <a:extLst>
+                <a:ext uri="{FF2B5EF4-FFF2-40B4-BE49-F238E27FC236}">
+                  <a16:creationId xmlns:a16="http://schemas.microsoft.com/office/drawing/2014/main" id="{7837C3C2-1A09-4E1A-996D-29C25FB13C85}"/>
+                </a:ext>
+              </a:extLst>
+            </p:cNvPr>
+            <p:cNvCxnSpPr>
+              <a:cxnSpLocks/>
+              <a:endCxn id="6" idx="1"/>
+            </p:cNvCxnSpPr>
+            <p:nvPr/>
+          </p:nvCxnSpPr>
+          <p:spPr>
+            <a:xfrm flipV="1">
+              <a:off x="432262" y="2785534"/>
+              <a:ext cx="1109749" cy="1"/>
+            </a:xfrm>
+            <a:prstGeom prst="straightConnector1">
               <a:avLst/>
             </a:prstGeom>
-            <a:solidFill>
-              <a:schemeClr val="accent4">
-                <a:lumMod val="40000"/>
-                <a:lumOff val="60000"/>
-              </a:schemeClr>
-            </a:solidFill>
-            <a:ln/>
+            <a:ln>
+              <a:tailEnd type="triangle"/>
+            </a:ln>
           </p:spPr>
           <p:style>
             <a:lnRef idx="1">
-              <a:schemeClr val="accent6"/>
+              <a:schemeClr val="dk1"/>
             </a:lnRef>
-            <a:fillRef idx="2">
-              <a:schemeClr val="accent6"/>
+            <a:fillRef idx="0">
+              <a:schemeClr val="dk1"/>
             </a:fillRef>
-            <a:effectRef idx="1">
-              <a:schemeClr val="accent6"/>
+            <a:effectRef idx="0">
+              <a:schemeClr val="dk1"/>
             </a:effectRef>
             <a:fontRef idx="minor">
-              <a:schemeClr val="dk1"/>
+              <a:schemeClr val="tx1"/>
             </a:fontRef>
           </p:style>
-          <p:txBody>
-            <a:bodyPr rot="0" spcFirstLastPara="0" vertOverflow="overflow" horzOverflow="overflow" vert="horz" wrap="square" lIns="91440" tIns="45720" rIns="91440" bIns="45720" numCol="1" spcCol="0" rtlCol="0" fromWordArt="0" anchor="b" anchorCtr="0" forceAA="0" compatLnSpc="1">
-              <a:prstTxWarp prst="textNoShape">
-                <a:avLst/>
-              </a:prstTxWarp>
-              <a:noAutofit/>
-            </a:bodyPr>
-            <a:lstStyle/>
-            <a:p>
-              <a:pPr algn="ctr"/>
-              <a:r>
-                <a:rPr kumimoji="1" lang="ja-JP" altLang="en-US" dirty="0">
-                  <a:ln w="0"/>
-                  <a:solidFill>
-                    <a:schemeClr val="tx1"/>
-                  </a:solidFill>
-                  <a:effectLst>
-                    <a:outerShdw blurRad="38100" dist="19050" dir="2700000" algn="tl" rotWithShape="0">
-                      <a:schemeClr val="dk1">
-                        <a:alpha val="40000"/>
-                      </a:schemeClr>
-                    </a:outerShdw>
-                  </a:effectLst>
-                </a:rPr>
-                <a:t>ブロック</a:t>
-              </a:r>
-            </a:p>
-          </p:txBody>
-        </p:sp>
-        <p:sp>
-          <p:nvSpPr>
-            <p:cNvPr id="6" name="正方形/長方形 5">
+        </p:cxnSp>
+        <p:cxnSp>
+          <p:nvCxnSpPr>
+            <p:cNvPr id="33" name="直線矢印コネクタ 32">
               <a:extLst>
                 <a:ext uri="{FF2B5EF4-FFF2-40B4-BE49-F238E27FC236}">
-                  <a16:creationId xmlns:a16="http://schemas.microsoft.com/office/drawing/2014/main" id="{2A252EE0-EF6E-475E-A10D-E369747DF25C}"/>
+                  <a16:creationId xmlns:a16="http://schemas.microsoft.com/office/drawing/2014/main" id="{B626B8CD-4AB3-4EE9-A695-0006B3339AED}"/>
                 </a:ext>
               </a:extLst>
             </p:cNvPr>
-            <p:cNvSpPr/>
+            <p:cNvCxnSpPr>
+              <a:cxnSpLocks/>
+              <a:endCxn id="15" idx="1"/>
+            </p:cNvCxnSpPr>
             <p:nvPr/>
-          </p:nvSpPr>
+          </p:nvCxnSpPr>
           <p:spPr>
             <a:xfrm>
-              <a:off x="1542011" y="2415618"/>
-              <a:ext cx="2286000" cy="739832"/>
+              <a:off x="4181302" y="2785534"/>
+              <a:ext cx="846513" cy="0"/>
             </a:xfrm>
-            <a:prstGeom prst="rect">
+            <a:prstGeom prst="straightConnector1">
               <a:avLst/>
             </a:prstGeom>
             <a:ln>
-              <a:solidFill>
-                <a:schemeClr val="tx1"/>
-              </a:solidFill>
+              <a:tailEnd type="triangle"/>
             </a:ln>
           </p:spPr>
           <p:style>
-            <a:lnRef idx="2">
-              <a:schemeClr val="accent6"/>
+            <a:lnRef idx="1">
+              <a:schemeClr val="dk1"/>
             </a:lnRef>
-            <a:fillRef idx="1">
-              <a:schemeClr val="lt1"/>
+            <a:fillRef idx="0">
+              <a:schemeClr val="dk1"/>
             </a:fillRef>
             <a:effectRef idx="0">
-              <a:schemeClr val="accent6"/>
+              <a:schemeClr val="dk1"/>
             </a:effectRef>
             <a:fontRef idx="minor">
-              <a:schemeClr val="dk1"/>
+              <a:schemeClr val="tx1"/>
             </a:fontRef>
           </p:style>
-          <p:txBody>
-            <a:bodyPr rtlCol="0" anchor="ctr"/>
-            <a:lstStyle/>
-            <a:p>
-              <a:pPr algn="ctr"/>
-              <a:r>
-                <a:rPr kumimoji="1" lang="ja-JP" altLang="en-US" dirty="0"/>
-                <a:t>一つ前のブロックのハッシュ値</a:t>
-              </a:r>
-            </a:p>
-          </p:txBody>
-        </p:sp>
-        <p:sp>
-          <p:nvSpPr>
-            <p:cNvPr id="7" name="正方形/長方形 6">
+        </p:cxnSp>
+        <p:cxnSp>
+          <p:nvCxnSpPr>
+            <p:cNvPr id="36" name="直線矢印コネクタ 35">
               <a:extLst>
                 <a:ext uri="{FF2B5EF4-FFF2-40B4-BE49-F238E27FC236}">
-                  <a16:creationId xmlns:a16="http://schemas.microsoft.com/office/drawing/2014/main" id="{561BFFB9-B633-48F5-A946-AB98F7A81A20}"/>
+                  <a16:creationId xmlns:a16="http://schemas.microsoft.com/office/drawing/2014/main" id="{5AA457EE-3EAA-4BA3-9AC8-B12A93CC3481}"/>
                 </a:ext>
               </a:extLst>
             </p:cNvPr>
-            <p:cNvSpPr/>
+            <p:cNvCxnSpPr>
+              <a:cxnSpLocks/>
+              <a:endCxn id="23" idx="1"/>
+            </p:cNvCxnSpPr>
             <p:nvPr/>
-          </p:nvSpPr>
+          </p:nvCxnSpPr>
           <p:spPr>
             <a:xfrm>
-              <a:off x="1543396" y="3367869"/>
-              <a:ext cx="403167" cy="1191215"/>
+              <a:off x="7667106" y="2785532"/>
+              <a:ext cx="829888" cy="1"/>
             </a:xfrm>
-            <a:prstGeom prst="rect">
+            <a:prstGeom prst="straightConnector1">
               <a:avLst/>
             </a:prstGeom>
             <a:ln>
-              <a:solidFill>
-                <a:schemeClr val="tx1"/>
-              </a:solidFill>
+              <a:tailEnd type="triangle"/>
             </a:ln>
           </p:spPr>
           <p:style>
-            <a:lnRef idx="2">
-              <a:schemeClr val="accent6"/>
+            <a:lnRef idx="1">
+              <a:schemeClr val="dk1"/>
             </a:lnRef>
-            <a:fillRef idx="1">
-              <a:schemeClr val="lt1"/>
+            <a:fillRef idx="0">
+              <a:schemeClr val="dk1"/>
             </a:fillRef>
             <a:effectRef idx="0">
-              <a:schemeClr val="accent6"/>
+              <a:schemeClr val="dk1"/>
             </a:effectRef>
             <a:fontRef idx="minor">
-              <a:schemeClr val="dk1"/>
+              <a:schemeClr val="tx1"/>
             </a:fontRef>
           </p:style>
-          <p:txBody>
-            <a:bodyPr rtlCol="0" anchor="ctr"/>
-            <a:lstStyle/>
-            <a:p>
-              <a:pPr algn="ctr"/>
-              <a:r>
-                <a:rPr kumimoji="1" lang="ja-JP" altLang="en-US" dirty="0"/>
-                <a:t>取引情報</a:t>
-              </a:r>
-            </a:p>
-          </p:txBody>
-        </p:sp>
-        <p:sp>
-          <p:nvSpPr>
-            <p:cNvPr id="8" name="正方形/長方形 7">
+        </p:cxnSp>
+        <p:cxnSp>
+          <p:nvCxnSpPr>
+            <p:cNvPr id="37" name="直線矢印コネクタ 36">
               <a:extLst>
                 <a:ext uri="{FF2B5EF4-FFF2-40B4-BE49-F238E27FC236}">
-                  <a16:creationId xmlns:a16="http://schemas.microsoft.com/office/drawing/2014/main" id="{BFE7845C-1BE6-439B-8E2A-3250E1FAF975}"/>
+                  <a16:creationId xmlns:a16="http://schemas.microsoft.com/office/drawing/2014/main" id="{CBD4887F-1BC1-4D9A-A1D0-9CEFA188330F}"/>
                 </a:ext>
               </a:extLst>
             </p:cNvPr>
-            <p:cNvSpPr/>
+            <p:cNvCxnSpPr>
+              <a:cxnSpLocks/>
+            </p:cNvCxnSpPr>
             <p:nvPr/>
-          </p:nvSpPr>
+          </p:nvCxnSpPr>
           <p:spPr>
             <a:xfrm>
-              <a:off x="2180272" y="3367869"/>
-              <a:ext cx="403167" cy="1191215"/>
+              <a:off x="11136285" y="2785532"/>
+              <a:ext cx="692726" cy="0"/>
             </a:xfrm>
-            <a:prstGeom prst="rect">
+            <a:prstGeom prst="straightConnector1">
               <a:avLst/>
             </a:prstGeom>
             <a:ln>
-              <a:solidFill>
-                <a:schemeClr val="tx1"/>
-              </a:solidFill>
+              <a:tailEnd type="triangle"/>
             </a:ln>
           </p:spPr>
           <p:style>
-            <a:lnRef idx="2">
-              <a:schemeClr val="accent6"/>
+            <a:lnRef idx="1">
+              <a:schemeClr val="dk1"/>
             </a:lnRef>
-            <a:fillRef idx="1">
-              <a:schemeClr val="lt1"/>
+            <a:fillRef idx="0">
+              <a:schemeClr val="dk1"/>
             </a:fillRef>
             <a:effectRef idx="0">
-              <a:schemeClr val="accent6"/>
+              <a:schemeClr val="dk1"/>
             </a:effectRef>
             <a:fontRef idx="minor">
-              <a:schemeClr val="dk1"/>
+              <a:schemeClr val="tx1"/>
             </a:fontRef>
           </p:style>
-          <p:txBody>
-            <a:bodyPr rtlCol="0" anchor="ctr"/>
-            <a:lstStyle/>
-            <a:p>
-              <a:pPr algn="ctr"/>
-              <a:r>
-                <a:rPr kumimoji="1" lang="ja-JP" altLang="en-US" dirty="0"/>
-                <a:t>取引情報</a:t>
-              </a:r>
-            </a:p>
-          </p:txBody>
-        </p:sp>
-        <p:sp>
-          <p:nvSpPr>
-            <p:cNvPr id="9" name="正方形/長方形 8">
-              <a:extLst>
-                <a:ext uri="{FF2B5EF4-FFF2-40B4-BE49-F238E27FC236}">
-                  <a16:creationId xmlns:a16="http://schemas.microsoft.com/office/drawing/2014/main" id="{0BC45796-6C79-44CA-8EC6-A4056189CFA2}"/>
-                </a:ext>
-              </a:extLst>
-            </p:cNvPr>
-            <p:cNvSpPr/>
-            <p:nvPr/>
-          </p:nvSpPr>
-          <p:spPr>
-            <a:xfrm>
-              <a:off x="2787968" y="3367869"/>
-              <a:ext cx="403167" cy="1191215"/>
-            </a:xfrm>
-            <a:prstGeom prst="rect">
-              <a:avLst/>
-            </a:prstGeom>
-            <a:ln>
-              <a:solidFill>
-                <a:schemeClr val="tx1"/>
-              </a:solidFill>
-            </a:ln>
-          </p:spPr>
-          <p:style>
-            <a:lnRef idx="2">
-              <a:schemeClr val="accent6"/>
-            </a:lnRef>
-            <a:fillRef idx="1">
-              <a:schemeClr val="lt1"/>
-            </a:fillRef>
-            <a:effectRef idx="0">
-              <a:schemeClr val="accent6"/>
-            </a:effectRef>
-            <a:fontRef idx="minor">
-              <a:schemeClr val="dk1"/>
-            </a:fontRef>
-          </p:style>
-          <p:txBody>
-            <a:bodyPr rtlCol="0" anchor="ctr"/>
-            <a:lstStyle/>
-            <a:p>
-              <a:pPr algn="ctr"/>
-              <a:r>
-                <a:rPr kumimoji="1" lang="ja-JP" altLang="en-US" dirty="0"/>
-                <a:t>取引情報</a:t>
-              </a:r>
-            </a:p>
-          </p:txBody>
-        </p:sp>
-        <p:sp>
-          <p:nvSpPr>
-            <p:cNvPr id="10" name="正方形/長方形 9">
-              <a:extLst>
-                <a:ext uri="{FF2B5EF4-FFF2-40B4-BE49-F238E27FC236}">
-                  <a16:creationId xmlns:a16="http://schemas.microsoft.com/office/drawing/2014/main" id="{111491DB-9E99-4DF4-9F93-16C67A8285EB}"/>
-                </a:ext>
-              </a:extLst>
-            </p:cNvPr>
-            <p:cNvSpPr/>
-            <p:nvPr/>
-          </p:nvSpPr>
-          <p:spPr>
-            <a:xfrm>
-              <a:off x="3424844" y="3367869"/>
-              <a:ext cx="403167" cy="1191215"/>
-            </a:xfrm>
-            <a:prstGeom prst="rect">
-              <a:avLst/>
-            </a:prstGeom>
-            <a:ln>
-              <a:solidFill>
-                <a:schemeClr val="tx1"/>
-              </a:solidFill>
-            </a:ln>
-          </p:spPr>
-          <p:style>
-            <a:lnRef idx="2">
-              <a:schemeClr val="accent6"/>
-            </a:lnRef>
-            <a:fillRef idx="1">
-              <a:schemeClr val="lt1"/>
-            </a:fillRef>
-            <a:effectRef idx="0">
-              <a:schemeClr val="accent6"/>
-            </a:effectRef>
-            <a:fontRef idx="minor">
-              <a:schemeClr val="dk1"/>
-            </a:fontRef>
-          </p:style>
-          <p:txBody>
-            <a:bodyPr rtlCol="0" anchor="ctr"/>
-            <a:lstStyle/>
-            <a:p>
-              <a:pPr algn="ctr"/>
-              <a:r>
-                <a:rPr kumimoji="1" lang="ja-JP" altLang="en-US" dirty="0"/>
-                <a:t>取引情報</a:t>
-              </a:r>
-            </a:p>
-          </p:txBody>
-        </p:sp>
+        </p:cxnSp>
       </p:grpSp>
-      <p:grpSp>
-        <p:nvGrpSpPr>
-          <p:cNvPr id="51" name="グループ化 50">
-            <a:extLst>
-              <a:ext uri="{FF2B5EF4-FFF2-40B4-BE49-F238E27FC236}">
-                <a16:creationId xmlns:a16="http://schemas.microsoft.com/office/drawing/2014/main" id="{78CB9DB5-0081-401C-BC4E-13D674E090C1}"/>
-              </a:ext>
-            </a:extLst>
-          </p:cNvPr>
-          <p:cNvGrpSpPr/>
-          <p:nvPr/>
-        </p:nvGrpSpPr>
-        <p:grpSpPr>
-          <a:xfrm>
-            <a:off x="4674524" y="2219497"/>
-            <a:ext cx="2992582" cy="2834635"/>
-            <a:chOff x="4674524" y="2219497"/>
-            <a:chExt cx="2992582" cy="2834635"/>
-          </a:xfrm>
-        </p:grpSpPr>
-        <p:sp>
-          <p:nvSpPr>
-            <p:cNvPr id="14" name="正方形/長方形 13">
-              <a:extLst>
-                <a:ext uri="{FF2B5EF4-FFF2-40B4-BE49-F238E27FC236}">
-                  <a16:creationId xmlns:a16="http://schemas.microsoft.com/office/drawing/2014/main" id="{2DA66A58-127B-4386-98D3-929994315B3B}"/>
-                </a:ext>
-              </a:extLst>
-            </p:cNvPr>
-            <p:cNvSpPr/>
-            <p:nvPr/>
-          </p:nvSpPr>
-          <p:spPr>
-            <a:xfrm>
-              <a:off x="4674524" y="2219497"/>
-              <a:ext cx="2992582" cy="2834635"/>
-            </a:xfrm>
-            <a:prstGeom prst="rect">
-              <a:avLst/>
-            </a:prstGeom>
-            <a:solidFill>
-              <a:schemeClr val="accent4">
-                <a:lumMod val="40000"/>
-                <a:lumOff val="60000"/>
-              </a:schemeClr>
-            </a:solidFill>
-            <a:ln/>
-          </p:spPr>
-          <p:style>
-            <a:lnRef idx="1">
-              <a:schemeClr val="accent6"/>
-            </a:lnRef>
-            <a:fillRef idx="2">
-              <a:schemeClr val="accent6"/>
-            </a:fillRef>
-            <a:effectRef idx="1">
-              <a:schemeClr val="accent6"/>
-            </a:effectRef>
-            <a:fontRef idx="minor">
-              <a:schemeClr val="dk1"/>
-            </a:fontRef>
-          </p:style>
-          <p:txBody>
-            <a:bodyPr rot="0" spcFirstLastPara="0" vertOverflow="overflow" horzOverflow="overflow" vert="horz" wrap="square" lIns="91440" tIns="45720" rIns="91440" bIns="45720" numCol="1" spcCol="0" rtlCol="0" fromWordArt="0" anchor="b" anchorCtr="0" forceAA="0" compatLnSpc="1">
-              <a:prstTxWarp prst="textNoShape">
-                <a:avLst/>
-              </a:prstTxWarp>
-              <a:noAutofit/>
-            </a:bodyPr>
-            <a:lstStyle/>
-            <a:p>
-              <a:pPr algn="ctr"/>
-              <a:r>
-                <a:rPr kumimoji="1" lang="ja-JP" altLang="en-US" dirty="0">
-                  <a:ln w="0"/>
-                  <a:solidFill>
-                    <a:schemeClr val="tx1"/>
-                  </a:solidFill>
-                  <a:effectLst>
-                    <a:outerShdw blurRad="38100" dist="19050" dir="2700000" algn="tl" rotWithShape="0">
-                      <a:schemeClr val="dk1">
-                        <a:alpha val="40000"/>
-                      </a:schemeClr>
-                    </a:outerShdw>
-                  </a:effectLst>
-                </a:rPr>
-                <a:t>ブロック</a:t>
-              </a:r>
-            </a:p>
-          </p:txBody>
-        </p:sp>
-        <p:sp>
-          <p:nvSpPr>
-            <p:cNvPr id="15" name="正方形/長方形 14">
-              <a:extLst>
-                <a:ext uri="{FF2B5EF4-FFF2-40B4-BE49-F238E27FC236}">
-                  <a16:creationId xmlns:a16="http://schemas.microsoft.com/office/drawing/2014/main" id="{6B03B05B-BBD8-407E-9754-FF0FB10D29B4}"/>
-                </a:ext>
-              </a:extLst>
-            </p:cNvPr>
-            <p:cNvSpPr/>
-            <p:nvPr/>
-          </p:nvSpPr>
-          <p:spPr>
-            <a:xfrm>
-              <a:off x="5027815" y="2415617"/>
-              <a:ext cx="2286000" cy="739833"/>
-            </a:xfrm>
-            <a:prstGeom prst="rect">
-              <a:avLst/>
-            </a:prstGeom>
-            <a:ln>
-              <a:solidFill>
-                <a:schemeClr val="tx1"/>
-              </a:solidFill>
-            </a:ln>
-          </p:spPr>
-          <p:style>
-            <a:lnRef idx="2">
-              <a:schemeClr val="accent6"/>
-            </a:lnRef>
-            <a:fillRef idx="1">
-              <a:schemeClr val="lt1"/>
-            </a:fillRef>
-            <a:effectRef idx="0">
-              <a:schemeClr val="accent6"/>
-            </a:effectRef>
-            <a:fontRef idx="minor">
-              <a:schemeClr val="dk1"/>
-            </a:fontRef>
-          </p:style>
-          <p:txBody>
-            <a:bodyPr rtlCol="0" anchor="ctr"/>
-            <a:lstStyle/>
-            <a:p>
-              <a:pPr algn="ctr"/>
-              <a:r>
-                <a:rPr kumimoji="1" lang="ja-JP" altLang="en-US" dirty="0"/>
-                <a:t>一つ前のブロックのハッシュ値</a:t>
-              </a:r>
-            </a:p>
-          </p:txBody>
-        </p:sp>
-        <p:sp>
-          <p:nvSpPr>
-            <p:cNvPr id="16" name="正方形/長方形 15">
-              <a:extLst>
-                <a:ext uri="{FF2B5EF4-FFF2-40B4-BE49-F238E27FC236}">
-                  <a16:creationId xmlns:a16="http://schemas.microsoft.com/office/drawing/2014/main" id="{D8D16DF4-4764-4AF2-9163-9BDBACA5B48C}"/>
-                </a:ext>
-              </a:extLst>
-            </p:cNvPr>
-            <p:cNvSpPr/>
-            <p:nvPr/>
-          </p:nvSpPr>
-          <p:spPr>
-            <a:xfrm>
-              <a:off x="5023917" y="3367868"/>
-              <a:ext cx="403167" cy="1191216"/>
-            </a:xfrm>
-            <a:prstGeom prst="rect">
-              <a:avLst/>
-            </a:prstGeom>
-            <a:ln>
-              <a:solidFill>
-                <a:schemeClr val="tx1"/>
-              </a:solidFill>
-            </a:ln>
-          </p:spPr>
-          <p:style>
-            <a:lnRef idx="2">
-              <a:schemeClr val="accent6"/>
-            </a:lnRef>
-            <a:fillRef idx="1">
-              <a:schemeClr val="lt1"/>
-            </a:fillRef>
-            <a:effectRef idx="0">
-              <a:schemeClr val="accent6"/>
-            </a:effectRef>
-            <a:fontRef idx="minor">
-              <a:schemeClr val="dk1"/>
-            </a:fontRef>
-          </p:style>
-          <p:txBody>
-            <a:bodyPr rtlCol="0" anchor="ctr"/>
-            <a:lstStyle/>
-            <a:p>
-              <a:pPr algn="ctr"/>
-              <a:r>
-                <a:rPr kumimoji="1" lang="ja-JP" altLang="en-US" dirty="0"/>
-                <a:t>取引情報</a:t>
-              </a:r>
-            </a:p>
-          </p:txBody>
-        </p:sp>
-        <p:sp>
-          <p:nvSpPr>
-            <p:cNvPr id="17" name="正方形/長方形 16">
-              <a:extLst>
-                <a:ext uri="{FF2B5EF4-FFF2-40B4-BE49-F238E27FC236}">
-                  <a16:creationId xmlns:a16="http://schemas.microsoft.com/office/drawing/2014/main" id="{00BF5095-871E-4E2A-AB80-3812D4E22C1F}"/>
-                </a:ext>
-              </a:extLst>
-            </p:cNvPr>
-            <p:cNvSpPr/>
-            <p:nvPr/>
-          </p:nvSpPr>
-          <p:spPr>
-            <a:xfrm>
-              <a:off x="5658722" y="3367868"/>
-              <a:ext cx="403167" cy="1191216"/>
-            </a:xfrm>
-            <a:prstGeom prst="rect">
-              <a:avLst/>
-            </a:prstGeom>
-            <a:ln>
-              <a:solidFill>
-                <a:schemeClr val="tx1"/>
-              </a:solidFill>
-            </a:ln>
-          </p:spPr>
-          <p:style>
-            <a:lnRef idx="2">
-              <a:schemeClr val="accent6"/>
-            </a:lnRef>
-            <a:fillRef idx="1">
-              <a:schemeClr val="lt1"/>
-            </a:fillRef>
-            <a:effectRef idx="0">
-              <a:schemeClr val="accent6"/>
-            </a:effectRef>
-            <a:fontRef idx="minor">
-              <a:schemeClr val="dk1"/>
-            </a:fontRef>
-          </p:style>
-          <p:txBody>
-            <a:bodyPr rtlCol="0" anchor="ctr"/>
-            <a:lstStyle/>
-            <a:p>
-              <a:pPr algn="ctr"/>
-              <a:r>
-                <a:rPr kumimoji="1" lang="ja-JP" altLang="en-US" dirty="0"/>
-                <a:t>取引情報</a:t>
-              </a:r>
-            </a:p>
-          </p:txBody>
-        </p:sp>
-        <p:sp>
-          <p:nvSpPr>
-            <p:cNvPr id="18" name="正方形/長方形 17">
-              <a:extLst>
-                <a:ext uri="{FF2B5EF4-FFF2-40B4-BE49-F238E27FC236}">
-                  <a16:creationId xmlns:a16="http://schemas.microsoft.com/office/drawing/2014/main" id="{ADDD0A8B-3076-49DF-A053-62EFD695FCC7}"/>
-                </a:ext>
-              </a:extLst>
-            </p:cNvPr>
-            <p:cNvSpPr/>
-            <p:nvPr/>
-          </p:nvSpPr>
-          <p:spPr>
-            <a:xfrm>
-              <a:off x="6281744" y="3367868"/>
-              <a:ext cx="403167" cy="1191216"/>
-            </a:xfrm>
-            <a:prstGeom prst="rect">
-              <a:avLst/>
-            </a:prstGeom>
-            <a:ln>
-              <a:solidFill>
-                <a:schemeClr val="tx1"/>
-              </a:solidFill>
-            </a:ln>
-          </p:spPr>
-          <p:style>
-            <a:lnRef idx="2">
-              <a:schemeClr val="accent6"/>
-            </a:lnRef>
-            <a:fillRef idx="1">
-              <a:schemeClr val="lt1"/>
-            </a:fillRef>
-            <a:effectRef idx="0">
-              <a:schemeClr val="accent6"/>
-            </a:effectRef>
-            <a:fontRef idx="minor">
-              <a:schemeClr val="dk1"/>
-            </a:fontRef>
-          </p:style>
-          <p:txBody>
-            <a:bodyPr rtlCol="0" anchor="ctr"/>
-            <a:lstStyle/>
-            <a:p>
-              <a:pPr algn="ctr"/>
-              <a:r>
-                <a:rPr kumimoji="1" lang="ja-JP" altLang="en-US" dirty="0"/>
-                <a:t>取引情報</a:t>
-              </a:r>
-            </a:p>
-          </p:txBody>
-        </p:sp>
-        <p:sp>
-          <p:nvSpPr>
-            <p:cNvPr id="19" name="正方形/長方形 18">
-              <a:extLst>
-                <a:ext uri="{FF2B5EF4-FFF2-40B4-BE49-F238E27FC236}">
-                  <a16:creationId xmlns:a16="http://schemas.microsoft.com/office/drawing/2014/main" id="{EF59992A-1324-4FDB-ACB8-2DCCE4B7BB12}"/>
-                </a:ext>
-              </a:extLst>
-            </p:cNvPr>
-            <p:cNvSpPr/>
-            <p:nvPr/>
-          </p:nvSpPr>
-          <p:spPr>
-            <a:xfrm>
-              <a:off x="6910648" y="3367868"/>
-              <a:ext cx="403167" cy="1191216"/>
-            </a:xfrm>
-            <a:prstGeom prst="rect">
-              <a:avLst/>
-            </a:prstGeom>
-            <a:ln>
-              <a:solidFill>
-                <a:schemeClr val="tx1"/>
-              </a:solidFill>
-            </a:ln>
-          </p:spPr>
-          <p:style>
-            <a:lnRef idx="2">
-              <a:schemeClr val="accent6"/>
-            </a:lnRef>
-            <a:fillRef idx="1">
-              <a:schemeClr val="lt1"/>
-            </a:fillRef>
-            <a:effectRef idx="0">
-              <a:schemeClr val="accent6"/>
-            </a:effectRef>
-            <a:fontRef idx="minor">
-              <a:schemeClr val="dk1"/>
-            </a:fontRef>
-          </p:style>
-          <p:txBody>
-            <a:bodyPr rtlCol="0" anchor="ctr"/>
-            <a:lstStyle/>
-            <a:p>
-              <a:pPr algn="ctr"/>
-              <a:r>
-                <a:rPr kumimoji="1" lang="ja-JP" altLang="en-US" dirty="0"/>
-                <a:t>取引情報</a:t>
-              </a:r>
-            </a:p>
-          </p:txBody>
-        </p:sp>
-      </p:grpSp>
-      <p:grpSp>
-        <p:nvGrpSpPr>
-          <p:cNvPr id="52" name="グループ化 51">
-            <a:extLst>
-              <a:ext uri="{FF2B5EF4-FFF2-40B4-BE49-F238E27FC236}">
-                <a16:creationId xmlns:a16="http://schemas.microsoft.com/office/drawing/2014/main" id="{72BBA107-A863-4626-85AD-0C1FBAD1B7E4}"/>
-              </a:ext>
-            </a:extLst>
-          </p:cNvPr>
-          <p:cNvGrpSpPr/>
-          <p:nvPr/>
-        </p:nvGrpSpPr>
-        <p:grpSpPr>
-          <a:xfrm>
-            <a:off x="8143703" y="2219496"/>
-            <a:ext cx="2992582" cy="2834630"/>
-            <a:chOff x="8143703" y="2219496"/>
-            <a:chExt cx="2992582" cy="2834630"/>
-          </a:xfrm>
-        </p:grpSpPr>
-        <p:sp>
-          <p:nvSpPr>
-            <p:cNvPr id="22" name="正方形/長方形 21">
-              <a:extLst>
-                <a:ext uri="{FF2B5EF4-FFF2-40B4-BE49-F238E27FC236}">
-                  <a16:creationId xmlns:a16="http://schemas.microsoft.com/office/drawing/2014/main" id="{EF34B07F-DEA7-48DE-A7FD-14AA3FF1E61A}"/>
-                </a:ext>
-              </a:extLst>
-            </p:cNvPr>
-            <p:cNvSpPr/>
-            <p:nvPr/>
-          </p:nvSpPr>
-          <p:spPr>
-            <a:xfrm>
-              <a:off x="8143703" y="2219496"/>
-              <a:ext cx="2992582" cy="2834630"/>
-            </a:xfrm>
-            <a:prstGeom prst="rect">
-              <a:avLst/>
-            </a:prstGeom>
-            <a:solidFill>
-              <a:schemeClr val="accent4">
-                <a:lumMod val="40000"/>
-                <a:lumOff val="60000"/>
-              </a:schemeClr>
-            </a:solidFill>
-            <a:ln/>
-          </p:spPr>
-          <p:style>
-            <a:lnRef idx="1">
-              <a:schemeClr val="accent6"/>
-            </a:lnRef>
-            <a:fillRef idx="2">
-              <a:schemeClr val="accent6"/>
-            </a:fillRef>
-            <a:effectRef idx="1">
-              <a:schemeClr val="accent6"/>
-            </a:effectRef>
-            <a:fontRef idx="minor">
-              <a:schemeClr val="dk1"/>
-            </a:fontRef>
-          </p:style>
-          <p:txBody>
-            <a:bodyPr rot="0" spcFirstLastPara="0" vertOverflow="overflow" horzOverflow="overflow" vert="horz" wrap="square" lIns="91440" tIns="45720" rIns="91440" bIns="45720" numCol="1" spcCol="0" rtlCol="0" fromWordArt="0" anchor="b" anchorCtr="0" forceAA="0" compatLnSpc="1">
-              <a:prstTxWarp prst="textNoShape">
-                <a:avLst/>
-              </a:prstTxWarp>
-              <a:noAutofit/>
-            </a:bodyPr>
-            <a:lstStyle/>
-            <a:p>
-              <a:pPr algn="ctr"/>
-              <a:r>
-                <a:rPr kumimoji="1" lang="ja-JP" altLang="en-US" dirty="0">
-                  <a:ln w="0"/>
-                  <a:solidFill>
-                    <a:schemeClr val="tx1"/>
-                  </a:solidFill>
-                  <a:effectLst>
-                    <a:outerShdw blurRad="38100" dist="19050" dir="2700000" algn="tl" rotWithShape="0">
-                      <a:schemeClr val="dk1">
-                        <a:alpha val="40000"/>
-                      </a:schemeClr>
-                    </a:outerShdw>
-                  </a:effectLst>
-                </a:rPr>
-                <a:t>ブロック</a:t>
-              </a:r>
-            </a:p>
-          </p:txBody>
-        </p:sp>
-        <p:sp>
-          <p:nvSpPr>
-            <p:cNvPr id="23" name="正方形/長方形 22">
-              <a:extLst>
-                <a:ext uri="{FF2B5EF4-FFF2-40B4-BE49-F238E27FC236}">
-                  <a16:creationId xmlns:a16="http://schemas.microsoft.com/office/drawing/2014/main" id="{2915EC99-41C2-4222-9F99-9E43F8233F56}"/>
-                </a:ext>
-              </a:extLst>
-            </p:cNvPr>
-            <p:cNvSpPr/>
-            <p:nvPr/>
-          </p:nvSpPr>
-          <p:spPr>
-            <a:xfrm>
-              <a:off x="8496994" y="2415616"/>
-              <a:ext cx="2286000" cy="739833"/>
-            </a:xfrm>
-            <a:prstGeom prst="rect">
-              <a:avLst/>
-            </a:prstGeom>
-            <a:ln>
-              <a:solidFill>
-                <a:schemeClr val="tx1"/>
-              </a:solidFill>
-            </a:ln>
-          </p:spPr>
-          <p:style>
-            <a:lnRef idx="2">
-              <a:schemeClr val="accent6"/>
-            </a:lnRef>
-            <a:fillRef idx="1">
-              <a:schemeClr val="lt1"/>
-            </a:fillRef>
-            <a:effectRef idx="0">
-              <a:schemeClr val="accent6"/>
-            </a:effectRef>
-            <a:fontRef idx="minor">
-              <a:schemeClr val="dk1"/>
-            </a:fontRef>
-          </p:style>
-          <p:txBody>
-            <a:bodyPr rtlCol="0" anchor="ctr"/>
-            <a:lstStyle/>
-            <a:p>
-              <a:pPr algn="ctr"/>
-              <a:r>
-                <a:rPr kumimoji="1" lang="ja-JP" altLang="en-US" dirty="0"/>
-                <a:t>一つ前のブロックのハッシュ値</a:t>
-              </a:r>
-            </a:p>
-          </p:txBody>
-        </p:sp>
-        <p:sp>
-          <p:nvSpPr>
-            <p:cNvPr id="24" name="正方形/長方形 23">
-              <a:extLst>
-                <a:ext uri="{FF2B5EF4-FFF2-40B4-BE49-F238E27FC236}">
-                  <a16:creationId xmlns:a16="http://schemas.microsoft.com/office/drawing/2014/main" id="{0E000FB2-0589-4717-A2D5-373DA6F4DF6A}"/>
-                </a:ext>
-              </a:extLst>
-            </p:cNvPr>
-            <p:cNvSpPr/>
-            <p:nvPr/>
-          </p:nvSpPr>
-          <p:spPr>
-            <a:xfrm>
-              <a:off x="8496994" y="3367868"/>
-              <a:ext cx="403167" cy="1191216"/>
-            </a:xfrm>
-            <a:prstGeom prst="rect">
-              <a:avLst/>
-            </a:prstGeom>
-            <a:ln>
-              <a:solidFill>
-                <a:schemeClr val="tx1"/>
-              </a:solidFill>
-            </a:ln>
-          </p:spPr>
-          <p:style>
-            <a:lnRef idx="2">
-              <a:schemeClr val="accent6"/>
-            </a:lnRef>
-            <a:fillRef idx="1">
-              <a:schemeClr val="lt1"/>
-            </a:fillRef>
-            <a:effectRef idx="0">
-              <a:schemeClr val="accent6"/>
-            </a:effectRef>
-            <a:fontRef idx="minor">
-              <a:schemeClr val="dk1"/>
-            </a:fontRef>
-          </p:style>
-          <p:txBody>
-            <a:bodyPr rtlCol="0" anchor="ctr"/>
-            <a:lstStyle/>
-            <a:p>
-              <a:pPr algn="ctr"/>
-              <a:r>
-                <a:rPr kumimoji="1" lang="ja-JP" altLang="en-US" dirty="0"/>
-                <a:t>取引情報</a:t>
-              </a:r>
-            </a:p>
-          </p:txBody>
-        </p:sp>
-        <p:sp>
-          <p:nvSpPr>
-            <p:cNvPr id="25" name="正方形/長方形 24">
-              <a:extLst>
-                <a:ext uri="{FF2B5EF4-FFF2-40B4-BE49-F238E27FC236}">
-                  <a16:creationId xmlns:a16="http://schemas.microsoft.com/office/drawing/2014/main" id="{145593C9-6E62-46F1-B233-1B6A9FF7345B}"/>
-                </a:ext>
-              </a:extLst>
-            </p:cNvPr>
-            <p:cNvSpPr/>
-            <p:nvPr/>
-          </p:nvSpPr>
-          <p:spPr>
-            <a:xfrm>
-              <a:off x="9138460" y="3367868"/>
-              <a:ext cx="403167" cy="1191216"/>
-            </a:xfrm>
-            <a:prstGeom prst="rect">
-              <a:avLst/>
-            </a:prstGeom>
-            <a:ln>
-              <a:solidFill>
-                <a:schemeClr val="tx1"/>
-              </a:solidFill>
-            </a:ln>
-          </p:spPr>
-          <p:style>
-            <a:lnRef idx="2">
-              <a:schemeClr val="accent6"/>
-            </a:lnRef>
-            <a:fillRef idx="1">
-              <a:schemeClr val="lt1"/>
-            </a:fillRef>
-            <a:effectRef idx="0">
-              <a:schemeClr val="accent6"/>
-            </a:effectRef>
-            <a:fontRef idx="minor">
-              <a:schemeClr val="dk1"/>
-            </a:fontRef>
-          </p:style>
-          <p:txBody>
-            <a:bodyPr rtlCol="0" anchor="ctr"/>
-            <a:lstStyle/>
-            <a:p>
-              <a:pPr algn="ctr"/>
-              <a:r>
-                <a:rPr kumimoji="1" lang="ja-JP" altLang="en-US" dirty="0"/>
-                <a:t>取引情報</a:t>
-              </a:r>
-            </a:p>
-          </p:txBody>
-        </p:sp>
-        <p:sp>
-          <p:nvSpPr>
-            <p:cNvPr id="26" name="正方形/長方形 25">
-              <a:extLst>
-                <a:ext uri="{FF2B5EF4-FFF2-40B4-BE49-F238E27FC236}">
-                  <a16:creationId xmlns:a16="http://schemas.microsoft.com/office/drawing/2014/main" id="{5E0DC9F6-A091-4C77-8B39-935DB8E1E1D9}"/>
-                </a:ext>
-              </a:extLst>
-            </p:cNvPr>
-            <p:cNvSpPr/>
-            <p:nvPr/>
-          </p:nvSpPr>
-          <p:spPr>
-            <a:xfrm>
-              <a:off x="9779926" y="3367868"/>
-              <a:ext cx="403167" cy="1191216"/>
-            </a:xfrm>
-            <a:prstGeom prst="rect">
-              <a:avLst/>
-            </a:prstGeom>
-            <a:ln>
-              <a:solidFill>
-                <a:schemeClr val="tx1"/>
-              </a:solidFill>
-            </a:ln>
-          </p:spPr>
-          <p:style>
-            <a:lnRef idx="2">
-              <a:schemeClr val="accent6"/>
-            </a:lnRef>
-            <a:fillRef idx="1">
-              <a:schemeClr val="lt1"/>
-            </a:fillRef>
-            <a:effectRef idx="0">
-              <a:schemeClr val="accent6"/>
-            </a:effectRef>
-            <a:fontRef idx="minor">
-              <a:schemeClr val="dk1"/>
-            </a:fontRef>
-          </p:style>
-          <p:txBody>
-            <a:bodyPr rtlCol="0" anchor="ctr"/>
-            <a:lstStyle/>
-            <a:p>
-              <a:pPr algn="ctr"/>
-              <a:r>
-                <a:rPr kumimoji="1" lang="ja-JP" altLang="en-US" dirty="0"/>
-                <a:t>取引情報</a:t>
-              </a:r>
-            </a:p>
-          </p:txBody>
-        </p:sp>
-        <p:sp>
-          <p:nvSpPr>
-            <p:cNvPr id="27" name="正方形/長方形 26">
-              <a:extLst>
-                <a:ext uri="{FF2B5EF4-FFF2-40B4-BE49-F238E27FC236}">
-                  <a16:creationId xmlns:a16="http://schemas.microsoft.com/office/drawing/2014/main" id="{61F6B8CF-5136-419E-BBD7-A34D46226851}"/>
-                </a:ext>
-              </a:extLst>
-            </p:cNvPr>
-            <p:cNvSpPr/>
-            <p:nvPr/>
-          </p:nvSpPr>
-          <p:spPr>
-            <a:xfrm>
-              <a:off x="10379827" y="3367868"/>
-              <a:ext cx="403167" cy="1191216"/>
-            </a:xfrm>
-            <a:prstGeom prst="rect">
-              <a:avLst/>
-            </a:prstGeom>
-            <a:ln>
-              <a:solidFill>
-                <a:schemeClr val="tx1"/>
-              </a:solidFill>
-            </a:ln>
-          </p:spPr>
-          <p:style>
-            <a:lnRef idx="2">
-              <a:schemeClr val="accent6"/>
-            </a:lnRef>
-            <a:fillRef idx="1">
-              <a:schemeClr val="lt1"/>
-            </a:fillRef>
-            <a:effectRef idx="0">
-              <a:schemeClr val="accent6"/>
-            </a:effectRef>
-            <a:fontRef idx="minor">
-              <a:schemeClr val="dk1"/>
-            </a:fontRef>
-          </p:style>
-          <p:txBody>
-            <a:bodyPr rtlCol="0" anchor="ctr"/>
-            <a:lstStyle/>
-            <a:p>
-              <a:pPr algn="ctr"/>
-              <a:r>
-                <a:rPr kumimoji="1" lang="ja-JP" altLang="en-US" dirty="0"/>
-                <a:t>取引情報</a:t>
-              </a:r>
-            </a:p>
-          </p:txBody>
-        </p:sp>
-      </p:grpSp>
-      <p:cxnSp>
-        <p:nvCxnSpPr>
-          <p:cNvPr id="30" name="直線矢印コネクタ 29">
-            <a:extLst>
-              <a:ext uri="{FF2B5EF4-FFF2-40B4-BE49-F238E27FC236}">
-                <a16:creationId xmlns:a16="http://schemas.microsoft.com/office/drawing/2014/main" id="{7837C3C2-1A09-4E1A-996D-29C25FB13C85}"/>
-              </a:ext>
-            </a:extLst>
-          </p:cNvPr>
-          <p:cNvCxnSpPr>
-            <a:cxnSpLocks/>
-            <a:endCxn id="6" idx="1"/>
-          </p:cNvCxnSpPr>
-          <p:nvPr/>
-        </p:nvCxnSpPr>
-        <p:spPr>
-          <a:xfrm flipV="1">
-            <a:off x="432262" y="2785534"/>
-            <a:ext cx="1109749" cy="1"/>
-          </a:xfrm>
-          <a:prstGeom prst="straightConnector1">
-            <a:avLst/>
-          </a:prstGeom>
-          <a:ln>
-            <a:tailEnd type="triangle"/>
-          </a:ln>
-        </p:spPr>
-        <p:style>
-          <a:lnRef idx="1">
-            <a:schemeClr val="dk1"/>
-          </a:lnRef>
-          <a:fillRef idx="0">
-            <a:schemeClr val="dk1"/>
-          </a:fillRef>
-          <a:effectRef idx="0">
-            <a:schemeClr val="dk1"/>
-          </a:effectRef>
-          <a:fontRef idx="minor">
-            <a:schemeClr val="tx1"/>
-          </a:fontRef>
-        </p:style>
-      </p:cxnSp>
-      <p:cxnSp>
-        <p:nvCxnSpPr>
-          <p:cNvPr id="33" name="直線矢印コネクタ 32">
-            <a:extLst>
-              <a:ext uri="{FF2B5EF4-FFF2-40B4-BE49-F238E27FC236}">
-                <a16:creationId xmlns:a16="http://schemas.microsoft.com/office/drawing/2014/main" id="{B626B8CD-4AB3-4EE9-A695-0006B3339AED}"/>
-              </a:ext>
-            </a:extLst>
-          </p:cNvPr>
-          <p:cNvCxnSpPr>
-            <a:cxnSpLocks/>
-            <a:endCxn id="15" idx="1"/>
-          </p:cNvCxnSpPr>
-          <p:nvPr/>
-        </p:nvCxnSpPr>
-        <p:spPr>
-          <a:xfrm>
-            <a:off x="4181302" y="2785534"/>
-            <a:ext cx="846513" cy="0"/>
-          </a:xfrm>
-          <a:prstGeom prst="straightConnector1">
-            <a:avLst/>
-          </a:prstGeom>
-          <a:ln>
-            <a:tailEnd type="triangle"/>
-          </a:ln>
-        </p:spPr>
-        <p:style>
-          <a:lnRef idx="1">
-            <a:schemeClr val="dk1"/>
-          </a:lnRef>
-          <a:fillRef idx="0">
-            <a:schemeClr val="dk1"/>
-          </a:fillRef>
-          <a:effectRef idx="0">
-            <a:schemeClr val="dk1"/>
-          </a:effectRef>
-          <a:fontRef idx="minor">
-            <a:schemeClr val="tx1"/>
-          </a:fontRef>
-        </p:style>
-      </p:cxnSp>
-      <p:cxnSp>
-        <p:nvCxnSpPr>
-          <p:cNvPr id="36" name="直線矢印コネクタ 35">
-            <a:extLst>
-              <a:ext uri="{FF2B5EF4-FFF2-40B4-BE49-F238E27FC236}">
-                <a16:creationId xmlns:a16="http://schemas.microsoft.com/office/drawing/2014/main" id="{5AA457EE-3EAA-4BA3-9AC8-B12A93CC3481}"/>
-              </a:ext>
-            </a:extLst>
-          </p:cNvPr>
-          <p:cNvCxnSpPr>
-            <a:cxnSpLocks/>
-            <a:endCxn id="23" idx="1"/>
-          </p:cNvCxnSpPr>
-          <p:nvPr/>
-        </p:nvCxnSpPr>
-        <p:spPr>
-          <a:xfrm>
-            <a:off x="7667106" y="2785532"/>
-            <a:ext cx="829888" cy="1"/>
-          </a:xfrm>
-          <a:prstGeom prst="straightConnector1">
-            <a:avLst/>
-          </a:prstGeom>
-          <a:ln>
-            <a:tailEnd type="triangle"/>
-          </a:ln>
-        </p:spPr>
-        <p:style>
-          <a:lnRef idx="1">
-            <a:schemeClr val="dk1"/>
-          </a:lnRef>
-          <a:fillRef idx="0">
-            <a:schemeClr val="dk1"/>
-          </a:fillRef>
-          <a:effectRef idx="0">
-            <a:schemeClr val="dk1"/>
-          </a:effectRef>
-          <a:fontRef idx="minor">
-            <a:schemeClr val="tx1"/>
-          </a:fontRef>
-        </p:style>
-      </p:cxnSp>
-      <p:cxnSp>
-        <p:nvCxnSpPr>
-          <p:cNvPr id="37" name="直線矢印コネクタ 36">
-            <a:extLst>
-              <a:ext uri="{FF2B5EF4-FFF2-40B4-BE49-F238E27FC236}">
-                <a16:creationId xmlns:a16="http://schemas.microsoft.com/office/drawing/2014/main" id="{CBD4887F-1BC1-4D9A-A1D0-9CEFA188330F}"/>
-              </a:ext>
-            </a:extLst>
-          </p:cNvPr>
-          <p:cNvCxnSpPr>
-            <a:cxnSpLocks/>
-          </p:cNvCxnSpPr>
-          <p:nvPr/>
-        </p:nvCxnSpPr>
-        <p:spPr>
-          <a:xfrm>
-            <a:off x="11136285" y="2785532"/>
-            <a:ext cx="692726" cy="0"/>
-          </a:xfrm>
-          <a:prstGeom prst="straightConnector1">
-            <a:avLst/>
-          </a:prstGeom>
-          <a:ln>
-            <a:tailEnd type="triangle"/>
-          </a:ln>
-        </p:spPr>
-        <p:style>
-          <a:lnRef idx="1">
-            <a:schemeClr val="dk1"/>
-          </a:lnRef>
-          <a:fillRef idx="0">
-            <a:schemeClr val="dk1"/>
-          </a:fillRef>
-          <a:effectRef idx="0">
-            <a:schemeClr val="dk1"/>
-          </a:effectRef>
-          <a:fontRef idx="minor">
-            <a:schemeClr val="tx1"/>
-          </a:fontRef>
-        </p:style>
-      </p:cxnSp>
     </p:spTree>
     <p:extLst>
       <p:ext uri="{BB962C8B-B14F-4D97-AF65-F5344CB8AC3E}">
@@ -8453,12 +8721,479 @@
           </a:p>
         </p:txBody>
       </p:sp>
+      <p:sp>
+        <p:nvSpPr>
+          <p:cNvPr id="5" name="正方形/長方形 4">
+            <a:extLst>
+              <a:ext uri="{FF2B5EF4-FFF2-40B4-BE49-F238E27FC236}">
+                <a16:creationId xmlns:a16="http://schemas.microsoft.com/office/drawing/2014/main" id="{0CFE1158-5D0A-496D-B061-0AB55FCDB17B}"/>
+              </a:ext>
+            </a:extLst>
+          </p:cNvPr>
+          <p:cNvSpPr/>
+          <p:nvPr/>
+        </p:nvSpPr>
+        <p:spPr>
+          <a:xfrm>
+            <a:off x="1166102" y="1538288"/>
+            <a:ext cx="2568282" cy="2117885"/>
+          </a:xfrm>
+          <a:prstGeom prst="rect">
+            <a:avLst/>
+          </a:prstGeom>
+          <a:solidFill>
+            <a:schemeClr val="accent4">
+              <a:lumMod val="40000"/>
+              <a:lumOff val="60000"/>
+            </a:schemeClr>
+          </a:solidFill>
+        </p:spPr>
+        <p:style>
+          <a:lnRef idx="1">
+            <a:schemeClr val="accent6"/>
+          </a:lnRef>
+          <a:fillRef idx="2">
+            <a:schemeClr val="accent6"/>
+          </a:fillRef>
+          <a:effectRef idx="1">
+            <a:schemeClr val="accent6"/>
+          </a:effectRef>
+          <a:fontRef idx="minor">
+            <a:schemeClr val="dk1"/>
+          </a:fontRef>
+        </p:style>
+        <p:txBody>
+          <a:bodyPr rtlCol="0" anchor="b"/>
+          <a:lstStyle/>
+          <a:p>
+            <a:pPr algn="ctr"/>
+            <a:r>
+              <a:rPr kumimoji="1" lang="ja-JP" altLang="en-US" dirty="0"/>
+              <a:t>ブロック</a:t>
+            </a:r>
+            <a:r>
+              <a:rPr kumimoji="1" lang="en-US" altLang="ja-JP" dirty="0"/>
+              <a:t>1</a:t>
+            </a:r>
+            <a:endParaRPr kumimoji="1" lang="ja-JP" altLang="en-US" dirty="0"/>
+          </a:p>
+        </p:txBody>
+      </p:sp>
+      <p:sp>
+        <p:nvSpPr>
+          <p:cNvPr id="6" name="正方形/長方形 5">
+            <a:extLst>
+              <a:ext uri="{FF2B5EF4-FFF2-40B4-BE49-F238E27FC236}">
+                <a16:creationId xmlns:a16="http://schemas.microsoft.com/office/drawing/2014/main" id="{6C9CB3D1-2462-4F60-992F-5F89D8B06897}"/>
+              </a:ext>
+            </a:extLst>
+          </p:cNvPr>
+          <p:cNvSpPr/>
+          <p:nvPr/>
+        </p:nvSpPr>
+        <p:spPr>
+          <a:xfrm>
+            <a:off x="1520065" y="1657131"/>
+            <a:ext cx="437651" cy="1480414"/>
+          </a:xfrm>
+          <a:prstGeom prst="rect">
+            <a:avLst/>
+          </a:prstGeom>
+        </p:spPr>
+        <p:style>
+          <a:lnRef idx="2">
+            <a:schemeClr val="accent6"/>
+          </a:lnRef>
+          <a:fillRef idx="1">
+            <a:schemeClr val="lt1"/>
+          </a:fillRef>
+          <a:effectRef idx="0">
+            <a:schemeClr val="accent6"/>
+          </a:effectRef>
+          <a:fontRef idx="minor">
+            <a:schemeClr val="dk1"/>
+          </a:fontRef>
+        </p:style>
+        <p:txBody>
+          <a:bodyPr rtlCol="0" anchor="ctr"/>
+          <a:lstStyle/>
+          <a:p>
+            <a:pPr algn="ctr"/>
+            <a:r>
+              <a:rPr kumimoji="1" lang="ja-JP" altLang="en-US" dirty="0"/>
+              <a:t>取引情報</a:t>
+            </a:r>
+            <a:r>
+              <a:rPr kumimoji="1" lang="en-US" altLang="ja-JP" dirty="0"/>
+              <a:t>1</a:t>
+            </a:r>
+            <a:endParaRPr kumimoji="1" lang="ja-JP" altLang="en-US" dirty="0"/>
+          </a:p>
+        </p:txBody>
+      </p:sp>
+      <p:sp>
+        <p:nvSpPr>
+          <p:cNvPr id="7" name="正方形/長方形 6">
+            <a:extLst>
+              <a:ext uri="{FF2B5EF4-FFF2-40B4-BE49-F238E27FC236}">
+                <a16:creationId xmlns:a16="http://schemas.microsoft.com/office/drawing/2014/main" id="{D81A1801-6859-46F7-8F33-F43F0282E8F0}"/>
+              </a:ext>
+            </a:extLst>
+          </p:cNvPr>
+          <p:cNvSpPr/>
+          <p:nvPr/>
+        </p:nvSpPr>
+        <p:spPr>
+          <a:xfrm>
+            <a:off x="2273263" y="1657131"/>
+            <a:ext cx="437651" cy="1480414"/>
+          </a:xfrm>
+          <a:prstGeom prst="rect">
+            <a:avLst/>
+          </a:prstGeom>
+        </p:spPr>
+        <p:style>
+          <a:lnRef idx="2">
+            <a:schemeClr val="accent6"/>
+          </a:lnRef>
+          <a:fillRef idx="1">
+            <a:schemeClr val="lt1"/>
+          </a:fillRef>
+          <a:effectRef idx="0">
+            <a:schemeClr val="accent6"/>
+          </a:effectRef>
+          <a:fontRef idx="minor">
+            <a:schemeClr val="dk1"/>
+          </a:fontRef>
+        </p:style>
+        <p:txBody>
+          <a:bodyPr rtlCol="0" anchor="ctr"/>
+          <a:lstStyle/>
+          <a:p>
+            <a:pPr algn="ctr"/>
+            <a:r>
+              <a:rPr kumimoji="1" lang="ja-JP" altLang="en-US" dirty="0"/>
+              <a:t>取引情報</a:t>
+            </a:r>
+            <a:r>
+              <a:rPr kumimoji="1" lang="en-US" altLang="ja-JP" dirty="0"/>
+              <a:t>2</a:t>
+            </a:r>
+          </a:p>
+        </p:txBody>
+      </p:sp>
+      <p:sp>
+        <p:nvSpPr>
+          <p:cNvPr id="8" name="正方形/長方形 7">
+            <a:extLst>
+              <a:ext uri="{FF2B5EF4-FFF2-40B4-BE49-F238E27FC236}">
+                <a16:creationId xmlns:a16="http://schemas.microsoft.com/office/drawing/2014/main" id="{401CDC17-E378-4CDA-B6FA-833EF91373A3}"/>
+              </a:ext>
+            </a:extLst>
+          </p:cNvPr>
+          <p:cNvSpPr/>
+          <p:nvPr/>
+        </p:nvSpPr>
+        <p:spPr>
+          <a:xfrm>
+            <a:off x="3007253" y="1657131"/>
+            <a:ext cx="437651" cy="1480414"/>
+          </a:xfrm>
+          <a:prstGeom prst="rect">
+            <a:avLst/>
+          </a:prstGeom>
+        </p:spPr>
+        <p:style>
+          <a:lnRef idx="2">
+            <a:schemeClr val="accent6"/>
+          </a:lnRef>
+          <a:fillRef idx="1">
+            <a:schemeClr val="lt1"/>
+          </a:fillRef>
+          <a:effectRef idx="0">
+            <a:schemeClr val="accent6"/>
+          </a:effectRef>
+          <a:fontRef idx="minor">
+            <a:schemeClr val="dk1"/>
+          </a:fontRef>
+        </p:style>
+        <p:txBody>
+          <a:bodyPr rtlCol="0" anchor="ctr"/>
+          <a:lstStyle/>
+          <a:p>
+            <a:pPr algn="ctr"/>
+            <a:r>
+              <a:rPr kumimoji="1" lang="ja-JP" altLang="en-US" dirty="0"/>
+              <a:t>取引情報</a:t>
+            </a:r>
+            <a:r>
+              <a:rPr kumimoji="1" lang="en-US" altLang="ja-JP" dirty="0"/>
+              <a:t>3</a:t>
+            </a:r>
+            <a:endParaRPr kumimoji="1" lang="ja-JP" altLang="en-US" dirty="0"/>
+          </a:p>
+        </p:txBody>
+      </p:sp>
+      <p:cxnSp>
+        <p:nvCxnSpPr>
+          <p:cNvPr id="9" name="直線コネクタ 8">
+            <a:extLst>
+              <a:ext uri="{FF2B5EF4-FFF2-40B4-BE49-F238E27FC236}">
+                <a16:creationId xmlns:a16="http://schemas.microsoft.com/office/drawing/2014/main" id="{A72F0112-D675-4B44-BA46-9F48FB807186}"/>
+              </a:ext>
+            </a:extLst>
+          </p:cNvPr>
+          <p:cNvCxnSpPr>
+            <a:cxnSpLocks/>
+            <a:stCxn id="5" idx="3"/>
+            <a:endCxn id="10" idx="1"/>
+          </p:cNvCxnSpPr>
+          <p:nvPr/>
+        </p:nvCxnSpPr>
+        <p:spPr>
+          <a:xfrm>
+            <a:off x="3734385" y="2597231"/>
+            <a:ext cx="561126" cy="2"/>
+          </a:xfrm>
+          <a:prstGeom prst="line">
+            <a:avLst/>
+          </a:prstGeom>
+        </p:spPr>
+        <p:style>
+          <a:lnRef idx="1">
+            <a:schemeClr val="accent6"/>
+          </a:lnRef>
+          <a:fillRef idx="0">
+            <a:schemeClr val="accent6"/>
+          </a:fillRef>
+          <a:effectRef idx="0">
+            <a:schemeClr val="accent6"/>
+          </a:effectRef>
+          <a:fontRef idx="minor">
+            <a:schemeClr val="tx1"/>
+          </a:fontRef>
+        </p:style>
+      </p:cxnSp>
+      <p:sp>
+        <p:nvSpPr>
+          <p:cNvPr id="10" name="正方形/長方形 9">
+            <a:extLst>
+              <a:ext uri="{FF2B5EF4-FFF2-40B4-BE49-F238E27FC236}">
+                <a16:creationId xmlns:a16="http://schemas.microsoft.com/office/drawing/2014/main" id="{591ABDCA-8EC4-4E10-A852-50BDE410F257}"/>
+              </a:ext>
+            </a:extLst>
+          </p:cNvPr>
+          <p:cNvSpPr/>
+          <p:nvPr/>
+        </p:nvSpPr>
+        <p:spPr>
+          <a:xfrm>
+            <a:off x="4295510" y="1538291"/>
+            <a:ext cx="2568282" cy="2117884"/>
+          </a:xfrm>
+          <a:prstGeom prst="rect">
+            <a:avLst/>
+          </a:prstGeom>
+          <a:solidFill>
+            <a:schemeClr val="accent4">
+              <a:lumMod val="40000"/>
+              <a:lumOff val="60000"/>
+            </a:schemeClr>
+          </a:solidFill>
+        </p:spPr>
+        <p:style>
+          <a:lnRef idx="1">
+            <a:schemeClr val="accent6"/>
+          </a:lnRef>
+          <a:fillRef idx="2">
+            <a:schemeClr val="accent6"/>
+          </a:fillRef>
+          <a:effectRef idx="1">
+            <a:schemeClr val="accent6"/>
+          </a:effectRef>
+          <a:fontRef idx="minor">
+            <a:schemeClr val="dk1"/>
+          </a:fontRef>
+        </p:style>
+        <p:txBody>
+          <a:bodyPr rtlCol="0" anchor="b"/>
+          <a:lstStyle/>
+          <a:p>
+            <a:pPr algn="ctr"/>
+            <a:r>
+              <a:rPr lang="ja-JP" altLang="en-US" dirty="0"/>
+              <a:t>ブロック</a:t>
+            </a:r>
+            <a:r>
+              <a:rPr lang="en-US" altLang="ja-JP" dirty="0"/>
+              <a:t>2a</a:t>
+            </a:r>
+            <a:endParaRPr kumimoji="1" lang="ja-JP" altLang="en-US" dirty="0"/>
+          </a:p>
+        </p:txBody>
+      </p:sp>
+      <p:sp>
+        <p:nvSpPr>
+          <p:cNvPr id="11" name="正方形/長方形 10">
+            <a:extLst>
+              <a:ext uri="{FF2B5EF4-FFF2-40B4-BE49-F238E27FC236}">
+                <a16:creationId xmlns:a16="http://schemas.microsoft.com/office/drawing/2014/main" id="{47FCF062-3572-4599-8D59-4822A66224BD}"/>
+              </a:ext>
+            </a:extLst>
+          </p:cNvPr>
+          <p:cNvSpPr/>
+          <p:nvPr/>
+        </p:nvSpPr>
+        <p:spPr>
+          <a:xfrm>
+            <a:off x="4588423" y="1657131"/>
+            <a:ext cx="437651" cy="1480414"/>
+          </a:xfrm>
+          <a:prstGeom prst="rect">
+            <a:avLst/>
+          </a:prstGeom>
+        </p:spPr>
+        <p:style>
+          <a:lnRef idx="2">
+            <a:schemeClr val="accent6"/>
+          </a:lnRef>
+          <a:fillRef idx="1">
+            <a:schemeClr val="lt1"/>
+          </a:fillRef>
+          <a:effectRef idx="0">
+            <a:schemeClr val="accent6"/>
+          </a:effectRef>
+          <a:fontRef idx="minor">
+            <a:schemeClr val="dk1"/>
+          </a:fontRef>
+        </p:style>
+        <p:txBody>
+          <a:bodyPr rtlCol="0" anchor="ctr"/>
+          <a:lstStyle/>
+          <a:p>
+            <a:pPr algn="ctr"/>
+            <a:r>
+              <a:rPr kumimoji="1" lang="ja-JP" altLang="en-US" dirty="0"/>
+              <a:t>取引情報</a:t>
+            </a:r>
+            <a:r>
+              <a:rPr kumimoji="1" lang="en-US" altLang="ja-JP" dirty="0"/>
+              <a:t>5</a:t>
+            </a:r>
+            <a:endParaRPr kumimoji="1" lang="ja-JP" altLang="en-US" dirty="0"/>
+          </a:p>
+        </p:txBody>
+      </p:sp>
+      <p:sp>
+        <p:nvSpPr>
+          <p:cNvPr id="12" name="正方形/長方形 11">
+            <a:extLst>
+              <a:ext uri="{FF2B5EF4-FFF2-40B4-BE49-F238E27FC236}">
+                <a16:creationId xmlns:a16="http://schemas.microsoft.com/office/drawing/2014/main" id="{D4FADC2C-9C8C-4D5D-AFA6-6319E662A005}"/>
+              </a:ext>
+            </a:extLst>
+          </p:cNvPr>
+          <p:cNvSpPr/>
+          <p:nvPr/>
+        </p:nvSpPr>
+        <p:spPr>
+          <a:xfrm>
+            <a:off x="5351910" y="1657131"/>
+            <a:ext cx="437651" cy="1480414"/>
+          </a:xfrm>
+          <a:prstGeom prst="rect">
+            <a:avLst/>
+          </a:prstGeom>
+        </p:spPr>
+        <p:style>
+          <a:lnRef idx="2">
+            <a:schemeClr val="accent6"/>
+          </a:lnRef>
+          <a:fillRef idx="1">
+            <a:schemeClr val="lt1"/>
+          </a:fillRef>
+          <a:effectRef idx="0">
+            <a:schemeClr val="accent6"/>
+          </a:effectRef>
+          <a:fontRef idx="minor">
+            <a:schemeClr val="dk1"/>
+          </a:fontRef>
+        </p:style>
+        <p:txBody>
+          <a:bodyPr rtlCol="0" anchor="ctr"/>
+          <a:lstStyle/>
+          <a:p>
+            <a:pPr algn="ctr"/>
+            <a:r>
+              <a:rPr kumimoji="1" lang="ja-JP" altLang="en-US" dirty="0"/>
+              <a:t>取引情報</a:t>
+            </a:r>
+            <a:r>
+              <a:rPr lang="en-US" altLang="ja-JP" dirty="0"/>
+              <a:t>6</a:t>
+            </a:r>
+            <a:endParaRPr kumimoji="1" lang="en-US" altLang="ja-JP" dirty="0"/>
+          </a:p>
+        </p:txBody>
+      </p:sp>
+      <p:sp>
+        <p:nvSpPr>
+          <p:cNvPr id="13" name="正方形/長方形 12">
+            <a:extLst>
+              <a:ext uri="{FF2B5EF4-FFF2-40B4-BE49-F238E27FC236}">
+                <a16:creationId xmlns:a16="http://schemas.microsoft.com/office/drawing/2014/main" id="{8ACF8C66-6AF9-47A2-8F7B-B6E284904B7B}"/>
+              </a:ext>
+            </a:extLst>
+          </p:cNvPr>
+          <p:cNvSpPr/>
+          <p:nvPr/>
+        </p:nvSpPr>
+        <p:spPr>
+          <a:xfrm>
+            <a:off x="6110595" y="1657131"/>
+            <a:ext cx="437651" cy="1480414"/>
+          </a:xfrm>
+          <a:prstGeom prst="rect">
+            <a:avLst/>
+          </a:prstGeom>
+        </p:spPr>
+        <p:style>
+          <a:lnRef idx="2">
+            <a:schemeClr val="accent6"/>
+          </a:lnRef>
+          <a:fillRef idx="1">
+            <a:schemeClr val="lt1"/>
+          </a:fillRef>
+          <a:effectRef idx="0">
+            <a:schemeClr val="accent6"/>
+          </a:effectRef>
+          <a:fontRef idx="minor">
+            <a:schemeClr val="dk1"/>
+          </a:fontRef>
+        </p:style>
+        <p:txBody>
+          <a:bodyPr rtlCol="0" anchor="ctr"/>
+          <a:lstStyle/>
+          <a:p>
+            <a:pPr algn="ctr"/>
+            <a:r>
+              <a:rPr kumimoji="1" lang="ja-JP" altLang="en-US" dirty="0"/>
+              <a:t>取引情報</a:t>
+            </a:r>
+            <a:r>
+              <a:rPr lang="en-US" altLang="ja-JP" dirty="0"/>
+              <a:t>7</a:t>
+            </a:r>
+            <a:endParaRPr kumimoji="1" lang="ja-JP" altLang="en-US" dirty="0"/>
+          </a:p>
+        </p:txBody>
+      </p:sp>
       <p:grpSp>
         <p:nvGrpSpPr>
-          <p:cNvPr id="4" name="グループ化 3">
-            <a:extLst>
-              <a:ext uri="{FF2B5EF4-FFF2-40B4-BE49-F238E27FC236}">
-                <a16:creationId xmlns:a16="http://schemas.microsoft.com/office/drawing/2014/main" id="{F5381D8A-4F81-4E86-8FEE-77EF02699C23}"/>
+          <p:cNvPr id="26" name="グループ化 25">
+            <a:extLst>
+              <a:ext uri="{FF2B5EF4-FFF2-40B4-BE49-F238E27FC236}">
+                <a16:creationId xmlns:a16="http://schemas.microsoft.com/office/drawing/2014/main" id="{8DA26C18-1284-4294-96AA-CE597C653C3B}"/>
               </a:ext>
             </a:extLst>
           </p:cNvPr>
@@ -8467,479 +9202,12 @@
         </p:nvGrpSpPr>
         <p:grpSpPr>
           <a:xfrm>
-            <a:off x="541867" y="1538288"/>
-            <a:ext cx="10083800" cy="4600045"/>
-            <a:chOff x="838200" y="1690688"/>
-            <a:chExt cx="10183091" cy="4344353"/>
+            <a:off x="4295510" y="4020450"/>
+            <a:ext cx="2568282" cy="2117883"/>
+            <a:chOff x="4295510" y="4020450"/>
+            <a:chExt cx="2568282" cy="2117883"/>
           </a:xfrm>
         </p:grpSpPr>
-        <p:sp>
-          <p:nvSpPr>
-            <p:cNvPr id="5" name="正方形/長方形 4">
-              <a:extLst>
-                <a:ext uri="{FF2B5EF4-FFF2-40B4-BE49-F238E27FC236}">
-                  <a16:creationId xmlns:a16="http://schemas.microsoft.com/office/drawing/2014/main" id="{0CFE1158-5D0A-496D-B061-0AB55FCDB17B}"/>
-                </a:ext>
-              </a:extLst>
-            </p:cNvPr>
-            <p:cNvSpPr/>
-            <p:nvPr/>
-          </p:nvSpPr>
-          <p:spPr>
-            <a:xfrm>
-              <a:off x="1468582" y="1690688"/>
-              <a:ext cx="2593571" cy="2000163"/>
-            </a:xfrm>
-            <a:prstGeom prst="rect">
-              <a:avLst/>
-            </a:prstGeom>
-            <a:solidFill>
-              <a:schemeClr val="accent4">
-                <a:lumMod val="40000"/>
-                <a:lumOff val="60000"/>
-              </a:schemeClr>
-            </a:solidFill>
-          </p:spPr>
-          <p:style>
-            <a:lnRef idx="1">
-              <a:schemeClr val="accent6"/>
-            </a:lnRef>
-            <a:fillRef idx="2">
-              <a:schemeClr val="accent6"/>
-            </a:fillRef>
-            <a:effectRef idx="1">
-              <a:schemeClr val="accent6"/>
-            </a:effectRef>
-            <a:fontRef idx="minor">
-              <a:schemeClr val="dk1"/>
-            </a:fontRef>
-          </p:style>
-          <p:txBody>
-            <a:bodyPr rtlCol="0" anchor="b"/>
-            <a:lstStyle/>
-            <a:p>
-              <a:pPr algn="ctr"/>
-              <a:r>
-                <a:rPr kumimoji="1" lang="ja-JP" altLang="en-US" dirty="0"/>
-                <a:t>ブロック</a:t>
-              </a:r>
-              <a:r>
-                <a:rPr kumimoji="1" lang="en-US" altLang="ja-JP" dirty="0"/>
-                <a:t>1</a:t>
-              </a:r>
-              <a:endParaRPr kumimoji="1" lang="ja-JP" altLang="en-US" dirty="0"/>
-            </a:p>
-          </p:txBody>
-        </p:sp>
-        <p:sp>
-          <p:nvSpPr>
-            <p:cNvPr id="6" name="正方形/長方形 5">
-              <a:extLst>
-                <a:ext uri="{FF2B5EF4-FFF2-40B4-BE49-F238E27FC236}">
-                  <a16:creationId xmlns:a16="http://schemas.microsoft.com/office/drawing/2014/main" id="{6C9CB3D1-2462-4F60-992F-5F89D8B06897}"/>
-                </a:ext>
-              </a:extLst>
-            </p:cNvPr>
-            <p:cNvSpPr/>
-            <p:nvPr/>
-          </p:nvSpPr>
-          <p:spPr>
-            <a:xfrm>
-              <a:off x="1826030" y="1802925"/>
-              <a:ext cx="441960" cy="1398126"/>
-            </a:xfrm>
-            <a:prstGeom prst="rect">
-              <a:avLst/>
-            </a:prstGeom>
-          </p:spPr>
-          <p:style>
-            <a:lnRef idx="2">
-              <a:schemeClr val="accent6"/>
-            </a:lnRef>
-            <a:fillRef idx="1">
-              <a:schemeClr val="lt1"/>
-            </a:fillRef>
-            <a:effectRef idx="0">
-              <a:schemeClr val="accent6"/>
-            </a:effectRef>
-            <a:fontRef idx="minor">
-              <a:schemeClr val="dk1"/>
-            </a:fontRef>
-          </p:style>
-          <p:txBody>
-            <a:bodyPr rtlCol="0" anchor="ctr"/>
-            <a:lstStyle/>
-            <a:p>
-              <a:pPr algn="ctr"/>
-              <a:r>
-                <a:rPr kumimoji="1" lang="ja-JP" altLang="en-US" dirty="0"/>
-                <a:t>取引情報</a:t>
-              </a:r>
-              <a:r>
-                <a:rPr kumimoji="1" lang="en-US" altLang="ja-JP" dirty="0"/>
-                <a:t>1</a:t>
-              </a:r>
-              <a:endParaRPr kumimoji="1" lang="ja-JP" altLang="en-US" dirty="0"/>
-            </a:p>
-          </p:txBody>
-        </p:sp>
-        <p:sp>
-          <p:nvSpPr>
-            <p:cNvPr id="7" name="正方形/長方形 6">
-              <a:extLst>
-                <a:ext uri="{FF2B5EF4-FFF2-40B4-BE49-F238E27FC236}">
-                  <a16:creationId xmlns:a16="http://schemas.microsoft.com/office/drawing/2014/main" id="{D81A1801-6859-46F7-8F33-F43F0282E8F0}"/>
-                </a:ext>
-              </a:extLst>
-            </p:cNvPr>
-            <p:cNvSpPr/>
-            <p:nvPr/>
-          </p:nvSpPr>
-          <p:spPr>
-            <a:xfrm>
-              <a:off x="2586644" y="1802925"/>
-              <a:ext cx="441960" cy="1398126"/>
-            </a:xfrm>
-            <a:prstGeom prst="rect">
-              <a:avLst/>
-            </a:prstGeom>
-          </p:spPr>
-          <p:style>
-            <a:lnRef idx="2">
-              <a:schemeClr val="accent6"/>
-            </a:lnRef>
-            <a:fillRef idx="1">
-              <a:schemeClr val="lt1"/>
-            </a:fillRef>
-            <a:effectRef idx="0">
-              <a:schemeClr val="accent6"/>
-            </a:effectRef>
-            <a:fontRef idx="minor">
-              <a:schemeClr val="dk1"/>
-            </a:fontRef>
-          </p:style>
-          <p:txBody>
-            <a:bodyPr rtlCol="0" anchor="ctr"/>
-            <a:lstStyle/>
-            <a:p>
-              <a:pPr algn="ctr"/>
-              <a:r>
-                <a:rPr kumimoji="1" lang="ja-JP" altLang="en-US" dirty="0"/>
-                <a:t>取引情報</a:t>
-              </a:r>
-              <a:r>
-                <a:rPr kumimoji="1" lang="en-US" altLang="ja-JP" dirty="0"/>
-                <a:t>2</a:t>
-              </a:r>
-            </a:p>
-          </p:txBody>
-        </p:sp>
-        <p:sp>
-          <p:nvSpPr>
-            <p:cNvPr id="8" name="正方形/長方形 7">
-              <a:extLst>
-                <a:ext uri="{FF2B5EF4-FFF2-40B4-BE49-F238E27FC236}">
-                  <a16:creationId xmlns:a16="http://schemas.microsoft.com/office/drawing/2014/main" id="{401CDC17-E378-4CDA-B6FA-833EF91373A3}"/>
-                </a:ext>
-              </a:extLst>
-            </p:cNvPr>
-            <p:cNvSpPr/>
-            <p:nvPr/>
-          </p:nvSpPr>
-          <p:spPr>
-            <a:xfrm>
-              <a:off x="3327862" y="1802925"/>
-              <a:ext cx="441960" cy="1398126"/>
-            </a:xfrm>
-            <a:prstGeom prst="rect">
-              <a:avLst/>
-            </a:prstGeom>
-          </p:spPr>
-          <p:style>
-            <a:lnRef idx="2">
-              <a:schemeClr val="accent6"/>
-            </a:lnRef>
-            <a:fillRef idx="1">
-              <a:schemeClr val="lt1"/>
-            </a:fillRef>
-            <a:effectRef idx="0">
-              <a:schemeClr val="accent6"/>
-            </a:effectRef>
-            <a:fontRef idx="minor">
-              <a:schemeClr val="dk1"/>
-            </a:fontRef>
-          </p:style>
-          <p:txBody>
-            <a:bodyPr rtlCol="0" anchor="ctr"/>
-            <a:lstStyle/>
-            <a:p>
-              <a:pPr algn="ctr"/>
-              <a:r>
-                <a:rPr kumimoji="1" lang="ja-JP" altLang="en-US" dirty="0"/>
-                <a:t>取引情報</a:t>
-              </a:r>
-              <a:r>
-                <a:rPr kumimoji="1" lang="en-US" altLang="ja-JP" dirty="0"/>
-                <a:t>3</a:t>
-              </a:r>
-              <a:endParaRPr kumimoji="1" lang="ja-JP" altLang="en-US" dirty="0"/>
-            </a:p>
-          </p:txBody>
-        </p:sp>
-        <p:cxnSp>
-          <p:nvCxnSpPr>
-            <p:cNvPr id="9" name="直線コネクタ 8">
-              <a:extLst>
-                <a:ext uri="{FF2B5EF4-FFF2-40B4-BE49-F238E27FC236}">
-                  <a16:creationId xmlns:a16="http://schemas.microsoft.com/office/drawing/2014/main" id="{A72F0112-D675-4B44-BA46-9F48FB807186}"/>
-                </a:ext>
-              </a:extLst>
-            </p:cNvPr>
-            <p:cNvCxnSpPr>
-              <a:cxnSpLocks/>
-              <a:stCxn id="5" idx="3"/>
-              <a:endCxn id="10" idx="1"/>
-            </p:cNvCxnSpPr>
-            <p:nvPr/>
-          </p:nvCxnSpPr>
-          <p:spPr>
-            <a:xfrm>
-              <a:off x="4062153" y="2690770"/>
-              <a:ext cx="566651" cy="2"/>
-            </a:xfrm>
-            <a:prstGeom prst="line">
-              <a:avLst/>
-            </a:prstGeom>
-          </p:spPr>
-          <p:style>
-            <a:lnRef idx="1">
-              <a:schemeClr val="accent6"/>
-            </a:lnRef>
-            <a:fillRef idx="0">
-              <a:schemeClr val="accent6"/>
-            </a:fillRef>
-            <a:effectRef idx="0">
-              <a:schemeClr val="accent6"/>
-            </a:effectRef>
-            <a:fontRef idx="minor">
-              <a:schemeClr val="tx1"/>
-            </a:fontRef>
-          </p:style>
-        </p:cxnSp>
-        <p:sp>
-          <p:nvSpPr>
-            <p:cNvPr id="10" name="正方形/長方形 9">
-              <a:extLst>
-                <a:ext uri="{FF2B5EF4-FFF2-40B4-BE49-F238E27FC236}">
-                  <a16:creationId xmlns:a16="http://schemas.microsoft.com/office/drawing/2014/main" id="{591ABDCA-8EC4-4E10-A852-50BDE410F257}"/>
-                </a:ext>
-              </a:extLst>
-            </p:cNvPr>
-            <p:cNvSpPr/>
-            <p:nvPr/>
-          </p:nvSpPr>
-          <p:spPr>
-            <a:xfrm>
-              <a:off x="4628804" y="1690691"/>
-              <a:ext cx="2593571" cy="2000162"/>
-            </a:xfrm>
-            <a:prstGeom prst="rect">
-              <a:avLst/>
-            </a:prstGeom>
-            <a:solidFill>
-              <a:schemeClr val="accent4">
-                <a:lumMod val="40000"/>
-                <a:lumOff val="60000"/>
-              </a:schemeClr>
-            </a:solidFill>
-          </p:spPr>
-          <p:style>
-            <a:lnRef idx="1">
-              <a:schemeClr val="accent6"/>
-            </a:lnRef>
-            <a:fillRef idx="2">
-              <a:schemeClr val="accent6"/>
-            </a:fillRef>
-            <a:effectRef idx="1">
-              <a:schemeClr val="accent6"/>
-            </a:effectRef>
-            <a:fontRef idx="minor">
-              <a:schemeClr val="dk1"/>
-            </a:fontRef>
-          </p:style>
-          <p:txBody>
-            <a:bodyPr rtlCol="0" anchor="b"/>
-            <a:lstStyle/>
-            <a:p>
-              <a:pPr algn="ctr"/>
-              <a:r>
-                <a:rPr lang="ja-JP" altLang="en-US" dirty="0"/>
-                <a:t>ブロック</a:t>
-              </a:r>
-              <a:r>
-                <a:rPr lang="en-US" altLang="ja-JP" dirty="0"/>
-                <a:t>2a</a:t>
-              </a:r>
-              <a:endParaRPr kumimoji="1" lang="ja-JP" altLang="en-US" dirty="0"/>
-            </a:p>
-          </p:txBody>
-        </p:sp>
-        <p:sp>
-          <p:nvSpPr>
-            <p:cNvPr id="11" name="正方形/長方形 10">
-              <a:extLst>
-                <a:ext uri="{FF2B5EF4-FFF2-40B4-BE49-F238E27FC236}">
-                  <a16:creationId xmlns:a16="http://schemas.microsoft.com/office/drawing/2014/main" id="{47FCF062-3572-4599-8D59-4822A66224BD}"/>
-                </a:ext>
-              </a:extLst>
-            </p:cNvPr>
-            <p:cNvSpPr/>
-            <p:nvPr/>
-          </p:nvSpPr>
-          <p:spPr>
-            <a:xfrm>
-              <a:off x="4924601" y="1802925"/>
-              <a:ext cx="441960" cy="1398126"/>
-            </a:xfrm>
-            <a:prstGeom prst="rect">
-              <a:avLst/>
-            </a:prstGeom>
-          </p:spPr>
-          <p:style>
-            <a:lnRef idx="2">
-              <a:schemeClr val="accent6"/>
-            </a:lnRef>
-            <a:fillRef idx="1">
-              <a:schemeClr val="lt1"/>
-            </a:fillRef>
-            <a:effectRef idx="0">
-              <a:schemeClr val="accent6"/>
-            </a:effectRef>
-            <a:fontRef idx="minor">
-              <a:schemeClr val="dk1"/>
-            </a:fontRef>
-          </p:style>
-          <p:txBody>
-            <a:bodyPr rtlCol="0" anchor="ctr"/>
-            <a:lstStyle/>
-            <a:p>
-              <a:pPr algn="ctr"/>
-              <a:r>
-                <a:rPr kumimoji="1" lang="ja-JP" altLang="en-US" dirty="0"/>
-                <a:t>取引情報</a:t>
-              </a:r>
-              <a:r>
-                <a:rPr kumimoji="1" lang="en-US" altLang="ja-JP" dirty="0"/>
-                <a:t>5</a:t>
-              </a:r>
-              <a:endParaRPr kumimoji="1" lang="ja-JP" altLang="en-US" dirty="0"/>
-            </a:p>
-          </p:txBody>
-        </p:sp>
-        <p:sp>
-          <p:nvSpPr>
-            <p:cNvPr id="12" name="正方形/長方形 11">
-              <a:extLst>
-                <a:ext uri="{FF2B5EF4-FFF2-40B4-BE49-F238E27FC236}">
-                  <a16:creationId xmlns:a16="http://schemas.microsoft.com/office/drawing/2014/main" id="{D4FADC2C-9C8C-4D5D-AFA6-6319E662A005}"/>
-                </a:ext>
-              </a:extLst>
-            </p:cNvPr>
-            <p:cNvSpPr/>
-            <p:nvPr/>
-          </p:nvSpPr>
-          <p:spPr>
-            <a:xfrm>
-              <a:off x="5695605" y="1802925"/>
-              <a:ext cx="441960" cy="1398126"/>
-            </a:xfrm>
-            <a:prstGeom prst="rect">
-              <a:avLst/>
-            </a:prstGeom>
-          </p:spPr>
-          <p:style>
-            <a:lnRef idx="2">
-              <a:schemeClr val="accent6"/>
-            </a:lnRef>
-            <a:fillRef idx="1">
-              <a:schemeClr val="lt1"/>
-            </a:fillRef>
-            <a:effectRef idx="0">
-              <a:schemeClr val="accent6"/>
-            </a:effectRef>
-            <a:fontRef idx="minor">
-              <a:schemeClr val="dk1"/>
-            </a:fontRef>
-          </p:style>
-          <p:txBody>
-            <a:bodyPr rtlCol="0" anchor="ctr"/>
-            <a:lstStyle/>
-            <a:p>
-              <a:pPr algn="ctr"/>
-              <a:r>
-                <a:rPr kumimoji="1" lang="ja-JP" altLang="en-US" dirty="0"/>
-                <a:t>取引情報</a:t>
-              </a:r>
-              <a:r>
-                <a:rPr lang="en-US" altLang="ja-JP" dirty="0"/>
-                <a:t>6</a:t>
-              </a:r>
-              <a:endParaRPr kumimoji="1" lang="en-US" altLang="ja-JP" dirty="0"/>
-            </a:p>
-          </p:txBody>
-        </p:sp>
-        <p:sp>
-          <p:nvSpPr>
-            <p:cNvPr id="13" name="正方形/長方形 12">
-              <a:extLst>
-                <a:ext uri="{FF2B5EF4-FFF2-40B4-BE49-F238E27FC236}">
-                  <a16:creationId xmlns:a16="http://schemas.microsoft.com/office/drawing/2014/main" id="{8ACF8C66-6AF9-47A2-8F7B-B6E284904B7B}"/>
-                </a:ext>
-              </a:extLst>
-            </p:cNvPr>
-            <p:cNvSpPr/>
-            <p:nvPr/>
-          </p:nvSpPr>
-          <p:spPr>
-            <a:xfrm>
-              <a:off x="6461761" y="1802925"/>
-              <a:ext cx="441960" cy="1398126"/>
-            </a:xfrm>
-            <a:prstGeom prst="rect">
-              <a:avLst/>
-            </a:prstGeom>
-          </p:spPr>
-          <p:style>
-            <a:lnRef idx="2">
-              <a:schemeClr val="accent6"/>
-            </a:lnRef>
-            <a:fillRef idx="1">
-              <a:schemeClr val="lt1"/>
-            </a:fillRef>
-            <a:effectRef idx="0">
-              <a:schemeClr val="accent6"/>
-            </a:effectRef>
-            <a:fontRef idx="minor">
-              <a:schemeClr val="dk1"/>
-            </a:fontRef>
-          </p:style>
-          <p:txBody>
-            <a:bodyPr rtlCol="0" anchor="ctr"/>
-            <a:lstStyle/>
-            <a:p>
-              <a:pPr algn="ctr"/>
-              <a:r>
-                <a:rPr kumimoji="1" lang="ja-JP" altLang="en-US" dirty="0"/>
-                <a:t>取引情報</a:t>
-              </a:r>
-              <a:r>
-                <a:rPr lang="en-US" altLang="ja-JP" dirty="0"/>
-                <a:t>7</a:t>
-              </a:r>
-              <a:endParaRPr kumimoji="1" lang="ja-JP" altLang="en-US" dirty="0"/>
-            </a:p>
-          </p:txBody>
-        </p:sp>
         <p:sp>
           <p:nvSpPr>
             <p:cNvPr id="14" name="正方形/長方形 13">
@@ -8954,8 +9222,8 @@
           </p:nvSpPr>
           <p:spPr>
             <a:xfrm>
-              <a:off x="4628804" y="4034880"/>
-              <a:ext cx="2593571" cy="2000161"/>
+              <a:off x="4295510" y="4020450"/>
+              <a:ext cx="2568282" cy="2117883"/>
             </a:xfrm>
             <a:prstGeom prst="rect">
               <a:avLst/>
@@ -9012,8 +9280,8 @@
           </p:nvSpPr>
           <p:spPr>
             <a:xfrm>
-              <a:off x="4885807" y="4149672"/>
-              <a:ext cx="500148" cy="1398126"/>
+              <a:off x="4550008" y="4141998"/>
+              <a:ext cx="495271" cy="1480414"/>
             </a:xfrm>
             <a:prstGeom prst="rect">
               <a:avLst/>
@@ -9064,8 +9332,8 @@
           </p:nvSpPr>
           <p:spPr>
             <a:xfrm>
-              <a:off x="5704609" y="4149672"/>
-              <a:ext cx="441960" cy="1398126"/>
+              <a:off x="5360826" y="4141998"/>
+              <a:ext cx="437651" cy="1480414"/>
             </a:xfrm>
             <a:prstGeom prst="rect">
               <a:avLst/>
@@ -9116,8 +9384,8 @@
           </p:nvSpPr>
           <p:spPr>
             <a:xfrm>
-              <a:off x="6461761" y="4149672"/>
-              <a:ext cx="441960" cy="1398126"/>
+              <a:off x="6110595" y="4141998"/>
+              <a:ext cx="437651" cy="1480414"/>
             </a:xfrm>
             <a:prstGeom prst="rect">
               <a:avLst/>
@@ -9154,543 +9422,13 @@
             </a:p>
           </p:txBody>
         </p:sp>
-        <p:sp>
-          <p:nvSpPr>
-            <p:cNvPr id="18" name="正方形/長方形 17">
-              <a:extLst>
-                <a:ext uri="{FF2B5EF4-FFF2-40B4-BE49-F238E27FC236}">
-                  <a16:creationId xmlns:a16="http://schemas.microsoft.com/office/drawing/2014/main" id="{98085EB0-9C1C-4740-8D16-C4D2E242E119}"/>
-                </a:ext>
-              </a:extLst>
-            </p:cNvPr>
-            <p:cNvSpPr/>
-            <p:nvPr/>
-          </p:nvSpPr>
-          <p:spPr>
-            <a:xfrm>
-              <a:off x="7847214" y="1690690"/>
-              <a:ext cx="2593571" cy="2000161"/>
-            </a:xfrm>
-            <a:prstGeom prst="rect">
-              <a:avLst/>
-            </a:prstGeom>
-            <a:solidFill>
-              <a:schemeClr val="accent4">
-                <a:lumMod val="40000"/>
-                <a:lumOff val="60000"/>
-              </a:schemeClr>
-            </a:solidFill>
-          </p:spPr>
-          <p:style>
-            <a:lnRef idx="1">
-              <a:schemeClr val="accent6"/>
-            </a:lnRef>
-            <a:fillRef idx="2">
-              <a:schemeClr val="accent6"/>
-            </a:fillRef>
-            <a:effectRef idx="1">
-              <a:schemeClr val="accent6"/>
-            </a:effectRef>
-            <a:fontRef idx="minor">
-              <a:schemeClr val="dk1"/>
-            </a:fontRef>
-          </p:style>
-          <p:txBody>
-            <a:bodyPr rtlCol="0" anchor="b"/>
-            <a:lstStyle/>
-            <a:p>
-              <a:pPr algn="ctr"/>
-              <a:r>
-                <a:rPr kumimoji="1" lang="ja-JP" altLang="en-US" dirty="0"/>
-                <a:t>ブロック</a:t>
-              </a:r>
-              <a:r>
-                <a:rPr kumimoji="1" lang="en-US" altLang="ja-JP" dirty="0"/>
-                <a:t>3</a:t>
-              </a:r>
-              <a:endParaRPr kumimoji="1" lang="ja-JP" altLang="en-US" dirty="0"/>
-            </a:p>
-          </p:txBody>
-        </p:sp>
-        <p:sp>
-          <p:nvSpPr>
-            <p:cNvPr id="19" name="正方形/長方形 18">
-              <a:extLst>
-                <a:ext uri="{FF2B5EF4-FFF2-40B4-BE49-F238E27FC236}">
-                  <a16:creationId xmlns:a16="http://schemas.microsoft.com/office/drawing/2014/main" id="{34EE45E3-F2E9-4FD8-8EA5-32CB1B710AAC}"/>
-                </a:ext>
-              </a:extLst>
-            </p:cNvPr>
-            <p:cNvSpPr/>
-            <p:nvPr/>
-          </p:nvSpPr>
-          <p:spPr>
-            <a:xfrm>
-              <a:off x="8165868" y="1802925"/>
-              <a:ext cx="441960" cy="1398126"/>
-            </a:xfrm>
-            <a:prstGeom prst="rect">
-              <a:avLst/>
-            </a:prstGeom>
-          </p:spPr>
-          <p:style>
-            <a:lnRef idx="2">
-              <a:schemeClr val="accent6"/>
-            </a:lnRef>
-            <a:fillRef idx="1">
-              <a:schemeClr val="lt1"/>
-            </a:fillRef>
-            <a:effectRef idx="0">
-              <a:schemeClr val="accent6"/>
-            </a:effectRef>
-            <a:fontRef idx="minor">
-              <a:schemeClr val="dk1"/>
-            </a:fontRef>
-          </p:style>
-          <p:txBody>
-            <a:bodyPr rtlCol="0" anchor="ctr"/>
-            <a:lstStyle/>
-            <a:p>
-              <a:pPr algn="ctr"/>
-              <a:r>
-                <a:rPr kumimoji="1" lang="ja-JP" altLang="en-US" dirty="0"/>
-                <a:t>取引情報８</a:t>
-              </a:r>
-            </a:p>
-          </p:txBody>
-        </p:sp>
-        <p:sp>
-          <p:nvSpPr>
-            <p:cNvPr id="20" name="正方形/長方形 19">
-              <a:extLst>
-                <a:ext uri="{FF2B5EF4-FFF2-40B4-BE49-F238E27FC236}">
-                  <a16:creationId xmlns:a16="http://schemas.microsoft.com/office/drawing/2014/main" id="{4CD63CA5-1B66-4700-A65C-7E63AF12136A}"/>
-                </a:ext>
-              </a:extLst>
-            </p:cNvPr>
-            <p:cNvSpPr/>
-            <p:nvPr/>
-          </p:nvSpPr>
-          <p:spPr>
-            <a:xfrm>
-              <a:off x="8930642" y="1802925"/>
-              <a:ext cx="441960" cy="1398126"/>
-            </a:xfrm>
-            <a:prstGeom prst="rect">
-              <a:avLst/>
-            </a:prstGeom>
-          </p:spPr>
-          <p:style>
-            <a:lnRef idx="2">
-              <a:schemeClr val="accent6"/>
-            </a:lnRef>
-            <a:fillRef idx="1">
-              <a:schemeClr val="lt1"/>
-            </a:fillRef>
-            <a:effectRef idx="0">
-              <a:schemeClr val="accent6"/>
-            </a:effectRef>
-            <a:fontRef idx="minor">
-              <a:schemeClr val="dk1"/>
-            </a:fontRef>
-          </p:style>
-          <p:txBody>
-            <a:bodyPr rtlCol="0" anchor="ctr"/>
-            <a:lstStyle/>
-            <a:p>
-              <a:pPr algn="ctr"/>
-              <a:r>
-                <a:rPr kumimoji="1" lang="ja-JP" altLang="en-US" dirty="0"/>
-                <a:t>取引情報９</a:t>
-              </a:r>
-              <a:endParaRPr kumimoji="1" lang="en-US" altLang="ja-JP" dirty="0"/>
-            </a:p>
-          </p:txBody>
-        </p:sp>
-        <p:sp>
-          <p:nvSpPr>
-            <p:cNvPr id="21" name="正方形/長方形 20">
-              <a:extLst>
-                <a:ext uri="{FF2B5EF4-FFF2-40B4-BE49-F238E27FC236}">
-                  <a16:creationId xmlns:a16="http://schemas.microsoft.com/office/drawing/2014/main" id="{9BD2433F-7110-44C4-AB93-9E460886BD1D}"/>
-                </a:ext>
-              </a:extLst>
-            </p:cNvPr>
-            <p:cNvSpPr/>
-            <p:nvPr/>
-          </p:nvSpPr>
-          <p:spPr>
-            <a:xfrm>
-              <a:off x="9676011" y="1802925"/>
-              <a:ext cx="441960" cy="1398126"/>
-            </a:xfrm>
-            <a:prstGeom prst="rect">
-              <a:avLst/>
-            </a:prstGeom>
-          </p:spPr>
-          <p:style>
-            <a:lnRef idx="2">
-              <a:schemeClr val="accent6"/>
-            </a:lnRef>
-            <a:fillRef idx="1">
-              <a:schemeClr val="lt1"/>
-            </a:fillRef>
-            <a:effectRef idx="0">
-              <a:schemeClr val="accent6"/>
-            </a:effectRef>
-            <a:fontRef idx="minor">
-              <a:schemeClr val="dk1"/>
-            </a:fontRef>
-          </p:style>
-          <p:txBody>
-            <a:bodyPr rtlCol="0" anchor="ctr"/>
-            <a:lstStyle/>
-            <a:p>
-              <a:pPr algn="ctr"/>
-              <a:r>
-                <a:rPr kumimoji="1" lang="ja-JP" altLang="en-US" dirty="0"/>
-                <a:t>取引情報</a:t>
-              </a:r>
-              <a:r>
-                <a:rPr kumimoji="1" lang="en-US" altLang="ja-JP" dirty="0"/>
-                <a:t>10</a:t>
-              </a:r>
-              <a:endParaRPr kumimoji="1" lang="ja-JP" altLang="en-US" dirty="0"/>
-            </a:p>
-          </p:txBody>
-        </p:sp>
-        <p:cxnSp>
-          <p:nvCxnSpPr>
-            <p:cNvPr id="22" name="直線コネクタ 21">
-              <a:extLst>
-                <a:ext uri="{FF2B5EF4-FFF2-40B4-BE49-F238E27FC236}">
-                  <a16:creationId xmlns:a16="http://schemas.microsoft.com/office/drawing/2014/main" id="{2EE6EFAF-310B-4602-B4C3-3B375C0DECC2}"/>
-                </a:ext>
-              </a:extLst>
-            </p:cNvPr>
-            <p:cNvCxnSpPr>
-              <a:cxnSpLocks/>
-              <a:stCxn id="10" idx="3"/>
-              <a:endCxn id="18" idx="1"/>
-            </p:cNvCxnSpPr>
-            <p:nvPr/>
-          </p:nvCxnSpPr>
-          <p:spPr>
-            <a:xfrm flipV="1">
-              <a:off x="7222375" y="2690771"/>
-              <a:ext cx="624839" cy="1"/>
-            </a:xfrm>
-            <a:prstGeom prst="line">
-              <a:avLst/>
-            </a:prstGeom>
-          </p:spPr>
-          <p:style>
-            <a:lnRef idx="1">
-              <a:schemeClr val="accent6"/>
-            </a:lnRef>
-            <a:fillRef idx="0">
-              <a:schemeClr val="accent6"/>
-            </a:fillRef>
-            <a:effectRef idx="0">
-              <a:schemeClr val="accent6"/>
-            </a:effectRef>
-            <a:fontRef idx="minor">
-              <a:schemeClr val="tx1"/>
-            </a:fontRef>
-          </p:style>
-        </p:cxnSp>
-        <p:cxnSp>
-          <p:nvCxnSpPr>
-            <p:cNvPr id="23" name="直線コネクタ 22">
-              <a:extLst>
-                <a:ext uri="{FF2B5EF4-FFF2-40B4-BE49-F238E27FC236}">
-                  <a16:creationId xmlns:a16="http://schemas.microsoft.com/office/drawing/2014/main" id="{52428D53-06BF-415F-BECD-9BA6F7620C19}"/>
-                </a:ext>
-              </a:extLst>
-            </p:cNvPr>
-            <p:cNvCxnSpPr>
-              <a:cxnSpLocks/>
-              <a:stCxn id="5" idx="3"/>
-              <a:endCxn id="14" idx="1"/>
-            </p:cNvCxnSpPr>
-            <p:nvPr/>
-          </p:nvCxnSpPr>
-          <p:spPr>
-            <a:xfrm>
-              <a:off x="4062153" y="2690770"/>
-              <a:ext cx="566651" cy="2344191"/>
-            </a:xfrm>
-            <a:prstGeom prst="line">
-              <a:avLst/>
-            </a:prstGeom>
-          </p:spPr>
-          <p:style>
-            <a:lnRef idx="1">
-              <a:schemeClr val="accent1"/>
-            </a:lnRef>
-            <a:fillRef idx="0">
-              <a:schemeClr val="accent1"/>
-            </a:fillRef>
-            <a:effectRef idx="0">
-              <a:schemeClr val="accent1"/>
-            </a:effectRef>
-            <a:fontRef idx="minor">
-              <a:schemeClr val="tx1"/>
-            </a:fontRef>
-          </p:style>
-        </p:cxnSp>
-        <p:cxnSp>
-          <p:nvCxnSpPr>
-            <p:cNvPr id="24" name="直線コネクタ 23">
-              <a:extLst>
-                <a:ext uri="{FF2B5EF4-FFF2-40B4-BE49-F238E27FC236}">
-                  <a16:creationId xmlns:a16="http://schemas.microsoft.com/office/drawing/2014/main" id="{E3EF7915-E109-401B-B9BA-7578672607C5}"/>
-                </a:ext>
-              </a:extLst>
-            </p:cNvPr>
-            <p:cNvCxnSpPr>
-              <a:cxnSpLocks/>
-              <a:stCxn id="5" idx="1"/>
-            </p:cNvCxnSpPr>
-            <p:nvPr/>
-          </p:nvCxnSpPr>
-          <p:spPr>
-            <a:xfrm flipH="1">
-              <a:off x="838200" y="2690770"/>
-              <a:ext cx="630382" cy="0"/>
-            </a:xfrm>
-            <a:prstGeom prst="line">
-              <a:avLst/>
-            </a:prstGeom>
-          </p:spPr>
-          <p:style>
-            <a:lnRef idx="1">
-              <a:schemeClr val="accent1"/>
-            </a:lnRef>
-            <a:fillRef idx="0">
-              <a:schemeClr val="accent1"/>
-            </a:fillRef>
-            <a:effectRef idx="0">
-              <a:schemeClr val="accent1"/>
-            </a:effectRef>
-            <a:fontRef idx="minor">
-              <a:schemeClr val="tx1"/>
-            </a:fontRef>
-          </p:style>
-        </p:cxnSp>
-        <p:cxnSp>
-          <p:nvCxnSpPr>
-            <p:cNvPr id="25" name="直線コネクタ 24">
-              <a:extLst>
-                <a:ext uri="{FF2B5EF4-FFF2-40B4-BE49-F238E27FC236}">
-                  <a16:creationId xmlns:a16="http://schemas.microsoft.com/office/drawing/2014/main" id="{1C4D3450-9A98-4597-AD8C-0EDC1F8DE6D0}"/>
-                </a:ext>
-              </a:extLst>
-            </p:cNvPr>
-            <p:cNvCxnSpPr>
-              <a:cxnSpLocks/>
-              <a:stCxn id="18" idx="3"/>
-            </p:cNvCxnSpPr>
-            <p:nvPr/>
-          </p:nvCxnSpPr>
-          <p:spPr>
-            <a:xfrm flipV="1">
-              <a:off x="10440785" y="2690770"/>
-              <a:ext cx="580506" cy="1"/>
-            </a:xfrm>
-            <a:prstGeom prst="line">
-              <a:avLst/>
-            </a:prstGeom>
-          </p:spPr>
-          <p:style>
-            <a:lnRef idx="1">
-              <a:schemeClr val="accent1"/>
-            </a:lnRef>
-            <a:fillRef idx="0">
-              <a:schemeClr val="accent1"/>
-            </a:fillRef>
-            <a:effectRef idx="0">
-              <a:schemeClr val="accent1"/>
-            </a:effectRef>
-            <a:fontRef idx="minor">
-              <a:schemeClr val="tx1"/>
-            </a:fontRef>
-          </p:style>
-        </p:cxnSp>
       </p:grpSp>
-    </p:spTree>
-    <p:extLst>
-      <p:ext uri="{BB962C8B-B14F-4D97-AF65-F5344CB8AC3E}">
-        <p14:creationId xmlns:p14="http://schemas.microsoft.com/office/powerpoint/2010/main" val="2248375349"/>
-      </p:ext>
-    </p:extLst>
-  </p:cSld>
-  <p:clrMapOvr>
-    <a:masterClrMapping/>
-  </p:clrMapOvr>
-</p:sld>
-</file>
-
-<file path=ppt/slides/slide7.xml><?xml version="1.0" encoding="utf-8"?>
-<p:sld xmlns:a="http://schemas.openxmlformats.org/drawingml/2006/main" xmlns:r="http://schemas.openxmlformats.org/officeDocument/2006/relationships" xmlns:p="http://schemas.openxmlformats.org/presentationml/2006/main">
-  <p:cSld>
-    <p:spTree>
-      <p:nvGrpSpPr>
-        <p:cNvPr id="1" name=""/>
-        <p:cNvGrpSpPr/>
-        <p:nvPr/>
-      </p:nvGrpSpPr>
-      <p:grpSpPr>
-        <a:xfrm>
-          <a:off x="0" y="0"/>
-          <a:ext cx="0" cy="0"/>
-          <a:chOff x="0" y="0"/>
-          <a:chExt cx="0" cy="0"/>
-        </a:xfrm>
-      </p:grpSpPr>
-      <p:sp>
-        <p:nvSpPr>
-          <p:cNvPr id="2" name="タイトル 1">
-            <a:extLst>
-              <a:ext uri="{FF2B5EF4-FFF2-40B4-BE49-F238E27FC236}">
-                <a16:creationId xmlns:a16="http://schemas.microsoft.com/office/drawing/2014/main" id="{233B1867-65B6-41DB-9317-C6DD5C0EB53F}"/>
-              </a:ext>
-            </a:extLst>
-          </p:cNvPr>
-          <p:cNvSpPr>
-            <a:spLocks noGrp="1"/>
-          </p:cNvSpPr>
-          <p:nvPr>
-            <p:ph type="title"/>
-          </p:nvPr>
-        </p:nvSpPr>
-        <p:spPr/>
-        <p:txBody>
-          <a:bodyPr/>
-          <a:lstStyle/>
-          <a:p>
-            <a:r>
-              <a:rPr kumimoji="1" lang="ja-JP" altLang="en-US" dirty="0"/>
-              <a:t>出席管理システムの要件定義</a:t>
-            </a:r>
-          </a:p>
-        </p:txBody>
-      </p:sp>
-      <p:sp>
-        <p:nvSpPr>
-          <p:cNvPr id="3" name="コンテンツ プレースホルダー 2">
-            <a:extLst>
-              <a:ext uri="{FF2B5EF4-FFF2-40B4-BE49-F238E27FC236}">
-                <a16:creationId xmlns:a16="http://schemas.microsoft.com/office/drawing/2014/main" id="{35C9DE32-C31E-47A7-B0A9-BF3FA2679FEB}"/>
-              </a:ext>
-            </a:extLst>
-          </p:cNvPr>
-          <p:cNvSpPr>
-            <a:spLocks noGrp="1"/>
-          </p:cNvSpPr>
-          <p:nvPr>
-            <p:ph idx="1"/>
-          </p:nvPr>
-        </p:nvSpPr>
-        <p:spPr/>
-        <p:txBody>
-          <a:bodyPr/>
-          <a:lstStyle/>
-          <a:p>
-            <a:endParaRPr kumimoji="1" lang="en-US" altLang="ja-JP" dirty="0"/>
-          </a:p>
-          <a:p>
-            <a:r>
-              <a:rPr kumimoji="1" lang="ja-JP" altLang="en-US" dirty="0"/>
-              <a:t>改ざん不可能</a:t>
-            </a:r>
-            <a:endParaRPr kumimoji="1" lang="en-US" altLang="ja-JP" dirty="0"/>
-          </a:p>
-          <a:p>
-            <a:endParaRPr lang="en-US" altLang="ja-JP" dirty="0"/>
-          </a:p>
-          <a:p>
-            <a:r>
-              <a:rPr kumimoji="1" lang="ja-JP" altLang="en-US" dirty="0"/>
-              <a:t>出席情報の登録</a:t>
-            </a:r>
-            <a:endParaRPr kumimoji="1" lang="en-US" altLang="ja-JP" dirty="0"/>
-          </a:p>
-          <a:p>
-            <a:endParaRPr lang="en-US" altLang="ja-JP" dirty="0"/>
-          </a:p>
-          <a:p>
-            <a:r>
-              <a:rPr kumimoji="1" lang="ja-JP" altLang="en-US" dirty="0"/>
-              <a:t>出席情報の公開</a:t>
-            </a:r>
-          </a:p>
-        </p:txBody>
-      </p:sp>
-    </p:spTree>
-    <p:extLst>
-      <p:ext uri="{BB962C8B-B14F-4D97-AF65-F5344CB8AC3E}">
-        <p14:creationId xmlns:p14="http://schemas.microsoft.com/office/powerpoint/2010/main" val="4140169425"/>
-      </p:ext>
-    </p:extLst>
-  </p:cSld>
-  <p:clrMapOvr>
-    <a:masterClrMapping/>
-  </p:clrMapOvr>
-</p:sld>
-</file>
-
-<file path=ppt/slides/slide8.xml><?xml version="1.0" encoding="utf-8"?>
-<p:sld xmlns:a="http://schemas.openxmlformats.org/drawingml/2006/main" xmlns:r="http://schemas.openxmlformats.org/officeDocument/2006/relationships" xmlns:p="http://schemas.openxmlformats.org/presentationml/2006/main">
-  <p:cSld>
-    <p:spTree>
-      <p:nvGrpSpPr>
-        <p:cNvPr id="1" name=""/>
-        <p:cNvGrpSpPr/>
-        <p:nvPr/>
-      </p:nvGrpSpPr>
-      <p:grpSpPr>
-        <a:xfrm>
-          <a:off x="0" y="0"/>
-          <a:ext cx="0" cy="0"/>
-          <a:chOff x="0" y="0"/>
-          <a:chExt cx="0" cy="0"/>
-        </a:xfrm>
-      </p:grpSpPr>
-      <p:sp>
-        <p:nvSpPr>
-          <p:cNvPr id="2" name="タイトル 1">
-            <a:extLst>
-              <a:ext uri="{FF2B5EF4-FFF2-40B4-BE49-F238E27FC236}">
-                <a16:creationId xmlns:a16="http://schemas.microsoft.com/office/drawing/2014/main" id="{6D9919C2-F321-454E-9780-3A7572C6030A}"/>
-              </a:ext>
-            </a:extLst>
-          </p:cNvPr>
-          <p:cNvSpPr>
-            <a:spLocks noGrp="1"/>
-          </p:cNvSpPr>
-          <p:nvPr>
-            <p:ph type="title"/>
-          </p:nvPr>
-        </p:nvSpPr>
-        <p:spPr/>
-        <p:txBody>
-          <a:bodyPr/>
-          <a:lstStyle/>
-          <a:p>
-            <a:r>
-              <a:rPr kumimoji="1" lang="ja-JP" altLang="en-US" dirty="0"/>
-              <a:t>出席管理システムの概要</a:t>
-            </a:r>
-          </a:p>
-        </p:txBody>
-      </p:sp>
-      <p:sp>
-        <p:nvSpPr>
-          <p:cNvPr id="1027" name="フリーフォーム: 図形 1026">
-            <a:extLst>
-              <a:ext uri="{FF2B5EF4-FFF2-40B4-BE49-F238E27FC236}">
-                <a16:creationId xmlns:a16="http://schemas.microsoft.com/office/drawing/2014/main" id="{587BBE4E-EBAE-4BD4-8479-32164DEFAFE1}"/>
+      <p:sp>
+        <p:nvSpPr>
+          <p:cNvPr id="18" name="正方形/長方形 17">
+            <a:extLst>
+              <a:ext uri="{FF2B5EF4-FFF2-40B4-BE49-F238E27FC236}">
+                <a16:creationId xmlns:a16="http://schemas.microsoft.com/office/drawing/2014/main" id="{98085EB0-9C1C-4740-8D16-C4D2E242E119}"/>
               </a:ext>
             </a:extLst>
           </p:cNvPr>
@@ -9699,84 +9437,70 @@
         </p:nvSpPr>
         <p:spPr>
           <a:xfrm>
-            <a:off x="931710" y="1690688"/>
-            <a:ext cx="6951133" cy="4529667"/>
+            <a:off x="7482539" y="1538290"/>
+            <a:ext cx="2568282" cy="2117883"/>
           </a:xfrm>
-          <a:custGeom>
+          <a:prstGeom prst="rect">
             <a:avLst/>
-            <a:gdLst>
-              <a:gd name="connsiteX0" fmla="*/ 4572000 w 6951133"/>
-              <a:gd name="connsiteY0" fmla="*/ 25400 h 4529667"/>
-              <a:gd name="connsiteX1" fmla="*/ 6925733 w 6951133"/>
-              <a:gd name="connsiteY1" fmla="*/ 0 h 4529667"/>
-              <a:gd name="connsiteX2" fmla="*/ 6951133 w 6951133"/>
-              <a:gd name="connsiteY2" fmla="*/ 4487334 h 4529667"/>
-              <a:gd name="connsiteX3" fmla="*/ 0 w 6951133"/>
-              <a:gd name="connsiteY3" fmla="*/ 4529667 h 4529667"/>
-              <a:gd name="connsiteX4" fmla="*/ 0 w 6951133"/>
-              <a:gd name="connsiteY4" fmla="*/ 2794000 h 4529667"/>
-              <a:gd name="connsiteX5" fmla="*/ 4555067 w 6951133"/>
-              <a:gd name="connsiteY5" fmla="*/ 2777067 h 4529667"/>
-              <a:gd name="connsiteX6" fmla="*/ 4572000 w 6951133"/>
-              <a:gd name="connsiteY6" fmla="*/ 25400 h 4529667"/>
-            </a:gdLst>
-            <a:ahLst/>
-            <a:cxnLst>
-              <a:cxn ang="0">
-                <a:pos x="connsiteX0" y="connsiteY0"/>
-              </a:cxn>
-              <a:cxn ang="0">
-                <a:pos x="connsiteX1" y="connsiteY1"/>
-              </a:cxn>
-              <a:cxn ang="0">
-                <a:pos x="connsiteX2" y="connsiteY2"/>
-              </a:cxn>
-              <a:cxn ang="0">
-                <a:pos x="connsiteX3" y="connsiteY3"/>
-              </a:cxn>
-              <a:cxn ang="0">
-                <a:pos x="connsiteX4" y="connsiteY4"/>
-              </a:cxn>
-              <a:cxn ang="0">
-                <a:pos x="connsiteX5" y="connsiteY5"/>
-              </a:cxn>
-              <a:cxn ang="0">
-                <a:pos x="connsiteX6" y="connsiteY6"/>
-              </a:cxn>
-            </a:cxnLst>
-            <a:rect l="l" t="t" r="r" b="b"/>
-            <a:pathLst>
-              <a:path w="6951133" h="4529667">
-                <a:moveTo>
-                  <a:pt x="4572000" y="25400"/>
-                </a:moveTo>
-                <a:lnTo>
-                  <a:pt x="6925733" y="0"/>
-                </a:lnTo>
-                <a:lnTo>
-                  <a:pt x="6951133" y="4487334"/>
-                </a:lnTo>
-                <a:lnTo>
-                  <a:pt x="0" y="4529667"/>
-                </a:lnTo>
-                <a:lnTo>
-                  <a:pt x="0" y="2794000"/>
-                </a:lnTo>
-                <a:lnTo>
-                  <a:pt x="4555067" y="2777067"/>
-                </a:lnTo>
-                <a:lnTo>
-                  <a:pt x="4572000" y="25400"/>
-                </a:lnTo>
-                <a:close/>
-              </a:path>
-            </a:pathLst>
-          </a:custGeom>
-          <a:ln>
-            <a:solidFill>
-              <a:srgbClr val="00B0F0"/>
-            </a:solidFill>
-          </a:ln>
+          </a:prstGeom>
+          <a:solidFill>
+            <a:schemeClr val="accent4">
+              <a:lumMod val="40000"/>
+              <a:lumOff val="60000"/>
+            </a:schemeClr>
+          </a:solidFill>
+        </p:spPr>
+        <p:style>
+          <a:lnRef idx="1">
+            <a:schemeClr val="accent6"/>
+          </a:lnRef>
+          <a:fillRef idx="2">
+            <a:schemeClr val="accent6"/>
+          </a:fillRef>
+          <a:effectRef idx="1">
+            <a:schemeClr val="accent6"/>
+          </a:effectRef>
+          <a:fontRef idx="minor">
+            <a:schemeClr val="dk1"/>
+          </a:fontRef>
+        </p:style>
+        <p:txBody>
+          <a:bodyPr rtlCol="0" anchor="b"/>
+          <a:lstStyle/>
+          <a:p>
+            <a:pPr algn="ctr"/>
+            <a:r>
+              <a:rPr kumimoji="1" lang="ja-JP" altLang="en-US" dirty="0"/>
+              <a:t>ブロック</a:t>
+            </a:r>
+            <a:r>
+              <a:rPr kumimoji="1" lang="en-US" altLang="ja-JP" dirty="0"/>
+              <a:t>3</a:t>
+            </a:r>
+            <a:endParaRPr kumimoji="1" lang="ja-JP" altLang="en-US" dirty="0"/>
+          </a:p>
+        </p:txBody>
+      </p:sp>
+      <p:sp>
+        <p:nvSpPr>
+          <p:cNvPr id="19" name="正方形/長方形 18">
+            <a:extLst>
+              <a:ext uri="{FF2B5EF4-FFF2-40B4-BE49-F238E27FC236}">
+                <a16:creationId xmlns:a16="http://schemas.microsoft.com/office/drawing/2014/main" id="{34EE45E3-F2E9-4FD8-8EA5-32CB1B710AAC}"/>
+              </a:ext>
+            </a:extLst>
+          </p:cNvPr>
+          <p:cNvSpPr/>
+          <p:nvPr/>
+        </p:nvSpPr>
+        <p:spPr>
+          <a:xfrm>
+            <a:off x="7798086" y="1657131"/>
+            <a:ext cx="437651" cy="1480414"/>
+          </a:xfrm>
+          <a:prstGeom prst="rect">
+            <a:avLst/>
+          </a:prstGeom>
         </p:spPr>
         <p:style>
           <a:lnRef idx="2">
@@ -9797,16 +9521,19 @@
           <a:lstStyle/>
           <a:p>
             <a:pPr algn="ctr"/>
-            <a:endParaRPr kumimoji="1" lang="ja-JP" altLang="en-US"/>
-          </a:p>
-        </p:txBody>
-      </p:sp>
-      <p:sp>
-        <p:nvSpPr>
-          <p:cNvPr id="3" name="正方形/長方形 2">
-            <a:extLst>
-              <a:ext uri="{FF2B5EF4-FFF2-40B4-BE49-F238E27FC236}">
-                <a16:creationId xmlns:a16="http://schemas.microsoft.com/office/drawing/2014/main" id="{BE934D96-E9C4-4FDC-A57B-9AFC22AB0FE7}"/>
+            <a:r>
+              <a:rPr kumimoji="1" lang="ja-JP" altLang="en-US" dirty="0"/>
+              <a:t>取引情報８</a:t>
+            </a:r>
+          </a:p>
+        </p:txBody>
+      </p:sp>
+      <p:sp>
+        <p:nvSpPr>
+          <p:cNvPr id="20" name="正方形/長方形 19">
+            <a:extLst>
+              <a:ext uri="{FF2B5EF4-FFF2-40B4-BE49-F238E27FC236}">
+                <a16:creationId xmlns:a16="http://schemas.microsoft.com/office/drawing/2014/main" id="{4CD63CA5-1B66-4700-A65C-7E63AF12136A}"/>
               </a:ext>
             </a:extLst>
           </p:cNvPr>
@@ -9815,17 +9542,12 @@
         </p:nvSpPr>
         <p:spPr>
           <a:xfrm>
-            <a:off x="1418813" y="2003427"/>
-            <a:ext cx="2023533" cy="975784"/>
+            <a:off x="8555403" y="1657131"/>
+            <a:ext cx="437651" cy="1480414"/>
           </a:xfrm>
           <a:prstGeom prst="rect">
             <a:avLst/>
           </a:prstGeom>
-          <a:ln>
-            <a:solidFill>
-              <a:schemeClr val="tx1"/>
-            </a:solidFill>
-          </a:ln>
         </p:spPr>
         <p:style>
           <a:lnRef idx="2">
@@ -9848,17 +9570,18 @@
             <a:pPr algn="ctr"/>
             <a:r>
               <a:rPr kumimoji="1" lang="ja-JP" altLang="en-US" dirty="0"/>
-              <a:t>生徒</a:t>
-            </a:r>
-          </a:p>
-        </p:txBody>
-      </p:sp>
-      <p:sp>
-        <p:nvSpPr>
-          <p:cNvPr id="19" name="正方形/長方形 18">
-            <a:extLst>
-              <a:ext uri="{FF2B5EF4-FFF2-40B4-BE49-F238E27FC236}">
-                <a16:creationId xmlns:a16="http://schemas.microsoft.com/office/drawing/2014/main" id="{59C14DE2-3BA3-4448-BC4A-13ED9EBEA766}"/>
+              <a:t>取引情報９</a:t>
+            </a:r>
+            <a:endParaRPr kumimoji="1" lang="en-US" altLang="ja-JP" dirty="0"/>
+          </a:p>
+        </p:txBody>
+      </p:sp>
+      <p:sp>
+        <p:nvSpPr>
+          <p:cNvPr id="21" name="正方形/長方形 20">
+            <a:extLst>
+              <a:ext uri="{FF2B5EF4-FFF2-40B4-BE49-F238E27FC236}">
+                <a16:creationId xmlns:a16="http://schemas.microsoft.com/office/drawing/2014/main" id="{9BD2433F-7110-44C4-AB93-9E460886BD1D}"/>
               </a:ext>
             </a:extLst>
           </p:cNvPr>
@@ -9867,17 +9590,12 @@
         </p:nvSpPr>
         <p:spPr>
           <a:xfrm>
-            <a:off x="5614593" y="2038216"/>
-            <a:ext cx="2023533" cy="975784"/>
+            <a:off x="9293504" y="1657131"/>
+            <a:ext cx="437651" cy="1480414"/>
           </a:xfrm>
           <a:prstGeom prst="rect">
             <a:avLst/>
           </a:prstGeom>
-          <a:ln>
-            <a:solidFill>
-              <a:schemeClr val="tx1"/>
-            </a:solidFill>
-          </a:ln>
         </p:spPr>
         <p:style>
           <a:lnRef idx="2">
@@ -9899,378 +9617,179 @@
           <a:p>
             <a:pPr algn="ctr"/>
             <a:r>
-              <a:rPr lang="ja-JP" altLang="en-US" dirty="0"/>
-              <a:t>サーバ</a:t>
+              <a:rPr kumimoji="1" lang="ja-JP" altLang="en-US" dirty="0"/>
+              <a:t>取引情報</a:t>
+            </a:r>
+            <a:r>
+              <a:rPr kumimoji="1" lang="en-US" altLang="ja-JP" dirty="0"/>
+              <a:t>10</a:t>
             </a:r>
             <a:endParaRPr kumimoji="1" lang="ja-JP" altLang="en-US" dirty="0"/>
           </a:p>
         </p:txBody>
       </p:sp>
-      <p:sp>
-        <p:nvSpPr>
-          <p:cNvPr id="20" name="正方形/長方形 19">
-            <a:extLst>
-              <a:ext uri="{FF2B5EF4-FFF2-40B4-BE49-F238E27FC236}">
-                <a16:creationId xmlns:a16="http://schemas.microsoft.com/office/drawing/2014/main" id="{7083B8DA-F89A-4BAB-AA1C-23B4424CC734}"/>
-              </a:ext>
-            </a:extLst>
-          </p:cNvPr>
-          <p:cNvSpPr/>
+      <p:cxnSp>
+        <p:nvCxnSpPr>
+          <p:cNvPr id="22" name="直線コネクタ 21">
+            <a:extLst>
+              <a:ext uri="{FF2B5EF4-FFF2-40B4-BE49-F238E27FC236}">
+                <a16:creationId xmlns:a16="http://schemas.microsoft.com/office/drawing/2014/main" id="{2EE6EFAF-310B-4602-B4C3-3B375C0DECC2}"/>
+              </a:ext>
+            </a:extLst>
+          </p:cNvPr>
+          <p:cNvCxnSpPr>
+            <a:cxnSpLocks/>
+            <a:stCxn id="10" idx="3"/>
+            <a:endCxn id="18" idx="1"/>
+          </p:cNvCxnSpPr>
           <p:nvPr/>
-        </p:nvSpPr>
+        </p:nvCxnSpPr>
         <p:spPr>
-          <a:xfrm>
-            <a:off x="1421410" y="4827657"/>
-            <a:ext cx="2023533" cy="975784"/>
+          <a:xfrm flipV="1">
+            <a:off x="6863793" y="2597232"/>
+            <a:ext cx="618746" cy="1"/>
           </a:xfrm>
-          <a:prstGeom prst="rect">
+          <a:prstGeom prst="line">
             <a:avLst/>
           </a:prstGeom>
-          <a:ln>
-            <a:solidFill>
-              <a:schemeClr val="tx1"/>
-            </a:solidFill>
-          </a:ln>
         </p:spPr>
         <p:style>
-          <a:lnRef idx="2">
+          <a:lnRef idx="1">
             <a:schemeClr val="accent6"/>
           </a:lnRef>
-          <a:fillRef idx="1">
-            <a:schemeClr val="lt1"/>
+          <a:fillRef idx="0">
+            <a:schemeClr val="accent6"/>
           </a:fillRef>
           <a:effectRef idx="0">
             <a:schemeClr val="accent6"/>
           </a:effectRef>
           <a:fontRef idx="minor">
-            <a:schemeClr val="dk1"/>
+            <a:schemeClr val="tx1"/>
           </a:fontRef>
         </p:style>
-        <p:txBody>
-          <a:bodyPr rtlCol="0" anchor="ctr"/>
-          <a:lstStyle/>
-          <a:p>
-            <a:pPr algn="ctr"/>
-            <a:r>
-              <a:rPr lang="ja-JP" altLang="en-US" dirty="0"/>
-              <a:t>学校</a:t>
-            </a:r>
-            <a:endParaRPr kumimoji="1" lang="ja-JP" altLang="en-US" dirty="0"/>
-          </a:p>
-        </p:txBody>
-      </p:sp>
-      <p:sp>
-        <p:nvSpPr>
-          <p:cNvPr id="23" name="正方形/長方形 22">
-            <a:extLst>
-              <a:ext uri="{FF2B5EF4-FFF2-40B4-BE49-F238E27FC236}">
-                <a16:creationId xmlns:a16="http://schemas.microsoft.com/office/drawing/2014/main" id="{EABDD444-ECA3-4127-AAC3-BF4C2272AA77}"/>
-              </a:ext>
-            </a:extLst>
-          </p:cNvPr>
-          <p:cNvSpPr/>
+      </p:cxnSp>
+      <p:cxnSp>
+        <p:nvCxnSpPr>
+          <p:cNvPr id="23" name="直線コネクタ 22">
+            <a:extLst>
+              <a:ext uri="{FF2B5EF4-FFF2-40B4-BE49-F238E27FC236}">
+                <a16:creationId xmlns:a16="http://schemas.microsoft.com/office/drawing/2014/main" id="{52428D53-06BF-415F-BECD-9BA6F7620C19}"/>
+              </a:ext>
+            </a:extLst>
+          </p:cNvPr>
+          <p:cNvCxnSpPr>
+            <a:cxnSpLocks/>
+            <a:stCxn id="5" idx="3"/>
+            <a:endCxn id="14" idx="1"/>
+          </p:cNvCxnSpPr>
           <p:nvPr/>
-        </p:nvSpPr>
+        </p:nvCxnSpPr>
         <p:spPr>
           <a:xfrm>
-            <a:off x="5595824" y="4806424"/>
-            <a:ext cx="2023533" cy="975784"/>
+            <a:off x="3734385" y="2597231"/>
+            <a:ext cx="561126" cy="2482161"/>
           </a:xfrm>
-          <a:prstGeom prst="rect">
+          <a:prstGeom prst="line">
             <a:avLst/>
           </a:prstGeom>
-          <a:ln>
-            <a:solidFill>
-              <a:schemeClr val="tx1"/>
-            </a:solidFill>
-          </a:ln>
         </p:spPr>
         <p:style>
-          <a:lnRef idx="2">
-            <a:schemeClr val="accent6"/>
+          <a:lnRef idx="1">
+            <a:schemeClr val="accent1"/>
           </a:lnRef>
-          <a:fillRef idx="1">
-            <a:schemeClr val="lt1"/>
+          <a:fillRef idx="0">
+            <a:schemeClr val="accent1"/>
           </a:fillRef>
           <a:effectRef idx="0">
-            <a:schemeClr val="accent6"/>
+            <a:schemeClr val="accent1"/>
           </a:effectRef>
           <a:fontRef idx="minor">
-            <a:schemeClr val="dk1"/>
+            <a:schemeClr val="tx1"/>
           </a:fontRef>
         </p:style>
-        <p:txBody>
-          <a:bodyPr rtlCol="0" anchor="ctr"/>
-          <a:lstStyle/>
-          <a:p>
-            <a:pPr algn="ctr"/>
-            <a:r>
-              <a:rPr lang="ja-JP" altLang="en-US" dirty="0"/>
-              <a:t>ブロックチェーン</a:t>
-            </a:r>
-            <a:endParaRPr kumimoji="1" lang="ja-JP" altLang="en-US" dirty="0"/>
-          </a:p>
-        </p:txBody>
-      </p:sp>
-      <p:sp>
-        <p:nvSpPr>
-          <p:cNvPr id="5" name="矢印: 下 4">
-            <a:extLst>
-              <a:ext uri="{FF2B5EF4-FFF2-40B4-BE49-F238E27FC236}">
-                <a16:creationId xmlns:a16="http://schemas.microsoft.com/office/drawing/2014/main" id="{BAEAC65F-B367-4E08-B3DD-589DDFA8D538}"/>
-              </a:ext>
-            </a:extLst>
-          </p:cNvPr>
-          <p:cNvSpPr/>
+      </p:cxnSp>
+      <p:cxnSp>
+        <p:nvCxnSpPr>
+          <p:cNvPr id="24" name="直線コネクタ 23">
+            <a:extLst>
+              <a:ext uri="{FF2B5EF4-FFF2-40B4-BE49-F238E27FC236}">
+                <a16:creationId xmlns:a16="http://schemas.microsoft.com/office/drawing/2014/main" id="{E3EF7915-E109-401B-B9BA-7578672607C5}"/>
+              </a:ext>
+            </a:extLst>
+          </p:cNvPr>
+          <p:cNvCxnSpPr>
+            <a:cxnSpLocks/>
+            <a:stCxn id="5" idx="1"/>
+          </p:cNvCxnSpPr>
           <p:nvPr/>
-        </p:nvSpPr>
+        </p:nvCxnSpPr>
         <p:spPr>
-          <a:xfrm>
-            <a:off x="6152225" y="3063545"/>
-            <a:ext cx="948267" cy="1608666"/>
+          <a:xfrm flipH="1">
+            <a:off x="541867" y="2597231"/>
+            <a:ext cx="624235" cy="0"/>
           </a:xfrm>
-          <a:prstGeom prst="downArrow">
+          <a:prstGeom prst="line">
             <a:avLst/>
           </a:prstGeom>
-          <a:ln>
-            <a:solidFill>
-              <a:schemeClr val="tx1"/>
-            </a:solidFill>
-          </a:ln>
         </p:spPr>
         <p:style>
-          <a:lnRef idx="2">
-            <a:schemeClr val="accent6"/>
+          <a:lnRef idx="1">
+            <a:schemeClr val="accent1"/>
           </a:lnRef>
-          <a:fillRef idx="1">
-            <a:schemeClr val="lt1"/>
+          <a:fillRef idx="0">
+            <a:schemeClr val="accent1"/>
           </a:fillRef>
           <a:effectRef idx="0">
-            <a:schemeClr val="accent6"/>
+            <a:schemeClr val="accent1"/>
           </a:effectRef>
           <a:fontRef idx="minor">
-            <a:schemeClr val="dk1"/>
+            <a:schemeClr val="tx1"/>
           </a:fontRef>
         </p:style>
-        <p:txBody>
-          <a:bodyPr rtlCol="0" anchor="ctr"/>
-          <a:lstStyle/>
-          <a:p>
-            <a:pPr algn="ctr"/>
-            <a:r>
-              <a:rPr kumimoji="1" lang="ja-JP" altLang="en-US" dirty="0"/>
-              <a:t>①</a:t>
-            </a:r>
-          </a:p>
-        </p:txBody>
-      </p:sp>
-      <p:sp>
-        <p:nvSpPr>
-          <p:cNvPr id="7" name="矢印: 右 6">
-            <a:extLst>
-              <a:ext uri="{FF2B5EF4-FFF2-40B4-BE49-F238E27FC236}">
-                <a16:creationId xmlns:a16="http://schemas.microsoft.com/office/drawing/2014/main" id="{B458126C-2C11-4CE4-A1D6-BC7724FD8FC9}"/>
-              </a:ext>
-            </a:extLst>
-          </p:cNvPr>
-          <p:cNvSpPr/>
+      </p:cxnSp>
+      <p:cxnSp>
+        <p:nvCxnSpPr>
+          <p:cNvPr id="25" name="直線コネクタ 24">
+            <a:extLst>
+              <a:ext uri="{FF2B5EF4-FFF2-40B4-BE49-F238E27FC236}">
+                <a16:creationId xmlns:a16="http://schemas.microsoft.com/office/drawing/2014/main" id="{1C4D3450-9A98-4597-AD8C-0EDC1F8DE6D0}"/>
+              </a:ext>
+            </a:extLst>
+          </p:cNvPr>
+          <p:cNvCxnSpPr>
+            <a:cxnSpLocks/>
+            <a:stCxn id="18" idx="3"/>
+          </p:cNvCxnSpPr>
           <p:nvPr/>
-        </p:nvSpPr>
+        </p:nvCxnSpPr>
         <p:spPr>
-          <a:xfrm>
-            <a:off x="3635236" y="2077655"/>
-            <a:ext cx="1786467" cy="797451"/>
+          <a:xfrm flipV="1">
+            <a:off x="10050821" y="2597231"/>
+            <a:ext cx="574846" cy="1"/>
           </a:xfrm>
-          <a:prstGeom prst="rightArrow">
+          <a:prstGeom prst="line">
             <a:avLst/>
           </a:prstGeom>
-          <a:solidFill>
-            <a:schemeClr val="bg1"/>
-          </a:solidFill>
         </p:spPr>
         <p:style>
-          <a:lnRef idx="2">
-            <a:schemeClr val="dk1">
-              <a:shade val="50000"/>
-            </a:schemeClr>
+          <a:lnRef idx="1">
+            <a:schemeClr val="accent1"/>
           </a:lnRef>
-          <a:fillRef idx="1">
-            <a:schemeClr val="dk1"/>
+          <a:fillRef idx="0">
+            <a:schemeClr val="accent1"/>
           </a:fillRef>
           <a:effectRef idx="0">
-            <a:schemeClr val="dk1"/>
+            <a:schemeClr val="accent1"/>
           </a:effectRef>
           <a:fontRef idx="minor">
-            <a:schemeClr val="lt1"/>
+            <a:schemeClr val="tx1"/>
           </a:fontRef>
         </p:style>
-        <p:txBody>
-          <a:bodyPr rtlCol="0" anchor="ctr"/>
-          <a:lstStyle/>
-          <a:p>
-            <a:pPr algn="ctr"/>
-            <a:r>
-              <a:rPr kumimoji="1" lang="ja-JP" altLang="en-US" dirty="0">
-                <a:solidFill>
-                  <a:schemeClr val="tx1"/>
-                </a:solidFill>
-              </a:rPr>
-              <a:t>出席情報</a:t>
-            </a:r>
-          </a:p>
-        </p:txBody>
-      </p:sp>
-      <p:sp>
-        <p:nvSpPr>
-          <p:cNvPr id="24" name="矢印: 右 23">
-            <a:extLst>
-              <a:ext uri="{FF2B5EF4-FFF2-40B4-BE49-F238E27FC236}">
-                <a16:creationId xmlns:a16="http://schemas.microsoft.com/office/drawing/2014/main" id="{6000E7EE-B1BD-4A23-AE10-E57FDD155215}"/>
-              </a:ext>
-            </a:extLst>
-          </p:cNvPr>
-          <p:cNvSpPr/>
-          <p:nvPr/>
-        </p:nvSpPr>
-        <p:spPr>
-          <a:xfrm flipH="1">
-            <a:off x="3619879" y="5247455"/>
-            <a:ext cx="1811866" cy="797451"/>
-          </a:xfrm>
-          <a:prstGeom prst="rightArrow">
-            <a:avLst/>
-          </a:prstGeom>
-          <a:solidFill>
-            <a:schemeClr val="bg1"/>
-          </a:solidFill>
-        </p:spPr>
-        <p:style>
-          <a:lnRef idx="2">
-            <a:schemeClr val="dk1">
-              <a:shade val="50000"/>
-            </a:schemeClr>
-          </a:lnRef>
-          <a:fillRef idx="1">
-            <a:schemeClr val="dk1"/>
-          </a:fillRef>
-          <a:effectRef idx="0">
-            <a:schemeClr val="dk1"/>
-          </a:effectRef>
-          <a:fontRef idx="minor">
-            <a:schemeClr val="lt1"/>
-          </a:fontRef>
-        </p:style>
-        <p:txBody>
-          <a:bodyPr rtlCol="0" anchor="ctr"/>
-          <a:lstStyle/>
-          <a:p>
-            <a:pPr algn="ctr"/>
-            <a:r>
-              <a:rPr kumimoji="1" lang="ja-JP" altLang="en-US" dirty="0">
-                <a:solidFill>
-                  <a:schemeClr val="tx1"/>
-                </a:solidFill>
-              </a:rPr>
-              <a:t>③</a:t>
-            </a:r>
-          </a:p>
-        </p:txBody>
-      </p:sp>
-      <p:sp>
-        <p:nvSpPr>
-          <p:cNvPr id="25" name="矢印: 右 24">
-            <a:extLst>
-              <a:ext uri="{FF2B5EF4-FFF2-40B4-BE49-F238E27FC236}">
-                <a16:creationId xmlns:a16="http://schemas.microsoft.com/office/drawing/2014/main" id="{C0DADF10-2713-4693-A63A-BAB02FD2E9CE}"/>
-              </a:ext>
-            </a:extLst>
-          </p:cNvPr>
-          <p:cNvSpPr/>
-          <p:nvPr/>
-        </p:nvSpPr>
-        <p:spPr>
-          <a:xfrm>
-            <a:off x="3703173" y="4514588"/>
-            <a:ext cx="1786467" cy="797451"/>
-          </a:xfrm>
-          <a:prstGeom prst="rightArrow">
-            <a:avLst/>
-          </a:prstGeom>
-          <a:solidFill>
-            <a:schemeClr val="bg1"/>
-          </a:solidFill>
-        </p:spPr>
-        <p:style>
-          <a:lnRef idx="2">
-            <a:schemeClr val="dk1">
-              <a:shade val="50000"/>
-            </a:schemeClr>
-          </a:lnRef>
-          <a:fillRef idx="1">
-            <a:schemeClr val="dk1"/>
-          </a:fillRef>
-          <a:effectRef idx="0">
-            <a:schemeClr val="dk1"/>
-          </a:effectRef>
-          <a:fontRef idx="minor">
-            <a:schemeClr val="lt1"/>
-          </a:fontRef>
-        </p:style>
-        <p:txBody>
-          <a:bodyPr rtlCol="0" anchor="ctr"/>
-          <a:lstStyle/>
-          <a:p>
-            <a:pPr algn="ctr"/>
-            <a:r>
-              <a:rPr kumimoji="1" lang="ja-JP" altLang="en-US" dirty="0">
-                <a:solidFill>
-                  <a:schemeClr val="tx1"/>
-                </a:solidFill>
-              </a:rPr>
-              <a:t>②</a:t>
-            </a:r>
-          </a:p>
-        </p:txBody>
-      </p:sp>
-      <p:sp>
-        <p:nvSpPr>
-          <p:cNvPr id="9" name="テキスト ボックス 8">
-            <a:extLst>
-              <a:ext uri="{FF2B5EF4-FFF2-40B4-BE49-F238E27FC236}">
-                <a16:creationId xmlns:a16="http://schemas.microsoft.com/office/drawing/2014/main" id="{3F9C8010-E71B-4E42-AC13-B01315DD82AD}"/>
-              </a:ext>
-            </a:extLst>
-          </p:cNvPr>
-          <p:cNvSpPr txBox="1"/>
-          <p:nvPr/>
-        </p:nvSpPr>
-        <p:spPr>
-          <a:xfrm>
-            <a:off x="3674910" y="4063037"/>
-            <a:ext cx="1701803" cy="369332"/>
-          </a:xfrm>
-          <a:prstGeom prst="rect">
-            <a:avLst/>
-          </a:prstGeom>
-          <a:noFill/>
-        </p:spPr>
-        <p:txBody>
-          <a:bodyPr wrap="square" rtlCol="0">
-            <a:spAutoFit/>
-          </a:bodyPr>
-          <a:lstStyle/>
-          <a:p>
-            <a:r>
-              <a:rPr kumimoji="1" lang="ja-JP" altLang="en-US" dirty="0"/>
-              <a:t>プロトタイプ</a:t>
-            </a:r>
-          </a:p>
-        </p:txBody>
-      </p:sp>
+      </p:cxnSp>
     </p:spTree>
     <p:extLst>
       <p:ext uri="{BB962C8B-B14F-4D97-AF65-F5344CB8AC3E}">
-        <p14:creationId xmlns:p14="http://schemas.microsoft.com/office/powerpoint/2010/main" val="952367844"/>
+        <p14:creationId xmlns:p14="http://schemas.microsoft.com/office/powerpoint/2010/main" val="2248375349"/>
       </p:ext>
     </p:extLst>
   </p:cSld>
@@ -10298,7 +9817,7 @@
                             </p:stCondLst>
                             <p:childTnLst>
                               <p:par>
-                                <p:cTn id="5" presetID="1" presetClass="entr" presetSubtype="0" fill="hold" grpId="0" nodeType="clickEffect">
+                                <p:cTn id="5" presetID="1" presetClass="entr" presetSubtype="0" fill="hold" nodeType="clickEffect">
                                   <p:stCondLst>
                                     <p:cond delay="0"/>
                                   </p:stCondLst>
@@ -10311,7 +9830,34 @@
                                           </p:stCondLst>
                                         </p:cTn>
                                         <p:tgtEl>
-                                          <p:spTgt spid="1027"/>
+                                          <p:spTgt spid="26"/>
+                                        </p:tgtEl>
+                                        <p:attrNameLst>
+                                          <p:attrName>style.visibility</p:attrName>
+                                        </p:attrNameLst>
+                                      </p:cBhvr>
+                                      <p:to>
+                                        <p:strVal val="visible"/>
+                                      </p:to>
+                                    </p:set>
+                                  </p:childTnLst>
+                                </p:cTn>
+                              </p:par>
+                              <p:par>
+                                <p:cTn id="7" presetID="1" presetClass="entr" presetSubtype="0" fill="hold" nodeType="withEffect">
+                                  <p:stCondLst>
+                                    <p:cond delay="0"/>
+                                  </p:stCondLst>
+                                  <p:childTnLst>
+                                    <p:set>
+                                      <p:cBhvr>
+                                        <p:cTn id="8" dur="1" fill="hold">
+                                          <p:stCondLst>
+                                            <p:cond delay="0"/>
+                                          </p:stCondLst>
+                                        </p:cTn>
+                                        <p:tgtEl>
+                                          <p:spTgt spid="23"/>
                                         </p:tgtEl>
                                         <p:attrNameLst>
                                           <p:attrName>style.visibility</p:attrName>
@@ -10351,9 +9897,851 @@
         </p:cTn>
       </p:par>
     </p:tnLst>
-    <p:bldLst>
-      <p:bldP spid="1027" grpId="0" animBg="1"/>
-    </p:bldLst>
+  </p:timing>
+</p:sld>
+</file>
+
+<file path=ppt/slides/slide7.xml><?xml version="1.0" encoding="utf-8"?>
+<p:sld xmlns:a="http://schemas.openxmlformats.org/drawingml/2006/main" xmlns:r="http://schemas.openxmlformats.org/officeDocument/2006/relationships" xmlns:p="http://schemas.openxmlformats.org/presentationml/2006/main">
+  <p:cSld>
+    <p:spTree>
+      <p:nvGrpSpPr>
+        <p:cNvPr id="1" name=""/>
+        <p:cNvGrpSpPr/>
+        <p:nvPr/>
+      </p:nvGrpSpPr>
+      <p:grpSpPr>
+        <a:xfrm>
+          <a:off x="0" y="0"/>
+          <a:ext cx="0" cy="0"/>
+          <a:chOff x="0" y="0"/>
+          <a:chExt cx="0" cy="0"/>
+        </a:xfrm>
+      </p:grpSpPr>
+      <p:sp>
+        <p:nvSpPr>
+          <p:cNvPr id="2" name="タイトル 1">
+            <a:extLst>
+              <a:ext uri="{FF2B5EF4-FFF2-40B4-BE49-F238E27FC236}">
+                <a16:creationId xmlns:a16="http://schemas.microsoft.com/office/drawing/2014/main" id="{233B1867-65B6-41DB-9317-C6DD5C0EB53F}"/>
+              </a:ext>
+            </a:extLst>
+          </p:cNvPr>
+          <p:cNvSpPr>
+            <a:spLocks noGrp="1"/>
+          </p:cNvSpPr>
+          <p:nvPr>
+            <p:ph type="title"/>
+          </p:nvPr>
+        </p:nvSpPr>
+        <p:spPr/>
+        <p:txBody>
+          <a:bodyPr/>
+          <a:lstStyle/>
+          <a:p>
+            <a:r>
+              <a:rPr kumimoji="1" lang="ja-JP" altLang="en-US" dirty="0"/>
+              <a:t>出席管理システムの要件定義</a:t>
+            </a:r>
+          </a:p>
+        </p:txBody>
+      </p:sp>
+      <p:sp>
+        <p:nvSpPr>
+          <p:cNvPr id="3" name="コンテンツ プレースホルダー 2">
+            <a:extLst>
+              <a:ext uri="{FF2B5EF4-FFF2-40B4-BE49-F238E27FC236}">
+                <a16:creationId xmlns:a16="http://schemas.microsoft.com/office/drawing/2014/main" id="{35C9DE32-C31E-47A7-B0A9-BF3FA2679FEB}"/>
+              </a:ext>
+            </a:extLst>
+          </p:cNvPr>
+          <p:cNvSpPr>
+            <a:spLocks noGrp="1"/>
+          </p:cNvSpPr>
+          <p:nvPr>
+            <p:ph idx="1"/>
+          </p:nvPr>
+        </p:nvSpPr>
+        <p:spPr/>
+        <p:txBody>
+          <a:bodyPr/>
+          <a:lstStyle/>
+          <a:p>
+            <a:endParaRPr kumimoji="1" lang="en-US" altLang="ja-JP" dirty="0"/>
+          </a:p>
+          <a:p>
+            <a:r>
+              <a:rPr kumimoji="1" lang="ja-JP" altLang="en-US" dirty="0"/>
+              <a:t>改ざん不可能</a:t>
+            </a:r>
+            <a:endParaRPr kumimoji="1" lang="en-US" altLang="ja-JP" dirty="0"/>
+          </a:p>
+          <a:p>
+            <a:endParaRPr lang="en-US" altLang="ja-JP" dirty="0"/>
+          </a:p>
+          <a:p>
+            <a:r>
+              <a:rPr kumimoji="1" lang="ja-JP" altLang="en-US" dirty="0"/>
+              <a:t>出席情報の登録</a:t>
+            </a:r>
+            <a:endParaRPr kumimoji="1" lang="en-US" altLang="ja-JP" dirty="0"/>
+          </a:p>
+          <a:p>
+            <a:endParaRPr lang="en-US" altLang="ja-JP" dirty="0"/>
+          </a:p>
+          <a:p>
+            <a:r>
+              <a:rPr kumimoji="1" lang="ja-JP" altLang="en-US" dirty="0"/>
+              <a:t>出席情報の公開</a:t>
+            </a:r>
+          </a:p>
+        </p:txBody>
+      </p:sp>
+    </p:spTree>
+    <p:extLst>
+      <p:ext uri="{BB962C8B-B14F-4D97-AF65-F5344CB8AC3E}">
+        <p14:creationId xmlns:p14="http://schemas.microsoft.com/office/powerpoint/2010/main" val="4140169425"/>
+      </p:ext>
+    </p:extLst>
+  </p:cSld>
+  <p:clrMapOvr>
+    <a:masterClrMapping/>
+  </p:clrMapOvr>
+</p:sld>
+</file>
+
+<file path=ppt/slides/slide8.xml><?xml version="1.0" encoding="utf-8"?>
+<p:sld xmlns:a="http://schemas.openxmlformats.org/drawingml/2006/main" xmlns:r="http://schemas.openxmlformats.org/officeDocument/2006/relationships" xmlns:p="http://schemas.openxmlformats.org/presentationml/2006/main">
+  <p:cSld>
+    <p:spTree>
+      <p:nvGrpSpPr>
+        <p:cNvPr id="1" name=""/>
+        <p:cNvGrpSpPr/>
+        <p:nvPr/>
+      </p:nvGrpSpPr>
+      <p:grpSpPr>
+        <a:xfrm>
+          <a:off x="0" y="0"/>
+          <a:ext cx="0" cy="0"/>
+          <a:chOff x="0" y="0"/>
+          <a:chExt cx="0" cy="0"/>
+        </a:xfrm>
+      </p:grpSpPr>
+      <p:grpSp>
+        <p:nvGrpSpPr>
+          <p:cNvPr id="36" name="グループ化 35">
+            <a:extLst>
+              <a:ext uri="{FF2B5EF4-FFF2-40B4-BE49-F238E27FC236}">
+                <a16:creationId xmlns:a16="http://schemas.microsoft.com/office/drawing/2014/main" id="{FC39A4AE-867F-4B81-AD99-BB6171E4982F}"/>
+              </a:ext>
+            </a:extLst>
+          </p:cNvPr>
+          <p:cNvGrpSpPr/>
+          <p:nvPr/>
+        </p:nvGrpSpPr>
+        <p:grpSpPr>
+          <a:xfrm>
+            <a:off x="1049867" y="1761067"/>
+            <a:ext cx="6741334" cy="4371644"/>
+            <a:chOff x="931710" y="1690688"/>
+            <a:chExt cx="6951133" cy="4529667"/>
+          </a:xfrm>
+        </p:grpSpPr>
+        <p:sp>
+          <p:nvSpPr>
+            <p:cNvPr id="37" name="フリーフォーム: 図形 36">
+              <a:extLst>
+                <a:ext uri="{FF2B5EF4-FFF2-40B4-BE49-F238E27FC236}">
+                  <a16:creationId xmlns:a16="http://schemas.microsoft.com/office/drawing/2014/main" id="{B495F667-12DD-4DC1-A367-09DF9D66A7D6}"/>
+                </a:ext>
+              </a:extLst>
+            </p:cNvPr>
+            <p:cNvSpPr/>
+            <p:nvPr/>
+          </p:nvSpPr>
+          <p:spPr>
+            <a:xfrm>
+              <a:off x="931710" y="1690688"/>
+              <a:ext cx="6951133" cy="4529667"/>
+            </a:xfrm>
+            <a:custGeom>
+              <a:avLst/>
+              <a:gdLst>
+                <a:gd name="connsiteX0" fmla="*/ 4572000 w 6951133"/>
+                <a:gd name="connsiteY0" fmla="*/ 25400 h 4529667"/>
+                <a:gd name="connsiteX1" fmla="*/ 6925733 w 6951133"/>
+                <a:gd name="connsiteY1" fmla="*/ 0 h 4529667"/>
+                <a:gd name="connsiteX2" fmla="*/ 6951133 w 6951133"/>
+                <a:gd name="connsiteY2" fmla="*/ 4487334 h 4529667"/>
+                <a:gd name="connsiteX3" fmla="*/ 0 w 6951133"/>
+                <a:gd name="connsiteY3" fmla="*/ 4529667 h 4529667"/>
+                <a:gd name="connsiteX4" fmla="*/ 0 w 6951133"/>
+                <a:gd name="connsiteY4" fmla="*/ 2794000 h 4529667"/>
+                <a:gd name="connsiteX5" fmla="*/ 4555067 w 6951133"/>
+                <a:gd name="connsiteY5" fmla="*/ 2777067 h 4529667"/>
+                <a:gd name="connsiteX6" fmla="*/ 4572000 w 6951133"/>
+                <a:gd name="connsiteY6" fmla="*/ 25400 h 4529667"/>
+              </a:gdLst>
+              <a:ahLst/>
+              <a:cxnLst>
+                <a:cxn ang="0">
+                  <a:pos x="connsiteX0" y="connsiteY0"/>
+                </a:cxn>
+                <a:cxn ang="0">
+                  <a:pos x="connsiteX1" y="connsiteY1"/>
+                </a:cxn>
+                <a:cxn ang="0">
+                  <a:pos x="connsiteX2" y="connsiteY2"/>
+                </a:cxn>
+                <a:cxn ang="0">
+                  <a:pos x="connsiteX3" y="connsiteY3"/>
+                </a:cxn>
+                <a:cxn ang="0">
+                  <a:pos x="connsiteX4" y="connsiteY4"/>
+                </a:cxn>
+                <a:cxn ang="0">
+                  <a:pos x="connsiteX5" y="connsiteY5"/>
+                </a:cxn>
+                <a:cxn ang="0">
+                  <a:pos x="connsiteX6" y="connsiteY6"/>
+                </a:cxn>
+              </a:cxnLst>
+              <a:rect l="l" t="t" r="r" b="b"/>
+              <a:pathLst>
+                <a:path w="6951133" h="4529667">
+                  <a:moveTo>
+                    <a:pt x="4572000" y="25400"/>
+                  </a:moveTo>
+                  <a:lnTo>
+                    <a:pt x="6925733" y="0"/>
+                  </a:lnTo>
+                  <a:lnTo>
+                    <a:pt x="6951133" y="4487334"/>
+                  </a:lnTo>
+                  <a:lnTo>
+                    <a:pt x="0" y="4529667"/>
+                  </a:lnTo>
+                  <a:lnTo>
+                    <a:pt x="0" y="2794000"/>
+                  </a:lnTo>
+                  <a:lnTo>
+                    <a:pt x="4555067" y="2777067"/>
+                  </a:lnTo>
+                  <a:lnTo>
+                    <a:pt x="4572000" y="25400"/>
+                  </a:lnTo>
+                  <a:close/>
+                </a:path>
+              </a:pathLst>
+            </a:custGeom>
+            <a:ln>
+              <a:solidFill>
+                <a:srgbClr val="00B0F0"/>
+              </a:solidFill>
+            </a:ln>
+          </p:spPr>
+          <p:style>
+            <a:lnRef idx="2">
+              <a:schemeClr val="accent6"/>
+            </a:lnRef>
+            <a:fillRef idx="1">
+              <a:schemeClr val="lt1"/>
+            </a:fillRef>
+            <a:effectRef idx="0">
+              <a:schemeClr val="accent6"/>
+            </a:effectRef>
+            <a:fontRef idx="minor">
+              <a:schemeClr val="dk1"/>
+            </a:fontRef>
+          </p:style>
+          <p:txBody>
+            <a:bodyPr rtlCol="0" anchor="ctr"/>
+            <a:lstStyle/>
+            <a:p>
+              <a:pPr algn="ctr"/>
+              <a:endParaRPr kumimoji="1" lang="ja-JP" altLang="en-US" dirty="0"/>
+            </a:p>
+          </p:txBody>
+        </p:sp>
+        <p:sp>
+          <p:nvSpPr>
+            <p:cNvPr id="38" name="テキスト ボックス 37">
+              <a:extLst>
+                <a:ext uri="{FF2B5EF4-FFF2-40B4-BE49-F238E27FC236}">
+                  <a16:creationId xmlns:a16="http://schemas.microsoft.com/office/drawing/2014/main" id="{1D777A77-D929-4EBB-B6CA-620CC836BFE0}"/>
+                </a:ext>
+              </a:extLst>
+            </p:cNvPr>
+            <p:cNvSpPr txBox="1"/>
+            <p:nvPr/>
+          </p:nvSpPr>
+          <p:spPr>
+            <a:xfrm>
+              <a:off x="3556374" y="4063037"/>
+              <a:ext cx="1701803" cy="369332"/>
+            </a:xfrm>
+            <a:prstGeom prst="rect">
+              <a:avLst/>
+            </a:prstGeom>
+            <a:noFill/>
+          </p:spPr>
+          <p:txBody>
+            <a:bodyPr wrap="square" rtlCol="0">
+              <a:spAutoFit/>
+            </a:bodyPr>
+            <a:lstStyle/>
+            <a:p>
+              <a:r>
+                <a:rPr kumimoji="1" lang="ja-JP" altLang="en-US" dirty="0"/>
+                <a:t>プロトタイプ</a:t>
+              </a:r>
+            </a:p>
+          </p:txBody>
+        </p:sp>
+      </p:grpSp>
+      <p:sp>
+        <p:nvSpPr>
+          <p:cNvPr id="2" name="タイトル 1">
+            <a:extLst>
+              <a:ext uri="{FF2B5EF4-FFF2-40B4-BE49-F238E27FC236}">
+                <a16:creationId xmlns:a16="http://schemas.microsoft.com/office/drawing/2014/main" id="{6D9919C2-F321-454E-9780-3A7572C6030A}"/>
+              </a:ext>
+            </a:extLst>
+          </p:cNvPr>
+          <p:cNvSpPr>
+            <a:spLocks noGrp="1"/>
+          </p:cNvSpPr>
+          <p:nvPr>
+            <p:ph type="title"/>
+          </p:nvPr>
+        </p:nvSpPr>
+        <p:spPr/>
+        <p:txBody>
+          <a:bodyPr/>
+          <a:lstStyle/>
+          <a:p>
+            <a:r>
+              <a:rPr kumimoji="1" lang="ja-JP" altLang="en-US" dirty="0"/>
+              <a:t>出席管理システムの概要</a:t>
+            </a:r>
+          </a:p>
+        </p:txBody>
+      </p:sp>
+      <p:sp>
+        <p:nvSpPr>
+          <p:cNvPr id="3" name="正方形/長方形 2">
+            <a:extLst>
+              <a:ext uri="{FF2B5EF4-FFF2-40B4-BE49-F238E27FC236}">
+                <a16:creationId xmlns:a16="http://schemas.microsoft.com/office/drawing/2014/main" id="{BE934D96-E9C4-4FDC-A57B-9AFC22AB0FE7}"/>
+              </a:ext>
+            </a:extLst>
+          </p:cNvPr>
+          <p:cNvSpPr/>
+          <p:nvPr/>
+        </p:nvSpPr>
+        <p:spPr>
+          <a:xfrm>
+            <a:off x="1418813" y="2003427"/>
+            <a:ext cx="2023533" cy="975784"/>
+          </a:xfrm>
+          <a:prstGeom prst="rect">
+            <a:avLst/>
+          </a:prstGeom>
+          <a:ln>
+            <a:solidFill>
+              <a:schemeClr val="tx1"/>
+            </a:solidFill>
+          </a:ln>
+        </p:spPr>
+        <p:style>
+          <a:lnRef idx="2">
+            <a:schemeClr val="accent6"/>
+          </a:lnRef>
+          <a:fillRef idx="1">
+            <a:schemeClr val="lt1"/>
+          </a:fillRef>
+          <a:effectRef idx="0">
+            <a:schemeClr val="accent6"/>
+          </a:effectRef>
+          <a:fontRef idx="minor">
+            <a:schemeClr val="dk1"/>
+          </a:fontRef>
+        </p:style>
+        <p:txBody>
+          <a:bodyPr rtlCol="0" anchor="ctr"/>
+          <a:lstStyle/>
+          <a:p>
+            <a:pPr algn="ctr"/>
+            <a:r>
+              <a:rPr kumimoji="1" lang="ja-JP" altLang="en-US" dirty="0"/>
+              <a:t>生徒</a:t>
+            </a:r>
+          </a:p>
+        </p:txBody>
+      </p:sp>
+      <p:sp>
+        <p:nvSpPr>
+          <p:cNvPr id="19" name="正方形/長方形 18">
+            <a:extLst>
+              <a:ext uri="{FF2B5EF4-FFF2-40B4-BE49-F238E27FC236}">
+                <a16:creationId xmlns:a16="http://schemas.microsoft.com/office/drawing/2014/main" id="{59C14DE2-3BA3-4448-BC4A-13ED9EBEA766}"/>
+              </a:ext>
+            </a:extLst>
+          </p:cNvPr>
+          <p:cNvSpPr/>
+          <p:nvPr/>
+        </p:nvSpPr>
+        <p:spPr>
+          <a:xfrm>
+            <a:off x="5614593" y="2038216"/>
+            <a:ext cx="2023533" cy="975784"/>
+          </a:xfrm>
+          <a:prstGeom prst="rect">
+            <a:avLst/>
+          </a:prstGeom>
+          <a:ln>
+            <a:solidFill>
+              <a:schemeClr val="tx1"/>
+            </a:solidFill>
+          </a:ln>
+        </p:spPr>
+        <p:style>
+          <a:lnRef idx="2">
+            <a:schemeClr val="accent6"/>
+          </a:lnRef>
+          <a:fillRef idx="1">
+            <a:schemeClr val="lt1"/>
+          </a:fillRef>
+          <a:effectRef idx="0">
+            <a:schemeClr val="accent6"/>
+          </a:effectRef>
+          <a:fontRef idx="minor">
+            <a:schemeClr val="dk1"/>
+          </a:fontRef>
+        </p:style>
+        <p:txBody>
+          <a:bodyPr rtlCol="0" anchor="ctr"/>
+          <a:lstStyle/>
+          <a:p>
+            <a:pPr algn="ctr"/>
+            <a:r>
+              <a:rPr lang="ja-JP" altLang="en-US" dirty="0"/>
+              <a:t>サーバ</a:t>
+            </a:r>
+            <a:endParaRPr kumimoji="1" lang="ja-JP" altLang="en-US" dirty="0"/>
+          </a:p>
+        </p:txBody>
+      </p:sp>
+      <p:sp>
+        <p:nvSpPr>
+          <p:cNvPr id="20" name="正方形/長方形 19">
+            <a:extLst>
+              <a:ext uri="{FF2B5EF4-FFF2-40B4-BE49-F238E27FC236}">
+                <a16:creationId xmlns:a16="http://schemas.microsoft.com/office/drawing/2014/main" id="{7083B8DA-F89A-4BAB-AA1C-23B4424CC734}"/>
+              </a:ext>
+            </a:extLst>
+          </p:cNvPr>
+          <p:cNvSpPr/>
+          <p:nvPr/>
+        </p:nvSpPr>
+        <p:spPr>
+          <a:xfrm>
+            <a:off x="1421410" y="4827657"/>
+            <a:ext cx="2023533" cy="975784"/>
+          </a:xfrm>
+          <a:prstGeom prst="rect">
+            <a:avLst/>
+          </a:prstGeom>
+          <a:ln>
+            <a:solidFill>
+              <a:schemeClr val="tx1"/>
+            </a:solidFill>
+          </a:ln>
+        </p:spPr>
+        <p:style>
+          <a:lnRef idx="2">
+            <a:schemeClr val="accent6"/>
+          </a:lnRef>
+          <a:fillRef idx="1">
+            <a:schemeClr val="lt1"/>
+          </a:fillRef>
+          <a:effectRef idx="0">
+            <a:schemeClr val="accent6"/>
+          </a:effectRef>
+          <a:fontRef idx="minor">
+            <a:schemeClr val="dk1"/>
+          </a:fontRef>
+        </p:style>
+        <p:txBody>
+          <a:bodyPr rtlCol="0" anchor="ctr"/>
+          <a:lstStyle/>
+          <a:p>
+            <a:pPr algn="ctr"/>
+            <a:r>
+              <a:rPr lang="ja-JP" altLang="en-US" dirty="0"/>
+              <a:t>学校</a:t>
+            </a:r>
+            <a:endParaRPr kumimoji="1" lang="ja-JP" altLang="en-US" dirty="0"/>
+          </a:p>
+        </p:txBody>
+      </p:sp>
+      <p:sp>
+        <p:nvSpPr>
+          <p:cNvPr id="23" name="正方形/長方形 22">
+            <a:extLst>
+              <a:ext uri="{FF2B5EF4-FFF2-40B4-BE49-F238E27FC236}">
+                <a16:creationId xmlns:a16="http://schemas.microsoft.com/office/drawing/2014/main" id="{EABDD444-ECA3-4127-AAC3-BF4C2272AA77}"/>
+              </a:ext>
+            </a:extLst>
+          </p:cNvPr>
+          <p:cNvSpPr/>
+          <p:nvPr/>
+        </p:nvSpPr>
+        <p:spPr>
+          <a:xfrm>
+            <a:off x="5595824" y="4806424"/>
+            <a:ext cx="2023533" cy="975784"/>
+          </a:xfrm>
+          <a:prstGeom prst="rect">
+            <a:avLst/>
+          </a:prstGeom>
+          <a:ln>
+            <a:solidFill>
+              <a:schemeClr val="tx1"/>
+            </a:solidFill>
+          </a:ln>
+        </p:spPr>
+        <p:style>
+          <a:lnRef idx="2">
+            <a:schemeClr val="accent6"/>
+          </a:lnRef>
+          <a:fillRef idx="1">
+            <a:schemeClr val="lt1"/>
+          </a:fillRef>
+          <a:effectRef idx="0">
+            <a:schemeClr val="accent6"/>
+          </a:effectRef>
+          <a:fontRef idx="minor">
+            <a:schemeClr val="dk1"/>
+          </a:fontRef>
+        </p:style>
+        <p:txBody>
+          <a:bodyPr rtlCol="0" anchor="ctr"/>
+          <a:lstStyle/>
+          <a:p>
+            <a:pPr algn="ctr"/>
+            <a:r>
+              <a:rPr lang="ja-JP" altLang="en-US" dirty="0"/>
+              <a:t>ブロックチェーン</a:t>
+            </a:r>
+            <a:endParaRPr kumimoji="1" lang="ja-JP" altLang="en-US" dirty="0"/>
+          </a:p>
+        </p:txBody>
+      </p:sp>
+      <p:sp>
+        <p:nvSpPr>
+          <p:cNvPr id="5" name="矢印: 下 4">
+            <a:extLst>
+              <a:ext uri="{FF2B5EF4-FFF2-40B4-BE49-F238E27FC236}">
+                <a16:creationId xmlns:a16="http://schemas.microsoft.com/office/drawing/2014/main" id="{BAEAC65F-B367-4E08-B3DD-589DDFA8D538}"/>
+              </a:ext>
+            </a:extLst>
+          </p:cNvPr>
+          <p:cNvSpPr/>
+          <p:nvPr/>
+        </p:nvSpPr>
+        <p:spPr>
+          <a:xfrm>
+            <a:off x="6152225" y="3063545"/>
+            <a:ext cx="948267" cy="1608666"/>
+          </a:xfrm>
+          <a:prstGeom prst="downArrow">
+            <a:avLst/>
+          </a:prstGeom>
+          <a:ln>
+            <a:solidFill>
+              <a:schemeClr val="tx1"/>
+            </a:solidFill>
+          </a:ln>
+        </p:spPr>
+        <p:style>
+          <a:lnRef idx="2">
+            <a:schemeClr val="accent6"/>
+          </a:lnRef>
+          <a:fillRef idx="1">
+            <a:schemeClr val="lt1"/>
+          </a:fillRef>
+          <a:effectRef idx="0">
+            <a:schemeClr val="accent6"/>
+          </a:effectRef>
+          <a:fontRef idx="minor">
+            <a:schemeClr val="dk1"/>
+          </a:fontRef>
+        </p:style>
+        <p:txBody>
+          <a:bodyPr rtlCol="0" anchor="ctr"/>
+          <a:lstStyle/>
+          <a:p>
+            <a:pPr algn="ctr"/>
+            <a:r>
+              <a:rPr kumimoji="1" lang="ja-JP" altLang="en-US" dirty="0"/>
+              <a:t>①</a:t>
+            </a:r>
+          </a:p>
+        </p:txBody>
+      </p:sp>
+      <p:sp>
+        <p:nvSpPr>
+          <p:cNvPr id="7" name="矢印: 右 6">
+            <a:extLst>
+              <a:ext uri="{FF2B5EF4-FFF2-40B4-BE49-F238E27FC236}">
+                <a16:creationId xmlns:a16="http://schemas.microsoft.com/office/drawing/2014/main" id="{B458126C-2C11-4CE4-A1D6-BC7724FD8FC9}"/>
+              </a:ext>
+            </a:extLst>
+          </p:cNvPr>
+          <p:cNvSpPr/>
+          <p:nvPr/>
+        </p:nvSpPr>
+        <p:spPr>
+          <a:xfrm>
+            <a:off x="3635236" y="2077655"/>
+            <a:ext cx="1786467" cy="797451"/>
+          </a:xfrm>
+          <a:prstGeom prst="rightArrow">
+            <a:avLst/>
+          </a:prstGeom>
+          <a:solidFill>
+            <a:schemeClr val="bg1"/>
+          </a:solidFill>
+        </p:spPr>
+        <p:style>
+          <a:lnRef idx="2">
+            <a:schemeClr val="dk1">
+              <a:shade val="50000"/>
+            </a:schemeClr>
+          </a:lnRef>
+          <a:fillRef idx="1">
+            <a:schemeClr val="dk1"/>
+          </a:fillRef>
+          <a:effectRef idx="0">
+            <a:schemeClr val="dk1"/>
+          </a:effectRef>
+          <a:fontRef idx="minor">
+            <a:schemeClr val="lt1"/>
+          </a:fontRef>
+        </p:style>
+        <p:txBody>
+          <a:bodyPr rtlCol="0" anchor="ctr"/>
+          <a:lstStyle/>
+          <a:p>
+            <a:pPr algn="ctr"/>
+            <a:r>
+              <a:rPr kumimoji="1" lang="ja-JP" altLang="en-US" dirty="0">
+                <a:solidFill>
+                  <a:schemeClr val="tx1"/>
+                </a:solidFill>
+              </a:rPr>
+              <a:t>出席情報</a:t>
+            </a:r>
+          </a:p>
+        </p:txBody>
+      </p:sp>
+      <p:sp>
+        <p:nvSpPr>
+          <p:cNvPr id="24" name="矢印: 右 23">
+            <a:extLst>
+              <a:ext uri="{FF2B5EF4-FFF2-40B4-BE49-F238E27FC236}">
+                <a16:creationId xmlns:a16="http://schemas.microsoft.com/office/drawing/2014/main" id="{6000E7EE-B1BD-4A23-AE10-E57FDD155215}"/>
+              </a:ext>
+            </a:extLst>
+          </p:cNvPr>
+          <p:cNvSpPr/>
+          <p:nvPr/>
+        </p:nvSpPr>
+        <p:spPr>
+          <a:xfrm flipH="1">
+            <a:off x="3619879" y="5247455"/>
+            <a:ext cx="1811866" cy="797451"/>
+          </a:xfrm>
+          <a:prstGeom prst="rightArrow">
+            <a:avLst/>
+          </a:prstGeom>
+          <a:solidFill>
+            <a:schemeClr val="bg1"/>
+          </a:solidFill>
+        </p:spPr>
+        <p:style>
+          <a:lnRef idx="2">
+            <a:schemeClr val="dk1">
+              <a:shade val="50000"/>
+            </a:schemeClr>
+          </a:lnRef>
+          <a:fillRef idx="1">
+            <a:schemeClr val="dk1"/>
+          </a:fillRef>
+          <a:effectRef idx="0">
+            <a:schemeClr val="dk1"/>
+          </a:effectRef>
+          <a:fontRef idx="minor">
+            <a:schemeClr val="lt1"/>
+          </a:fontRef>
+        </p:style>
+        <p:txBody>
+          <a:bodyPr rtlCol="0" anchor="ctr"/>
+          <a:lstStyle/>
+          <a:p>
+            <a:pPr algn="ctr"/>
+            <a:r>
+              <a:rPr kumimoji="1" lang="ja-JP" altLang="en-US" dirty="0">
+                <a:solidFill>
+                  <a:schemeClr val="tx1"/>
+                </a:solidFill>
+              </a:rPr>
+              <a:t>③</a:t>
+            </a:r>
+          </a:p>
+        </p:txBody>
+      </p:sp>
+      <p:sp>
+        <p:nvSpPr>
+          <p:cNvPr id="25" name="矢印: 右 24">
+            <a:extLst>
+              <a:ext uri="{FF2B5EF4-FFF2-40B4-BE49-F238E27FC236}">
+                <a16:creationId xmlns:a16="http://schemas.microsoft.com/office/drawing/2014/main" id="{C0DADF10-2713-4693-A63A-BAB02FD2E9CE}"/>
+              </a:ext>
+            </a:extLst>
+          </p:cNvPr>
+          <p:cNvSpPr/>
+          <p:nvPr/>
+        </p:nvSpPr>
+        <p:spPr>
+          <a:xfrm>
+            <a:off x="3703173" y="4514588"/>
+            <a:ext cx="1786467" cy="797451"/>
+          </a:xfrm>
+          <a:prstGeom prst="rightArrow">
+            <a:avLst/>
+          </a:prstGeom>
+          <a:solidFill>
+            <a:schemeClr val="bg1"/>
+          </a:solidFill>
+        </p:spPr>
+        <p:style>
+          <a:lnRef idx="2">
+            <a:schemeClr val="dk1">
+              <a:shade val="50000"/>
+            </a:schemeClr>
+          </a:lnRef>
+          <a:fillRef idx="1">
+            <a:schemeClr val="dk1"/>
+          </a:fillRef>
+          <a:effectRef idx="0">
+            <a:schemeClr val="dk1"/>
+          </a:effectRef>
+          <a:fontRef idx="minor">
+            <a:schemeClr val="lt1"/>
+          </a:fontRef>
+        </p:style>
+        <p:txBody>
+          <a:bodyPr rtlCol="0" anchor="ctr"/>
+          <a:lstStyle/>
+          <a:p>
+            <a:pPr algn="ctr"/>
+            <a:r>
+              <a:rPr kumimoji="1" lang="ja-JP" altLang="en-US" dirty="0">
+                <a:solidFill>
+                  <a:schemeClr val="tx1"/>
+                </a:solidFill>
+              </a:rPr>
+              <a:t>②</a:t>
+            </a:r>
+          </a:p>
+        </p:txBody>
+      </p:sp>
+    </p:spTree>
+    <p:extLst>
+      <p:ext uri="{BB962C8B-B14F-4D97-AF65-F5344CB8AC3E}">
+        <p14:creationId xmlns:p14="http://schemas.microsoft.com/office/powerpoint/2010/main" val="952367844"/>
+      </p:ext>
+    </p:extLst>
+  </p:cSld>
+  <p:clrMapOvr>
+    <a:masterClrMapping/>
+  </p:clrMapOvr>
+  <p:timing>
+    <p:tnLst>
+      <p:par>
+        <p:cTn id="1" dur="indefinite" restart="never" nodeType="tmRoot">
+          <p:childTnLst>
+            <p:seq concurrent="1" nextAc="seek">
+              <p:cTn id="2" dur="indefinite" nodeType="mainSeq">
+                <p:childTnLst>
+                  <p:par>
+                    <p:cTn id="3" fill="hold">
+                      <p:stCondLst>
+                        <p:cond delay="indefinite"/>
+                      </p:stCondLst>
+                      <p:childTnLst>
+                        <p:par>
+                          <p:cTn id="4" fill="hold">
+                            <p:stCondLst>
+                              <p:cond delay="0"/>
+                            </p:stCondLst>
+                            <p:childTnLst>
+                              <p:par>
+                                <p:cTn id="5" presetID="1" presetClass="entr" presetSubtype="0" fill="hold" nodeType="clickEffect">
+                                  <p:stCondLst>
+                                    <p:cond delay="0"/>
+                                  </p:stCondLst>
+                                  <p:childTnLst>
+                                    <p:set>
+                                      <p:cBhvr>
+                                        <p:cTn id="6" dur="1" fill="hold">
+                                          <p:stCondLst>
+                                            <p:cond delay="0"/>
+                                          </p:stCondLst>
+                                        </p:cTn>
+                                        <p:tgtEl>
+                                          <p:spTgt spid="36"/>
+                                        </p:tgtEl>
+                                        <p:attrNameLst>
+                                          <p:attrName>style.visibility</p:attrName>
+                                        </p:attrNameLst>
+                                      </p:cBhvr>
+                                      <p:to>
+                                        <p:strVal val="visible"/>
+                                      </p:to>
+                                    </p:set>
+                                  </p:childTnLst>
+                                </p:cTn>
+                              </p:par>
+                            </p:childTnLst>
+                          </p:cTn>
+                        </p:par>
+                      </p:childTnLst>
+                    </p:cTn>
+                  </p:par>
+                </p:childTnLst>
+              </p:cTn>
+              <p:prevCondLst>
+                <p:cond evt="onPrev" delay="0">
+                  <p:tgtEl>
+                    <p:sldTgt/>
+                  </p:tgtEl>
+                </p:cond>
+              </p:prevCondLst>
+              <p:nextCondLst>
+                <p:cond evt="onNext" delay="0">
+                  <p:tgtEl>
+                    <p:sldTgt/>
+                  </p:tgtEl>
+                </p:cond>
+              </p:nextCondLst>
+            </p:seq>
+          </p:childTnLst>
+        </p:cTn>
+      </p:par>
+    </p:tnLst>
   </p:timing>
 </p:sld>
 </file>

--- a/発表資料_218K6078_檜山祐太.pptx
+++ b/発表資料_218K6078_檜山祐太.pptx
@@ -6039,10 +6039,10 @@
           </a:p>
           <a:p>
             <a:r>
-              <a:rPr kumimoji="1" lang="ja-JP" altLang="en-US" dirty="0"/>
-              <a:t>今回のシステムは誰もがすべての関数を実行できるように　　なっている。</a:t>
-            </a:r>
-            <a:endParaRPr kumimoji="1" lang="en-US" altLang="ja-JP" dirty="0"/>
+              <a:rPr lang="ja-JP" altLang="en-US" dirty="0"/>
+              <a:t>関数を実行できる人に制限をかけ、限られた人しか実行できないようにする。</a:t>
+            </a:r>
+            <a:endParaRPr lang="en-US" altLang="ja-JP" dirty="0"/>
           </a:p>
           <a:p>
             <a:endParaRPr lang="en-US" altLang="ja-JP" dirty="0"/>
@@ -6060,7 +6060,7 @@
           <a:p>
             <a:r>
               <a:rPr lang="ja-JP" altLang="en-US" dirty="0"/>
-              <a:t>一定時間に同じ人物による複数の出席情報が登録されないようにする関数を実装</a:t>
+              <a:t>一定時間に同じ人物による複数の出席情報が登録されないようにする関数を実装。</a:t>
             </a:r>
             <a:endParaRPr kumimoji="1" lang="en-US" altLang="ja-JP" dirty="0"/>
           </a:p>
@@ -10229,6 +10229,68 @@
       </p:sp>
       <p:sp>
         <p:nvSpPr>
+          <p:cNvPr id="1028" name="コンテンツ プレースホルダー 1027">
+            <a:extLst>
+              <a:ext uri="{FF2B5EF4-FFF2-40B4-BE49-F238E27FC236}">
+                <a16:creationId xmlns:a16="http://schemas.microsoft.com/office/drawing/2014/main" id="{3BB5C929-EA64-4754-A0F4-A56C6BF9277C}"/>
+              </a:ext>
+            </a:extLst>
+          </p:cNvPr>
+          <p:cNvSpPr>
+            <a:spLocks noGrp="1"/>
+          </p:cNvSpPr>
+          <p:nvPr>
+            <p:ph idx="1"/>
+          </p:nvPr>
+        </p:nvSpPr>
+        <p:spPr>
+          <a:xfrm>
+            <a:off x="7969636" y="2671101"/>
+            <a:ext cx="4053669" cy="2640938"/>
+          </a:xfrm>
+        </p:spPr>
+        <p:txBody>
+          <a:bodyPr/>
+          <a:lstStyle/>
+          <a:p>
+            <a:pPr marL="0" indent="0">
+              <a:buNone/>
+            </a:pPr>
+            <a:r>
+              <a:rPr lang="ja-JP" altLang="en-US" dirty="0"/>
+              <a:t>①出席情報の登録</a:t>
+            </a:r>
+            <a:endParaRPr lang="en-US" altLang="ja-JP" dirty="0"/>
+          </a:p>
+          <a:p>
+            <a:endParaRPr lang="en-US" altLang="ja-JP" dirty="0"/>
+          </a:p>
+          <a:p>
+            <a:pPr marL="0" indent="0">
+              <a:buNone/>
+            </a:pPr>
+            <a:r>
+              <a:rPr lang="ja-JP" altLang="en-US" dirty="0"/>
+              <a:t>②出席情報の確認申請</a:t>
+            </a:r>
+            <a:endParaRPr lang="en-US" altLang="ja-JP" dirty="0"/>
+          </a:p>
+          <a:p>
+            <a:endParaRPr lang="en-US" altLang="ja-JP" dirty="0"/>
+          </a:p>
+          <a:p>
+            <a:pPr marL="0" indent="0">
+              <a:buNone/>
+            </a:pPr>
+            <a:r>
+              <a:rPr lang="ja-JP" altLang="en-US" dirty="0"/>
+              <a:t>③出席情報の公開</a:t>
+            </a:r>
+          </a:p>
+        </p:txBody>
+      </p:sp>
+      <p:sp>
+        <p:nvSpPr>
           <p:cNvPr id="3" name="正方形/長方形 2">
             <a:extLst>
               <a:ext uri="{FF2B5EF4-FFF2-40B4-BE49-F238E27FC236}">
@@ -10484,9 +10546,10 @@
           <a:p>
             <a:pPr algn="ctr"/>
             <a:r>
-              <a:rPr kumimoji="1" lang="ja-JP" altLang="en-US" dirty="0"/>
+              <a:rPr lang="ja-JP" altLang="en-US" dirty="0"/>
               <a:t>①</a:t>
             </a:r>
+            <a:endParaRPr kumimoji="1" lang="ja-JP" altLang="en-US" dirty="0"/>
           </a:p>
         </p:txBody>
       </p:sp>

--- a/発表資料_218K6078_檜山祐太.pptx
+++ b/発表資料_218K6078_檜山祐太.pptx
@@ -6040,7 +6040,7 @@
           <a:p>
             <a:r>
               <a:rPr lang="ja-JP" altLang="en-US" dirty="0"/>
-              <a:t>関数を実行できる人に制限をかけ、限られた人しか実行できないようにする。</a:t>
+              <a:t>関数を実行できる人に制限を設け、限られた人しか実行できないようにする。</a:t>
             </a:r>
             <a:endParaRPr lang="en-US" altLang="ja-JP" dirty="0"/>
           </a:p>
